--- a/ipsa/slides/exceptions.pptx
+++ b/ipsa/slides/exceptions.pptx
@@ -146,13 +146,248 @@
 <file path=ppt/revisionInfo.xml><?xml version="1.0" encoding="utf-8"?>
 <p1510:revInfo xmlns:a="http://schemas.openxmlformats.org/drawingml/2006/main" xmlns:r="http://schemas.openxmlformats.org/officeDocument/2006/relationships" xmlns:p1510="http://schemas.microsoft.com/office/powerpoint/2015/10/main">
   <p1510:revLst>
-    <p1510:client id="{4C2C2F4D-D6A3-49A4-83F7-63FF82F121FE}" v="28" dt="2022-03-10T19:58:42.699"/>
+    <p1510:client id="{D404FE24-4761-49EE-88D6-CDB48199D24C}" v="14" dt="2023-03-10T23:31:35.350"/>
   </p1510:revLst>
 </p1510:revInfo>
 </file>
 
 <file path=ppt/changesInfos/changesInfo1.xml><?xml version="1.0" encoding="utf-8"?>
 <pc:chgInfo xmlns:a="http://schemas.openxmlformats.org/drawingml/2006/main" xmlns:r="http://schemas.openxmlformats.org/officeDocument/2006/relationships" xmlns:ac="http://schemas.microsoft.com/office/drawing/2013/main/command" xmlns:pc="http://schemas.microsoft.com/office/powerpoint/2013/main/command">
+  <pc:docChgLst>
+    <pc:chgData name="Gerth Stølting Brodal" userId="04ef4784-6591-4f86-a140-f5c3b108582a" providerId="ADAL" clId="{D404FE24-4761-49EE-88D6-CDB48199D24C}"/>
+    <pc:docChg chg="undo redo custSel modSld">
+      <pc:chgData name="Gerth Stølting Brodal" userId="04ef4784-6591-4f86-a140-f5c3b108582a" providerId="ADAL" clId="{D404FE24-4761-49EE-88D6-CDB48199D24C}" dt="2023-03-10T23:31:38.787" v="170" actId="20577"/>
+      <pc:docMkLst>
+        <pc:docMk/>
+      </pc:docMkLst>
+      <pc:sldChg chg="modSp mod">
+        <pc:chgData name="Gerth Stølting Brodal" userId="04ef4784-6591-4f86-a140-f5c3b108582a" providerId="ADAL" clId="{D404FE24-4761-49EE-88D6-CDB48199D24C}" dt="2023-03-10T22:43:55.970" v="53" actId="20577"/>
+        <pc:sldMkLst>
+          <pc:docMk/>
+          <pc:sldMk cId="4179205861" sldId="512"/>
+        </pc:sldMkLst>
+        <pc:graphicFrameChg chg="modGraphic">
+          <ac:chgData name="Gerth Stølting Brodal" userId="04ef4784-6591-4f86-a140-f5c3b108582a" providerId="ADAL" clId="{D404FE24-4761-49EE-88D6-CDB48199D24C}" dt="2023-03-10T22:43:55.970" v="53" actId="20577"/>
+          <ac:graphicFrameMkLst>
+            <pc:docMk/>
+            <pc:sldMk cId="4179205861" sldId="512"/>
+            <ac:graphicFrameMk id="4" creationId="{00000000-0000-0000-0000-000000000000}"/>
+          </ac:graphicFrameMkLst>
+        </pc:graphicFrameChg>
+        <pc:graphicFrameChg chg="modGraphic">
+          <ac:chgData name="Gerth Stølting Brodal" userId="04ef4784-6591-4f86-a140-f5c3b108582a" providerId="ADAL" clId="{D404FE24-4761-49EE-88D6-CDB48199D24C}" dt="2023-03-10T22:42:57.725" v="42" actId="6549"/>
+          <ac:graphicFrameMkLst>
+            <pc:docMk/>
+            <pc:sldMk cId="4179205861" sldId="512"/>
+            <ac:graphicFrameMk id="5" creationId="{00000000-0000-0000-0000-000000000000}"/>
+          </ac:graphicFrameMkLst>
+        </pc:graphicFrameChg>
+      </pc:sldChg>
+      <pc:sldChg chg="modSp mod">
+        <pc:chgData name="Gerth Stølting Brodal" userId="04ef4784-6591-4f86-a140-f5c3b108582a" providerId="ADAL" clId="{D404FE24-4761-49EE-88D6-CDB48199D24C}" dt="2023-03-10T22:32:40.947" v="5" actId="1076"/>
+        <pc:sldMkLst>
+          <pc:docMk/>
+          <pc:sldMk cId="1160923753" sldId="702"/>
+        </pc:sldMkLst>
+        <pc:graphicFrameChg chg="mod modGraphic">
+          <ac:chgData name="Gerth Stølting Brodal" userId="04ef4784-6591-4f86-a140-f5c3b108582a" providerId="ADAL" clId="{D404FE24-4761-49EE-88D6-CDB48199D24C}" dt="2023-03-10T22:32:40.947" v="5" actId="1076"/>
+          <ac:graphicFrameMkLst>
+            <pc:docMk/>
+            <pc:sldMk cId="1160923753" sldId="702"/>
+            <ac:graphicFrameMk id="4" creationId="{00000000-0000-0000-0000-000000000000}"/>
+          </ac:graphicFrameMkLst>
+        </pc:graphicFrameChg>
+      </pc:sldChg>
+      <pc:sldChg chg="modSp mod">
+        <pc:chgData name="Gerth Stølting Brodal" userId="04ef4784-6591-4f86-a140-f5c3b108582a" providerId="ADAL" clId="{D404FE24-4761-49EE-88D6-CDB48199D24C}" dt="2023-03-10T22:35:05.139" v="11" actId="1076"/>
+        <pc:sldMkLst>
+          <pc:docMk/>
+          <pc:sldMk cId="1654434957" sldId="704"/>
+        </pc:sldMkLst>
+        <pc:graphicFrameChg chg="mod modGraphic">
+          <ac:chgData name="Gerth Stølting Brodal" userId="04ef4784-6591-4f86-a140-f5c3b108582a" providerId="ADAL" clId="{D404FE24-4761-49EE-88D6-CDB48199D24C}" dt="2023-03-10T22:35:05.139" v="11" actId="1076"/>
+          <ac:graphicFrameMkLst>
+            <pc:docMk/>
+            <pc:sldMk cId="1654434957" sldId="704"/>
+            <ac:graphicFrameMk id="4" creationId="{00000000-0000-0000-0000-000000000000}"/>
+          </ac:graphicFrameMkLst>
+        </pc:graphicFrameChg>
+      </pc:sldChg>
+      <pc:sldChg chg="modSp mod">
+        <pc:chgData name="Gerth Stølting Brodal" userId="04ef4784-6591-4f86-a140-f5c3b108582a" providerId="ADAL" clId="{D404FE24-4761-49EE-88D6-CDB48199D24C}" dt="2023-03-10T22:35:46.730" v="15" actId="20577"/>
+        <pc:sldMkLst>
+          <pc:docMk/>
+          <pc:sldMk cId="2005488815" sldId="705"/>
+        </pc:sldMkLst>
+        <pc:graphicFrameChg chg="mod modGraphic">
+          <ac:chgData name="Gerth Stølting Brodal" userId="04ef4784-6591-4f86-a140-f5c3b108582a" providerId="ADAL" clId="{D404FE24-4761-49EE-88D6-CDB48199D24C}" dt="2023-03-10T22:35:46.730" v="15" actId="20577"/>
+          <ac:graphicFrameMkLst>
+            <pc:docMk/>
+            <pc:sldMk cId="2005488815" sldId="705"/>
+            <ac:graphicFrameMk id="4" creationId="{00000000-0000-0000-0000-000000000000}"/>
+          </ac:graphicFrameMkLst>
+        </pc:graphicFrameChg>
+      </pc:sldChg>
+      <pc:sldChg chg="modSp mod">
+        <pc:chgData name="Gerth Stølting Brodal" userId="04ef4784-6591-4f86-a140-f5c3b108582a" providerId="ADAL" clId="{D404FE24-4761-49EE-88D6-CDB48199D24C}" dt="2023-03-10T22:35:57.196" v="19" actId="20577"/>
+        <pc:sldMkLst>
+          <pc:docMk/>
+          <pc:sldMk cId="2852041830" sldId="706"/>
+        </pc:sldMkLst>
+        <pc:graphicFrameChg chg="mod modGraphic">
+          <ac:chgData name="Gerth Stølting Brodal" userId="04ef4784-6591-4f86-a140-f5c3b108582a" providerId="ADAL" clId="{D404FE24-4761-49EE-88D6-CDB48199D24C}" dt="2023-03-10T22:35:57.196" v="19" actId="20577"/>
+          <ac:graphicFrameMkLst>
+            <pc:docMk/>
+            <pc:sldMk cId="2852041830" sldId="706"/>
+            <ac:graphicFrameMk id="4" creationId="{00000000-0000-0000-0000-000000000000}"/>
+          </ac:graphicFrameMkLst>
+        </pc:graphicFrameChg>
+      </pc:sldChg>
+      <pc:sldChg chg="modSp mod">
+        <pc:chgData name="Gerth Stølting Brodal" userId="04ef4784-6591-4f86-a140-f5c3b108582a" providerId="ADAL" clId="{D404FE24-4761-49EE-88D6-CDB48199D24C}" dt="2023-03-10T23:31:38.787" v="170" actId="20577"/>
+        <pc:sldMkLst>
+          <pc:docMk/>
+          <pc:sldMk cId="753419617" sldId="707"/>
+        </pc:sldMkLst>
+        <pc:graphicFrameChg chg="mod modGraphic">
+          <ac:chgData name="Gerth Stølting Brodal" userId="04ef4784-6591-4f86-a140-f5c3b108582a" providerId="ADAL" clId="{D404FE24-4761-49EE-88D6-CDB48199D24C}" dt="2023-03-10T23:31:38.787" v="170" actId="20577"/>
+          <ac:graphicFrameMkLst>
+            <pc:docMk/>
+            <pc:sldMk cId="753419617" sldId="707"/>
+            <ac:graphicFrameMk id="4" creationId="{00000000-0000-0000-0000-000000000000}"/>
+          </ac:graphicFrameMkLst>
+        </pc:graphicFrameChg>
+      </pc:sldChg>
+      <pc:sldChg chg="modSp mod">
+        <pc:chgData name="Gerth Stølting Brodal" userId="04ef4784-6591-4f86-a140-f5c3b108582a" providerId="ADAL" clId="{D404FE24-4761-49EE-88D6-CDB48199D24C}" dt="2023-03-10T23:09:37.353" v="147" actId="1076"/>
+        <pc:sldMkLst>
+          <pc:docMk/>
+          <pc:sldMk cId="1330004482" sldId="708"/>
+        </pc:sldMkLst>
+        <pc:graphicFrameChg chg="mod modGraphic">
+          <ac:chgData name="Gerth Stølting Brodal" userId="04ef4784-6591-4f86-a140-f5c3b108582a" providerId="ADAL" clId="{D404FE24-4761-49EE-88D6-CDB48199D24C}" dt="2023-03-10T23:09:37.353" v="147" actId="1076"/>
+          <ac:graphicFrameMkLst>
+            <pc:docMk/>
+            <pc:sldMk cId="1330004482" sldId="708"/>
+            <ac:graphicFrameMk id="6" creationId="{00000000-0000-0000-0000-000000000000}"/>
+          </ac:graphicFrameMkLst>
+        </pc:graphicFrameChg>
+      </pc:sldChg>
+      <pc:sldChg chg="modNotesTx">
+        <pc:chgData name="Gerth Stølting Brodal" userId="04ef4784-6591-4f86-a140-f5c3b108582a" providerId="ADAL" clId="{D404FE24-4761-49EE-88D6-CDB48199D24C}" dt="2023-03-10T22:47:19.188" v="99" actId="20577"/>
+        <pc:sldMkLst>
+          <pc:docMk/>
+          <pc:sldMk cId="2015921638" sldId="715"/>
+        </pc:sldMkLst>
+      </pc:sldChg>
+      <pc:sldChg chg="modSp mod">
+        <pc:chgData name="Gerth Stølting Brodal" userId="04ef4784-6591-4f86-a140-f5c3b108582a" providerId="ADAL" clId="{D404FE24-4761-49EE-88D6-CDB48199D24C}" dt="2023-03-10T23:03:22.134" v="144" actId="313"/>
+        <pc:sldMkLst>
+          <pc:docMk/>
+          <pc:sldMk cId="3379938229" sldId="720"/>
+        </pc:sldMkLst>
+        <pc:spChg chg="mod">
+          <ac:chgData name="Gerth Stølting Brodal" userId="04ef4784-6591-4f86-a140-f5c3b108582a" providerId="ADAL" clId="{D404FE24-4761-49EE-88D6-CDB48199D24C}" dt="2023-03-10T23:02:22.329" v="136" actId="20577"/>
+          <ac:spMkLst>
+            <pc:docMk/>
+            <pc:sldMk cId="3379938229" sldId="720"/>
+            <ac:spMk id="2" creationId="{00000000-0000-0000-0000-000000000000}"/>
+          </ac:spMkLst>
+        </pc:spChg>
+        <pc:spChg chg="mod">
+          <ac:chgData name="Gerth Stølting Brodal" userId="04ef4784-6591-4f86-a140-f5c3b108582a" providerId="ADAL" clId="{D404FE24-4761-49EE-88D6-CDB48199D24C}" dt="2023-03-10T23:03:22.134" v="144" actId="313"/>
+          <ac:spMkLst>
+            <pc:docMk/>
+            <pc:sldMk cId="3379938229" sldId="720"/>
+            <ac:spMk id="36" creationId="{00000000-0000-0000-0000-000000000000}"/>
+          </ac:spMkLst>
+        </pc:spChg>
+      </pc:sldChg>
+      <pc:sldChg chg="modSp mod">
+        <pc:chgData name="Gerth Stølting Brodal" userId="04ef4784-6591-4f86-a140-f5c3b108582a" providerId="ADAL" clId="{D404FE24-4761-49EE-88D6-CDB48199D24C}" dt="2023-03-10T22:36:19.416" v="33" actId="20577"/>
+        <pc:sldMkLst>
+          <pc:docMk/>
+          <pc:sldMk cId="1515186800" sldId="722"/>
+        </pc:sldMkLst>
+        <pc:graphicFrameChg chg="mod modGraphic">
+          <ac:chgData name="Gerth Stølting Brodal" userId="04ef4784-6591-4f86-a140-f5c3b108582a" providerId="ADAL" clId="{D404FE24-4761-49EE-88D6-CDB48199D24C}" dt="2023-03-10T22:36:19.416" v="33" actId="20577"/>
+          <ac:graphicFrameMkLst>
+            <pc:docMk/>
+            <pc:sldMk cId="1515186800" sldId="722"/>
+            <ac:graphicFrameMk id="4" creationId="{00000000-0000-0000-0000-000000000000}"/>
+          </ac:graphicFrameMkLst>
+        </pc:graphicFrameChg>
+      </pc:sldChg>
+      <pc:sldChg chg="modSp mod">
+        <pc:chgData name="Gerth Stølting Brodal" userId="04ef4784-6591-4f86-a140-f5c3b108582a" providerId="ADAL" clId="{D404FE24-4761-49EE-88D6-CDB48199D24C}" dt="2023-03-10T23:29:47.864" v="161" actId="20577"/>
+        <pc:sldMkLst>
+          <pc:docMk/>
+          <pc:sldMk cId="4063920540" sldId="723"/>
+        </pc:sldMkLst>
+        <pc:graphicFrameChg chg="modGraphic">
+          <ac:chgData name="Gerth Stølting Brodal" userId="04ef4784-6591-4f86-a140-f5c3b108582a" providerId="ADAL" clId="{D404FE24-4761-49EE-88D6-CDB48199D24C}" dt="2023-03-10T23:29:47.864" v="161" actId="20577"/>
+          <ac:graphicFrameMkLst>
+            <pc:docMk/>
+            <pc:sldMk cId="4063920540" sldId="723"/>
+            <ac:graphicFrameMk id="4" creationId="{00000000-0000-0000-0000-000000000000}"/>
+          </ac:graphicFrameMkLst>
+        </pc:graphicFrameChg>
+        <pc:graphicFrameChg chg="mod modGraphic">
+          <ac:chgData name="Gerth Stølting Brodal" userId="04ef4784-6591-4f86-a140-f5c3b108582a" providerId="ADAL" clId="{D404FE24-4761-49EE-88D6-CDB48199D24C}" dt="2023-03-10T23:17:38.413" v="160" actId="20577"/>
+          <ac:graphicFrameMkLst>
+            <pc:docMk/>
+            <pc:sldMk cId="4063920540" sldId="723"/>
+            <ac:graphicFrameMk id="5" creationId="{00000000-0000-0000-0000-000000000000}"/>
+          </ac:graphicFrameMkLst>
+        </pc:graphicFrameChg>
+      </pc:sldChg>
+      <pc:sldChg chg="modSp mod">
+        <pc:chgData name="Gerth Stølting Brodal" userId="04ef4784-6591-4f86-a140-f5c3b108582a" providerId="ADAL" clId="{D404FE24-4761-49EE-88D6-CDB48199D24C}" dt="2023-03-10T23:12:17.890" v="148" actId="14100"/>
+        <pc:sldMkLst>
+          <pc:docMk/>
+          <pc:sldMk cId="1799338885" sldId="726"/>
+        </pc:sldMkLst>
+        <pc:spChg chg="mod">
+          <ac:chgData name="Gerth Stølting Brodal" userId="04ef4784-6591-4f86-a140-f5c3b108582a" providerId="ADAL" clId="{D404FE24-4761-49EE-88D6-CDB48199D24C}" dt="2023-03-10T23:12:17.890" v="148" actId="14100"/>
+          <ac:spMkLst>
+            <pc:docMk/>
+            <pc:sldMk cId="1799338885" sldId="726"/>
+            <ac:spMk id="3" creationId="{00000000-0000-0000-0000-000000000000}"/>
+          </ac:spMkLst>
+        </pc:spChg>
+      </pc:sldChg>
+      <pc:sldChg chg="modSp mod">
+        <pc:chgData name="Gerth Stølting Brodal" userId="04ef4784-6591-4f86-a140-f5c3b108582a" providerId="ADAL" clId="{D404FE24-4761-49EE-88D6-CDB48199D24C}" dt="2023-03-10T22:55:18.930" v="109" actId="6549"/>
+        <pc:sldMkLst>
+          <pc:docMk/>
+          <pc:sldMk cId="1881171177" sldId="729"/>
+        </pc:sldMkLst>
+        <pc:graphicFrameChg chg="modGraphic">
+          <ac:chgData name="Gerth Stølting Brodal" userId="04ef4784-6591-4f86-a140-f5c3b108582a" providerId="ADAL" clId="{D404FE24-4761-49EE-88D6-CDB48199D24C}" dt="2023-03-10T22:55:18.930" v="109" actId="6549"/>
+          <ac:graphicFrameMkLst>
+            <pc:docMk/>
+            <pc:sldMk cId="1881171177" sldId="729"/>
+            <ac:graphicFrameMk id="4" creationId="{00000000-0000-0000-0000-000000000000}"/>
+          </ac:graphicFrameMkLst>
+        </pc:graphicFrameChg>
+      </pc:sldChg>
+      <pc:sldChg chg="modSp mod">
+        <pc:chgData name="Gerth Stølting Brodal" userId="04ef4784-6591-4f86-a140-f5c3b108582a" providerId="ADAL" clId="{D404FE24-4761-49EE-88D6-CDB48199D24C}" dt="2023-03-10T23:00:38.657" v="128" actId="114"/>
+        <pc:sldMkLst>
+          <pc:docMk/>
+          <pc:sldMk cId="4113973945" sldId="730"/>
+        </pc:sldMkLst>
+        <pc:graphicFrameChg chg="mod modGraphic">
+          <ac:chgData name="Gerth Stølting Brodal" userId="04ef4784-6591-4f86-a140-f5c3b108582a" providerId="ADAL" clId="{D404FE24-4761-49EE-88D6-CDB48199D24C}" dt="2023-03-10T23:00:38.657" v="128" actId="114"/>
+          <ac:graphicFrameMkLst>
+            <pc:docMk/>
+            <pc:sldMk cId="4113973945" sldId="730"/>
+            <ac:graphicFrameMk id="4" creationId="{1C79346D-4580-4415-A8DF-89103609571D}"/>
+          </ac:graphicFrameMkLst>
+        </pc:graphicFrameChg>
+      </pc:sldChg>
+    </pc:docChg>
+  </pc:docChgLst>
   <pc:docChgLst>
     <pc:chgData name="Gerth Stølting Brodal" userId="04ef4784-6591-4f86-a140-f5c3b108582a" providerId="ADAL" clId="{64F0C171-2853-4A0E-8891-02A0F99F3D95}"/>
     <pc:docChg chg="undo custSel modSld">
@@ -534,7 +769,7 @@
           <a:p>
             <a:fld id="{FB1A172F-81D4-4DC4-9113-1DBD56EC3646}" type="datetimeFigureOut">
               <a:rPr lang="en-US" smtClean="0"/>
-              <a:t>3/14/2022</a:t>
+              <a:t>3/10/2023</a:t>
             </a:fld>
             <a:endParaRPr lang="en-US"/>
           </a:p>
@@ -1292,8 +1527,44 @@
           <a:lstStyle/>
           <a:p>
             <a:r>
-              <a:rPr lang="en-US" dirty="0"/>
-              <a:t>line[:-1] drop last character = ‘\n’</a:t>
+              <a:rPr lang="da-DK" dirty="0" err="1"/>
+              <a:t>help</a:t>
+            </a:r>
+            <a:r>
+              <a:rPr lang="da-DK" dirty="0"/>
+              <a:t>(</a:t>
+            </a:r>
+            <a:r>
+              <a:rPr lang="da-DK" dirty="0" err="1"/>
+              <a:t>IndexError</a:t>
+            </a:r>
+            <a:r>
+              <a:rPr lang="da-DK" dirty="0"/>
+              <a:t>) -&gt; class </a:t>
+            </a:r>
+            <a:r>
+              <a:rPr lang="da-DK" dirty="0" err="1"/>
+              <a:t>IndexError</a:t>
+            </a:r>
+            <a:r>
+              <a:rPr lang="da-DK" dirty="0"/>
+              <a:t>(</a:t>
+            </a:r>
+            <a:r>
+              <a:rPr lang="da-DK" b="1" dirty="0" err="1"/>
+              <a:t>LookupError</a:t>
+            </a:r>
+            <a:r>
+              <a:rPr lang="da-DK" dirty="0"/>
+              <a:t>)  # gives </a:t>
+            </a:r>
+            <a:r>
+              <a:rPr lang="da-DK" dirty="0" err="1"/>
+              <a:t>parent</a:t>
+            </a:r>
+            <a:r>
+              <a:rPr lang="da-DK" dirty="0"/>
+              <a:t> class</a:t>
             </a:r>
           </a:p>
         </p:txBody>
@@ -1315,7 +1586,7 @@
           <a:p>
             <a:fld id="{CD563DD8-32AB-41BE-B1C6-8EAC45222ACE}" type="slidenum">
               <a:rPr lang="en-US" smtClean="0"/>
-              <a:t>20</a:t>
+              <a:t>12</a:t>
             </a:fld>
             <a:endParaRPr lang="en-US"/>
           </a:p>
@@ -1324,7 +1595,7 @@
     </p:spTree>
     <p:extLst>
       <p:ext uri="{BB962C8B-B14F-4D97-AF65-F5344CB8AC3E}">
-        <p14:creationId xmlns:p14="http://schemas.microsoft.com/office/powerpoint/2010/main" val="2093793768"/>
+        <p14:creationId xmlns:p14="http://schemas.microsoft.com/office/powerpoint/2010/main" val="245169996"/>
       </p:ext>
     </p:extLst>
   </p:cSld>
@@ -1380,6 +1651,93 @@
           <a:p>
             <a:r>
               <a:rPr lang="en-US" dirty="0"/>
+              <a:t>line[:-1] drop last character = ‘\n’</a:t>
+            </a:r>
+          </a:p>
+        </p:txBody>
+      </p:sp>
+      <p:sp>
+        <p:nvSpPr>
+          <p:cNvPr id="4" name="Slide Number Placeholder 3"/>
+          <p:cNvSpPr>
+            <a:spLocks noGrp="1"/>
+          </p:cNvSpPr>
+          <p:nvPr>
+            <p:ph type="sldNum" sz="quarter" idx="5"/>
+          </p:nvPr>
+        </p:nvSpPr>
+        <p:spPr/>
+        <p:txBody>
+          <a:bodyPr/>
+          <a:lstStyle/>
+          <a:p>
+            <a:fld id="{CD563DD8-32AB-41BE-B1C6-8EAC45222ACE}" type="slidenum">
+              <a:rPr lang="en-US" smtClean="0"/>
+              <a:t>20</a:t>
+            </a:fld>
+            <a:endParaRPr lang="en-US"/>
+          </a:p>
+        </p:txBody>
+      </p:sp>
+    </p:spTree>
+    <p:extLst>
+      <p:ext uri="{BB962C8B-B14F-4D97-AF65-F5344CB8AC3E}">
+        <p14:creationId xmlns:p14="http://schemas.microsoft.com/office/powerpoint/2010/main" val="2093793768"/>
+      </p:ext>
+    </p:extLst>
+  </p:cSld>
+  <p:clrMapOvr>
+    <a:masterClrMapping/>
+  </p:clrMapOvr>
+</p:notes>
+</file>
+
+<file path=ppt/notesSlides/notesSlide7.xml><?xml version="1.0" encoding="utf-8"?>
+<p:notes xmlns:a="http://schemas.openxmlformats.org/drawingml/2006/main" xmlns:r="http://schemas.openxmlformats.org/officeDocument/2006/relationships" xmlns:p="http://schemas.openxmlformats.org/presentationml/2006/main">
+  <p:cSld>
+    <p:spTree>
+      <p:nvGrpSpPr>
+        <p:cNvPr id="1" name=""/>
+        <p:cNvGrpSpPr/>
+        <p:nvPr/>
+      </p:nvGrpSpPr>
+      <p:grpSpPr>
+        <a:xfrm>
+          <a:off x="0" y="0"/>
+          <a:ext cx="0" cy="0"/>
+          <a:chOff x="0" y="0"/>
+          <a:chExt cx="0" cy="0"/>
+        </a:xfrm>
+      </p:grpSpPr>
+      <p:sp>
+        <p:nvSpPr>
+          <p:cNvPr id="2" name="Slide Image Placeholder 1"/>
+          <p:cNvSpPr>
+            <a:spLocks noGrp="1" noRot="1" noChangeAspect="1"/>
+          </p:cNvSpPr>
+          <p:nvPr>
+            <p:ph type="sldImg"/>
+          </p:nvPr>
+        </p:nvSpPr>
+        <p:spPr/>
+      </p:sp>
+      <p:sp>
+        <p:nvSpPr>
+          <p:cNvPr id="3" name="Notes Placeholder 2"/>
+          <p:cNvSpPr>
+            <a:spLocks noGrp="1"/>
+          </p:cNvSpPr>
+          <p:nvPr>
+            <p:ph type="body" idx="1"/>
+          </p:nvPr>
+        </p:nvSpPr>
+        <p:spPr/>
+        <p:txBody>
+          <a:bodyPr/>
+          <a:lstStyle/>
+          <a:p>
+            <a:r>
+              <a:rPr lang="en-US" dirty="0"/>
               <a:t>Don’t be afraid to scan a file of 1 GB – just </a:t>
             </a:r>
             <a:r>
@@ -1435,7 +1793,7 @@
 </p:notes>
 </file>
 
-<file path=ppt/notesSlides/notesSlide7.xml><?xml version="1.0" encoding="utf-8"?>
+<file path=ppt/notesSlides/notesSlide8.xml><?xml version="1.0" encoding="utf-8"?>
 <p:notes xmlns:a="http://schemas.openxmlformats.org/drawingml/2006/main" xmlns:r="http://schemas.openxmlformats.org/officeDocument/2006/relationships" xmlns:p="http://schemas.openxmlformats.org/presentationml/2006/main">
   <p:cSld>
     <p:spTree>
@@ -1760,7 +2118,7 @@
           <a:p>
             <a:fld id="{0560A9CD-0304-4E0B-9E82-E7E0115DE05B}" type="datetimeFigureOut">
               <a:rPr lang="en-US" smtClean="0"/>
-              <a:t>3/14/2022</a:t>
+              <a:t>3/10/2023</a:t>
             </a:fld>
             <a:endParaRPr lang="en-US"/>
           </a:p>
@@ -1928,7 +2286,7 @@
           <a:p>
             <a:fld id="{0560A9CD-0304-4E0B-9E82-E7E0115DE05B}" type="datetimeFigureOut">
               <a:rPr lang="en-US" smtClean="0"/>
-              <a:t>3/14/2022</a:t>
+              <a:t>3/10/2023</a:t>
             </a:fld>
             <a:endParaRPr lang="en-US"/>
           </a:p>
@@ -2106,7 +2464,7 @@
           <a:p>
             <a:fld id="{0560A9CD-0304-4E0B-9E82-E7E0115DE05B}" type="datetimeFigureOut">
               <a:rPr lang="en-US" smtClean="0"/>
-              <a:t>3/14/2022</a:t>
+              <a:t>3/10/2023</a:t>
             </a:fld>
             <a:endParaRPr lang="en-US"/>
           </a:p>
@@ -2289,7 +2647,7 @@
           <a:p>
             <a:fld id="{0560A9CD-0304-4E0B-9E82-E7E0115DE05B}" type="datetimeFigureOut">
               <a:rPr lang="en-US" smtClean="0"/>
-              <a:t>3/14/2022</a:t>
+              <a:t>3/10/2023</a:t>
             </a:fld>
             <a:endParaRPr lang="en-US"/>
           </a:p>
@@ -2534,7 +2892,7 @@
           <a:p>
             <a:fld id="{0560A9CD-0304-4E0B-9E82-E7E0115DE05B}" type="datetimeFigureOut">
               <a:rPr lang="en-US" smtClean="0"/>
-              <a:t>3/14/2022</a:t>
+              <a:t>3/10/2023</a:t>
             </a:fld>
             <a:endParaRPr lang="en-US"/>
           </a:p>
@@ -2763,7 +3121,7 @@
           <a:p>
             <a:fld id="{0560A9CD-0304-4E0B-9E82-E7E0115DE05B}" type="datetimeFigureOut">
               <a:rPr lang="en-US" smtClean="0"/>
-              <a:t>3/14/2022</a:t>
+              <a:t>3/10/2023</a:t>
             </a:fld>
             <a:endParaRPr lang="en-US"/>
           </a:p>
@@ -3127,7 +3485,7 @@
           <a:p>
             <a:fld id="{0560A9CD-0304-4E0B-9E82-E7E0115DE05B}" type="datetimeFigureOut">
               <a:rPr lang="en-US" smtClean="0"/>
-              <a:t>3/14/2022</a:t>
+              <a:t>3/10/2023</a:t>
             </a:fld>
             <a:endParaRPr lang="en-US"/>
           </a:p>
@@ -3244,7 +3602,7 @@
           <a:p>
             <a:fld id="{0560A9CD-0304-4E0B-9E82-E7E0115DE05B}" type="datetimeFigureOut">
               <a:rPr lang="en-US" smtClean="0"/>
-              <a:t>3/14/2022</a:t>
+              <a:t>3/10/2023</a:t>
             </a:fld>
             <a:endParaRPr lang="en-US"/>
           </a:p>
@@ -3339,7 +3697,7 @@
           <a:p>
             <a:fld id="{0560A9CD-0304-4E0B-9E82-E7E0115DE05B}" type="datetimeFigureOut">
               <a:rPr lang="en-US" smtClean="0"/>
-              <a:t>3/14/2022</a:t>
+              <a:t>3/10/2023</a:t>
             </a:fld>
             <a:endParaRPr lang="en-US"/>
           </a:p>
@@ -3614,7 +3972,7 @@
           <a:p>
             <a:fld id="{0560A9CD-0304-4E0B-9E82-E7E0115DE05B}" type="datetimeFigureOut">
               <a:rPr lang="en-US" smtClean="0"/>
-              <a:t>3/14/2022</a:t>
+              <a:t>3/10/2023</a:t>
             </a:fld>
             <a:endParaRPr lang="en-US"/>
           </a:p>
@@ -3866,7 +4224,7 @@
           <a:p>
             <a:fld id="{0560A9CD-0304-4E0B-9E82-E7E0115DE05B}" type="datetimeFigureOut">
               <a:rPr lang="en-US" smtClean="0"/>
-              <a:t>3/14/2022</a:t>
+              <a:t>3/10/2023</a:t>
             </a:fld>
             <a:endParaRPr lang="en-US"/>
           </a:p>
@@ -4077,7 +4435,7 @@
           <a:p>
             <a:fld id="{0560A9CD-0304-4E0B-9E82-E7E0115DE05B}" type="datetimeFigureOut">
               <a:rPr lang="en-US" smtClean="0"/>
-              <a:t>3/14/2022</a:t>
+              <a:t>3/10/2023</a:t>
             </a:fld>
             <a:endParaRPr lang="en-US"/>
           </a:p>
@@ -4670,7 +5028,7 @@
           <p:nvPr>
             <p:extLst>
               <p:ext uri="{D42A27DB-BD31-4B8C-83A1-F6EECF244321}">
-                <p14:modId xmlns:p14="http://schemas.microsoft.com/office/powerpoint/2010/main" val="2829112669"/>
+                <p14:modId xmlns:p14="http://schemas.microsoft.com/office/powerpoint/2010/main" val="1707280675"/>
               </p:ext>
             </p:extLst>
           </p:nvPr>
@@ -4895,7 +5253,21 @@
                           <a:latin typeface="Courier New" panose="02070309020205020404" pitchFamily="49" charset="0"/>
                           <a:cs typeface="Courier New" panose="02070309020205020404" pitchFamily="49" charset="0"/>
                         </a:rPr>
-                        <a:t>print('done (x = %s)' % x)</a:t>
+                        <a:t>print(</a:t>
+                      </a:r>
+                      <a:r>
+                        <a:rPr lang="en-US" sz="1600" b="1" dirty="0" err="1">
+                          <a:latin typeface="Courier New" panose="02070309020205020404" pitchFamily="49" charset="0"/>
+                          <a:cs typeface="Courier New" panose="02070309020205020404" pitchFamily="49" charset="0"/>
+                        </a:rPr>
+                        <a:t>f'done</a:t>
+                      </a:r>
+                      <a:r>
+                        <a:rPr lang="en-US" sz="1600" b="1" dirty="0">
+                          <a:latin typeface="Courier New" panose="02070309020205020404" pitchFamily="49" charset="0"/>
+                          <a:cs typeface="Courier New" panose="02070309020205020404" pitchFamily="49" charset="0"/>
+                        </a:rPr>
+                        <a:t> ({x = })')</a:t>
                       </a:r>
                     </a:p>
                     <a:p>
@@ -5213,7 +5585,7 @@
           <p:nvPr>
             <p:extLst>
               <p:ext uri="{D42A27DB-BD31-4B8C-83A1-F6EECF244321}">
-                <p14:modId xmlns:p14="http://schemas.microsoft.com/office/powerpoint/2010/main" val="447748167"/>
+                <p14:modId xmlns:p14="http://schemas.microsoft.com/office/powerpoint/2010/main" val="2067591203"/>
               </p:ext>
             </p:extLst>
           </p:nvPr>
@@ -5367,7 +5739,21 @@
                           <a:latin typeface="Courier New" panose="02070309020205020404" pitchFamily="49" charset="0"/>
                           <a:cs typeface="Courier New" panose="02070309020205020404" pitchFamily="49" charset="0"/>
                         </a:rPr>
-                        <a:t>print('done (x = %s)' % x)</a:t>
+                        <a:t>print(</a:t>
+                      </a:r>
+                      <a:r>
+                        <a:rPr lang="en-US" sz="1600" b="1" dirty="0" err="1">
+                          <a:latin typeface="Courier New" panose="02070309020205020404" pitchFamily="49" charset="0"/>
+                          <a:cs typeface="Courier New" panose="02070309020205020404" pitchFamily="49" charset="0"/>
+                        </a:rPr>
+                        <a:t>f'done</a:t>
+                      </a:r>
+                      <a:r>
+                        <a:rPr lang="en-US" sz="1600" b="1" dirty="0">
+                          <a:latin typeface="Courier New" panose="02070309020205020404" pitchFamily="49" charset="0"/>
+                          <a:cs typeface="Courier New" panose="02070309020205020404" pitchFamily="49" charset="0"/>
+                        </a:rPr>
+                        <a:t> ({x = })')</a:t>
                       </a:r>
                     </a:p>
                     <a:p>
@@ -8849,7 +9235,7 @@
           <p:nvPr/>
         </p:nvPicPr>
         <p:blipFill>
-          <a:blip r:embed="rId2" cstate="print">
+          <a:blip r:embed="rId3" cstate="print">
             <a:extLst>
               <a:ext uri="{28A0092B-C50C-407E-A947-70E740481C1C}">
                 <a14:useLocalDpi xmlns:a14="http://schemas.microsoft.com/office/drawing/2010/main" val="0"/>
@@ -15489,7 +15875,7 @@
           <p:nvPr>
             <p:extLst>
               <p:ext uri="{D42A27DB-BD31-4B8C-83A1-F6EECF244321}">
-                <p14:modId xmlns:p14="http://schemas.microsoft.com/office/powerpoint/2010/main" val="143688388"/>
+                <p14:modId xmlns:p14="http://schemas.microsoft.com/office/powerpoint/2010/main" val="2764678951"/>
               </p:ext>
             </p:extLst>
           </p:nvPr>
@@ -16455,7 +16841,7 @@
                           <a:latin typeface="Courier New" panose="02070309020205020404" pitchFamily="49" charset="0"/>
                           <a:cs typeface="Courier New" panose="02070309020205020404" pitchFamily="49" charset="0"/>
                         </a:rPr>
-                        <a:t>        return 'tuple length 2, first "a" or "b", last "c" or "d“’</a:t>
+                        <a:t>        return 'tuple length 2, first "a" or "b", last "c" or "d"'</a:t>
                       </a:r>
                     </a:p>
                     <a:p>
@@ -18021,7 +18407,7 @@
           <p:nvPr>
             <p:extLst>
               <p:ext uri="{D42A27DB-BD31-4B8C-83A1-F6EECF244321}">
-                <p14:modId xmlns:p14="http://schemas.microsoft.com/office/powerpoint/2010/main" val="2765243427"/>
+                <p14:modId xmlns:p14="http://schemas.microsoft.com/office/powerpoint/2010/main" val="2251911909"/>
               </p:ext>
             </p:extLst>
           </p:nvPr>
@@ -18051,6 +18437,33 @@
                     <a:bodyPr/>
                     <a:lstStyle/>
                     <a:p>
+                      <a:pPr marL="0" marR="0" lvl="0" indent="0" algn="l" defTabSz="914400" rtl="0" eaLnBrk="1" fontAlgn="auto" latinLnBrk="0" hangingPunct="1">
+                        <a:lnSpc>
+                          <a:spcPct val="100000"/>
+                        </a:lnSpc>
+                        <a:spcBef>
+                          <a:spcPts val="0"/>
+                        </a:spcBef>
+                        <a:spcAft>
+                          <a:spcPts val="0"/>
+                        </a:spcAft>
+                        <a:buClrTx/>
+                        <a:buSzTx/>
+                        <a:buFontTx/>
+                        <a:buNone/>
+                        <a:tabLst/>
+                        <a:defRPr/>
+                      </a:pPr>
+                      <a:r>
+                        <a:rPr lang="da-DK" sz="1400" b="1" dirty="0">
+                          <a:solidFill>
+                            <a:schemeClr val="bg1"/>
+                          </a:solidFill>
+                          <a:latin typeface="Courier New" panose="02070309020205020404" pitchFamily="49" charset="0"/>
+                          <a:cs typeface="Courier New" panose="02070309020205020404" pitchFamily="49" charset="0"/>
+                        </a:rPr>
+                        <a:t>Python </a:t>
+                      </a:r>
                       <a:r>
                         <a:rPr lang="da-DK" sz="1400" b="1" dirty="0" err="1">
                           <a:solidFill>
@@ -18059,7 +18472,7 @@
                           <a:latin typeface="Courier New" panose="02070309020205020404" pitchFamily="49" charset="0"/>
                           <a:cs typeface="Courier New" panose="02070309020205020404" pitchFamily="49" charset="0"/>
                         </a:rPr>
-                        <a:t>Python</a:t>
+                        <a:t>shell</a:t>
                       </a:r>
                       <a:r>
                         <a:rPr lang="da-DK" sz="1400" b="1" dirty="0">
@@ -18069,22 +18482,46 @@
                           <a:latin typeface="Courier New" panose="02070309020205020404" pitchFamily="49" charset="0"/>
                           <a:cs typeface="Courier New" panose="02070309020205020404" pitchFamily="49" charset="0"/>
                         </a:rPr>
+                        <a:t>  (</a:t>
+                      </a:r>
+                      <a:r>
+                        <a:rPr lang="da-DK" sz="1400" b="1" dirty="0">
+                          <a:latin typeface="Courier New" panose="02070309020205020404" pitchFamily="49" charset="0"/>
+                          <a:cs typeface="Courier New" panose="02070309020205020404" pitchFamily="49" charset="0"/>
+                        </a:rPr>
+                        <a:t>match-case.py</a:t>
+                      </a:r>
+                      <a:r>
+                        <a:rPr lang="da-DK" sz="1400" b="1" dirty="0">
+                          <a:solidFill>
+                            <a:schemeClr val="bg1"/>
+                          </a:solidFill>
+                          <a:latin typeface="Courier New" panose="02070309020205020404" pitchFamily="49" charset="0"/>
+                          <a:cs typeface="Courier New" panose="02070309020205020404" pitchFamily="49" charset="0"/>
+                        </a:rPr>
                         <a:t> </a:t>
                       </a:r>
                       <a:r>
-                        <a:rPr lang="da-DK" sz="1400" b="1" dirty="0" err="1">
+                        <a:rPr lang="da-DK" sz="1400" b="1" i="1" dirty="0" err="1">
                           <a:solidFill>
                             <a:schemeClr val="bg1"/>
                           </a:solidFill>
                           <a:latin typeface="Courier New" panose="02070309020205020404" pitchFamily="49" charset="0"/>
                           <a:cs typeface="Courier New" panose="02070309020205020404" pitchFamily="49" charset="0"/>
                         </a:rPr>
-                        <a:t>shell</a:t>
+                        <a:t>continued</a:t>
+                      </a:r>
+                      <a:r>
+                        <a:rPr lang="da-DK" sz="1400" b="1" dirty="0">
+                          <a:solidFill>
+                            <a:schemeClr val="bg1"/>
+                          </a:solidFill>
+                          <a:latin typeface="Courier New" panose="02070309020205020404" pitchFamily="49" charset="0"/>
+                          <a:cs typeface="Courier New" panose="02070309020205020404" pitchFamily="49" charset="0"/>
+                        </a:rPr>
+                        <a:t>)</a:t>
                       </a:r>
                       <a:endParaRPr lang="da-DK" sz="1400" b="1" dirty="0">
-                        <a:solidFill>
-                          <a:schemeClr val="bg1"/>
-                        </a:solidFill>
                         <a:latin typeface="Courier New" panose="02070309020205020404" pitchFamily="49" charset="0"/>
                         <a:cs typeface="Courier New" panose="02070309020205020404" pitchFamily="49" charset="0"/>
                       </a:endParaRPr>
@@ -21098,7 +21535,7 @@
                   <a:srgbClr val="C00000"/>
                 </a:solidFill>
               </a:rPr>
-              <a:t> by ‘\n’)</a:t>
+              <a:t> by '\n')</a:t>
             </a:r>
             <a:endParaRPr lang="en-US" dirty="0">
               <a:solidFill>
@@ -25273,14 +25710,14 @@
           <p:nvPr>
             <p:extLst>
               <p:ext uri="{D42A27DB-BD31-4B8C-83A1-F6EECF244321}">
-                <p14:modId xmlns:p14="http://schemas.microsoft.com/office/powerpoint/2010/main" val="306121063"/>
+                <p14:modId xmlns:p14="http://schemas.microsoft.com/office/powerpoint/2010/main" val="4141070528"/>
               </p:ext>
             </p:extLst>
           </p:nvPr>
         </p:nvGraphicFramePr>
         <p:xfrm>
-          <a:off x="2727960" y="3619490"/>
-          <a:ext cx="6736080" cy="2560320"/>
+          <a:off x="3001010" y="3651021"/>
+          <a:ext cx="6189980" cy="2560320"/>
         </p:xfrm>
         <a:graphic>
           <a:graphicData uri="http://schemas.openxmlformats.org/drawingml/2006/table">
@@ -25289,7 +25726,7 @@
                 <a:tableStyleId>{5C22544A-7EE6-4342-B048-85BDC9FD1C3A}</a:tableStyleId>
               </a:tblPr>
               <a:tblGrid>
-                <a:gridCol w="6736080">
+                <a:gridCol w="6189980">
                   <a:extLst>
                     <a:ext uri="{9D8B030D-6E8A-4147-A177-3AD203B41FA5}">
                       <a16:colId xmlns:a16="http://schemas.microsoft.com/office/drawing/2014/main" val="1873682825"/>
@@ -25446,8 +25883,19 @@
                           <a:latin typeface="Courier New" panose="02070309020205020404" pitchFamily="49" charset="0"/>
                           <a:cs typeface="Courier New" panose="02070309020205020404" pitchFamily="49" charset="0"/>
                         </a:rPr>
-                        <a:t>.write('%s square is %s' % (x, x**2))</a:t>
-                      </a:r>
+                        <a:t>.write</a:t>
+                      </a:r>
+                      <a:r>
+                        <a:rPr lang="en-US" sz="1800" b="1" dirty="0">
+                          <a:latin typeface="Courier New" panose="02070309020205020404" pitchFamily="49" charset="0"/>
+                          <a:cs typeface="Courier New" panose="02070309020205020404" pitchFamily="49" charset="0"/>
+                        </a:rPr>
+                        <a:t>(f'{x} square is {x ** 2}')</a:t>
+                      </a:r>
+                      <a:endParaRPr lang="pt-BR" sz="1800" b="1" dirty="0">
+                        <a:latin typeface="Courier New" panose="02070309020205020404" pitchFamily="49" charset="0"/>
+                        <a:cs typeface="Courier New" panose="02070309020205020404" pitchFamily="49" charset="0"/>
+                      </a:endParaRPr>
                     </a:p>
                   </a:txBody>
                   <a:tcPr>
@@ -26877,7 +27325,7 @@
         <p:spPr>
           <a:xfrm>
             <a:off x="327082" y="2154749"/>
-            <a:ext cx="4638457" cy="4576251"/>
+            <a:ext cx="5093330" cy="4576251"/>
           </a:xfrm>
         </p:spPr>
         <p:txBody>
@@ -28548,7 +28996,7 @@
           <p:nvPr>
             <p:extLst>
               <p:ext uri="{D42A27DB-BD31-4B8C-83A1-F6EECF244321}">
-                <p14:modId xmlns:p14="http://schemas.microsoft.com/office/powerpoint/2010/main" val="592872529"/>
+                <p14:modId xmlns:p14="http://schemas.microsoft.com/office/powerpoint/2010/main" val="2391744095"/>
               </p:ext>
             </p:extLst>
           </p:nvPr>
@@ -28979,7 +29427,7 @@
                           <a:latin typeface="Courier New" panose="02070309020205020404" pitchFamily="49" charset="0"/>
                           <a:cs typeface="Courier New" panose="02070309020205020404" pitchFamily="49" charset="0"/>
                         </a:rPr>
-                        <a:t>      cells = {(i, k) for k in range(9)}</a:t>
+                        <a:t>      cells  = {(i, k) for k in range(9)}</a:t>
                       </a:r>
                     </a:p>
                     <a:p>
@@ -29530,7 +29978,7 @@
           <p:nvPr>
             <p:extLst>
               <p:ext uri="{D42A27DB-BD31-4B8C-83A1-F6EECF244321}">
-                <p14:modId xmlns:p14="http://schemas.microsoft.com/office/powerpoint/2010/main" val="2173541698"/>
+                <p14:modId xmlns:p14="http://schemas.microsoft.com/office/powerpoint/2010/main" val="1838538258"/>
               </p:ext>
             </p:extLst>
           </p:nvPr>
@@ -29650,10 +30098,10 @@
                           <a:latin typeface="Courier New" panose="02070309020205020404" pitchFamily="49" charset="0"/>
                           <a:cs typeface="Courier New" panose="02070309020205020404" pitchFamily="49" charset="0"/>
                         </a:rPr>
-                        <a:t> </a:t>
-                      </a:r>
-                      <a:r>
-                        <a:rPr lang="en-US" sz="1100" b="1" dirty="0" err="1">
+                        <a:t>  </a:t>
+                      </a:r>
+                      <a:r>
+                        <a:rPr lang="en-US" sz="1100" b="1" dirty="0">
                           <a:solidFill>
                             <a:schemeClr val="accent1">
                               <a:lumMod val="50000"/>
@@ -29697,7 +30145,7 @@
                           <a:latin typeface="Courier New" panose="02070309020205020404" pitchFamily="49" charset="0"/>
                           <a:cs typeface="Courier New" panose="02070309020205020404" pitchFamily="49" charset="0"/>
                         </a:rPr>
-                        <a:t>   for i, row in enumerate(</a:t>
+                        <a:t>    for i, row in enumerate(</a:t>
                       </a:r>
                       <a:r>
                         <a:rPr lang="en-US" sz="1100" b="1" dirty="0" err="1">
@@ -29732,7 +30180,7 @@
                           <a:latin typeface="Courier New" panose="02070309020205020404" pitchFamily="49" charset="0"/>
                           <a:cs typeface="Courier New" panose="02070309020205020404" pitchFamily="49" charset="0"/>
                         </a:rPr>
-                        <a:t>     cells = [' %s ' % c if c else ' . ' for c in row]</a:t>
+                        <a:t>      cells = [f' {c} ' if c else ' . ' for c in row]</a:t>
                       </a:r>
                     </a:p>
                     <a:p>
@@ -29741,7 +30189,7 @@
                           <a:latin typeface="Courier New" panose="02070309020205020404" pitchFamily="49" charset="0"/>
                           <a:cs typeface="Courier New" panose="02070309020205020404" pitchFamily="49" charset="0"/>
                         </a:rPr>
-                        <a:t>     print('|'.join([''.join(cells[j:j+3]) for j in (0,3,6)]))</a:t>
+                        <a:t>      print('|'.join([''.join(cells[j:j+3]) for j in (0,3,6)]))</a:t>
                       </a:r>
                     </a:p>
                     <a:p>
@@ -29750,7 +30198,7 @@
                           <a:latin typeface="Courier New" panose="02070309020205020404" pitchFamily="49" charset="0"/>
                           <a:cs typeface="Courier New" panose="02070309020205020404" pitchFamily="49" charset="0"/>
                         </a:rPr>
-                        <a:t>     if i in (2,5):</a:t>
+                        <a:t>      if i in (2, 5):</a:t>
                       </a:r>
                     </a:p>
                     <a:p>
@@ -32700,14 +33148,14 @@
           <p:nvPr>
             <p:extLst>
               <p:ext uri="{D42A27DB-BD31-4B8C-83A1-F6EECF244321}">
-                <p14:modId xmlns:p14="http://schemas.microsoft.com/office/powerpoint/2010/main" val="941097297"/>
+                <p14:modId xmlns:p14="http://schemas.microsoft.com/office/powerpoint/2010/main" val="2285908119"/>
               </p:ext>
             </p:extLst>
           </p:nvPr>
         </p:nvGraphicFramePr>
         <p:xfrm>
-          <a:off x="3518704" y="0"/>
-          <a:ext cx="8673295" cy="6858000"/>
+          <a:off x="4111829" y="439694"/>
+          <a:ext cx="7575868" cy="5978611"/>
         </p:xfrm>
         <a:graphic>
           <a:graphicData uri="http://schemas.openxmlformats.org/drawingml/2006/table">
@@ -32716,7 +33164,7 @@
                 <a:tableStyleId>{5C22544A-7EE6-4342-B048-85BDC9FD1C3A}</a:tableStyleId>
               </a:tblPr>
               <a:tblGrid>
-                <a:gridCol w="8673295">
+                <a:gridCol w="7575868">
                   <a:extLst>
                     <a:ext uri="{9D8B030D-6E8A-4147-A177-3AD203B41FA5}">
                       <a16:colId xmlns:a16="http://schemas.microsoft.com/office/drawing/2014/main" val="1873682825"/>
@@ -32731,27 +33179,27 @@
                     <a:lstStyle/>
                     <a:p>
                       <a:r>
-                        <a:rPr lang="da-DK" sz="1600" b="1" dirty="0" err="1">
+                        <a:rPr lang="da-DK" sz="1400" b="1" dirty="0" err="1">
                           <a:latin typeface="Courier New" panose="02070309020205020404" pitchFamily="49" charset="0"/>
                           <a:cs typeface="Courier New" panose="02070309020205020404" pitchFamily="49" charset="0"/>
                         </a:rPr>
                         <a:t>Python</a:t>
                       </a:r>
                       <a:r>
-                        <a:rPr lang="da-DK" sz="1600" b="1" dirty="0">
+                        <a:rPr lang="da-DK" sz="1400" b="1" dirty="0">
                           <a:latin typeface="Courier New" panose="02070309020205020404" pitchFamily="49" charset="0"/>
                           <a:cs typeface="Courier New" panose="02070309020205020404" pitchFamily="49" charset="0"/>
                         </a:rPr>
                         <a:t> </a:t>
                       </a:r>
                       <a:r>
-                        <a:rPr lang="da-DK" sz="1600" b="1" dirty="0" err="1">
+                        <a:rPr lang="da-DK" sz="1400" b="1" dirty="0" err="1">
                           <a:latin typeface="Courier New" panose="02070309020205020404" pitchFamily="49" charset="0"/>
                           <a:cs typeface="Courier New" panose="02070309020205020404" pitchFamily="49" charset="0"/>
                         </a:rPr>
                         <a:t>shell</a:t>
                       </a:r>
-                      <a:endParaRPr lang="da-DK" sz="1600" b="1" dirty="0">
+                      <a:endParaRPr lang="da-DK" sz="1400" b="1" dirty="0">
                         <a:latin typeface="Courier New" panose="02070309020205020404" pitchFamily="49" charset="0"/>
                         <a:cs typeface="Courier New" panose="02070309020205020404" pitchFamily="49" charset="0"/>
                       </a:endParaRPr>
@@ -32813,7 +33261,7 @@
                   </a:ext>
                 </a:extLst>
               </a:tr>
-              <a:tr h="6518189">
+              <a:tr h="4368113">
                 <a:tc>
                   <a:txBody>
                     <a:bodyPr/>
@@ -32828,7 +33276,7 @@
                         <a:buChar char="&gt;"/>
                       </a:pPr>
                       <a:r>
-                        <a:rPr lang="pt-BR" sz="1600" b="1" baseline="0" dirty="0">
+                        <a:rPr lang="pt-BR" sz="1400" b="1" baseline="0" dirty="0">
                           <a:latin typeface="Courier New" panose="02070309020205020404" pitchFamily="49" charset="0"/>
                           <a:cs typeface="Courier New" panose="02070309020205020404" pitchFamily="49" charset="0"/>
                         </a:rPr>
@@ -32847,7 +33295,7 @@
                         <a:buChar char="|"/>
                       </a:pPr>
                       <a:r>
-                        <a:rPr lang="pt-BR" sz="1600" b="1" baseline="0" dirty="0">
+                        <a:rPr lang="pt-BR" sz="1400" b="1" baseline="0" dirty="0">
                           <a:solidFill>
                             <a:srgbClr val="C00000"/>
                           </a:solidFill>
@@ -32857,7 +33305,7 @@
                         <a:t>ZeroDivisionError</a:t>
                       </a:r>
                       <a:r>
-                        <a:rPr lang="pt-BR" sz="1600" b="1" baseline="0" dirty="0">
+                        <a:rPr lang="pt-BR" sz="1400" b="1" baseline="0" dirty="0">
                           <a:latin typeface="Courier New" panose="02070309020205020404" pitchFamily="49" charset="0"/>
                           <a:cs typeface="Courier New" panose="02070309020205020404" pitchFamily="49" charset="0"/>
                         </a:rPr>
@@ -32874,7 +33322,7 @@
                         <a:buChar char="&gt;"/>
                       </a:pPr>
                       <a:r>
-                        <a:rPr lang="pt-BR" sz="1600" b="1" baseline="0" dirty="0">
+                        <a:rPr lang="pt-BR" sz="1400" b="1" baseline="0" dirty="0">
                           <a:latin typeface="Courier New" panose="02070309020205020404" pitchFamily="49" charset="0"/>
                           <a:cs typeface="Courier New" panose="02070309020205020404" pitchFamily="49" charset="0"/>
                         </a:rPr>
@@ -32893,7 +33341,7 @@
                         <a:buChar char="|"/>
                       </a:pPr>
                       <a:r>
-                        <a:rPr lang="en-US" sz="1600" b="1" baseline="0" dirty="0" err="1">
+                        <a:rPr lang="en-US" sz="1400" b="1" baseline="0" dirty="0" err="1">
                           <a:solidFill>
                             <a:srgbClr val="C00000"/>
                           </a:solidFill>
@@ -32903,27 +33351,27 @@
                         <a:t>ValueError</a:t>
                       </a:r>
                       <a:r>
-                        <a:rPr lang="en-US" sz="1600" b="1" baseline="0" dirty="0">
+                        <a:rPr lang="en-US" sz="1400" b="1" baseline="0" dirty="0">
                           <a:latin typeface="Courier New" panose="02070309020205020404" pitchFamily="49" charset="0"/>
                           <a:cs typeface="Courier New" panose="02070309020205020404" pitchFamily="49" charset="0"/>
                         </a:rPr>
                         <a:t>: invalid literal for </a:t>
                       </a:r>
                       <a:r>
-                        <a:rPr lang="en-US" sz="1600" b="1" baseline="0" dirty="0" err="1">
+                        <a:rPr lang="en-US" sz="1400" b="1" baseline="0" dirty="0" err="1">
                           <a:latin typeface="Courier New" panose="02070309020205020404" pitchFamily="49" charset="0"/>
                           <a:cs typeface="Courier New" panose="02070309020205020404" pitchFamily="49" charset="0"/>
                         </a:rPr>
                         <a:t>int</a:t>
                       </a:r>
                       <a:r>
-                        <a:rPr lang="en-US" sz="1600" b="1" baseline="0" dirty="0">
+                        <a:rPr lang="en-US" sz="1400" b="1" baseline="0" dirty="0">
                           <a:latin typeface="Courier New" panose="02070309020205020404" pitchFamily="49" charset="0"/>
                           <a:cs typeface="Courier New" panose="02070309020205020404" pitchFamily="49" charset="0"/>
                         </a:rPr>
                         <a:t>() with base 10: '42x'</a:t>
                       </a:r>
-                      <a:endParaRPr lang="pt-BR" sz="1600" b="1" baseline="0" dirty="0">
+                      <a:endParaRPr lang="pt-BR" sz="1400" b="1" baseline="0" dirty="0">
                         <a:latin typeface="Courier New" panose="02070309020205020404" pitchFamily="49" charset="0"/>
                         <a:cs typeface="Courier New" panose="02070309020205020404" pitchFamily="49" charset="0"/>
                       </a:endParaRPr>
@@ -32938,7 +33386,7 @@
                         <a:buChar char="&gt;"/>
                       </a:pPr>
                       <a:r>
-                        <a:rPr lang="en-US" sz="1600" b="1" baseline="0" dirty="0">
+                        <a:rPr lang="en-US" sz="1400" b="1" baseline="0" dirty="0">
                           <a:latin typeface="Courier New" panose="02070309020205020404" pitchFamily="49" charset="0"/>
                           <a:cs typeface="Courier New" panose="02070309020205020404" pitchFamily="49" charset="0"/>
                         </a:rPr>
@@ -32957,7 +33405,7 @@
                         <a:buChar char="|"/>
                       </a:pPr>
                       <a:r>
-                        <a:rPr lang="en-US" sz="1600" b="1" baseline="0" dirty="0" err="1">
+                        <a:rPr lang="en-US" sz="1400" b="1" baseline="0" dirty="0" err="1">
                           <a:solidFill>
                             <a:srgbClr val="C00000"/>
                           </a:solidFill>
@@ -32967,13 +33415,13 @@
                         <a:t>NameError</a:t>
                       </a:r>
                       <a:r>
-                        <a:rPr lang="en-US" sz="1600" b="1" baseline="0" dirty="0">
+                        <a:rPr lang="en-US" sz="1400" b="1" baseline="0" dirty="0">
                           <a:latin typeface="Courier New" panose="02070309020205020404" pitchFamily="49" charset="0"/>
                           <a:cs typeface="Courier New" panose="02070309020205020404" pitchFamily="49" charset="0"/>
                         </a:rPr>
                         <a:t>: name 'y' is not defined</a:t>
                       </a:r>
-                      <a:endParaRPr lang="pt-BR" sz="1600" b="1" baseline="0" dirty="0">
+                      <a:endParaRPr lang="pt-BR" sz="1400" b="1" baseline="0" dirty="0">
                         <a:latin typeface="Courier New" panose="02070309020205020404" pitchFamily="49" charset="0"/>
                         <a:cs typeface="Courier New" panose="02070309020205020404" pitchFamily="49" charset="0"/>
                       </a:endParaRPr>
@@ -32988,7 +33436,7 @@
                         <a:buChar char="&gt;"/>
                       </a:pPr>
                       <a:r>
-                        <a:rPr lang="pt-BR" sz="1600" b="1" baseline="0" dirty="0">
+                        <a:rPr lang="pt-BR" sz="1400" b="1" baseline="0" dirty="0">
                           <a:latin typeface="Courier New" panose="02070309020205020404" pitchFamily="49" charset="0"/>
                           <a:cs typeface="Courier New" panose="02070309020205020404" pitchFamily="49" charset="0"/>
                         </a:rPr>
@@ -33007,7 +33455,7 @@
                         <a:buChar char="|"/>
                       </a:pPr>
                       <a:r>
-                        <a:rPr lang="pt-BR" sz="1600" b="1" baseline="0" dirty="0">
+                        <a:rPr lang="pt-BR" sz="1400" b="1" baseline="0" dirty="0">
                           <a:solidFill>
                             <a:srgbClr val="C00000"/>
                           </a:solidFill>
@@ -33027,7 +33475,7 @@
                         <a:buChar char="&gt;"/>
                       </a:pPr>
                       <a:r>
-                        <a:rPr lang="pt-BR" sz="1600" b="1" baseline="0" dirty="0">
+                        <a:rPr lang="pt-BR" sz="1400" b="1" baseline="0" dirty="0">
                           <a:latin typeface="Courier New" panose="02070309020205020404" pitchFamily="49" charset="0"/>
                           <a:cs typeface="Courier New" panose="02070309020205020404" pitchFamily="49" charset="0"/>
                         </a:rPr>
@@ -33046,7 +33494,7 @@
                         <a:buChar char="|"/>
                       </a:pPr>
                       <a:r>
-                        <a:rPr lang="en-US" sz="1600" b="1" baseline="0" dirty="0" err="1">
+                        <a:rPr lang="en-US" sz="1400" b="1" baseline="0" dirty="0" err="1">
                           <a:solidFill>
                             <a:srgbClr val="C00000"/>
                           </a:solidFill>
@@ -33056,13 +33504,13 @@
                         <a:t>OverflowError</a:t>
                       </a:r>
                       <a:r>
-                        <a:rPr lang="en-US" sz="1600" b="1" baseline="0" dirty="0">
+                        <a:rPr lang="en-US" sz="1400" b="1" baseline="0" dirty="0">
                           <a:latin typeface="Courier New" panose="02070309020205020404" pitchFamily="49" charset="0"/>
                           <a:cs typeface="Courier New" panose="02070309020205020404" pitchFamily="49" charset="0"/>
                         </a:rPr>
                         <a:t>: (34, 'Result too large')</a:t>
                       </a:r>
-                      <a:endParaRPr lang="pt-BR" sz="1600" b="1" baseline="0" dirty="0">
+                      <a:endParaRPr lang="pt-BR" sz="1400" b="1" baseline="0" dirty="0">
                         <a:latin typeface="Courier New" panose="02070309020205020404" pitchFamily="49" charset="0"/>
                         <a:cs typeface="Courier New" panose="02070309020205020404" pitchFamily="49" charset="0"/>
                       </a:endParaRPr>
@@ -33077,7 +33525,7 @@
                         <a:buChar char="&gt;"/>
                       </a:pPr>
                       <a:r>
-                        <a:rPr lang="da-DK" sz="1600" b="1" baseline="0" dirty="0">
+                        <a:rPr lang="da-DK" sz="1400" b="1" baseline="0" dirty="0">
                           <a:latin typeface="Courier New" panose="02070309020205020404" pitchFamily="49" charset="0"/>
                           <a:cs typeface="Courier New" panose="02070309020205020404" pitchFamily="49" charset="0"/>
                         </a:rPr>
@@ -33094,7 +33542,7 @@
                         <a:buChar char="&gt;"/>
                       </a:pPr>
                       <a:r>
-                        <a:rPr lang="en-US" sz="1600" b="1" baseline="0" dirty="0">
+                        <a:rPr lang="en-US" sz="1400" b="1" baseline="0" dirty="0">
                           <a:latin typeface="Courier New" panose="02070309020205020404" pitchFamily="49" charset="0"/>
                           <a:cs typeface="Courier New" panose="02070309020205020404" pitchFamily="49" charset="0"/>
                         </a:rPr>
@@ -33113,7 +33561,7 @@
                         <a:buChar char="|"/>
                       </a:pPr>
                       <a:r>
-                        <a:rPr lang="en-US" sz="1600" b="1" baseline="0" dirty="0" err="1">
+                        <a:rPr lang="en-US" sz="1400" b="1" baseline="0" dirty="0" err="1">
                           <a:solidFill>
                             <a:srgbClr val="C00000"/>
                           </a:solidFill>
@@ -33123,13 +33571,13 @@
                         <a:t>TypeError</a:t>
                       </a:r>
                       <a:r>
-                        <a:rPr lang="en-US" sz="1600" b="1" baseline="0" dirty="0">
+                        <a:rPr lang="en-US" sz="1400" b="1" baseline="0" dirty="0">
                           <a:latin typeface="Courier New" panose="02070309020205020404" pitchFamily="49" charset="0"/>
                           <a:cs typeface="Courier New" panose="02070309020205020404" pitchFamily="49" charset="0"/>
                         </a:rPr>
                         <a:t>: 'tuple' object does not support item assignment</a:t>
                       </a:r>
-                      <a:endParaRPr lang="pt-BR" sz="1600" b="1" baseline="0" dirty="0">
+                      <a:endParaRPr lang="pt-BR" sz="1400" b="1" baseline="0" dirty="0">
                         <a:latin typeface="Courier New" panose="02070309020205020404" pitchFamily="49" charset="0"/>
                         <a:cs typeface="Courier New" panose="02070309020205020404" pitchFamily="49" charset="0"/>
                       </a:endParaRPr>
@@ -33144,7 +33592,7 @@
                         <a:buChar char="&gt;"/>
                       </a:pPr>
                       <a:r>
-                        <a:rPr lang="pt-BR" sz="1600" b="1" baseline="0" dirty="0">
+                        <a:rPr lang="pt-BR" sz="1400" b="1" baseline="0" dirty="0">
                           <a:latin typeface="Courier New" panose="02070309020205020404" pitchFamily="49" charset="0"/>
                           <a:cs typeface="Courier New" panose="02070309020205020404" pitchFamily="49" charset="0"/>
                         </a:rPr>
@@ -33163,7 +33611,7 @@
                         <a:buChar char="|"/>
                       </a:pPr>
                       <a:r>
-                        <a:rPr lang="en-US" sz="1600" b="1" baseline="0" dirty="0" err="1">
+                        <a:rPr lang="en-US" sz="1400" b="1" baseline="0" dirty="0" err="1">
                           <a:solidFill>
                             <a:srgbClr val="C00000"/>
                           </a:solidFill>
@@ -33173,13 +33621,13 @@
                         <a:t>IndexError</a:t>
                       </a:r>
                       <a:r>
-                        <a:rPr lang="en-US" sz="1600" b="1" baseline="0" dirty="0">
+                        <a:rPr lang="en-US" sz="1400" b="1" baseline="0" dirty="0">
                           <a:latin typeface="Courier New" panose="02070309020205020404" pitchFamily="49" charset="0"/>
                           <a:cs typeface="Courier New" panose="02070309020205020404" pitchFamily="49" charset="0"/>
                         </a:rPr>
                         <a:t>: tuple index out of range</a:t>
                       </a:r>
-                      <a:endParaRPr lang="pt-BR" sz="1600" b="1" baseline="0" dirty="0">
+                      <a:endParaRPr lang="pt-BR" sz="1400" b="1" baseline="0" dirty="0">
                         <a:latin typeface="Courier New" panose="02070309020205020404" pitchFamily="49" charset="0"/>
                         <a:cs typeface="Courier New" panose="02070309020205020404" pitchFamily="49" charset="0"/>
                       </a:endParaRPr>
@@ -33194,7 +33642,7 @@
                         <a:buChar char="&gt;"/>
                       </a:pPr>
                       <a:r>
-                        <a:rPr lang="pt-BR" sz="1600" b="1" baseline="0" dirty="0">
+                        <a:rPr lang="pt-BR" sz="1400" b="1" baseline="0" dirty="0">
                           <a:latin typeface="Courier New" panose="02070309020205020404" pitchFamily="49" charset="0"/>
                           <a:cs typeface="Courier New" panose="02070309020205020404" pitchFamily="49" charset="0"/>
                         </a:rPr>
@@ -33213,7 +33661,7 @@
                         <a:buChar char="|"/>
                       </a:pPr>
                       <a:r>
-                        <a:rPr lang="en-US" sz="1600" b="1" baseline="0" dirty="0" err="1">
+                        <a:rPr lang="en-US" sz="1400" b="1" baseline="0" dirty="0" err="1">
                           <a:solidFill>
                             <a:srgbClr val="C00000"/>
                           </a:solidFill>
@@ -33223,13 +33671,13 @@
                         <a:t>AttributeError</a:t>
                       </a:r>
                       <a:r>
-                        <a:rPr lang="en-US" sz="1600" b="1" baseline="0" dirty="0">
+                        <a:rPr lang="en-US" sz="1400" b="1" baseline="0" dirty="0">
                           <a:latin typeface="Courier New" panose="02070309020205020404" pitchFamily="49" charset="0"/>
                           <a:cs typeface="Courier New" panose="02070309020205020404" pitchFamily="49" charset="0"/>
                         </a:rPr>
                         <a:t>: 'tuple' object has no attribute 'x'</a:t>
                       </a:r>
-                      <a:endParaRPr lang="pt-BR" sz="1600" b="1" baseline="0" dirty="0">
+                      <a:endParaRPr lang="pt-BR" sz="1400" b="1" baseline="0" dirty="0">
                         <a:latin typeface="Courier New" panose="02070309020205020404" pitchFamily="49" charset="0"/>
                         <a:cs typeface="Courier New" panose="02070309020205020404" pitchFamily="49" charset="0"/>
                       </a:endParaRPr>
@@ -33244,7 +33692,7 @@
                         <a:buChar char="&gt;"/>
                       </a:pPr>
                       <a:r>
-                        <a:rPr lang="pt-BR" sz="1600" b="1" baseline="0" dirty="0">
+                        <a:rPr lang="pt-BR" sz="1400" b="1" baseline="0" dirty="0">
                           <a:latin typeface="Courier New" panose="02070309020205020404" pitchFamily="49" charset="0"/>
                           <a:cs typeface="Courier New" panose="02070309020205020404" pitchFamily="49" charset="0"/>
                         </a:rPr>
@@ -33261,7 +33709,7 @@
                         <a:buChar char="&gt;"/>
                       </a:pPr>
                       <a:r>
-                        <a:rPr lang="pt-BR" sz="1600" b="1" baseline="0" dirty="0">
+                        <a:rPr lang="pt-BR" sz="1400" b="1" baseline="0" dirty="0">
                           <a:latin typeface="Courier New" panose="02070309020205020404" pitchFamily="49" charset="0"/>
                           <a:cs typeface="Courier New" panose="02070309020205020404" pitchFamily="49" charset="0"/>
                         </a:rPr>
@@ -33280,7 +33728,7 @@
                         <a:buChar char="|"/>
                       </a:pPr>
                       <a:r>
-                        <a:rPr lang="pt-BR" sz="1600" b="1" baseline="0" dirty="0">
+                        <a:rPr lang="pt-BR" sz="1400" b="1" baseline="0" dirty="0">
                           <a:solidFill>
                             <a:srgbClr val="C00000"/>
                           </a:solidFill>
@@ -33290,7 +33738,7 @@
                         <a:t>KeyError</a:t>
                       </a:r>
                       <a:r>
-                        <a:rPr lang="pt-BR" sz="1600" b="1" baseline="0" dirty="0">
+                        <a:rPr lang="pt-BR" sz="1400" b="1" baseline="0" dirty="0">
                           <a:latin typeface="Courier New" panose="02070309020205020404" pitchFamily="49" charset="0"/>
                           <a:cs typeface="Courier New" panose="02070309020205020404" pitchFamily="49" charset="0"/>
                         </a:rPr>
@@ -33307,14 +33755,14 @@
                         <a:buChar char="&gt;"/>
                       </a:pPr>
                       <a:r>
-                        <a:rPr lang="en-US" sz="1600" b="1" baseline="0" dirty="0" err="1">
+                        <a:rPr lang="en-US" sz="1400" b="1" baseline="0" dirty="0" err="1">
                           <a:latin typeface="Courier New" panose="02070309020205020404" pitchFamily="49" charset="0"/>
                           <a:cs typeface="Courier New" panose="02070309020205020404" pitchFamily="49" charset="0"/>
                         </a:rPr>
                         <a:t>def</a:t>
                       </a:r>
                       <a:r>
-                        <a:rPr lang="en-US" sz="1600" b="1" baseline="0" dirty="0">
+                        <a:rPr lang="en-US" sz="1400" b="1" baseline="0" dirty="0">
                           <a:latin typeface="Courier New" panose="02070309020205020404" pitchFamily="49" charset="0"/>
                           <a:cs typeface="Courier New" panose="02070309020205020404" pitchFamily="49" charset="0"/>
                         </a:rPr>
@@ -33331,13 +33779,13 @@
                         <a:buChar char="&gt;"/>
                       </a:pPr>
                       <a:r>
-                        <a:rPr lang="da-DK" sz="1600" b="1" baseline="0" dirty="0">
+                        <a:rPr lang="da-DK" sz="1400" b="1" baseline="0" dirty="0">
                           <a:latin typeface="Courier New" panose="02070309020205020404" pitchFamily="49" charset="0"/>
                           <a:cs typeface="Courier New" panose="02070309020205020404" pitchFamily="49" charset="0"/>
                         </a:rPr>
                         <a:t>f(0)</a:t>
                       </a:r>
-                      <a:endParaRPr lang="en-US" sz="1600" b="1" baseline="0" dirty="0">
+                      <a:endParaRPr lang="en-US" sz="1400" b="1" baseline="0" dirty="0">
                         <a:latin typeface="Courier New" panose="02070309020205020404" pitchFamily="49" charset="0"/>
                         <a:cs typeface="Courier New" panose="02070309020205020404" pitchFamily="49" charset="0"/>
                       </a:endParaRPr>
@@ -33354,7 +33802,7 @@
                         <a:buChar char="|"/>
                       </a:pPr>
                       <a:r>
-                        <a:rPr lang="en-US" sz="1600" b="1" baseline="0" dirty="0" err="1">
+                        <a:rPr lang="en-US" sz="1400" b="1" baseline="0" dirty="0" err="1">
                           <a:solidFill>
                             <a:srgbClr val="C00000"/>
                           </a:solidFill>
@@ -33364,7 +33812,7 @@
                         <a:t>RecursionError</a:t>
                       </a:r>
                       <a:r>
-                        <a:rPr lang="en-US" sz="1600" b="1" baseline="0" dirty="0">
+                        <a:rPr lang="en-US" sz="1400" b="1" baseline="0" dirty="0">
                           <a:latin typeface="Courier New" panose="02070309020205020404" pitchFamily="49" charset="0"/>
                           <a:cs typeface="Courier New" panose="02070309020205020404" pitchFamily="49" charset="0"/>
                         </a:rPr>
@@ -33381,14 +33829,14 @@
                         <a:buChar char="&gt;"/>
                       </a:pPr>
                       <a:r>
-                        <a:rPr lang="en-US" sz="1600" b="1" baseline="0" dirty="0" err="1">
+                        <a:rPr lang="en-US" sz="1400" b="1" baseline="0" dirty="0" err="1">
                           <a:latin typeface="Courier New" panose="02070309020205020404" pitchFamily="49" charset="0"/>
                           <a:cs typeface="Courier New" panose="02070309020205020404" pitchFamily="49" charset="0"/>
                         </a:rPr>
                         <a:t>def</a:t>
                       </a:r>
                       <a:r>
-                        <a:rPr lang="en-US" sz="1600" b="1" baseline="0" dirty="0">
+                        <a:rPr lang="en-US" sz="1400" b="1" baseline="0" dirty="0">
                           <a:latin typeface="Courier New" panose="02070309020205020404" pitchFamily="49" charset="0"/>
                           <a:cs typeface="Courier New" panose="02070309020205020404" pitchFamily="49" charset="0"/>
                         </a:rPr>
@@ -33405,13 +33853,13 @@
                         <a:buChar char="&gt;"/>
                       </a:pPr>
                       <a:r>
-                        <a:rPr lang="da-DK" sz="1600" b="1" baseline="0" dirty="0">
+                        <a:rPr lang="da-DK" sz="1400" b="1" baseline="0" dirty="0">
                           <a:latin typeface="Courier New" panose="02070309020205020404" pitchFamily="49" charset="0"/>
                           <a:cs typeface="Courier New" panose="02070309020205020404" pitchFamily="49" charset="0"/>
                         </a:rPr>
                         <a:t>f()</a:t>
                       </a:r>
-                      <a:endParaRPr lang="en-US" sz="1600" b="1" baseline="0" dirty="0">
+                      <a:endParaRPr lang="en-US" sz="1400" b="1" baseline="0" dirty="0">
                         <a:latin typeface="Courier New" panose="02070309020205020404" pitchFamily="49" charset="0"/>
                         <a:cs typeface="Courier New" panose="02070309020205020404" pitchFamily="49" charset="0"/>
                       </a:endParaRPr>
@@ -33428,7 +33876,7 @@
                         <a:buChar char="|"/>
                       </a:pPr>
                       <a:r>
-                        <a:rPr lang="en-US" sz="1600" b="1" baseline="0" dirty="0" err="1">
+                        <a:rPr lang="en-US" sz="1400" b="1" baseline="0" dirty="0" err="1">
                           <a:solidFill>
                             <a:srgbClr val="C00000"/>
                           </a:solidFill>
@@ -33438,13 +33886,13 @@
                         <a:t>UnboundLocalError</a:t>
                       </a:r>
                       <a:r>
-                        <a:rPr lang="en-US" sz="1600" b="1" baseline="0" dirty="0">
+                        <a:rPr lang="en-US" sz="1400" b="1" baseline="0" dirty="0">
                           <a:latin typeface="Courier New" panose="02070309020205020404" pitchFamily="49" charset="0"/>
                           <a:cs typeface="Courier New" panose="02070309020205020404" pitchFamily="49" charset="0"/>
                         </a:rPr>
                         <a:t>: local variable 'x' referenced before assignment</a:t>
                       </a:r>
-                      <a:endParaRPr lang="pt-BR" sz="1600" b="1" baseline="0" dirty="0">
+                      <a:endParaRPr lang="pt-BR" sz="1400" b="1" baseline="0" dirty="0">
                         <a:latin typeface="Courier New" panose="02070309020205020404" pitchFamily="49" charset="0"/>
                         <a:cs typeface="Courier New" panose="02070309020205020404" pitchFamily="49" charset="0"/>
                       </a:endParaRPr>
@@ -33667,14 +34115,14 @@
           <p:nvPr>
             <p:extLst>
               <p:ext uri="{D42A27DB-BD31-4B8C-83A1-F6EECF244321}">
-                <p14:modId xmlns:p14="http://schemas.microsoft.com/office/powerpoint/2010/main" val="2316218770"/>
+                <p14:modId xmlns:p14="http://schemas.microsoft.com/office/powerpoint/2010/main" val="3409244432"/>
               </p:ext>
             </p:extLst>
           </p:nvPr>
         </p:nvGraphicFramePr>
         <p:xfrm>
-          <a:off x="1979272" y="1883498"/>
-          <a:ext cx="8510905" cy="3931920"/>
+          <a:off x="2386647" y="1945282"/>
+          <a:ext cx="7418705" cy="3931920"/>
         </p:xfrm>
         <a:graphic>
           <a:graphicData uri="http://schemas.openxmlformats.org/drawingml/2006/table">
@@ -33683,7 +34131,7 @@
                 <a:tableStyleId>{5C22544A-7EE6-4342-B048-85BDC9FD1C3A}</a:tableStyleId>
               </a:tblPr>
               <a:tblGrid>
-                <a:gridCol w="8510905">
+                <a:gridCol w="7418705">
                   <a:extLst>
                     <a:ext uri="{9D8B030D-6E8A-4147-A177-3AD203B41FA5}">
                       <a16:colId xmlns:a16="http://schemas.microsoft.com/office/drawing/2014/main" val="1873682825"/>
@@ -33819,7 +34267,7 @@
                           <a:latin typeface="Courier New" panose="02070309020205020404" pitchFamily="49" charset="0"/>
                           <a:cs typeface="Courier New" panose="02070309020205020404" pitchFamily="49" charset="0"/>
                         </a:rPr>
-                        <a:t>    print('%s / %s = %s' % (numerator, denominator, result))</a:t>
+                        <a:t>    print(f'{numerator} / {denominator} = {result}')</a:t>
                       </a:r>
                     </a:p>
                   </a:txBody>
@@ -34263,7 +34711,7 @@
           <p:nvPr>
             <p:extLst>
               <p:ext uri="{D42A27DB-BD31-4B8C-83A1-F6EECF244321}">
-                <p14:modId xmlns:p14="http://schemas.microsoft.com/office/powerpoint/2010/main" val="2761313227"/>
+                <p14:modId xmlns:p14="http://schemas.microsoft.com/office/powerpoint/2010/main" val="3178858818"/>
               </p:ext>
             </p:extLst>
           </p:nvPr>
@@ -34478,7 +34926,7 @@
                           <a:latin typeface="Courier New" panose="02070309020205020404" pitchFamily="49" charset="0"/>
                           <a:cs typeface="Courier New" panose="02070309020205020404" pitchFamily="49" charset="0"/>
                         </a:rPr>
-                        <a:t>    print('%s / %s = %s' % (numerator, denominator, result))</a:t>
+                        <a:t>    print(f'{numerator} / {denominator} = {result}')</a:t>
                       </a:r>
                       <a:endParaRPr lang="pt-BR" sz="1800" b="1" dirty="0">
                         <a:solidFill>
@@ -35047,7 +35495,7 @@
           <p:nvPr>
             <p:extLst>
               <p:ext uri="{D42A27DB-BD31-4B8C-83A1-F6EECF244321}">
-                <p14:modId xmlns:p14="http://schemas.microsoft.com/office/powerpoint/2010/main" val="1048383999"/>
+                <p14:modId xmlns:p14="http://schemas.microsoft.com/office/powerpoint/2010/main" val="2992959342"/>
               </p:ext>
             </p:extLst>
           </p:nvPr>
@@ -35308,7 +35756,7 @@
                           <a:latin typeface="Courier New" panose="02070309020205020404" pitchFamily="49" charset="0"/>
                           <a:cs typeface="Courier New" panose="02070309020205020404" pitchFamily="49" charset="0"/>
                         </a:rPr>
-                        <a:t>    print('%s / %s = %s' % (numerator, denominator, result))</a:t>
+                        <a:t>    print(f'{numerator} / {denominator} = {result}')</a:t>
                       </a:r>
                       <a:endParaRPr lang="pt-BR" sz="1600" b="1" dirty="0">
                         <a:solidFill>
@@ -35827,7 +36275,7 @@
           <p:nvPr>
             <p:extLst>
               <p:ext uri="{D42A27DB-BD31-4B8C-83A1-F6EECF244321}">
-                <p14:modId xmlns:p14="http://schemas.microsoft.com/office/powerpoint/2010/main" val="2001575264"/>
+                <p14:modId xmlns:p14="http://schemas.microsoft.com/office/powerpoint/2010/main" val="2673902786"/>
               </p:ext>
             </p:extLst>
           </p:nvPr>
@@ -36046,7 +36494,7 @@
                           <a:latin typeface="Courier New" panose="02070309020205020404" pitchFamily="49" charset="0"/>
                           <a:cs typeface="Courier New" panose="02070309020205020404" pitchFamily="49" charset="0"/>
                         </a:rPr>
-                        <a:t>        print('%s / %s = %s' % (numerator, denominator, result))</a:t>
+                        <a:t>        print(f'{numerator} / {denominator} = {result}')</a:t>
                       </a:r>
                     </a:p>
                     <a:p>
@@ -36535,7 +36983,7 @@
           <p:nvPr>
             <p:extLst>
               <p:ext uri="{D42A27DB-BD31-4B8C-83A1-F6EECF244321}">
-                <p14:modId xmlns:p14="http://schemas.microsoft.com/office/powerpoint/2010/main" val="1862567090"/>
+                <p14:modId xmlns:p14="http://schemas.microsoft.com/office/powerpoint/2010/main" val="3494574842"/>
               </p:ext>
             </p:extLst>
           </p:nvPr>
@@ -36687,12 +37135,16 @@
                     </a:p>
                     <a:p>
                       <a:r>
-                        <a:rPr lang="pt-BR" sz="1600" b="1" dirty="0">
-                          <a:latin typeface="Courier New" panose="02070309020205020404" pitchFamily="49" charset="0"/>
-                          <a:cs typeface="Courier New" panose="02070309020205020404" pitchFamily="49" charset="0"/>
-                        </a:rPr>
-                        <a:t>        print('%s / %s = %s' % (numerator, denominator, result))</a:t>
-                      </a:r>
+                        <a:rPr lang="pt-BR" sz="1600" b="1">
+                          <a:latin typeface="Courier New" panose="02070309020205020404" pitchFamily="49" charset="0"/>
+                          <a:cs typeface="Courier New" panose="02070309020205020404" pitchFamily="49" charset="0"/>
+                        </a:rPr>
+                        <a:t>        print(f'{numerator} / {denominator} = {result}')</a:t>
+                      </a:r>
+                      <a:endParaRPr lang="pt-BR" sz="1600" b="1" dirty="0">
+                        <a:latin typeface="Courier New" panose="02070309020205020404" pitchFamily="49" charset="0"/>
+                        <a:cs typeface="Courier New" panose="02070309020205020404" pitchFamily="49" charset="0"/>
+                      </a:endParaRPr>
                     </a:p>
                     <a:p>
                       <a:r>

--- a/ipsa/slides/exceptions.pptx
+++ b/ipsa/slides/exceptions.pptx
@@ -146,7 +146,7 @@
 <file path=ppt/revisionInfo.xml><?xml version="1.0" encoding="utf-8"?>
 <p1510:revInfo xmlns:a="http://schemas.openxmlformats.org/drawingml/2006/main" xmlns:r="http://schemas.openxmlformats.org/officeDocument/2006/relationships" xmlns:p1510="http://schemas.microsoft.com/office/powerpoint/2015/10/main">
   <p1510:revLst>
-    <p1510:client id="{D404FE24-4761-49EE-88D6-CDB48199D24C}" v="14" dt="2023-03-10T23:31:35.350"/>
+    <p1510:client id="{D404FE24-4761-49EE-88D6-CDB48199D24C}" v="29" dt="2023-03-12T21:00:10.280"/>
   </p1510:revLst>
 </p1510:revInfo>
 </file>
@@ -155,19 +155,19 @@
 <pc:chgInfo xmlns:a="http://schemas.openxmlformats.org/drawingml/2006/main" xmlns:r="http://schemas.openxmlformats.org/officeDocument/2006/relationships" xmlns:ac="http://schemas.microsoft.com/office/drawing/2013/main/command" xmlns:pc="http://schemas.microsoft.com/office/powerpoint/2013/main/command">
   <pc:docChgLst>
     <pc:chgData name="Gerth Stølting Brodal" userId="04ef4784-6591-4f86-a140-f5c3b108582a" providerId="ADAL" clId="{D404FE24-4761-49EE-88D6-CDB48199D24C}"/>
-    <pc:docChg chg="undo redo custSel modSld">
-      <pc:chgData name="Gerth Stølting Brodal" userId="04ef4784-6591-4f86-a140-f5c3b108582a" providerId="ADAL" clId="{D404FE24-4761-49EE-88D6-CDB48199D24C}" dt="2023-03-10T23:31:38.787" v="170" actId="20577"/>
+    <pc:docChg chg="undo redo custSel addSld delSld modSld">
+      <pc:chgData name="Gerth Stølting Brodal" userId="04ef4784-6591-4f86-a140-f5c3b108582a" providerId="ADAL" clId="{D404FE24-4761-49EE-88D6-CDB48199D24C}" dt="2023-03-12T22:12:54.872" v="1662" actId="6549"/>
       <pc:docMkLst>
         <pc:docMk/>
       </pc:docMkLst>
       <pc:sldChg chg="modSp mod">
-        <pc:chgData name="Gerth Stølting Brodal" userId="04ef4784-6591-4f86-a140-f5c3b108582a" providerId="ADAL" clId="{D404FE24-4761-49EE-88D6-CDB48199D24C}" dt="2023-03-10T22:43:55.970" v="53" actId="20577"/>
+        <pc:chgData name="Gerth Stølting Brodal" userId="04ef4784-6591-4f86-a140-f5c3b108582a" providerId="ADAL" clId="{D404FE24-4761-49EE-88D6-CDB48199D24C}" dt="2023-03-12T19:37:18.915" v="306" actId="20577"/>
         <pc:sldMkLst>
           <pc:docMk/>
           <pc:sldMk cId="4179205861" sldId="512"/>
         </pc:sldMkLst>
         <pc:graphicFrameChg chg="modGraphic">
-          <ac:chgData name="Gerth Stølting Brodal" userId="04ef4784-6591-4f86-a140-f5c3b108582a" providerId="ADAL" clId="{D404FE24-4761-49EE-88D6-CDB48199D24C}" dt="2023-03-10T22:43:55.970" v="53" actId="20577"/>
+          <ac:chgData name="Gerth Stølting Brodal" userId="04ef4784-6591-4f86-a140-f5c3b108582a" providerId="ADAL" clId="{D404FE24-4761-49EE-88D6-CDB48199D24C}" dt="2023-03-12T19:37:18.915" v="306" actId="20577"/>
           <ac:graphicFrameMkLst>
             <pc:docMk/>
             <pc:sldMk cId="4179205861" sldId="512"/>
@@ -183,14 +183,14 @@
           </ac:graphicFrameMkLst>
         </pc:graphicFrameChg>
       </pc:sldChg>
-      <pc:sldChg chg="modSp mod">
-        <pc:chgData name="Gerth Stølting Brodal" userId="04ef4784-6591-4f86-a140-f5c3b108582a" providerId="ADAL" clId="{D404FE24-4761-49EE-88D6-CDB48199D24C}" dt="2023-03-10T22:32:40.947" v="5" actId="1076"/>
+      <pc:sldChg chg="modSp mod modNotesTx">
+        <pc:chgData name="Gerth Stølting Brodal" userId="04ef4784-6591-4f86-a140-f5c3b108582a" providerId="ADAL" clId="{D404FE24-4761-49EE-88D6-CDB48199D24C}" dt="2023-03-12T19:26:49.058" v="255" actId="20577"/>
         <pc:sldMkLst>
           <pc:docMk/>
           <pc:sldMk cId="1160923753" sldId="702"/>
         </pc:sldMkLst>
         <pc:graphicFrameChg chg="mod modGraphic">
-          <ac:chgData name="Gerth Stølting Brodal" userId="04ef4784-6591-4f86-a140-f5c3b108582a" providerId="ADAL" clId="{D404FE24-4761-49EE-88D6-CDB48199D24C}" dt="2023-03-10T22:32:40.947" v="5" actId="1076"/>
+          <ac:chgData name="Gerth Stølting Brodal" userId="04ef4784-6591-4f86-a140-f5c3b108582a" providerId="ADAL" clId="{D404FE24-4761-49EE-88D6-CDB48199D24C}" dt="2023-03-12T19:23:48.480" v="188"/>
           <ac:graphicFrameMkLst>
             <pc:docMk/>
             <pc:sldMk cId="1160923753" sldId="702"/>
@@ -198,8 +198,8 @@
           </ac:graphicFrameMkLst>
         </pc:graphicFrameChg>
       </pc:sldChg>
-      <pc:sldChg chg="modSp mod">
-        <pc:chgData name="Gerth Stølting Brodal" userId="04ef4784-6591-4f86-a140-f5c3b108582a" providerId="ADAL" clId="{D404FE24-4761-49EE-88D6-CDB48199D24C}" dt="2023-03-10T22:35:05.139" v="11" actId="1076"/>
+      <pc:sldChg chg="modSp mod modNotesTx">
+        <pc:chgData name="Gerth Stølting Brodal" userId="04ef4784-6591-4f86-a140-f5c3b108582a" providerId="ADAL" clId="{D404FE24-4761-49EE-88D6-CDB48199D24C}" dt="2023-03-12T19:30:54.668" v="304" actId="20577"/>
         <pc:sldMkLst>
           <pc:docMk/>
           <pc:sldMk cId="1654434957" sldId="704"/>
@@ -259,11 +259,19 @@
         </pc:graphicFrameChg>
       </pc:sldChg>
       <pc:sldChg chg="modSp mod">
-        <pc:chgData name="Gerth Stølting Brodal" userId="04ef4784-6591-4f86-a140-f5c3b108582a" providerId="ADAL" clId="{D404FE24-4761-49EE-88D6-CDB48199D24C}" dt="2023-03-10T23:09:37.353" v="147" actId="1076"/>
+        <pc:chgData name="Gerth Stølting Brodal" userId="04ef4784-6591-4f86-a140-f5c3b108582a" providerId="ADAL" clId="{D404FE24-4761-49EE-88D6-CDB48199D24C}" dt="2023-03-12T21:29:55.297" v="1645" actId="113"/>
         <pc:sldMkLst>
           <pc:docMk/>
           <pc:sldMk cId="1330004482" sldId="708"/>
         </pc:sldMkLst>
+        <pc:spChg chg="mod">
+          <ac:chgData name="Gerth Stølting Brodal" userId="04ef4784-6591-4f86-a140-f5c3b108582a" providerId="ADAL" clId="{D404FE24-4761-49EE-88D6-CDB48199D24C}" dt="2023-03-12T21:29:55.297" v="1645" actId="113"/>
+          <ac:spMkLst>
+            <pc:docMk/>
+            <pc:sldMk cId="1330004482" sldId="708"/>
+            <ac:spMk id="2" creationId="{00000000-0000-0000-0000-000000000000}"/>
+          </ac:spMkLst>
+        </pc:spChg>
         <pc:graphicFrameChg chg="mod modGraphic">
           <ac:chgData name="Gerth Stølting Brodal" userId="04ef4784-6591-4f86-a140-f5c3b108582a" providerId="ADAL" clId="{D404FE24-4761-49EE-88D6-CDB48199D24C}" dt="2023-03-10T23:09:37.353" v="147" actId="1076"/>
           <ac:graphicFrameMkLst>
@@ -273,15 +281,159 @@
           </ac:graphicFrameMkLst>
         </pc:graphicFrameChg>
       </pc:sldChg>
+      <pc:sldChg chg="modSp mod">
+        <pc:chgData name="Gerth Stølting Brodal" userId="04ef4784-6591-4f86-a140-f5c3b108582a" providerId="ADAL" clId="{D404FE24-4761-49EE-88D6-CDB48199D24C}" dt="2023-03-12T21:21:45.658" v="1611" actId="14100"/>
+        <pc:sldMkLst>
+          <pc:docMk/>
+          <pc:sldMk cId="1202853326" sldId="709"/>
+        </pc:sldMkLst>
+        <pc:spChg chg="mod">
+          <ac:chgData name="Gerth Stølting Brodal" userId="04ef4784-6591-4f86-a140-f5c3b108582a" providerId="ADAL" clId="{D404FE24-4761-49EE-88D6-CDB48199D24C}" dt="2023-03-12T21:21:45.658" v="1611" actId="14100"/>
+          <ac:spMkLst>
+            <pc:docMk/>
+            <pc:sldMk cId="1202853326" sldId="709"/>
+            <ac:spMk id="3" creationId="{00000000-0000-0000-0000-000000000000}"/>
+          </ac:spMkLst>
+        </pc:spChg>
+      </pc:sldChg>
+      <pc:sldChg chg="modSp mod">
+        <pc:chgData name="Gerth Stølting Brodal" userId="04ef4784-6591-4f86-a140-f5c3b108582a" providerId="ADAL" clId="{D404FE24-4761-49EE-88D6-CDB48199D24C}" dt="2023-03-12T20:42:21.741" v="1241" actId="20577"/>
+        <pc:sldMkLst>
+          <pc:docMk/>
+          <pc:sldMk cId="1043759414" sldId="710"/>
+        </pc:sldMkLst>
+        <pc:graphicFrameChg chg="mod modGraphic">
+          <ac:chgData name="Gerth Stølting Brodal" userId="04ef4784-6591-4f86-a140-f5c3b108582a" providerId="ADAL" clId="{D404FE24-4761-49EE-88D6-CDB48199D24C}" dt="2023-03-12T20:42:21.741" v="1241" actId="20577"/>
+          <ac:graphicFrameMkLst>
+            <pc:docMk/>
+            <pc:sldMk cId="1043759414" sldId="710"/>
+            <ac:graphicFrameMk id="4" creationId="{00000000-0000-0000-0000-000000000000}"/>
+          </ac:graphicFrameMkLst>
+        </pc:graphicFrameChg>
+      </pc:sldChg>
+      <pc:sldChg chg="addSp modSp mod modNotesTx">
+        <pc:chgData name="Gerth Stølting Brodal" userId="04ef4784-6591-4f86-a140-f5c3b108582a" providerId="ADAL" clId="{D404FE24-4761-49EE-88D6-CDB48199D24C}" dt="2023-03-12T21:29:50.671" v="1644" actId="113"/>
+        <pc:sldMkLst>
+          <pc:docMk/>
+          <pc:sldMk cId="2905942797" sldId="711"/>
+        </pc:sldMkLst>
+        <pc:spChg chg="mod">
+          <ac:chgData name="Gerth Stølting Brodal" userId="04ef4784-6591-4f86-a140-f5c3b108582a" providerId="ADAL" clId="{D404FE24-4761-49EE-88D6-CDB48199D24C}" dt="2023-03-12T21:29:50.671" v="1644" actId="113"/>
+          <ac:spMkLst>
+            <pc:docMk/>
+            <pc:sldMk cId="2905942797" sldId="711"/>
+            <ac:spMk id="2" creationId="{00000000-0000-0000-0000-000000000000}"/>
+          </ac:spMkLst>
+        </pc:spChg>
+        <pc:spChg chg="mod">
+          <ac:chgData name="Gerth Stølting Brodal" userId="04ef4784-6591-4f86-a140-f5c3b108582a" providerId="ADAL" clId="{D404FE24-4761-49EE-88D6-CDB48199D24C}" dt="2023-03-12T21:09:51.733" v="1590" actId="6549"/>
+          <ac:spMkLst>
+            <pc:docMk/>
+            <pc:sldMk cId="2905942797" sldId="711"/>
+            <ac:spMk id="5" creationId="{00000000-0000-0000-0000-000000000000}"/>
+          </ac:spMkLst>
+        </pc:spChg>
+        <pc:spChg chg="add mod">
+          <ac:chgData name="Gerth Stølting Brodal" userId="04ef4784-6591-4f86-a140-f5c3b108582a" providerId="ADAL" clId="{D404FE24-4761-49EE-88D6-CDB48199D24C}" dt="2023-03-12T21:00:32.574" v="1356" actId="1076"/>
+          <ac:spMkLst>
+            <pc:docMk/>
+            <pc:sldMk cId="2905942797" sldId="711"/>
+            <ac:spMk id="9" creationId="{F903A0C6-1686-30B7-790B-EA7C3EC20FFE}"/>
+          </ac:spMkLst>
+        </pc:spChg>
+        <pc:graphicFrameChg chg="mod modGraphic">
+          <ac:chgData name="Gerth Stølting Brodal" userId="04ef4784-6591-4f86-a140-f5c3b108582a" providerId="ADAL" clId="{D404FE24-4761-49EE-88D6-CDB48199D24C}" dt="2023-03-12T20:44:33.554" v="1250" actId="20577"/>
+          <ac:graphicFrameMkLst>
+            <pc:docMk/>
+            <pc:sldMk cId="2905942797" sldId="711"/>
+            <ac:graphicFrameMk id="4" creationId="{00000000-0000-0000-0000-000000000000}"/>
+          </ac:graphicFrameMkLst>
+        </pc:graphicFrameChg>
+      </pc:sldChg>
+      <pc:sldChg chg="modSp mod">
+        <pc:chgData name="Gerth Stølting Brodal" userId="04ef4784-6591-4f86-a140-f5c3b108582a" providerId="ADAL" clId="{D404FE24-4761-49EE-88D6-CDB48199D24C}" dt="2023-03-12T20:16:13.095" v="918" actId="20577"/>
+        <pc:sldMkLst>
+          <pc:docMk/>
+          <pc:sldMk cId="366870384" sldId="712"/>
+        </pc:sldMkLst>
+        <pc:graphicFrameChg chg="modGraphic">
+          <ac:chgData name="Gerth Stølting Brodal" userId="04ef4784-6591-4f86-a140-f5c3b108582a" providerId="ADAL" clId="{D404FE24-4761-49EE-88D6-CDB48199D24C}" dt="2023-03-12T20:16:13.095" v="918" actId="20577"/>
+          <ac:graphicFrameMkLst>
+            <pc:docMk/>
+            <pc:sldMk cId="366870384" sldId="712"/>
+            <ac:graphicFrameMk id="4" creationId="{00000000-0000-0000-0000-000000000000}"/>
+          </ac:graphicFrameMkLst>
+        </pc:graphicFrameChg>
+      </pc:sldChg>
       <pc:sldChg chg="modNotesTx">
-        <pc:chgData name="Gerth Stølting Brodal" userId="04ef4784-6591-4f86-a140-f5c3b108582a" providerId="ADAL" clId="{D404FE24-4761-49EE-88D6-CDB48199D24C}" dt="2023-03-10T22:47:19.188" v="99" actId="20577"/>
+        <pc:chgData name="Gerth Stølting Brodal" userId="04ef4784-6591-4f86-a140-f5c3b108582a" providerId="ADAL" clId="{D404FE24-4761-49EE-88D6-CDB48199D24C}" dt="2023-03-12T19:59:24.670" v="651" actId="113"/>
+        <pc:sldMkLst>
+          <pc:docMk/>
+          <pc:sldMk cId="2166775173" sldId="714"/>
+        </pc:sldMkLst>
+      </pc:sldChg>
+      <pc:sldChg chg="modSp mod modNotesTx">
+        <pc:chgData name="Gerth Stølting Brodal" userId="04ef4784-6591-4f86-a140-f5c3b108582a" providerId="ADAL" clId="{D404FE24-4761-49EE-88D6-CDB48199D24C}" dt="2023-03-12T19:45:05.394" v="551" actId="20577"/>
         <pc:sldMkLst>
           <pc:docMk/>
           <pc:sldMk cId="2015921638" sldId="715"/>
         </pc:sldMkLst>
+        <pc:graphicFrameChg chg="modGraphic">
+          <ac:chgData name="Gerth Stølting Brodal" userId="04ef4784-6591-4f86-a140-f5c3b108582a" providerId="ADAL" clId="{D404FE24-4761-49EE-88D6-CDB48199D24C}" dt="2023-03-12T19:42:28.186" v="444" actId="207"/>
+          <ac:graphicFrameMkLst>
+            <pc:docMk/>
+            <pc:sldMk cId="2015921638" sldId="715"/>
+            <ac:graphicFrameMk id="33" creationId="{00000000-0000-0000-0000-000000000000}"/>
+          </ac:graphicFrameMkLst>
+        </pc:graphicFrameChg>
+        <pc:graphicFrameChg chg="modGraphic">
+          <ac:chgData name="Gerth Stølting Brodal" userId="04ef4784-6591-4f86-a140-f5c3b108582a" providerId="ADAL" clId="{D404FE24-4761-49EE-88D6-CDB48199D24C}" dt="2023-03-12T19:42:33.610" v="447" actId="207"/>
+          <ac:graphicFrameMkLst>
+            <pc:docMk/>
+            <pc:sldMk cId="2015921638" sldId="715"/>
+            <ac:graphicFrameMk id="34" creationId="{00000000-0000-0000-0000-000000000000}"/>
+          </ac:graphicFrameMkLst>
+        </pc:graphicFrameChg>
       </pc:sldChg>
       <pc:sldChg chg="modSp mod">
-        <pc:chgData name="Gerth Stølting Brodal" userId="04ef4784-6591-4f86-a140-f5c3b108582a" providerId="ADAL" clId="{D404FE24-4761-49EE-88D6-CDB48199D24C}" dt="2023-03-10T23:03:22.134" v="144" actId="313"/>
+        <pc:chgData name="Gerth Stølting Brodal" userId="04ef4784-6591-4f86-a140-f5c3b108582a" providerId="ADAL" clId="{D404FE24-4761-49EE-88D6-CDB48199D24C}" dt="2023-03-12T19:37:34.556" v="311" actId="20577"/>
+        <pc:sldMkLst>
+          <pc:docMk/>
+          <pc:sldMk cId="926288180" sldId="716"/>
+        </pc:sldMkLst>
+        <pc:graphicFrameChg chg="modGraphic">
+          <ac:chgData name="Gerth Stølting Brodal" userId="04ef4784-6591-4f86-a140-f5c3b108582a" providerId="ADAL" clId="{D404FE24-4761-49EE-88D6-CDB48199D24C}" dt="2023-03-12T19:37:34.556" v="311" actId="20577"/>
+          <ac:graphicFrameMkLst>
+            <pc:docMk/>
+            <pc:sldMk cId="926288180" sldId="716"/>
+            <ac:graphicFrameMk id="5" creationId="{00000000-0000-0000-0000-000000000000}"/>
+          </ac:graphicFrameMkLst>
+        </pc:graphicFrameChg>
+      </pc:sldChg>
+      <pc:sldChg chg="modSp mod">
+        <pc:chgData name="Gerth Stølting Brodal" userId="04ef4784-6591-4f86-a140-f5c3b108582a" providerId="ADAL" clId="{D404FE24-4761-49EE-88D6-CDB48199D24C}" dt="2023-03-12T22:12:54.872" v="1662" actId="6549"/>
+        <pc:sldMkLst>
+          <pc:docMk/>
+          <pc:sldMk cId="2205391547" sldId="717"/>
+        </pc:sldMkLst>
+        <pc:spChg chg="mod">
+          <ac:chgData name="Gerth Stølting Brodal" userId="04ef4784-6591-4f86-a140-f5c3b108582a" providerId="ADAL" clId="{D404FE24-4761-49EE-88D6-CDB48199D24C}" dt="2023-03-12T22:12:54.872" v="1662" actId="6549"/>
+          <ac:spMkLst>
+            <pc:docMk/>
+            <pc:sldMk cId="2205391547" sldId="717"/>
+            <ac:spMk id="3" creationId="{00000000-0000-0000-0000-000000000000}"/>
+          </ac:spMkLst>
+        </pc:spChg>
+      </pc:sldChg>
+      <pc:sldChg chg="modNotesTx">
+        <pc:chgData name="Gerth Stølting Brodal" userId="04ef4784-6591-4f86-a140-f5c3b108582a" providerId="ADAL" clId="{D404FE24-4761-49EE-88D6-CDB48199D24C}" dt="2023-03-12T20:02:04.267" v="704" actId="20577"/>
+        <pc:sldMkLst>
+          <pc:docMk/>
+          <pc:sldMk cId="3997418003" sldId="718"/>
+        </pc:sldMkLst>
+      </pc:sldChg>
+      <pc:sldChg chg="modSp mod modNotesTx">
+        <pc:chgData name="Gerth Stølting Brodal" userId="04ef4784-6591-4f86-a140-f5c3b108582a" providerId="ADAL" clId="{D404FE24-4761-49EE-88D6-CDB48199D24C}" dt="2023-03-12T20:40:42.885" v="1217" actId="113"/>
         <pc:sldMkLst>
           <pc:docMk/>
           <pc:sldMk cId="3379938229" sldId="720"/>
@@ -302,6 +454,30 @@
             <ac:spMk id="36" creationId="{00000000-0000-0000-0000-000000000000}"/>
           </ac:spMkLst>
         </pc:spChg>
+        <pc:graphicFrameChg chg="mod modGraphic">
+          <ac:chgData name="Gerth Stølting Brodal" userId="04ef4784-6591-4f86-a140-f5c3b108582a" providerId="ADAL" clId="{D404FE24-4761-49EE-88D6-CDB48199D24C}" dt="2023-03-12T20:37:52.724" v="1095" actId="6549"/>
+          <ac:graphicFrameMkLst>
+            <pc:docMk/>
+            <pc:sldMk cId="3379938229" sldId="720"/>
+            <ac:graphicFrameMk id="4" creationId="{00000000-0000-0000-0000-000000000000}"/>
+          </ac:graphicFrameMkLst>
+        </pc:graphicFrameChg>
+        <pc:graphicFrameChg chg="mod modGraphic">
+          <ac:chgData name="Gerth Stølting Brodal" userId="04ef4784-6591-4f86-a140-f5c3b108582a" providerId="ADAL" clId="{D404FE24-4761-49EE-88D6-CDB48199D24C}" dt="2023-03-12T20:38:12.422" v="1101" actId="6549"/>
+          <ac:graphicFrameMkLst>
+            <pc:docMk/>
+            <pc:sldMk cId="3379938229" sldId="720"/>
+            <ac:graphicFrameMk id="5" creationId="{00000000-0000-0000-0000-000000000000}"/>
+          </ac:graphicFrameMkLst>
+        </pc:graphicFrameChg>
+        <pc:graphicFrameChg chg="mod modGraphic">
+          <ac:chgData name="Gerth Stølting Brodal" userId="04ef4784-6591-4f86-a140-f5c3b108582a" providerId="ADAL" clId="{D404FE24-4761-49EE-88D6-CDB48199D24C}" dt="2023-03-12T20:38:30.187" v="1113" actId="20577"/>
+          <ac:graphicFrameMkLst>
+            <pc:docMk/>
+            <pc:sldMk cId="3379938229" sldId="720"/>
+            <ac:graphicFrameMk id="6" creationId="{00000000-0000-0000-0000-000000000000}"/>
+          </ac:graphicFrameMkLst>
+        </pc:graphicFrameChg>
       </pc:sldChg>
       <pc:sldChg chg="modSp mod">
         <pc:chgData name="Gerth Stølting Brodal" userId="04ef4784-6591-4f86-a140-f5c3b108582a" providerId="ADAL" clId="{D404FE24-4761-49EE-88D6-CDB48199D24C}" dt="2023-03-10T22:36:19.416" v="33" actId="20577"/>
@@ -356,35 +532,80 @@
           </ac:spMkLst>
         </pc:spChg>
       </pc:sldChg>
+      <pc:sldChg chg="modNotesTx">
+        <pc:chgData name="Gerth Stølting Brodal" userId="04ef4784-6591-4f86-a140-f5c3b108582a" providerId="ADAL" clId="{D404FE24-4761-49EE-88D6-CDB48199D24C}" dt="2023-03-12T20:10:23.737" v="897" actId="113"/>
+        <pc:sldMkLst>
+          <pc:docMk/>
+          <pc:sldMk cId="3983956302" sldId="727"/>
+        </pc:sldMkLst>
+      </pc:sldChg>
       <pc:sldChg chg="modSp mod">
-        <pc:chgData name="Gerth Stølting Brodal" userId="04ef4784-6591-4f86-a140-f5c3b108582a" providerId="ADAL" clId="{D404FE24-4761-49EE-88D6-CDB48199D24C}" dt="2023-03-10T22:55:18.930" v="109" actId="6549"/>
+        <pc:chgData name="Gerth Stølting Brodal" userId="04ef4784-6591-4f86-a140-f5c3b108582a" providerId="ADAL" clId="{D404FE24-4761-49EE-88D6-CDB48199D24C}" dt="2023-03-12T21:29:22.136" v="1639" actId="2711"/>
+        <pc:sldMkLst>
+          <pc:docMk/>
+          <pc:sldMk cId="2802748937" sldId="728"/>
+        </pc:sldMkLst>
+        <pc:spChg chg="mod">
+          <ac:chgData name="Gerth Stølting Brodal" userId="04ef4784-6591-4f86-a140-f5c3b108582a" providerId="ADAL" clId="{D404FE24-4761-49EE-88D6-CDB48199D24C}" dt="2023-03-12T21:29:22.136" v="1639" actId="2711"/>
+          <ac:spMkLst>
+            <pc:docMk/>
+            <pc:sldMk cId="2802748937" sldId="728"/>
+            <ac:spMk id="2" creationId="{00000000-0000-0000-0000-000000000000}"/>
+          </ac:spMkLst>
+        </pc:spChg>
+      </pc:sldChg>
+      <pc:sldChg chg="modSp mod">
+        <pc:chgData name="Gerth Stølting Brodal" userId="04ef4784-6591-4f86-a140-f5c3b108582a" providerId="ADAL" clId="{D404FE24-4761-49EE-88D6-CDB48199D24C}" dt="2023-03-12T21:29:37.873" v="1643" actId="14100"/>
         <pc:sldMkLst>
           <pc:docMk/>
           <pc:sldMk cId="1881171177" sldId="729"/>
         </pc:sldMkLst>
-        <pc:graphicFrameChg chg="modGraphic">
-          <ac:chgData name="Gerth Stølting Brodal" userId="04ef4784-6591-4f86-a140-f5c3b108582a" providerId="ADAL" clId="{D404FE24-4761-49EE-88D6-CDB48199D24C}" dt="2023-03-10T22:55:18.930" v="109" actId="6549"/>
+        <pc:spChg chg="mod">
+          <ac:chgData name="Gerth Stølting Brodal" userId="04ef4784-6591-4f86-a140-f5c3b108582a" providerId="ADAL" clId="{D404FE24-4761-49EE-88D6-CDB48199D24C}" dt="2023-03-12T21:29:37.873" v="1643" actId="14100"/>
+          <ac:spMkLst>
+            <pc:docMk/>
+            <pc:sldMk cId="1881171177" sldId="729"/>
+            <ac:spMk id="22" creationId="{0F5EA7B3-224C-47DD-BF5D-AD37DF2E1606}"/>
+          </ac:spMkLst>
+        </pc:spChg>
+        <pc:graphicFrameChg chg="mod modGraphic">
+          <ac:chgData name="Gerth Stølting Brodal" userId="04ef4784-6591-4f86-a140-f5c3b108582a" providerId="ADAL" clId="{D404FE24-4761-49EE-88D6-CDB48199D24C}" dt="2023-03-12T20:26:55.374" v="924" actId="1076"/>
           <ac:graphicFrameMkLst>
             <pc:docMk/>
             <pc:sldMk cId="1881171177" sldId="729"/>
             <ac:graphicFrameMk id="4" creationId="{00000000-0000-0000-0000-000000000000}"/>
           </ac:graphicFrameMkLst>
         </pc:graphicFrameChg>
+        <pc:picChg chg="mod">
+          <ac:chgData name="Gerth Stølting Brodal" userId="04ef4784-6591-4f86-a140-f5c3b108582a" providerId="ADAL" clId="{D404FE24-4761-49EE-88D6-CDB48199D24C}" dt="2023-03-12T20:27:02.228" v="925" actId="1076"/>
+          <ac:picMkLst>
+            <pc:docMk/>
+            <pc:sldMk cId="1881171177" sldId="729"/>
+            <ac:picMk id="12" creationId="{CC3EB954-9B43-4116-B9AA-74E3C879861A}"/>
+          </ac:picMkLst>
+        </pc:picChg>
       </pc:sldChg>
-      <pc:sldChg chg="modSp mod">
-        <pc:chgData name="Gerth Stølting Brodal" userId="04ef4784-6591-4f86-a140-f5c3b108582a" providerId="ADAL" clId="{D404FE24-4761-49EE-88D6-CDB48199D24C}" dt="2023-03-10T23:00:38.657" v="128" actId="114"/>
+      <pc:sldChg chg="modSp mod modNotesTx">
+        <pc:chgData name="Gerth Stølting Brodal" userId="04ef4784-6591-4f86-a140-f5c3b108582a" providerId="ADAL" clId="{D404FE24-4761-49EE-88D6-CDB48199D24C}" dt="2023-03-12T20:36:14.326" v="1089" actId="113"/>
         <pc:sldMkLst>
           <pc:docMk/>
           <pc:sldMk cId="4113973945" sldId="730"/>
         </pc:sldMkLst>
         <pc:graphicFrameChg chg="mod modGraphic">
-          <ac:chgData name="Gerth Stølting Brodal" userId="04ef4784-6591-4f86-a140-f5c3b108582a" providerId="ADAL" clId="{D404FE24-4761-49EE-88D6-CDB48199D24C}" dt="2023-03-10T23:00:38.657" v="128" actId="114"/>
+          <ac:chgData name="Gerth Stølting Brodal" userId="04ef4784-6591-4f86-a140-f5c3b108582a" providerId="ADAL" clId="{D404FE24-4761-49EE-88D6-CDB48199D24C}" dt="2023-03-12T20:32:48.139" v="1009" actId="20577"/>
           <ac:graphicFrameMkLst>
             <pc:docMk/>
             <pc:sldMk cId="4113973945" sldId="730"/>
             <ac:graphicFrameMk id="4" creationId="{1C79346D-4580-4415-A8DF-89103609571D}"/>
           </ac:graphicFrameMkLst>
         </pc:graphicFrameChg>
+      </pc:sldChg>
+      <pc:sldChg chg="new del">
+        <pc:chgData name="Gerth Stølting Brodal" userId="04ef4784-6591-4f86-a140-f5c3b108582a" providerId="ADAL" clId="{D404FE24-4761-49EE-88D6-CDB48199D24C}" dt="2023-03-12T21:00:11.882" v="1346" actId="680"/>
+        <pc:sldMkLst>
+          <pc:docMk/>
+          <pc:sldMk cId="3009592961" sldId="731"/>
+        </pc:sldMkLst>
       </pc:sldChg>
     </pc:docChg>
   </pc:docChgLst>
@@ -769,7 +990,7 @@
           <a:p>
             <a:fld id="{FB1A172F-81D4-4DC4-9113-1DBD56EC3646}" type="datetimeFigureOut">
               <a:rPr lang="en-US" smtClean="0"/>
-              <a:t>3/10/2023</a:t>
+              <a:t>3/12/2023</a:t>
             </a:fld>
             <a:endParaRPr lang="en-US"/>
           </a:p>
@@ -1120,6 +1341,693 @@
 </p:notes>
 </file>
 
+<file path=ppt/notesSlides/notesSlide10.xml><?xml version="1.0" encoding="utf-8"?>
+<p:notes xmlns:a="http://schemas.openxmlformats.org/drawingml/2006/main" xmlns:r="http://schemas.openxmlformats.org/officeDocument/2006/relationships" xmlns:p="http://schemas.openxmlformats.org/presentationml/2006/main">
+  <p:cSld>
+    <p:spTree>
+      <p:nvGrpSpPr>
+        <p:cNvPr id="1" name=""/>
+        <p:cNvGrpSpPr/>
+        <p:nvPr/>
+      </p:nvGrpSpPr>
+      <p:grpSpPr>
+        <a:xfrm>
+          <a:off x="0" y="0"/>
+          <a:ext cx="0" cy="0"/>
+          <a:chOff x="0" y="0"/>
+          <a:chExt cx="0" cy="0"/>
+        </a:xfrm>
+      </p:grpSpPr>
+      <p:sp>
+        <p:nvSpPr>
+          <p:cNvPr id="2" name="Slide Image Placeholder 1"/>
+          <p:cNvSpPr>
+            <a:spLocks noGrp="1" noRot="1" noChangeAspect="1"/>
+          </p:cNvSpPr>
+          <p:nvPr>
+            <p:ph type="sldImg"/>
+          </p:nvPr>
+        </p:nvSpPr>
+        <p:spPr/>
+      </p:sp>
+      <p:sp>
+        <p:nvSpPr>
+          <p:cNvPr id="3" name="Notes Placeholder 2"/>
+          <p:cNvSpPr>
+            <a:spLocks noGrp="1"/>
+          </p:cNvSpPr>
+          <p:nvPr>
+            <p:ph type="body" idx="1"/>
+          </p:nvPr>
+        </p:nvSpPr>
+        <p:spPr/>
+        <p:txBody>
+          <a:bodyPr/>
+          <a:lstStyle/>
+          <a:p>
+            <a:r>
+              <a:rPr lang="en-US" dirty="0"/>
+              <a:t>A is an abstract class (seen earlier), where g has not been implemented (but it is, it just raises an </a:t>
+            </a:r>
+            <a:r>
+              <a:rPr lang="en-US" dirty="0" err="1"/>
+              <a:t>NotImplementedError</a:t>
+            </a:r>
+            <a:r>
+              <a:rPr lang="en-US" dirty="0"/>
+              <a:t> exception when called).</a:t>
+            </a:r>
+          </a:p>
+          <a:p>
+            <a:endParaRPr lang="en-US" dirty="0"/>
+          </a:p>
+          <a:p>
+            <a:r>
+              <a:rPr lang="en-US" dirty="0"/>
+              <a:t>Without the default g we would get </a:t>
+            </a:r>
+            <a:r>
+              <a:rPr lang="en-US" b="1" dirty="0" err="1"/>
+              <a:t>AttributeError</a:t>
+            </a:r>
+            <a:r>
+              <a:rPr lang="en-US" b="1" dirty="0"/>
+              <a:t>: 'A' object has no attribute 'g'</a:t>
+            </a:r>
+          </a:p>
+          <a:p>
+            <a:endParaRPr lang="da-DK" dirty="0"/>
+          </a:p>
+        </p:txBody>
+      </p:sp>
+      <p:sp>
+        <p:nvSpPr>
+          <p:cNvPr id="4" name="Slide Number Placeholder 3"/>
+          <p:cNvSpPr>
+            <a:spLocks noGrp="1"/>
+          </p:cNvSpPr>
+          <p:nvPr>
+            <p:ph type="sldNum" sz="quarter" idx="5"/>
+          </p:nvPr>
+        </p:nvSpPr>
+        <p:spPr/>
+        <p:txBody>
+          <a:bodyPr/>
+          <a:lstStyle/>
+          <a:p>
+            <a:fld id="{CD563DD8-32AB-41BE-B1C6-8EAC45222ACE}" type="slidenum">
+              <a:rPr lang="en-US" smtClean="0"/>
+              <a:t>15</a:t>
+            </a:fld>
+            <a:endParaRPr lang="en-US"/>
+          </a:p>
+        </p:txBody>
+      </p:sp>
+    </p:spTree>
+    <p:extLst>
+      <p:ext uri="{BB962C8B-B14F-4D97-AF65-F5344CB8AC3E}">
+        <p14:creationId xmlns:p14="http://schemas.microsoft.com/office/powerpoint/2010/main" val="4138969287"/>
+      </p:ext>
+    </p:extLst>
+  </p:cSld>
+  <p:clrMapOvr>
+    <a:masterClrMapping/>
+  </p:clrMapOvr>
+</p:notes>
+</file>
+
+<file path=ppt/notesSlides/notesSlide11.xml><?xml version="1.0" encoding="utf-8"?>
+<p:notes xmlns:a="http://schemas.openxmlformats.org/drawingml/2006/main" xmlns:r="http://schemas.openxmlformats.org/officeDocument/2006/relationships" xmlns:p="http://schemas.openxmlformats.org/presentationml/2006/main">
+  <p:cSld>
+    <p:spTree>
+      <p:nvGrpSpPr>
+        <p:cNvPr id="1" name=""/>
+        <p:cNvGrpSpPr/>
+        <p:nvPr/>
+      </p:nvGrpSpPr>
+      <p:grpSpPr>
+        <a:xfrm>
+          <a:off x="0" y="0"/>
+          <a:ext cx="0" cy="0"/>
+          <a:chOff x="0" y="0"/>
+          <a:chExt cx="0" cy="0"/>
+        </a:xfrm>
+      </p:grpSpPr>
+      <p:sp>
+        <p:nvSpPr>
+          <p:cNvPr id="2" name="Slide Image Placeholder 1"/>
+          <p:cNvSpPr>
+            <a:spLocks noGrp="1" noRot="1" noChangeAspect="1"/>
+          </p:cNvSpPr>
+          <p:nvPr>
+            <p:ph type="sldImg"/>
+          </p:nvPr>
+        </p:nvSpPr>
+        <p:spPr/>
+      </p:sp>
+      <p:sp>
+        <p:nvSpPr>
+          <p:cNvPr id="3" name="Notes Placeholder 2"/>
+          <p:cNvSpPr>
+            <a:spLocks noGrp="1"/>
+          </p:cNvSpPr>
+          <p:nvPr>
+            <p:ph type="body" idx="1"/>
+          </p:nvPr>
+        </p:nvSpPr>
+        <p:spPr/>
+        <p:txBody>
+          <a:bodyPr/>
+          <a:lstStyle/>
+          <a:p>
+            <a:r>
+              <a:rPr lang="en-US" b="1" dirty="0" err="1"/>
+              <a:t>repr</a:t>
+            </a:r>
+            <a:r>
+              <a:rPr lang="en-US" dirty="0"/>
+              <a:t> ensures quotes will be printed around strings</a:t>
+            </a:r>
+            <a:endParaRPr lang="da-DK" dirty="0"/>
+          </a:p>
+        </p:txBody>
+      </p:sp>
+      <p:sp>
+        <p:nvSpPr>
+          <p:cNvPr id="4" name="Slide Number Placeholder 3"/>
+          <p:cNvSpPr>
+            <a:spLocks noGrp="1"/>
+          </p:cNvSpPr>
+          <p:nvPr>
+            <p:ph type="sldNum" sz="quarter" idx="5"/>
+          </p:nvPr>
+        </p:nvSpPr>
+        <p:spPr/>
+        <p:txBody>
+          <a:bodyPr/>
+          <a:lstStyle/>
+          <a:p>
+            <a:fld id="{CD563DD8-32AB-41BE-B1C6-8EAC45222ACE}" type="slidenum">
+              <a:rPr lang="en-US" smtClean="0"/>
+              <a:t>19</a:t>
+            </a:fld>
+            <a:endParaRPr lang="en-US"/>
+          </a:p>
+        </p:txBody>
+      </p:sp>
+    </p:spTree>
+    <p:extLst>
+      <p:ext uri="{BB962C8B-B14F-4D97-AF65-F5344CB8AC3E}">
+        <p14:creationId xmlns:p14="http://schemas.microsoft.com/office/powerpoint/2010/main" val="3763892986"/>
+      </p:ext>
+    </p:extLst>
+  </p:cSld>
+  <p:clrMapOvr>
+    <a:masterClrMapping/>
+  </p:clrMapOvr>
+</p:notes>
+</file>
+
+<file path=ppt/notesSlides/notesSlide12.xml><?xml version="1.0" encoding="utf-8"?>
+<p:notes xmlns:a="http://schemas.openxmlformats.org/drawingml/2006/main" xmlns:r="http://schemas.openxmlformats.org/officeDocument/2006/relationships" xmlns:p="http://schemas.openxmlformats.org/presentationml/2006/main">
+  <p:cSld>
+    <p:spTree>
+      <p:nvGrpSpPr>
+        <p:cNvPr id="1" name=""/>
+        <p:cNvGrpSpPr/>
+        <p:nvPr/>
+      </p:nvGrpSpPr>
+      <p:grpSpPr>
+        <a:xfrm>
+          <a:off x="0" y="0"/>
+          <a:ext cx="0" cy="0"/>
+          <a:chOff x="0" y="0"/>
+          <a:chExt cx="0" cy="0"/>
+        </a:xfrm>
+      </p:grpSpPr>
+      <p:sp>
+        <p:nvSpPr>
+          <p:cNvPr id="2" name="Slide Image Placeholder 1"/>
+          <p:cNvSpPr>
+            <a:spLocks noGrp="1" noRot="1" noChangeAspect="1"/>
+          </p:cNvSpPr>
+          <p:nvPr>
+            <p:ph type="sldImg"/>
+          </p:nvPr>
+        </p:nvSpPr>
+        <p:spPr/>
+      </p:sp>
+      <p:sp>
+        <p:nvSpPr>
+          <p:cNvPr id="3" name="Notes Placeholder 2"/>
+          <p:cNvSpPr>
+            <a:spLocks noGrp="1"/>
+          </p:cNvSpPr>
+          <p:nvPr>
+            <p:ph type="body" idx="1"/>
+          </p:nvPr>
+        </p:nvSpPr>
+        <p:spPr/>
+        <p:txBody>
+          <a:bodyPr/>
+          <a:lstStyle/>
+          <a:p>
+            <a:r>
+              <a:rPr lang="en-US" dirty="0"/>
+              <a:t>The lines read contains a ‘\n’ at the end, so we avoid printing two newlines by setting </a:t>
+            </a:r>
+            <a:r>
+              <a:rPr lang="en-US" b="1" dirty="0"/>
+              <a:t>end=‘’</a:t>
+            </a:r>
+          </a:p>
+        </p:txBody>
+      </p:sp>
+      <p:sp>
+        <p:nvSpPr>
+          <p:cNvPr id="4" name="Slide Number Placeholder 3"/>
+          <p:cNvSpPr>
+            <a:spLocks noGrp="1"/>
+          </p:cNvSpPr>
+          <p:nvPr>
+            <p:ph type="sldNum" sz="quarter" idx="5"/>
+          </p:nvPr>
+        </p:nvSpPr>
+        <p:spPr/>
+        <p:txBody>
+          <a:bodyPr/>
+          <a:lstStyle/>
+          <a:p>
+            <a:fld id="{CD563DD8-32AB-41BE-B1C6-8EAC45222ACE}" type="slidenum">
+              <a:rPr lang="en-US" smtClean="0"/>
+              <a:t>20</a:t>
+            </a:fld>
+            <a:endParaRPr lang="en-US"/>
+          </a:p>
+        </p:txBody>
+      </p:sp>
+    </p:spTree>
+    <p:extLst>
+      <p:ext uri="{BB962C8B-B14F-4D97-AF65-F5344CB8AC3E}">
+        <p14:creationId xmlns:p14="http://schemas.microsoft.com/office/powerpoint/2010/main" val="2093793768"/>
+      </p:ext>
+    </p:extLst>
+  </p:cSld>
+  <p:clrMapOvr>
+    <a:masterClrMapping/>
+  </p:clrMapOvr>
+</p:notes>
+</file>
+
+<file path=ppt/notesSlides/notesSlide13.xml><?xml version="1.0" encoding="utf-8"?>
+<p:notes xmlns:a="http://schemas.openxmlformats.org/drawingml/2006/main" xmlns:r="http://schemas.openxmlformats.org/officeDocument/2006/relationships" xmlns:p="http://schemas.openxmlformats.org/presentationml/2006/main">
+  <p:cSld>
+    <p:spTree>
+      <p:nvGrpSpPr>
+        <p:cNvPr id="1" name=""/>
+        <p:cNvGrpSpPr/>
+        <p:nvPr/>
+      </p:nvGrpSpPr>
+      <p:grpSpPr>
+        <a:xfrm>
+          <a:off x="0" y="0"/>
+          <a:ext cx="0" cy="0"/>
+          <a:chOff x="0" y="0"/>
+          <a:chExt cx="0" cy="0"/>
+        </a:xfrm>
+      </p:grpSpPr>
+      <p:sp>
+        <p:nvSpPr>
+          <p:cNvPr id="2" name="Slide Image Placeholder 1"/>
+          <p:cNvSpPr>
+            <a:spLocks noGrp="1" noRot="1" noChangeAspect="1"/>
+          </p:cNvSpPr>
+          <p:nvPr>
+            <p:ph type="sldImg"/>
+          </p:nvPr>
+        </p:nvSpPr>
+        <p:spPr/>
+      </p:sp>
+      <p:sp>
+        <p:nvSpPr>
+          <p:cNvPr id="3" name="Notes Placeholder 2"/>
+          <p:cNvSpPr>
+            <a:spLocks noGrp="1"/>
+          </p:cNvSpPr>
+          <p:nvPr>
+            <p:ph type="body" idx="1"/>
+          </p:nvPr>
+        </p:nvSpPr>
+        <p:spPr/>
+        <p:txBody>
+          <a:bodyPr/>
+          <a:lstStyle/>
+          <a:p>
+            <a:r>
+              <a:rPr lang="en-US" b="1" dirty="0"/>
+              <a:t>with</a:t>
+            </a:r>
+            <a:r>
+              <a:rPr lang="en-US" dirty="0"/>
+              <a:t> wraps code in </a:t>
+            </a:r>
+            <a:r>
+              <a:rPr lang="en-US" b="1" dirty="0"/>
+              <a:t>try-except-else</a:t>
+            </a:r>
+            <a:r>
+              <a:rPr lang="en-US" dirty="0"/>
+              <a:t> both calling __exit__. If an exception happens __exit__ is given this exception and can react on it or just ignore it and let it propagate.</a:t>
+            </a:r>
+            <a:endParaRPr lang="da-DK" dirty="0"/>
+          </a:p>
+        </p:txBody>
+      </p:sp>
+      <p:sp>
+        <p:nvSpPr>
+          <p:cNvPr id="4" name="Slide Number Placeholder 3"/>
+          <p:cNvSpPr>
+            <a:spLocks noGrp="1"/>
+          </p:cNvSpPr>
+          <p:nvPr>
+            <p:ph type="sldNum" sz="quarter" idx="5"/>
+          </p:nvPr>
+        </p:nvSpPr>
+        <p:spPr/>
+        <p:txBody>
+          <a:bodyPr/>
+          <a:lstStyle/>
+          <a:p>
+            <a:fld id="{CD563DD8-32AB-41BE-B1C6-8EAC45222ACE}" type="slidenum">
+              <a:rPr lang="en-US" smtClean="0"/>
+              <a:t>23</a:t>
+            </a:fld>
+            <a:endParaRPr lang="en-US"/>
+          </a:p>
+        </p:txBody>
+      </p:sp>
+    </p:spTree>
+    <p:extLst>
+      <p:ext uri="{BB962C8B-B14F-4D97-AF65-F5344CB8AC3E}">
+        <p14:creationId xmlns:p14="http://schemas.microsoft.com/office/powerpoint/2010/main" val="2379714696"/>
+      </p:ext>
+    </p:extLst>
+  </p:cSld>
+  <p:clrMapOvr>
+    <a:masterClrMapping/>
+  </p:clrMapOvr>
+</p:notes>
+</file>
+
+<file path=ppt/notesSlides/notesSlide14.xml><?xml version="1.0" encoding="utf-8"?>
+<p:notes xmlns:a="http://schemas.openxmlformats.org/drawingml/2006/main" xmlns:r="http://schemas.openxmlformats.org/officeDocument/2006/relationships" xmlns:p="http://schemas.openxmlformats.org/presentationml/2006/main">
+  <p:cSld>
+    <p:spTree>
+      <p:nvGrpSpPr>
+        <p:cNvPr id="1" name=""/>
+        <p:cNvGrpSpPr/>
+        <p:nvPr/>
+      </p:nvGrpSpPr>
+      <p:grpSpPr>
+        <a:xfrm>
+          <a:off x="0" y="0"/>
+          <a:ext cx="0" cy="0"/>
+          <a:chOff x="0" y="0"/>
+          <a:chExt cx="0" cy="0"/>
+        </a:xfrm>
+      </p:grpSpPr>
+      <p:sp>
+        <p:nvSpPr>
+          <p:cNvPr id="2" name="Slide Image Placeholder 1"/>
+          <p:cNvSpPr>
+            <a:spLocks noGrp="1" noRot="1" noChangeAspect="1"/>
+          </p:cNvSpPr>
+          <p:nvPr>
+            <p:ph type="sldImg"/>
+          </p:nvPr>
+        </p:nvSpPr>
+        <p:spPr/>
+      </p:sp>
+      <p:sp>
+        <p:nvSpPr>
+          <p:cNvPr id="3" name="Notes Placeholder 2"/>
+          <p:cNvSpPr>
+            <a:spLocks noGrp="1"/>
+          </p:cNvSpPr>
+          <p:nvPr>
+            <p:ph type="body" idx="1"/>
+          </p:nvPr>
+        </p:nvSpPr>
+        <p:spPr/>
+        <p:txBody>
+          <a:bodyPr/>
+          <a:lstStyle/>
+          <a:p>
+            <a:r>
+              <a:rPr lang="en-US" dirty="0"/>
+              <a:t>Don’t be afraid to scan a file of 1 GB – just </a:t>
+            </a:r>
+            <a:r>
+              <a:rPr lang="en-US" baseline="0" dirty="0"/>
+              <a:t>process each line efficiently</a:t>
+            </a:r>
+          </a:p>
+          <a:p>
+            <a:endParaRPr lang="en-US" baseline="0" dirty="0"/>
+          </a:p>
+          <a:p>
+            <a:r>
+              <a:rPr lang="en-US" baseline="0" dirty="0"/>
+              <a:t>Experiments on Lenovo T460s laptop 512 Gb SSD disk</a:t>
+            </a:r>
+            <a:endParaRPr lang="en-US" dirty="0"/>
+          </a:p>
+        </p:txBody>
+      </p:sp>
+      <p:sp>
+        <p:nvSpPr>
+          <p:cNvPr id="4" name="Slide Number Placeholder 3"/>
+          <p:cNvSpPr>
+            <a:spLocks noGrp="1"/>
+          </p:cNvSpPr>
+          <p:nvPr>
+            <p:ph type="sldNum" sz="quarter" idx="10"/>
+          </p:nvPr>
+        </p:nvSpPr>
+        <p:spPr/>
+        <p:txBody>
+          <a:bodyPr/>
+          <a:lstStyle/>
+          <a:p>
+            <a:fld id="{CD563DD8-32AB-41BE-B1C6-8EAC45222ACE}" type="slidenum">
+              <a:rPr lang="en-US" smtClean="0"/>
+              <a:t>28</a:t>
+            </a:fld>
+            <a:endParaRPr lang="en-US"/>
+          </a:p>
+        </p:txBody>
+      </p:sp>
+    </p:spTree>
+    <p:extLst>
+      <p:ext uri="{BB962C8B-B14F-4D97-AF65-F5344CB8AC3E}">
+        <p14:creationId xmlns:p14="http://schemas.microsoft.com/office/powerpoint/2010/main" val="1035472152"/>
+      </p:ext>
+    </p:extLst>
+  </p:cSld>
+  <p:clrMapOvr>
+    <a:masterClrMapping/>
+  </p:clrMapOvr>
+</p:notes>
+</file>
+
+<file path=ppt/notesSlides/notesSlide15.xml><?xml version="1.0" encoding="utf-8"?>
+<p:notes xmlns:a="http://schemas.openxmlformats.org/drawingml/2006/main" xmlns:r="http://schemas.openxmlformats.org/officeDocument/2006/relationships" xmlns:p="http://schemas.openxmlformats.org/presentationml/2006/main">
+  <p:cSld>
+    <p:spTree>
+      <p:nvGrpSpPr>
+        <p:cNvPr id="1" name=""/>
+        <p:cNvGrpSpPr/>
+        <p:nvPr/>
+      </p:nvGrpSpPr>
+      <p:grpSpPr>
+        <a:xfrm>
+          <a:off x="0" y="0"/>
+          <a:ext cx="0" cy="0"/>
+          <a:chOff x="0" y="0"/>
+          <a:chExt cx="0" cy="0"/>
+        </a:xfrm>
+      </p:grpSpPr>
+      <p:sp>
+        <p:nvSpPr>
+          <p:cNvPr id="2" name="Slide Image Placeholder 1"/>
+          <p:cNvSpPr>
+            <a:spLocks noGrp="1" noRot="1" noChangeAspect="1"/>
+          </p:cNvSpPr>
+          <p:nvPr>
+            <p:ph type="sldImg"/>
+          </p:nvPr>
+        </p:nvSpPr>
+        <p:spPr/>
+      </p:sp>
+      <p:sp>
+        <p:nvSpPr>
+          <p:cNvPr id="3" name="Notes Placeholder 2"/>
+          <p:cNvSpPr>
+            <a:spLocks noGrp="1"/>
+          </p:cNvSpPr>
+          <p:nvPr>
+            <p:ph type="body" idx="1"/>
+          </p:nvPr>
+        </p:nvSpPr>
+        <p:spPr/>
+        <p:txBody>
+          <a:bodyPr/>
+          <a:lstStyle/>
+          <a:p>
+            <a:r>
+              <a:rPr lang="en-US" dirty="0"/>
+              <a:t>Example using </a:t>
+            </a:r>
+            <a:r>
+              <a:rPr lang="en-US" b="1" dirty="0"/>
+              <a:t>reading</a:t>
+            </a:r>
+            <a:r>
+              <a:rPr lang="en-US" b="1" baseline="0" dirty="0"/>
+              <a:t> a file</a:t>
+            </a:r>
+            <a:r>
+              <a:rPr lang="en-US" baseline="0" dirty="0"/>
+              <a:t>, </a:t>
+            </a:r>
+            <a:r>
+              <a:rPr lang="en-US" b="1" baseline="0" dirty="0"/>
+              <a:t>and user defined exception</a:t>
+            </a:r>
+            <a:r>
+              <a:rPr lang="en-US" baseline="0" dirty="0"/>
+              <a:t> for returning recursive found solution</a:t>
+            </a:r>
+          </a:p>
+          <a:p>
+            <a:endParaRPr lang="en-US" baseline="0" dirty="0"/>
+          </a:p>
+          <a:p>
+            <a:r>
+              <a:rPr lang="en-US" baseline="0" dirty="0" err="1"/>
+              <a:t>find_free</a:t>
+            </a:r>
+            <a:r>
+              <a:rPr lang="en-US" baseline="0" dirty="0"/>
+              <a:t>(): return an empty cell</a:t>
+            </a:r>
+          </a:p>
+          <a:p>
+            <a:r>
+              <a:rPr lang="en-US" baseline="0" dirty="0"/>
+              <a:t>unused(</a:t>
+            </a:r>
+            <a:r>
+              <a:rPr lang="en-US" baseline="0" dirty="0" err="1"/>
+              <a:t>i,j</a:t>
+            </a:r>
+            <a:r>
+              <a:rPr lang="en-US" baseline="0" dirty="0"/>
+              <a:t>): return set of values possible for cell(</a:t>
+            </a:r>
+            <a:r>
+              <a:rPr lang="en-US" baseline="0" dirty="0" err="1"/>
+              <a:t>i,j</a:t>
+            </a:r>
+            <a:r>
+              <a:rPr lang="en-US" baseline="0" dirty="0"/>
+              <a:t>)</a:t>
+            </a:r>
+          </a:p>
+          <a:p>
+            <a:endParaRPr lang="en-US" baseline="0" dirty="0"/>
+          </a:p>
+          <a:p>
+            <a:r>
+              <a:rPr lang="en-US" baseline="0" dirty="0"/>
+              <a:t>sudoku_histogram.py : report number of recursive calls, and distribution over the recursion depth</a:t>
+            </a:r>
+          </a:p>
+          <a:p>
+            <a:endParaRPr lang="en-US" baseline="0" dirty="0"/>
+          </a:p>
+          <a:p>
+            <a:r>
+              <a:rPr lang="en-US" dirty="0"/>
+              <a:t>sudoku_histogram_smallest_unused.py : Recurse on cell with the minimum number of</a:t>
+            </a:r>
+            <a:r>
+              <a:rPr lang="en-US" baseline="0" dirty="0"/>
+              <a:t> candidate numbers left </a:t>
+            </a:r>
+            <a:br>
+              <a:rPr lang="en-US" baseline="0" dirty="0"/>
+            </a:br>
+            <a:r>
+              <a:rPr lang="en-US" baseline="0" dirty="0"/>
+              <a:t>(heuristic to reduce search space; but fails miserably when “for value in unused(</a:t>
+            </a:r>
+            <a:r>
+              <a:rPr lang="en-US" baseline="0" dirty="0" err="1"/>
+              <a:t>i,j</a:t>
+            </a:r>
+            <a:r>
+              <a:rPr lang="en-US" baseline="0" dirty="0"/>
+              <a:t>)” is replaced by “sorted(unused(</a:t>
+            </a:r>
+            <a:r>
+              <a:rPr lang="en-US" baseline="0" dirty="0" err="1"/>
+              <a:t>i,j</a:t>
+            </a:r>
+            <a:r>
+              <a:rPr lang="en-US" baseline="0" dirty="0"/>
+              <a:t>))” where the search space visited increased by factor &gt;= 1000)</a:t>
+            </a:r>
+            <a:endParaRPr lang="en-US" dirty="0"/>
+          </a:p>
+        </p:txBody>
+      </p:sp>
+      <p:sp>
+        <p:nvSpPr>
+          <p:cNvPr id="4" name="Slide Number Placeholder 3"/>
+          <p:cNvSpPr>
+            <a:spLocks noGrp="1"/>
+          </p:cNvSpPr>
+          <p:nvPr>
+            <p:ph type="sldNum" sz="quarter" idx="10"/>
+          </p:nvPr>
+        </p:nvSpPr>
+        <p:spPr/>
+        <p:txBody>
+          <a:bodyPr/>
+          <a:lstStyle/>
+          <a:p>
+            <a:fld id="{CD563DD8-32AB-41BE-B1C6-8EAC45222ACE}" type="slidenum">
+              <a:rPr lang="en-US" smtClean="0"/>
+              <a:t>29</a:t>
+            </a:fld>
+            <a:endParaRPr lang="en-US"/>
+          </a:p>
+        </p:txBody>
+      </p:sp>
+    </p:spTree>
+    <p:extLst>
+      <p:ext uri="{BB962C8B-B14F-4D97-AF65-F5344CB8AC3E}">
+        <p14:creationId xmlns:p14="http://schemas.microsoft.com/office/powerpoint/2010/main" val="980103824"/>
+      </p:ext>
+    </p:extLst>
+  </p:cSld>
+  <p:clrMapOvr>
+    <a:masterClrMapping/>
+  </p:clrMapOvr>
+</p:notes>
+</file>
+
 <file path=ppt/notesSlides/notesSlide2.xml><?xml version="1.0" encoding="utf-8"?>
 <p:notes xmlns:a="http://schemas.openxmlformats.org/drawingml/2006/main" xmlns:r="http://schemas.openxmlformats.org/officeDocument/2006/relationships" xmlns:p="http://schemas.openxmlformats.org/presentationml/2006/main">
   <p:cSld>
@@ -1347,10 +2255,82 @@
           <a:bodyPr/>
           <a:lstStyle/>
           <a:p>
-            <a:r>
-              <a:rPr lang="en-US" dirty="0"/>
-              <a:t>hard to think of all the possible errors that might occur...</a:t>
-            </a:r>
+            <a:pPr marL="0" marR="0" lvl="0" indent="0" algn="l" defTabSz="914400" rtl="0" eaLnBrk="1" fontAlgn="auto" latinLnBrk="0" hangingPunct="1">
+              <a:lnSpc>
+                <a:spcPct val="100000"/>
+              </a:lnSpc>
+              <a:spcBef>
+                <a:spcPts val="0"/>
+              </a:spcBef>
+              <a:spcAft>
+                <a:spcPts val="0"/>
+              </a:spcAft>
+              <a:buClrTx/>
+              <a:buSzTx/>
+              <a:buFontTx/>
+              <a:buNone/>
+              <a:tabLst/>
+              <a:defRPr/>
+            </a:pPr>
+            <a:r>
+              <a:rPr lang="pt-BR" sz="1200" b="0" baseline="0" dirty="0">
+                <a:latin typeface="Courier New" panose="02070309020205020404" pitchFamily="49" charset="0"/>
+                <a:cs typeface="Courier New" panose="02070309020205020404" pitchFamily="49" charset="0"/>
+              </a:rPr>
+              <a:t>L = [1] * 1_000_000_000 succeeds, but uses 7.6 Gb RAM</a:t>
+            </a:r>
+          </a:p>
+          <a:p>
+            <a:pPr marL="0" marR="0" lvl="0" indent="0" algn="l" defTabSz="914400" rtl="0" eaLnBrk="1" fontAlgn="auto" latinLnBrk="0" hangingPunct="1">
+              <a:lnSpc>
+                <a:spcPct val="100000"/>
+              </a:lnSpc>
+              <a:spcBef>
+                <a:spcPts val="0"/>
+              </a:spcBef>
+              <a:spcAft>
+                <a:spcPts val="0"/>
+              </a:spcAft>
+              <a:buClrTx/>
+              <a:buSzTx/>
+              <a:buFontTx/>
+              <a:buNone/>
+              <a:tabLst/>
+              <a:defRPr/>
+            </a:pPr>
+            <a:r>
+              <a:rPr lang="pt-BR" sz="1200" b="0" baseline="0" dirty="0">
+                <a:latin typeface="Courier New" panose="02070309020205020404" pitchFamily="49" charset="0"/>
+                <a:cs typeface="Courier New" panose="02070309020205020404" pitchFamily="49" charset="0"/>
+              </a:rPr>
+              <a:t>L = [1] * 10_000_000_000 fails immediately</a:t>
+            </a:r>
+          </a:p>
+          <a:p>
+            <a:pPr marL="0" marR="0" lvl="0" indent="0" algn="l" defTabSz="914400" rtl="0" eaLnBrk="1" fontAlgn="auto" latinLnBrk="0" hangingPunct="1">
+              <a:lnSpc>
+                <a:spcPct val="100000"/>
+              </a:lnSpc>
+              <a:spcBef>
+                <a:spcPts val="0"/>
+              </a:spcBef>
+              <a:spcAft>
+                <a:spcPts val="0"/>
+              </a:spcAft>
+              <a:buClrTx/>
+              <a:buSzTx/>
+              <a:buFontTx/>
+              <a:buNone/>
+              <a:tabLst/>
+              <a:defRPr/>
+            </a:pPr>
+            <a:endParaRPr lang="pt-BR" sz="1200" b="0" baseline="0" dirty="0">
+              <a:latin typeface="Courier New" panose="02070309020205020404" pitchFamily="49" charset="0"/>
+              <a:cs typeface="Courier New" panose="02070309020205020404" pitchFamily="49" charset="0"/>
+            </a:endParaRPr>
+          </a:p>
+          <a:p>
+            <a:endParaRPr lang="da-DK" dirty="0"/>
           </a:p>
         </p:txBody>
       </p:sp>
@@ -1361,7 +2341,7 @@
             <a:spLocks noGrp="1"/>
           </p:cNvSpPr>
           <p:nvPr>
-            <p:ph type="sldNum" sz="quarter" idx="10"/>
+            <p:ph type="sldNum" sz="quarter" idx="5"/>
           </p:nvPr>
         </p:nvSpPr>
         <p:spPr/>
@@ -1371,7 +2351,7 @@
           <a:p>
             <a:fld id="{CD563DD8-32AB-41BE-B1C6-8EAC45222ACE}" type="slidenum">
               <a:rPr lang="en-US" smtClean="0"/>
-              <a:t>8</a:t>
+              <a:t>4</a:t>
             </a:fld>
             <a:endParaRPr lang="en-US"/>
           </a:p>
@@ -1380,7 +2360,7 @@
     </p:spTree>
     <p:extLst>
       <p:ext uri="{BB962C8B-B14F-4D97-AF65-F5344CB8AC3E}">
-        <p14:creationId xmlns:p14="http://schemas.microsoft.com/office/powerpoint/2010/main" val="1045708406"/>
+        <p14:creationId xmlns:p14="http://schemas.microsoft.com/office/powerpoint/2010/main" val="1637173336"/>
       </p:ext>
     </p:extLst>
   </p:cSld>
@@ -1436,13 +2416,9 @@
           <a:p>
             <a:r>
               <a:rPr lang="en-US" dirty="0"/>
-              <a:t>drawback</a:t>
-            </a:r>
-            <a:r>
-              <a:rPr lang="en-US" baseline="0" dirty="0"/>
-              <a:t> is that it is unclear where exception is raised when caught</a:t>
-            </a:r>
-            <a:endParaRPr lang="en-US" dirty="0"/>
+              <a:t>1/4 versions of the program</a:t>
+            </a:r>
+            <a:endParaRPr lang="da-DK" dirty="0"/>
           </a:p>
         </p:txBody>
       </p:sp>
@@ -1453,7 +2429,7 @@
             <a:spLocks noGrp="1"/>
           </p:cNvSpPr>
           <p:nvPr>
-            <p:ph type="sldNum" sz="quarter" idx="10"/>
+            <p:ph type="sldNum" sz="quarter" idx="5"/>
           </p:nvPr>
         </p:nvSpPr>
         <p:spPr/>
@@ -1463,7 +2439,7 @@
           <a:p>
             <a:fld id="{CD563DD8-32AB-41BE-B1C6-8EAC45222ACE}" type="slidenum">
               <a:rPr lang="en-US" smtClean="0"/>
-              <a:t>9</a:t>
+              <a:t>5</a:t>
             </a:fld>
             <a:endParaRPr lang="en-US"/>
           </a:p>
@@ -1472,7 +2448,7 @@
     </p:spTree>
     <p:extLst>
       <p:ext uri="{BB962C8B-B14F-4D97-AF65-F5344CB8AC3E}">
-        <p14:creationId xmlns:p14="http://schemas.microsoft.com/office/powerpoint/2010/main" val="692394286"/>
+        <p14:creationId xmlns:p14="http://schemas.microsoft.com/office/powerpoint/2010/main" val="3098023257"/>
       </p:ext>
     </p:extLst>
   </p:cSld>
@@ -1527,44 +2503,8 @@
           <a:lstStyle/>
           <a:p>
             <a:r>
-              <a:rPr lang="da-DK" dirty="0" err="1"/>
-              <a:t>help</a:t>
-            </a:r>
-            <a:r>
-              <a:rPr lang="da-DK" dirty="0"/>
-              <a:t>(</a:t>
-            </a:r>
-            <a:r>
-              <a:rPr lang="da-DK" dirty="0" err="1"/>
-              <a:t>IndexError</a:t>
-            </a:r>
-            <a:r>
-              <a:rPr lang="da-DK" dirty="0"/>
-              <a:t>) -&gt; class </a:t>
-            </a:r>
-            <a:r>
-              <a:rPr lang="da-DK" dirty="0" err="1"/>
-              <a:t>IndexError</a:t>
-            </a:r>
-            <a:r>
-              <a:rPr lang="da-DK" dirty="0"/>
-              <a:t>(</a:t>
-            </a:r>
-            <a:r>
-              <a:rPr lang="da-DK" b="1" dirty="0" err="1"/>
-              <a:t>LookupError</a:t>
-            </a:r>
-            <a:r>
-              <a:rPr lang="da-DK" dirty="0"/>
-              <a:t>)  # gives </a:t>
-            </a:r>
-            <a:r>
-              <a:rPr lang="da-DK" dirty="0" err="1"/>
-              <a:t>parent</a:t>
-            </a:r>
-            <a:r>
-              <a:rPr lang="da-DK" dirty="0"/>
-              <a:t> class</a:t>
+              <a:rPr lang="en-US" dirty="0"/>
+              <a:t>hard to think of all the possible errors that might occur...</a:t>
             </a:r>
           </a:p>
         </p:txBody>
@@ -1576,7 +2516,7 @@
             <a:spLocks noGrp="1"/>
           </p:cNvSpPr>
           <p:nvPr>
-            <p:ph type="sldNum" sz="quarter" idx="5"/>
+            <p:ph type="sldNum" sz="quarter" idx="10"/>
           </p:nvPr>
         </p:nvSpPr>
         <p:spPr/>
@@ -1586,7 +2526,7 @@
           <a:p>
             <a:fld id="{CD563DD8-32AB-41BE-B1C6-8EAC45222ACE}" type="slidenum">
               <a:rPr lang="en-US" smtClean="0"/>
-              <a:t>12</a:t>
+              <a:t>8</a:t>
             </a:fld>
             <a:endParaRPr lang="en-US"/>
           </a:p>
@@ -1595,7 +2535,7 @@
     </p:spTree>
     <p:extLst>
       <p:ext uri="{BB962C8B-B14F-4D97-AF65-F5344CB8AC3E}">
-        <p14:creationId xmlns:p14="http://schemas.microsoft.com/office/powerpoint/2010/main" val="245169996"/>
+        <p14:creationId xmlns:p14="http://schemas.microsoft.com/office/powerpoint/2010/main" val="1045708406"/>
       </p:ext>
     </p:extLst>
   </p:cSld>
@@ -1651,8 +2591,13 @@
           <a:p>
             <a:r>
               <a:rPr lang="en-US" dirty="0"/>
-              <a:t>line[:-1] drop last character = ‘\n’</a:t>
-            </a:r>
+              <a:t>drawback</a:t>
+            </a:r>
+            <a:r>
+              <a:rPr lang="en-US" baseline="0" dirty="0"/>
+              <a:t> is that it is unclear where exception is raised when caught</a:t>
+            </a:r>
+            <a:endParaRPr lang="en-US" dirty="0"/>
           </a:p>
         </p:txBody>
       </p:sp>
@@ -1663,7 +2608,7 @@
             <a:spLocks noGrp="1"/>
           </p:cNvSpPr>
           <p:nvPr>
-            <p:ph type="sldNum" sz="quarter" idx="5"/>
+            <p:ph type="sldNum" sz="quarter" idx="10"/>
           </p:nvPr>
         </p:nvSpPr>
         <p:spPr/>
@@ -1673,7 +2618,7 @@
           <a:p>
             <a:fld id="{CD563DD8-32AB-41BE-B1C6-8EAC45222ACE}" type="slidenum">
               <a:rPr lang="en-US" smtClean="0"/>
-              <a:t>20</a:t>
+              <a:t>9</a:t>
             </a:fld>
             <a:endParaRPr lang="en-US"/>
           </a:p>
@@ -1682,7 +2627,7 @@
     </p:spTree>
     <p:extLst>
       <p:ext uri="{BB962C8B-B14F-4D97-AF65-F5344CB8AC3E}">
-        <p14:creationId xmlns:p14="http://schemas.microsoft.com/office/powerpoint/2010/main" val="2093793768"/>
+        <p14:creationId xmlns:p14="http://schemas.microsoft.com/office/powerpoint/2010/main" val="692394286"/>
       </p:ext>
     </p:extLst>
   </p:cSld>
@@ -1737,23 +2682,182 @@
           <a:lstStyle/>
           <a:p>
             <a:r>
-              <a:rPr lang="en-US" dirty="0"/>
-              <a:t>Don’t be afraid to scan a file of 1 GB – just </a:t>
-            </a:r>
-            <a:r>
-              <a:rPr lang="en-US" baseline="0" dirty="0"/>
-              <a:t>process each line efficiently</a:t>
+              <a:rPr lang="da-DK" b="1" dirty="0" err="1"/>
+              <a:t>help</a:t>
+            </a:r>
+            <a:r>
+              <a:rPr lang="da-DK" b="1" dirty="0"/>
+              <a:t>(</a:t>
+            </a:r>
+            <a:r>
+              <a:rPr lang="da-DK" b="1" dirty="0" err="1"/>
+              <a:t>LookupError</a:t>
+            </a:r>
+            <a:r>
+              <a:rPr lang="da-DK" b="1" dirty="0"/>
+              <a:t>)</a:t>
+            </a:r>
+            <a:r>
+              <a:rPr lang="da-DK" dirty="0"/>
+              <a:t> -&gt; class </a:t>
+            </a:r>
+            <a:r>
+              <a:rPr lang="da-DK" dirty="0" err="1"/>
+              <a:t>LookupError</a:t>
+            </a:r>
+            <a:r>
+              <a:rPr lang="da-DK" dirty="0"/>
+              <a:t>(</a:t>
+            </a:r>
+            <a:r>
+              <a:rPr lang="da-DK" dirty="0" err="1"/>
+              <a:t>Exception</a:t>
+            </a:r>
+            <a:r>
+              <a:rPr lang="da-DK" dirty="0"/>
+              <a:t>)  # lists </a:t>
+            </a:r>
+            <a:r>
+              <a:rPr lang="da-DK" dirty="0" err="1"/>
+              <a:t>parent</a:t>
+            </a:r>
+            <a:r>
+              <a:rPr lang="da-DK" dirty="0"/>
+              <a:t> </a:t>
+            </a:r>
+            <a:r>
+              <a:rPr lang="da-DK" dirty="0" err="1"/>
+              <a:t>classes</a:t>
+            </a:r>
+            <a:r>
+              <a:rPr lang="da-DK" dirty="0"/>
+              <a:t> (as part of method-resolution </a:t>
+            </a:r>
+            <a:r>
+              <a:rPr lang="da-DK" dirty="0" err="1"/>
+              <a:t>order</a:t>
+            </a:r>
+            <a:r>
+              <a:rPr lang="da-DK" dirty="0"/>
+              <a:t>) but </a:t>
+            </a:r>
+            <a:r>
+              <a:rPr lang="da-DK" dirty="0" err="1"/>
+              <a:t>also</a:t>
+            </a:r>
+            <a:r>
+              <a:rPr lang="da-DK" dirty="0"/>
+              <a:t> </a:t>
+            </a:r>
+            <a:r>
+              <a:rPr lang="da-DK" dirty="0" err="1"/>
+              <a:t>builtin</a:t>
+            </a:r>
+            <a:r>
+              <a:rPr lang="da-DK" dirty="0"/>
+              <a:t> </a:t>
+            </a:r>
+            <a:r>
+              <a:rPr lang="da-DK" dirty="0" err="1"/>
+              <a:t>subclasses</a:t>
+            </a:r>
+            <a:r>
+              <a:rPr lang="da-DK" dirty="0"/>
+              <a:t> (but not </a:t>
+            </a:r>
+            <a:r>
+              <a:rPr lang="da-DK" dirty="0" err="1"/>
+              <a:t>used</a:t>
+            </a:r>
+            <a:r>
+              <a:rPr lang="da-DK" dirty="0"/>
+              <a:t> </a:t>
+            </a:r>
+            <a:r>
+              <a:rPr lang="da-DK" dirty="0" err="1"/>
+              <a:t>defined</a:t>
+            </a:r>
+            <a:r>
+              <a:rPr lang="da-DK" dirty="0"/>
+              <a:t> </a:t>
+            </a:r>
+            <a:r>
+              <a:rPr lang="da-DK" dirty="0" err="1"/>
+              <a:t>subclasses</a:t>
+            </a:r>
+            <a:r>
+              <a:rPr lang="da-DK" dirty="0"/>
+              <a:t>)</a:t>
             </a:r>
           </a:p>
           <a:p>
-            <a:endParaRPr lang="en-US" baseline="0" dirty="0"/>
+            <a:endParaRPr lang="da-DK" dirty="0"/>
           </a:p>
           <a:p>
             <a:r>
-              <a:rPr lang="en-US" baseline="0" dirty="0"/>
-              <a:t>Experiments on Lenovo T460s laptop 512 Gb SSD disk</a:t>
-            </a:r>
-            <a:endParaRPr lang="en-US" dirty="0"/>
+              <a:rPr lang="da-DK" dirty="0" err="1"/>
+              <a:t>Other</a:t>
+            </a:r>
+            <a:r>
+              <a:rPr lang="da-DK" dirty="0"/>
+              <a:t> </a:t>
+            </a:r>
+            <a:r>
+              <a:rPr lang="da-DK" dirty="0" err="1"/>
+              <a:t>exceptions</a:t>
+            </a:r>
+            <a:r>
+              <a:rPr lang="da-DK" dirty="0"/>
+              <a:t> </a:t>
+            </a:r>
+            <a:r>
+              <a:rPr lang="da-DK" dirty="0" err="1"/>
+              <a:t>could</a:t>
+            </a:r>
+            <a:r>
+              <a:rPr lang="da-DK" dirty="0"/>
+              <a:t> </a:t>
+            </a:r>
+            <a:r>
+              <a:rPr lang="da-DK" dirty="0" err="1"/>
+              <a:t>be</a:t>
+            </a:r>
+            <a:r>
+              <a:rPr lang="da-DK" dirty="0"/>
+              <a:t> </a:t>
+            </a:r>
+            <a:r>
+              <a:rPr lang="da-DK" dirty="0" err="1"/>
+              <a:t>NameError</a:t>
+            </a:r>
+            <a:r>
+              <a:rPr lang="da-DK" dirty="0"/>
+              <a:t> (L not </a:t>
+            </a:r>
+            <a:r>
+              <a:rPr lang="da-DK" dirty="0" err="1"/>
+              <a:t>defined</a:t>
+            </a:r>
+            <a:r>
+              <a:rPr lang="da-DK" dirty="0"/>
+              <a:t>) or </a:t>
+            </a:r>
+            <a:r>
+              <a:rPr lang="da-DK" dirty="0" err="1"/>
+              <a:t>TypeError</a:t>
+            </a:r>
+            <a:r>
+              <a:rPr lang="da-DK" dirty="0"/>
+              <a:t> (L is not </a:t>
+            </a:r>
+            <a:r>
+              <a:rPr lang="da-DK" dirty="0" err="1"/>
+              <a:t>subscriptable</a:t>
+            </a:r>
+            <a:r>
+              <a:rPr lang="da-DK" dirty="0"/>
+              <a:t>)</a:t>
+            </a:r>
           </a:p>
         </p:txBody>
       </p:sp>
@@ -1764,7 +2868,7 @@
             <a:spLocks noGrp="1"/>
           </p:cNvSpPr>
           <p:nvPr>
-            <p:ph type="sldNum" sz="quarter" idx="10"/>
+            <p:ph type="sldNum" sz="quarter" idx="5"/>
           </p:nvPr>
         </p:nvSpPr>
         <p:spPr/>
@@ -1774,7 +2878,7 @@
           <a:p>
             <a:fld id="{CD563DD8-32AB-41BE-B1C6-8EAC45222ACE}" type="slidenum">
               <a:rPr lang="en-US" smtClean="0"/>
-              <a:t>28</a:t>
+              <a:t>12</a:t>
             </a:fld>
             <a:endParaRPr lang="en-US"/>
           </a:p>
@@ -1783,7 +2887,7 @@
     </p:spTree>
     <p:extLst>
       <p:ext uri="{BB962C8B-B14F-4D97-AF65-F5344CB8AC3E}">
-        <p14:creationId xmlns:p14="http://schemas.microsoft.com/office/powerpoint/2010/main" val="1035472152"/>
+        <p14:creationId xmlns:p14="http://schemas.microsoft.com/office/powerpoint/2010/main" val="245169996"/>
       </p:ext>
     </p:extLst>
   </p:cSld>
@@ -1838,110 +2942,14 @@
           <a:lstStyle/>
           <a:p>
             <a:r>
+              <a:rPr lang="en-US" b="1" dirty="0"/>
+              <a:t>finally </a:t>
+            </a:r>
+            <a:r>
               <a:rPr lang="en-US" dirty="0"/>
-              <a:t>Example using </a:t>
-            </a:r>
-            <a:r>
-              <a:rPr lang="en-US" b="1" dirty="0"/>
-              <a:t>reading</a:t>
-            </a:r>
-            <a:r>
-              <a:rPr lang="en-US" b="1" baseline="0" dirty="0"/>
-              <a:t> a file</a:t>
-            </a:r>
-            <a:r>
-              <a:rPr lang="en-US" baseline="0" dirty="0"/>
-              <a:t>, </a:t>
-            </a:r>
-            <a:r>
-              <a:rPr lang="en-US" b="1" baseline="0" dirty="0"/>
-              <a:t>and user defined exception</a:t>
-            </a:r>
-            <a:r>
-              <a:rPr lang="en-US" baseline="0" dirty="0"/>
-              <a:t> for returning recursive found solution</a:t>
-            </a:r>
-          </a:p>
-          <a:p>
-            <a:endParaRPr lang="en-US" baseline="0" dirty="0"/>
-          </a:p>
-          <a:p>
-            <a:r>
-              <a:rPr lang="en-US" baseline="0" dirty="0" err="1"/>
-              <a:t>find_free</a:t>
-            </a:r>
-            <a:r>
-              <a:rPr lang="en-US" baseline="0" dirty="0"/>
-              <a:t>(): return an empty cell</a:t>
-            </a:r>
-          </a:p>
-          <a:p>
-            <a:r>
-              <a:rPr lang="en-US" baseline="0" dirty="0"/>
-              <a:t>unused(</a:t>
-            </a:r>
-            <a:r>
-              <a:rPr lang="en-US" baseline="0" dirty="0" err="1"/>
-              <a:t>i,j</a:t>
-            </a:r>
-            <a:r>
-              <a:rPr lang="en-US" baseline="0" dirty="0"/>
-              <a:t>): return set of values possible for cell(</a:t>
-            </a:r>
-            <a:r>
-              <a:rPr lang="en-US" baseline="0" dirty="0" err="1"/>
-              <a:t>i,j</a:t>
-            </a:r>
-            <a:r>
-              <a:rPr lang="en-US" baseline="0" dirty="0"/>
-              <a:t>)</a:t>
-            </a:r>
-          </a:p>
-          <a:p>
-            <a:endParaRPr lang="en-US" baseline="0" dirty="0"/>
-          </a:p>
-          <a:p>
-            <a:r>
-              <a:rPr lang="en-US" baseline="0" dirty="0"/>
-              <a:t>sudoku_histogram.py : report number of recursive calls, and distribution over the recursion depth</a:t>
-            </a:r>
-          </a:p>
-          <a:p>
-            <a:endParaRPr lang="en-US" baseline="0" dirty="0"/>
-          </a:p>
-          <a:p>
-            <a:r>
-              <a:rPr lang="en-US" dirty="0"/>
-              <a:t>sudoku_histogram_smallest_unused.py : Recurse on cell with the minimum number of</a:t>
-            </a:r>
-            <a:r>
-              <a:rPr lang="en-US" baseline="0" dirty="0"/>
-              <a:t> candidate numbers left </a:t>
-            </a:r>
-            <a:br>
-              <a:rPr lang="en-US" baseline="0" dirty="0"/>
-            </a:br>
-            <a:r>
-              <a:rPr lang="en-US" baseline="0" dirty="0"/>
-              <a:t>(heuristic to reduce search space; but fails miserably when “for value in unused(</a:t>
-            </a:r>
-            <a:r>
-              <a:rPr lang="en-US" baseline="0" dirty="0" err="1"/>
-              <a:t>i,j</a:t>
-            </a:r>
-            <a:r>
-              <a:rPr lang="en-US" baseline="0" dirty="0"/>
-              <a:t>)” is replaced by “sorted(unused(</a:t>
-            </a:r>
-            <a:r>
-              <a:rPr lang="en-US" baseline="0" dirty="0" err="1"/>
-              <a:t>i,j</a:t>
-            </a:r>
-            <a:r>
-              <a:rPr lang="en-US" baseline="0" dirty="0"/>
-              <a:t>))” where the search space visited increased by factor &gt;= 1000)</a:t>
-            </a:r>
-            <a:endParaRPr lang="en-US" dirty="0"/>
+              <a:t>is also executed if an “except” is executed that raises a new exception</a:t>
+            </a:r>
+            <a:endParaRPr lang="da-DK" dirty="0"/>
           </a:p>
         </p:txBody>
       </p:sp>
@@ -1952,7 +2960,7 @@
             <a:spLocks noGrp="1"/>
           </p:cNvSpPr>
           <p:nvPr>
-            <p:ph type="sldNum" sz="quarter" idx="10"/>
+            <p:ph type="sldNum" sz="quarter" idx="5"/>
           </p:nvPr>
         </p:nvSpPr>
         <p:spPr/>
@@ -1962,7 +2970,7 @@
           <a:p>
             <a:fld id="{CD563DD8-32AB-41BE-B1C6-8EAC45222ACE}" type="slidenum">
               <a:rPr lang="en-US" smtClean="0"/>
-              <a:t>29</a:t>
+              <a:t>13</a:t>
             </a:fld>
             <a:endParaRPr lang="en-US"/>
           </a:p>
@@ -1971,7 +2979,103 @@
     </p:spTree>
     <p:extLst>
       <p:ext uri="{BB962C8B-B14F-4D97-AF65-F5344CB8AC3E}">
-        <p14:creationId xmlns:p14="http://schemas.microsoft.com/office/powerpoint/2010/main" val="980103824"/>
+        <p14:creationId xmlns:p14="http://schemas.microsoft.com/office/powerpoint/2010/main" val="4072957580"/>
+      </p:ext>
+    </p:extLst>
+  </p:cSld>
+  <p:clrMapOvr>
+    <a:masterClrMapping/>
+  </p:clrMapOvr>
+</p:notes>
+</file>
+
+<file path=ppt/notesSlides/notesSlide9.xml><?xml version="1.0" encoding="utf-8"?>
+<p:notes xmlns:a="http://schemas.openxmlformats.org/drawingml/2006/main" xmlns:r="http://schemas.openxmlformats.org/officeDocument/2006/relationships" xmlns:p="http://schemas.openxmlformats.org/presentationml/2006/main">
+  <p:cSld>
+    <p:spTree>
+      <p:nvGrpSpPr>
+        <p:cNvPr id="1" name=""/>
+        <p:cNvGrpSpPr/>
+        <p:nvPr/>
+      </p:nvGrpSpPr>
+      <p:grpSpPr>
+        <a:xfrm>
+          <a:off x="0" y="0"/>
+          <a:ext cx="0" cy="0"/>
+          <a:chOff x="0" y="0"/>
+          <a:chExt cx="0" cy="0"/>
+        </a:xfrm>
+      </p:grpSpPr>
+      <p:sp>
+        <p:nvSpPr>
+          <p:cNvPr id="2" name="Slide Image Placeholder 1"/>
+          <p:cNvSpPr>
+            <a:spLocks noGrp="1" noRot="1" noChangeAspect="1"/>
+          </p:cNvSpPr>
+          <p:nvPr>
+            <p:ph type="sldImg"/>
+          </p:nvPr>
+        </p:nvSpPr>
+        <p:spPr/>
+      </p:sp>
+      <p:sp>
+        <p:nvSpPr>
+          <p:cNvPr id="3" name="Notes Placeholder 2"/>
+          <p:cNvSpPr>
+            <a:spLocks noGrp="1"/>
+          </p:cNvSpPr>
+          <p:nvPr>
+            <p:ph type="body" idx="1"/>
+          </p:nvPr>
+        </p:nvSpPr>
+        <p:spPr/>
+        <p:txBody>
+          <a:bodyPr/>
+          <a:lstStyle/>
+          <a:p>
+            <a:r>
+              <a:rPr lang="en-US" dirty="0"/>
+              <a:t>In the 3</a:t>
+            </a:r>
+            <a:r>
+              <a:rPr lang="en-US" baseline="30000" dirty="0"/>
+              <a:t>rd</a:t>
+            </a:r>
+            <a:r>
+              <a:rPr lang="en-US" dirty="0"/>
+              <a:t> case the parenthesis cannot be omitted!</a:t>
+            </a:r>
+            <a:endParaRPr lang="da-DK" dirty="0"/>
+          </a:p>
+        </p:txBody>
+      </p:sp>
+      <p:sp>
+        <p:nvSpPr>
+          <p:cNvPr id="4" name="Slide Number Placeholder 3"/>
+          <p:cNvSpPr>
+            <a:spLocks noGrp="1"/>
+          </p:cNvSpPr>
+          <p:nvPr>
+            <p:ph type="sldNum" sz="quarter" idx="5"/>
+          </p:nvPr>
+        </p:nvSpPr>
+        <p:spPr/>
+        <p:txBody>
+          <a:bodyPr/>
+          <a:lstStyle/>
+          <a:p>
+            <a:fld id="{CD563DD8-32AB-41BE-B1C6-8EAC45222ACE}" type="slidenum">
+              <a:rPr lang="en-US" smtClean="0"/>
+              <a:t>14</a:t>
+            </a:fld>
+            <a:endParaRPr lang="en-US"/>
+          </a:p>
+        </p:txBody>
+      </p:sp>
+    </p:spTree>
+    <p:extLst>
+      <p:ext uri="{BB962C8B-B14F-4D97-AF65-F5344CB8AC3E}">
+        <p14:creationId xmlns:p14="http://schemas.microsoft.com/office/powerpoint/2010/main" val="1957294039"/>
       </p:ext>
     </p:extLst>
   </p:cSld>
@@ -2118,7 +3222,7 @@
           <a:p>
             <a:fld id="{0560A9CD-0304-4E0B-9E82-E7E0115DE05B}" type="datetimeFigureOut">
               <a:rPr lang="en-US" smtClean="0"/>
-              <a:t>3/10/2023</a:t>
+              <a:t>3/12/2023</a:t>
             </a:fld>
             <a:endParaRPr lang="en-US"/>
           </a:p>
@@ -2286,7 +3390,7 @@
           <a:p>
             <a:fld id="{0560A9CD-0304-4E0B-9E82-E7E0115DE05B}" type="datetimeFigureOut">
               <a:rPr lang="en-US" smtClean="0"/>
-              <a:t>3/10/2023</a:t>
+              <a:t>3/12/2023</a:t>
             </a:fld>
             <a:endParaRPr lang="en-US"/>
           </a:p>
@@ -2464,7 +3568,7 @@
           <a:p>
             <a:fld id="{0560A9CD-0304-4E0B-9E82-E7E0115DE05B}" type="datetimeFigureOut">
               <a:rPr lang="en-US" smtClean="0"/>
-              <a:t>3/10/2023</a:t>
+              <a:t>3/12/2023</a:t>
             </a:fld>
             <a:endParaRPr lang="en-US"/>
           </a:p>
@@ -2647,7 +3751,7 @@
           <a:p>
             <a:fld id="{0560A9CD-0304-4E0B-9E82-E7E0115DE05B}" type="datetimeFigureOut">
               <a:rPr lang="en-US" smtClean="0"/>
-              <a:t>3/10/2023</a:t>
+              <a:t>3/12/2023</a:t>
             </a:fld>
             <a:endParaRPr lang="en-US"/>
           </a:p>
@@ -2892,7 +3996,7 @@
           <a:p>
             <a:fld id="{0560A9CD-0304-4E0B-9E82-E7E0115DE05B}" type="datetimeFigureOut">
               <a:rPr lang="en-US" smtClean="0"/>
-              <a:t>3/10/2023</a:t>
+              <a:t>3/12/2023</a:t>
             </a:fld>
             <a:endParaRPr lang="en-US"/>
           </a:p>
@@ -3121,7 +4225,7 @@
           <a:p>
             <a:fld id="{0560A9CD-0304-4E0B-9E82-E7E0115DE05B}" type="datetimeFigureOut">
               <a:rPr lang="en-US" smtClean="0"/>
-              <a:t>3/10/2023</a:t>
+              <a:t>3/12/2023</a:t>
             </a:fld>
             <a:endParaRPr lang="en-US"/>
           </a:p>
@@ -3485,7 +4589,7 @@
           <a:p>
             <a:fld id="{0560A9CD-0304-4E0B-9E82-E7E0115DE05B}" type="datetimeFigureOut">
               <a:rPr lang="en-US" smtClean="0"/>
-              <a:t>3/10/2023</a:t>
+              <a:t>3/12/2023</a:t>
             </a:fld>
             <a:endParaRPr lang="en-US"/>
           </a:p>
@@ -3602,7 +4706,7 @@
           <a:p>
             <a:fld id="{0560A9CD-0304-4E0B-9E82-E7E0115DE05B}" type="datetimeFigureOut">
               <a:rPr lang="en-US" smtClean="0"/>
-              <a:t>3/10/2023</a:t>
+              <a:t>3/12/2023</a:t>
             </a:fld>
             <a:endParaRPr lang="en-US"/>
           </a:p>
@@ -3697,7 +4801,7 @@
           <a:p>
             <a:fld id="{0560A9CD-0304-4E0B-9E82-E7E0115DE05B}" type="datetimeFigureOut">
               <a:rPr lang="en-US" smtClean="0"/>
-              <a:t>3/10/2023</a:t>
+              <a:t>3/12/2023</a:t>
             </a:fld>
             <a:endParaRPr lang="en-US"/>
           </a:p>
@@ -3972,7 +5076,7 @@
           <a:p>
             <a:fld id="{0560A9CD-0304-4E0B-9E82-E7E0115DE05B}" type="datetimeFigureOut">
               <a:rPr lang="en-US" smtClean="0"/>
-              <a:t>3/10/2023</a:t>
+              <a:t>3/12/2023</a:t>
             </a:fld>
             <a:endParaRPr lang="en-US"/>
           </a:p>
@@ -4224,7 +5328,7 @@
           <a:p>
             <a:fld id="{0560A9CD-0304-4E0B-9E82-E7E0115DE05B}" type="datetimeFigureOut">
               <a:rPr lang="en-US" smtClean="0"/>
-              <a:t>3/10/2023</a:t>
+              <a:t>3/12/2023</a:t>
             </a:fld>
             <a:endParaRPr lang="en-US"/>
           </a:p>
@@ -4435,7 +5539,7 @@
           <a:p>
             <a:fld id="{0560A9CD-0304-4E0B-9E82-E7E0115DE05B}" type="datetimeFigureOut">
               <a:rPr lang="en-US" smtClean="0"/>
-              <a:t>3/10/2023</a:t>
+              <a:t>3/12/2023</a:t>
             </a:fld>
             <a:endParaRPr lang="en-US"/>
           </a:p>
@@ -5028,7 +6132,7 @@
           <p:nvPr>
             <p:extLst>
               <p:ext uri="{D42A27DB-BD31-4B8C-83A1-F6EECF244321}">
-                <p14:modId xmlns:p14="http://schemas.microsoft.com/office/powerpoint/2010/main" val="1707280675"/>
+                <p14:modId xmlns:p14="http://schemas.microsoft.com/office/powerpoint/2010/main" val="161511897"/>
               </p:ext>
             </p:extLst>
           </p:nvPr>
@@ -5490,7 +6594,7 @@
                           <a:latin typeface="Courier New" panose="02070309020205020404" pitchFamily="49" charset="0"/>
                           <a:cs typeface="Courier New" panose="02070309020205020404" pitchFamily="49" charset="0"/>
                         </a:rPr>
-                        <a:t># Ctrl-c</a:t>
+                        <a:t>  Ctrl-c</a:t>
                       </a:r>
                     </a:p>
                     <a:p>
@@ -6935,7 +8039,7 @@
           <p:nvPr>
             <p:extLst>
               <p:ext uri="{D42A27DB-BD31-4B8C-83A1-F6EECF244321}">
-                <p14:modId xmlns:p14="http://schemas.microsoft.com/office/powerpoint/2010/main" val="2607453819"/>
+                <p14:modId xmlns:p14="http://schemas.microsoft.com/office/powerpoint/2010/main" val="727537512"/>
               </p:ext>
             </p:extLst>
           </p:nvPr>
@@ -7340,7 +8444,7 @@
                           <a:latin typeface="Courier New" panose="02070309020205020404" pitchFamily="49" charset="0"/>
                           <a:cs typeface="Courier New" panose="02070309020205020404" pitchFamily="49" charset="0"/>
                         </a:rPr>
-                        <a:t>An integer:         </a:t>
+                        <a:t>An integer:              </a:t>
                       </a:r>
                       <a:r>
                         <a:rPr lang="en-US" sz="1600" b="1" i="1" baseline="0" dirty="0">
@@ -8598,7 +9702,7 @@
           <p:nvPr>
             <p:extLst>
               <p:ext uri="{D42A27DB-BD31-4B8C-83A1-F6EECF244321}">
-                <p14:modId xmlns:p14="http://schemas.microsoft.com/office/powerpoint/2010/main" val="4186554610"/>
+                <p14:modId xmlns:p14="http://schemas.microsoft.com/office/powerpoint/2010/main" val="150303704"/>
               </p:ext>
             </p:extLst>
           </p:nvPr>
@@ -8737,6 +9841,16 @@
                       <a:r>
                         <a:rPr lang="en-US" sz="1600" b="1" dirty="0" err="1">
                           <a:solidFill>
+                            <a:srgbClr val="C00000"/>
+                          </a:solidFill>
+                          <a:latin typeface="Courier New" panose="02070309020205020404" pitchFamily="49" charset="0"/>
+                          <a:cs typeface="Courier New" panose="02070309020205020404" pitchFamily="49" charset="0"/>
+                        </a:rPr>
+                        <a:t>IndexError</a:t>
+                      </a:r>
+                      <a:r>
+                        <a:rPr lang="en-US" sz="1600" b="1" dirty="0">
+                          <a:solidFill>
                             <a:schemeClr val="accent1">
                               <a:lumMod val="50000"/>
                             </a:schemeClr>
@@ -8744,8 +9858,52 @@
                           <a:latin typeface="Courier New" panose="02070309020205020404" pitchFamily="49" charset="0"/>
                           <a:cs typeface="Courier New" panose="02070309020205020404" pitchFamily="49" charset="0"/>
                         </a:rPr>
+                        <a:t>:</a:t>
+                      </a:r>
+                      <a:r>
+                        <a:rPr lang="en-US" sz="1600" b="1" dirty="0">
+                          <a:latin typeface="Courier New" panose="02070309020205020404" pitchFamily="49" charset="0"/>
+                          <a:cs typeface="Courier New" panose="02070309020205020404" pitchFamily="49" charset="0"/>
+                        </a:rPr>
+                        <a:t>  </a:t>
+                      </a:r>
+                      <a:r>
+                        <a:rPr lang="en-US" sz="1600" b="1" dirty="0">
+                          <a:solidFill>
+                            <a:schemeClr val="bg1">
+                              <a:lumMod val="50000"/>
+                            </a:schemeClr>
+                          </a:solidFill>
+                          <a:latin typeface="Courier New" panose="02070309020205020404" pitchFamily="49" charset="0"/>
+                          <a:cs typeface="Courier New" panose="02070309020205020404" pitchFamily="49" charset="0"/>
+                        </a:rPr>
+                        <a:t># must be before Exception</a:t>
+                      </a:r>
+                    </a:p>
+                    <a:p>
+                      <a:r>
+                        <a:rPr lang="en-US" sz="1600" b="1" dirty="0">
+                          <a:latin typeface="Courier New" panose="02070309020205020404" pitchFamily="49" charset="0"/>
+                          <a:cs typeface="Courier New" panose="02070309020205020404" pitchFamily="49" charset="0"/>
+                        </a:rPr>
+                        <a:t>    print('</a:t>
+                      </a:r>
+                      <a:r>
+                        <a:rPr lang="en-US" sz="1600" b="1" dirty="0" err="1">
+                          <a:latin typeface="Courier New" panose="02070309020205020404" pitchFamily="49" charset="0"/>
+                          <a:cs typeface="Courier New" panose="02070309020205020404" pitchFamily="49" charset="0"/>
+                        </a:rPr>
                         <a:t>IndexError</a:t>
                       </a:r>
+                      <a:r>
+                        <a:rPr lang="en-US" sz="1600" b="1" dirty="0">
+                          <a:latin typeface="Courier New" panose="02070309020205020404" pitchFamily="49" charset="0"/>
+                          <a:cs typeface="Courier New" panose="02070309020205020404" pitchFamily="49" charset="0"/>
+                        </a:rPr>
+                        <a:t>')</a:t>
+                      </a:r>
+                    </a:p>
+                    <a:p>
                       <a:r>
                         <a:rPr lang="en-US" sz="1600" b="1" dirty="0">
                           <a:solidFill>
@@ -8756,52 +9914,18 @@
                           <a:latin typeface="Courier New" panose="02070309020205020404" pitchFamily="49" charset="0"/>
                           <a:cs typeface="Courier New" panose="02070309020205020404" pitchFamily="49" charset="0"/>
                         </a:rPr>
-                        <a:t>:</a:t>
+                        <a:t>except </a:t>
                       </a:r>
                       <a:r>
                         <a:rPr lang="en-US" sz="1600" b="1" dirty="0">
-                          <a:latin typeface="Courier New" panose="02070309020205020404" pitchFamily="49" charset="0"/>
-                          <a:cs typeface="Courier New" panose="02070309020205020404" pitchFamily="49" charset="0"/>
-                        </a:rPr>
-                        <a:t>  </a:t>
-                      </a:r>
-                      <a:r>
-                        <a:rPr lang="en-US" sz="1600" b="1" dirty="0">
-                          <a:solidFill>
-                            <a:schemeClr val="bg1">
-                              <a:lumMod val="50000"/>
-                            </a:schemeClr>
-                          </a:solidFill>
-                          <a:latin typeface="Courier New" panose="02070309020205020404" pitchFamily="49" charset="0"/>
-                          <a:cs typeface="Courier New" panose="02070309020205020404" pitchFamily="49" charset="0"/>
-                        </a:rPr>
-                        <a:t># must be before Exception</a:t>
-                      </a:r>
-                    </a:p>
-                    <a:p>
-                      <a:r>
-                        <a:rPr lang="en-US" sz="1600" b="1" dirty="0">
-                          <a:latin typeface="Courier New" panose="02070309020205020404" pitchFamily="49" charset="0"/>
-                          <a:cs typeface="Courier New" panose="02070309020205020404" pitchFamily="49" charset="0"/>
-                        </a:rPr>
-                        <a:t>    print('</a:t>
-                      </a:r>
-                      <a:r>
-                        <a:rPr lang="en-US" sz="1600" b="1" dirty="0" err="1">
-                          <a:latin typeface="Courier New" panose="02070309020205020404" pitchFamily="49" charset="0"/>
-                          <a:cs typeface="Courier New" panose="02070309020205020404" pitchFamily="49" charset="0"/>
-                        </a:rPr>
-                        <a:t>IndexError</a:t>
-                      </a:r>
-                      <a:r>
-                        <a:rPr lang="en-US" sz="1600" b="1" dirty="0">
-                          <a:latin typeface="Courier New" panose="02070309020205020404" pitchFamily="49" charset="0"/>
-                          <a:cs typeface="Courier New" panose="02070309020205020404" pitchFamily="49" charset="0"/>
-                        </a:rPr>
-                        <a:t>')</a:t>
-                      </a:r>
-                    </a:p>
-                    <a:p>
+                          <a:solidFill>
+                            <a:srgbClr val="C00000"/>
+                          </a:solidFill>
+                          <a:latin typeface="Courier New" panose="02070309020205020404" pitchFamily="49" charset="0"/>
+                          <a:cs typeface="Courier New" panose="02070309020205020404" pitchFamily="49" charset="0"/>
+                        </a:rPr>
+                        <a:t>Exception</a:t>
+                      </a:r>
                       <a:r>
                         <a:rPr lang="en-US" sz="1600" b="1" dirty="0">
                           <a:solidFill>
@@ -8812,7 +9936,7 @@
                           <a:latin typeface="Courier New" panose="02070309020205020404" pitchFamily="49" charset="0"/>
                           <a:cs typeface="Courier New" panose="02070309020205020404" pitchFamily="49" charset="0"/>
                         </a:rPr>
-                        <a:t>except Exception:</a:t>
+                        <a:t>:</a:t>
                       </a:r>
                     </a:p>
                     <a:p>
@@ -8897,7 +10021,7 @@
           <p:nvPr>
             <p:extLst>
               <p:ext uri="{D42A27DB-BD31-4B8C-83A1-F6EECF244321}">
-                <p14:modId xmlns:p14="http://schemas.microsoft.com/office/powerpoint/2010/main" val="520654479"/>
+                <p14:modId xmlns:p14="http://schemas.microsoft.com/office/powerpoint/2010/main" val="2680013380"/>
               </p:ext>
             </p:extLst>
           </p:nvPr>
@@ -9031,7 +10155,29 @@
                           <a:latin typeface="Courier New" panose="02070309020205020404" pitchFamily="49" charset="0"/>
                           <a:cs typeface="Courier New" panose="02070309020205020404" pitchFamily="49" charset="0"/>
                         </a:rPr>
-                        <a:t>except Exception:  </a:t>
+                        <a:t>except </a:t>
+                      </a:r>
+                      <a:r>
+                        <a:rPr lang="en-US" sz="1600" b="1" dirty="0">
+                          <a:solidFill>
+                            <a:srgbClr val="C00000"/>
+                          </a:solidFill>
+                          <a:latin typeface="Courier New" panose="02070309020205020404" pitchFamily="49" charset="0"/>
+                          <a:cs typeface="Courier New" panose="02070309020205020404" pitchFamily="49" charset="0"/>
+                        </a:rPr>
+                        <a:t>Exception</a:t>
+                      </a:r>
+                      <a:r>
+                        <a:rPr lang="en-US" sz="1600" b="1" dirty="0">
+                          <a:solidFill>
+                            <a:schemeClr val="accent1">
+                              <a:lumMod val="50000"/>
+                            </a:schemeClr>
+                          </a:solidFill>
+                          <a:latin typeface="Courier New" panose="02070309020205020404" pitchFamily="49" charset="0"/>
+                          <a:cs typeface="Courier New" panose="02070309020205020404" pitchFamily="49" charset="0"/>
+                        </a:rPr>
+                        <a:t>:  </a:t>
                       </a:r>
                       <a:r>
                         <a:rPr lang="en-US" sz="1600" b="1" dirty="0">
@@ -9092,9 +10238,7 @@
                       <a:r>
                         <a:rPr lang="en-US" sz="1600" b="1" dirty="0" err="1">
                           <a:solidFill>
-                            <a:schemeClr val="accent1">
-                              <a:lumMod val="50000"/>
-                            </a:schemeClr>
+                            <a:srgbClr val="C00000"/>
                           </a:solidFill>
                           <a:latin typeface="Courier New" panose="02070309020205020404" pitchFamily="49" charset="0"/>
                           <a:cs typeface="Courier New" panose="02070309020205020404" pitchFamily="49" charset="0"/>
@@ -11257,7 +12401,7 @@
           <p:nvPr/>
         </p:nvPicPr>
         <p:blipFill>
-          <a:blip r:embed="rId2" cstate="print">
+          <a:blip r:embed="rId3" cstate="print">
             <a:extLst>
               <a:ext uri="{28A0092B-C50C-407E-A947-70E740481C1C}">
                 <a14:useLocalDpi xmlns:a14="http://schemas.microsoft.com/office/drawing/2010/main" val="0"/>
@@ -12787,7 +13931,7 @@
           <p:nvPr>
             <p:extLst>
               <p:ext uri="{D42A27DB-BD31-4B8C-83A1-F6EECF244321}">
-                <p14:modId xmlns:p14="http://schemas.microsoft.com/office/powerpoint/2010/main" val="2338322297"/>
+                <p14:modId xmlns:p14="http://schemas.microsoft.com/office/powerpoint/2010/main" val="1969315384"/>
               </p:ext>
             </p:extLst>
           </p:nvPr>
@@ -12961,18 +14105,11 @@
                     </a:p>
                     <a:p>
                       <a:r>
-                        <a:rPr lang="en-US" sz="1600" b="1" dirty="0" err="1">
-                          <a:latin typeface="Courier New" panose="02070309020205020404" pitchFamily="49" charset="0"/>
-                          <a:cs typeface="Courier New" panose="02070309020205020404" pitchFamily="49" charset="0"/>
-                        </a:rPr>
-                        <a:t>def</a:t>
-                      </a:r>
-                      <a:r>
                         <a:rPr lang="en-US" sz="1600" b="1" dirty="0">
                           <a:latin typeface="Courier New" panose="02070309020205020404" pitchFamily="49" charset="0"/>
                           <a:cs typeface="Courier New" panose="02070309020205020404" pitchFamily="49" charset="0"/>
                         </a:rPr>
-                        <a:t> </a:t>
+                        <a:t>def </a:t>
                       </a:r>
                       <a:r>
                         <a:rPr lang="en-US" sz="1600" b="1" dirty="0" err="1">
@@ -12991,7 +14128,7 @@
                           <a:latin typeface="Courier New" panose="02070309020205020404" pitchFamily="49" charset="0"/>
                           <a:cs typeface="Courier New" panose="02070309020205020404" pitchFamily="49" charset="0"/>
                         </a:rPr>
-                        <a:t>(x, t):</a:t>
+                        <a:t>(x, tree):</a:t>
                       </a:r>
                     </a:p>
                     <a:p>
@@ -13014,7 +14151,7 @@
                           <a:latin typeface="Courier New" panose="02070309020205020404" pitchFamily="49" charset="0"/>
                           <a:cs typeface="Courier New" panose="02070309020205020404" pitchFamily="49" charset="0"/>
                         </a:rPr>
-                        <a:t>(t, tuple):</a:t>
+                        <a:t>(tree, tuple):</a:t>
                       </a:r>
                     </a:p>
                     <a:p>
@@ -13023,7 +14160,7 @@
                           <a:latin typeface="Courier New" panose="02070309020205020404" pitchFamily="49" charset="0"/>
                           <a:cs typeface="Courier New" panose="02070309020205020404" pitchFamily="49" charset="0"/>
                         </a:rPr>
-                        <a:t>        for child in t:</a:t>
+                        <a:t>        for child in tree:</a:t>
                       </a:r>
                     </a:p>
                     <a:p>
@@ -13074,7 +14211,7 @@
                           <a:latin typeface="Courier New" panose="02070309020205020404" pitchFamily="49" charset="0"/>
                           <a:cs typeface="Courier New" panose="02070309020205020404" pitchFamily="49" charset="0"/>
                         </a:rPr>
-                        <a:t> x == t:</a:t>
+                        <a:t> x == tree:</a:t>
                       </a:r>
                     </a:p>
                     <a:p>
@@ -13118,7 +14255,7 @@
                           <a:latin typeface="Courier New" panose="02070309020205020404" pitchFamily="49" charset="0"/>
                           <a:cs typeface="Courier New" panose="02070309020205020404" pitchFamily="49" charset="0"/>
                         </a:rPr>
-                        <a:t># found x in t</a:t>
+                        <a:t># found x in tree</a:t>
                       </a:r>
                     </a:p>
                     <a:p>
@@ -13129,32 +14266,25 @@
                     </a:p>
                     <a:p>
                       <a:r>
+                        <a:rPr lang="en-US" sz="1600" b="1" dirty="0">
+                          <a:latin typeface="Courier New" panose="02070309020205020404" pitchFamily="49" charset="0"/>
+                          <a:cs typeface="Courier New" panose="02070309020205020404" pitchFamily="49" charset="0"/>
+                        </a:rPr>
+                        <a:t>def </a:t>
+                      </a:r>
+                      <a:r>
                         <a:rPr lang="en-US" sz="1600" b="1" dirty="0" err="1">
                           <a:latin typeface="Courier New" panose="02070309020205020404" pitchFamily="49" charset="0"/>
                           <a:cs typeface="Courier New" panose="02070309020205020404" pitchFamily="49" charset="0"/>
                         </a:rPr>
-                        <a:t>def</a:t>
+                        <a:t>tree_search</a:t>
                       </a:r>
                       <a:r>
                         <a:rPr lang="en-US" sz="1600" b="1" dirty="0">
                           <a:latin typeface="Courier New" panose="02070309020205020404" pitchFamily="49" charset="0"/>
                           <a:cs typeface="Courier New" panose="02070309020205020404" pitchFamily="49" charset="0"/>
                         </a:rPr>
-                        <a:t> </a:t>
-                      </a:r>
-                      <a:r>
-                        <a:rPr lang="en-US" sz="1600" b="1" dirty="0" err="1">
-                          <a:latin typeface="Courier New" panose="02070309020205020404" pitchFamily="49" charset="0"/>
-                          <a:cs typeface="Courier New" panose="02070309020205020404" pitchFamily="49" charset="0"/>
-                        </a:rPr>
-                        <a:t>tree_search</a:t>
-                      </a:r>
-                      <a:r>
-                        <a:rPr lang="en-US" sz="1600" b="1" dirty="0">
-                          <a:latin typeface="Courier New" panose="02070309020205020404" pitchFamily="49" charset="0"/>
-                          <a:cs typeface="Courier New" panose="02070309020205020404" pitchFamily="49" charset="0"/>
-                        </a:rPr>
-                        <a:t>(x, t):</a:t>
+                        <a:t>(x, tree):</a:t>
                       </a:r>
                     </a:p>
                     <a:p>
@@ -13196,7 +14326,7 @@
                           <a:latin typeface="Courier New" panose="02070309020205020404" pitchFamily="49" charset="0"/>
                           <a:cs typeface="Courier New" panose="02070309020205020404" pitchFamily="49" charset="0"/>
                         </a:rPr>
-                        <a:t>(x, t)</a:t>
+                        <a:t>(x, tree)</a:t>
                       </a:r>
                     </a:p>
                     <a:p>
@@ -13695,8 +14825,26 @@
           <a:lstStyle/>
           <a:p>
             <a:r>
+              <a:rPr lang="da-DK" dirty="0">
+                <a:latin typeface="Courier New" panose="02070309020205020404" pitchFamily="49" charset="0"/>
+                <a:cs typeface="Courier New" panose="02070309020205020404" pitchFamily="49" charset="0"/>
+              </a:rPr>
+              <a:t>match</a:t>
+            </a:r>
+            <a:r>
               <a:rPr lang="da-DK" dirty="0"/>
-              <a:t>match – case (</a:t>
+              <a:t> – </a:t>
+            </a:r>
+            <a:r>
+              <a:rPr lang="da-DK" dirty="0">
+                <a:latin typeface="Courier New" panose="02070309020205020404" pitchFamily="49" charset="0"/>
+                <a:cs typeface="Courier New" panose="02070309020205020404" pitchFamily="49" charset="0"/>
+              </a:rPr>
+              <a:t>case</a:t>
+            </a:r>
+            <a:r>
+              <a:rPr lang="da-DK" dirty="0"/>
+              <a:t> (</a:t>
             </a:r>
             <a:r>
               <a:rPr lang="da-DK" dirty="0" err="1"/>
@@ -15875,14 +17023,14 @@
           <p:nvPr>
             <p:extLst>
               <p:ext uri="{D42A27DB-BD31-4B8C-83A1-F6EECF244321}">
-                <p14:modId xmlns:p14="http://schemas.microsoft.com/office/powerpoint/2010/main" val="2764678951"/>
+                <p14:modId xmlns:p14="http://schemas.microsoft.com/office/powerpoint/2010/main" val="842693341"/>
               </p:ext>
             </p:extLst>
           </p:nvPr>
         </p:nvGraphicFramePr>
         <p:xfrm>
-          <a:off x="3844132" y="137160"/>
-          <a:ext cx="7947343" cy="6583680"/>
+          <a:off x="4199064" y="30480"/>
+          <a:ext cx="7947343" cy="6797040"/>
         </p:xfrm>
         <a:graphic>
           <a:graphicData uri="http://schemas.openxmlformats.org/drawingml/2006/table">
@@ -15989,12 +17137,41 @@
                       <a:r>
                         <a:rPr lang="en-US" sz="1400" b="1" dirty="0">
                           <a:solidFill>
+                            <a:schemeClr val="accent1">
+                              <a:lumMod val="50000"/>
+                            </a:schemeClr>
+                          </a:solidFill>
+                          <a:latin typeface="Courier New" panose="02070309020205020404" pitchFamily="49" charset="0"/>
+                          <a:cs typeface="Courier New" panose="02070309020205020404" pitchFamily="49" charset="0"/>
+                        </a:rPr>
+                        <a:t>def </a:t>
+                      </a:r>
+                      <a:r>
+                        <a:rPr lang="en-US" sz="1400" b="1" dirty="0">
+                          <a:solidFill>
+                            <a:schemeClr val="tx1"/>
+                          </a:solidFill>
+                          <a:latin typeface="Courier New" panose="02070309020205020404" pitchFamily="49" charset="0"/>
+                          <a:cs typeface="Courier New" panose="02070309020205020404" pitchFamily="49" charset="0"/>
+                        </a:rPr>
+                        <a:t>f(x):</a:t>
+                      </a:r>
+                    </a:p>
+                    <a:p>
+                      <a:pPr>
+                        <a:spcAft>
+                          <a:spcPts val="0"/>
+                        </a:spcAft>
+                      </a:pPr>
+                      <a:r>
+                        <a:rPr lang="en-US" sz="1400" b="1" dirty="0">
+                          <a:solidFill>
                             <a:srgbClr val="C00000"/>
                           </a:solidFill>
                           <a:latin typeface="Courier New" panose="02070309020205020404" pitchFamily="49" charset="0"/>
                           <a:cs typeface="Courier New" panose="02070309020205020404" pitchFamily="49" charset="0"/>
                         </a:rPr>
-                        <a:t>match</a:t>
+                        <a:t>  match</a:t>
                       </a:r>
                       <a:r>
                         <a:rPr lang="en-US" sz="1400" b="1" dirty="0">
@@ -17944,7 +19121,7 @@
         </p:blipFill>
         <p:spPr>
           <a:xfrm>
-            <a:off x="5501250" y="6232358"/>
+            <a:off x="5855429" y="6340642"/>
             <a:ext cx="258178" cy="214892"/>
           </a:xfrm>
           <a:prstGeom prst="rect">
@@ -18015,18 +19192,37 @@
         <p:spPr>
           <a:xfrm>
             <a:off x="239294" y="66284"/>
-            <a:ext cx="3166980" cy="818038"/>
+            <a:ext cx="3598780" cy="818038"/>
           </a:xfrm>
         </p:spPr>
         <p:txBody>
-          <a:bodyPr/>
+          <a:bodyPr>
+            <a:normAutofit fontScale="90000"/>
+          </a:bodyPr>
           <a:lstStyle/>
           <a:p>
             <a:r>
+              <a:rPr lang="da-DK" dirty="0">
+                <a:latin typeface="Courier New" panose="02070309020205020404" pitchFamily="49" charset="0"/>
+                <a:cs typeface="Courier New" panose="02070309020205020404" pitchFamily="49" charset="0"/>
+              </a:rPr>
+              <a:t>match</a:t>
+            </a:r>
+            <a:r>
               <a:rPr lang="da-DK" dirty="0"/>
-              <a:t>match – case</a:t>
-            </a:r>
-            <a:endParaRPr lang="en-US" dirty="0"/>
+              <a:t> – </a:t>
+            </a:r>
+            <a:r>
+              <a:rPr lang="da-DK" dirty="0">
+                <a:latin typeface="Courier New" panose="02070309020205020404" pitchFamily="49" charset="0"/>
+                <a:cs typeface="Courier New" panose="02070309020205020404" pitchFamily="49" charset="0"/>
+              </a:rPr>
+              <a:t>case</a:t>
+            </a:r>
+            <a:endParaRPr lang="en-US" dirty="0">
+              <a:latin typeface="Courier New" panose="02070309020205020404" pitchFamily="49" charset="0"/>
+              <a:cs typeface="Courier New" panose="02070309020205020404" pitchFamily="49" charset="0"/>
+            </a:endParaRPr>
           </a:p>
         </p:txBody>
       </p:sp>
@@ -18407,13 +19603,13 @@
           <p:nvPr>
             <p:extLst>
               <p:ext uri="{D42A27DB-BD31-4B8C-83A1-F6EECF244321}">
-                <p14:modId xmlns:p14="http://schemas.microsoft.com/office/powerpoint/2010/main" val="2251911909"/>
+                <p14:modId xmlns:p14="http://schemas.microsoft.com/office/powerpoint/2010/main" val="924347417"/>
               </p:ext>
             </p:extLst>
           </p:nvPr>
         </p:nvGraphicFramePr>
         <p:xfrm>
-          <a:off x="444165" y="1310640"/>
+          <a:off x="444165" y="1097280"/>
           <a:ext cx="11303669" cy="4236720"/>
         </p:xfrm>
         <a:graphic>
@@ -18602,7 +19798,20 @@
                           <a:latin typeface="Courier New" panose="02070309020205020404" pitchFamily="49" charset="0"/>
                           <a:cs typeface="Courier New" panose="02070309020205020404" pitchFamily="49" charset="0"/>
                         </a:rPr>
-                        <a:t>for x in [42, 1, [1, 2], [7, 2], range(3, 5), (3, (5, 7)), (0, 1, 2, 3, 4, 5), {'a':7, 'b':42, 'c':1}, ('b', 'c'), ('y', 'x'), 3.14, 'ff0000', Point(7, 42), Point(3, 5), '</a:t>
+                        <a:t>for x in [42, 1, [1, 2], [7, 2], range(3, 5), (3, (5, 7)), (0, 1, 2, 3, 4, 5), {'a':7, 'b':42, 'c':1}, </a:t>
+                      </a:r>
+                      <a:br>
+                        <a:rPr lang="en-US" sz="1400" b="1" baseline="0" dirty="0">
+                          <a:latin typeface="Courier New" panose="02070309020205020404" pitchFamily="49" charset="0"/>
+                          <a:cs typeface="Courier New" panose="02070309020205020404" pitchFamily="49" charset="0"/>
+                        </a:rPr>
+                      </a:br>
+                      <a:r>
+                        <a:rPr lang="en-US" sz="1400" b="1" baseline="0" dirty="0">
+                          <a:latin typeface="Courier New" panose="02070309020205020404" pitchFamily="49" charset="0"/>
+                          <a:cs typeface="Courier New" panose="02070309020205020404" pitchFamily="49" charset="0"/>
+                        </a:rPr>
+                        <a:t>          ('b', 'c'), ('y', 'x'), 3.14, 'ff0000', Point(7, 42), Point(3, 5), '</a:t>
                       </a:r>
                       <a:r>
                         <a:rPr lang="en-US" sz="1400" b="1" baseline="0" dirty="0" err="1">
@@ -19846,7 +21055,7 @@
           <p:nvPr>
             <p:extLst>
               <p:ext uri="{D42A27DB-BD31-4B8C-83A1-F6EECF244321}">
-                <p14:modId xmlns:p14="http://schemas.microsoft.com/office/powerpoint/2010/main" val="85057666"/>
+                <p14:modId xmlns:p14="http://schemas.microsoft.com/office/powerpoint/2010/main" val="3824701652"/>
               </p:ext>
             </p:extLst>
           </p:nvPr>
@@ -20045,10 +21254,8 @@
                           <a:latin typeface="Courier New" panose="02070309020205020404" pitchFamily="49" charset="0"/>
                           <a:cs typeface="Courier New" panose="02070309020205020404" pitchFamily="49" charset="0"/>
                         </a:rPr>
-                        <a:t>    print('&gt;', line[:-1]) </a:t>
-                      </a:r>
-                    </a:p>
-                    <a:p>
+                        <a:t>    print('&gt; ', line, end='') </a:t>
+                      </a:r>
                       <a:r>
                         <a:rPr lang="en-US" sz="1800" b="1" dirty="0" err="1">
                           <a:solidFill>
@@ -20159,14 +21366,14 @@
           <p:nvPr>
             <p:extLst>
               <p:ext uri="{D42A27DB-BD31-4B8C-83A1-F6EECF244321}">
-                <p14:modId xmlns:p14="http://schemas.microsoft.com/office/powerpoint/2010/main" val="2759546370"/>
+                <p14:modId xmlns:p14="http://schemas.microsoft.com/office/powerpoint/2010/main" val="1906182114"/>
               </p:ext>
             </p:extLst>
           </p:nvPr>
         </p:nvGraphicFramePr>
         <p:xfrm>
           <a:off x="7759699" y="2480944"/>
-          <a:ext cx="4178302" cy="1828800"/>
+          <a:ext cx="4142105" cy="1828800"/>
         </p:xfrm>
         <a:graphic>
           <a:graphicData uri="http://schemas.openxmlformats.org/drawingml/2006/table">
@@ -20175,7 +21382,7 @@
                 <a:tableStyleId>{5C22544A-7EE6-4342-B048-85BDC9FD1C3A}</a:tableStyleId>
               </a:tblPr>
               <a:tblGrid>
-                <a:gridCol w="4178302">
+                <a:gridCol w="4142105">
                   <a:extLst>
                     <a:ext uri="{9D8B030D-6E8A-4147-A177-3AD203B41FA5}">
                       <a16:colId xmlns:a16="http://schemas.microsoft.com/office/drawing/2014/main" val="1873682825"/>
@@ -20416,7 +21623,7 @@
                           <a:latin typeface="Courier New" panose="02070309020205020404" pitchFamily="49" charset="0"/>
                           <a:cs typeface="Courier New" panose="02070309020205020404" pitchFamily="49" charset="0"/>
                         </a:rPr>
-                        <a:t>    print('&gt;', line[:-1]) </a:t>
+                        <a:t>print('&gt; ', line, end='')</a:t>
                       </a:r>
                     </a:p>
                   </a:txBody>
@@ -20492,7 +21699,7 @@
           <p:nvPr>
             <p:extLst>
               <p:ext uri="{D42A27DB-BD31-4B8C-83A1-F6EECF244321}">
-                <p14:modId xmlns:p14="http://schemas.microsoft.com/office/powerpoint/2010/main" val="3035399164"/>
+                <p14:modId xmlns:p14="http://schemas.microsoft.com/office/powerpoint/2010/main" val="919205794"/>
               </p:ext>
             </p:extLst>
           </p:nvPr>
@@ -20690,7 +21897,7 @@
                           <a:latin typeface="Courier New" panose="02070309020205020404" pitchFamily="49" charset="0"/>
                           <a:cs typeface="Courier New" panose="02070309020205020404" pitchFamily="49" charset="0"/>
                         </a:rPr>
-                        <a:t>    print('&gt;', line[:-1])</a:t>
+                        <a:t>    print('&gt; ', line, end='')</a:t>
                       </a:r>
                     </a:p>
                     <a:p>
@@ -23622,14 +24829,14 @@
           <p:nvPr>
             <p:extLst>
               <p:ext uri="{D42A27DB-BD31-4B8C-83A1-F6EECF244321}">
-                <p14:modId xmlns:p14="http://schemas.microsoft.com/office/powerpoint/2010/main" val="203308038"/>
+                <p14:modId xmlns:p14="http://schemas.microsoft.com/office/powerpoint/2010/main" val="3341886021"/>
               </p:ext>
             </p:extLst>
           </p:nvPr>
         </p:nvGraphicFramePr>
         <p:xfrm>
           <a:off x="6587358" y="2401094"/>
-          <a:ext cx="5097780" cy="3200400"/>
+          <a:ext cx="5275780" cy="3200400"/>
         </p:xfrm>
         <a:graphic>
           <a:graphicData uri="http://schemas.openxmlformats.org/drawingml/2006/table">
@@ -23638,7 +24845,7 @@
                 <a:tableStyleId>{5C22544A-7EE6-4342-B048-85BDC9FD1C3A}</a:tableStyleId>
               </a:tblPr>
               <a:tblGrid>
-                <a:gridCol w="5097780">
+                <a:gridCol w="5275780">
                   <a:extLst>
                     <a:ext uri="{9D8B030D-6E8A-4147-A177-3AD203B41FA5}">
                       <a16:colId xmlns:a16="http://schemas.microsoft.com/office/drawing/2014/main" val="1873682825"/>
@@ -23839,14 +25046,18 @@
                     <a:p>
                       <a:r>
                         <a:rPr lang="en-US" sz="1800" b="1" dirty="0">
-                          <a:solidFill>
-                            <a:schemeClr val="tx1"/>
-                          </a:solidFill>
-                          <a:latin typeface="Courier New" panose="02070309020205020404" pitchFamily="49" charset="0"/>
-                          <a:cs typeface="Courier New" panose="02070309020205020404" pitchFamily="49" charset="0"/>
-                        </a:rPr>
-                        <a:t>            print('&gt; ', line[:-1]) </a:t>
-                      </a:r>
+                          <a:latin typeface="Courier New" panose="02070309020205020404" pitchFamily="49" charset="0"/>
+                          <a:cs typeface="Courier New" panose="02070309020205020404" pitchFamily="49" charset="0"/>
+                        </a:rPr>
+                        <a:t>            print('&gt; ', line, end='') </a:t>
+                      </a:r>
+                      <a:endParaRPr lang="en-US" sz="1800" b="1" dirty="0">
+                        <a:solidFill>
+                          <a:schemeClr val="tx1"/>
+                        </a:solidFill>
+                        <a:latin typeface="Courier New" panose="02070309020205020404" pitchFamily="49" charset="0"/>
+                        <a:cs typeface="Courier New" panose="02070309020205020404" pitchFamily="49" charset="0"/>
+                      </a:endParaRPr>
                     </a:p>
                     <a:p>
                       <a:r>
@@ -24034,6 +25245,26 @@
               </a:rPr>
               <a:t>with</a:t>
             </a:r>
+            <a:r>
+              <a:rPr lang="da-DK" dirty="0"/>
+              <a:t> (</a:t>
+            </a:r>
+            <a:r>
+              <a:rPr lang="da-DK" dirty="0" err="1"/>
+              <a:t>recommend</a:t>
+            </a:r>
+            <a:r>
+              <a:rPr lang="da-DK" dirty="0"/>
+              <a:t> </a:t>
+            </a:r>
+            <a:r>
+              <a:rPr lang="da-DK" dirty="0" err="1"/>
+              <a:t>way</a:t>
+            </a:r>
+            <a:r>
+              <a:rPr lang="da-DK" dirty="0"/>
+              <a:t>)</a:t>
+            </a:r>
             <a:endParaRPr lang="en-US" dirty="0">
               <a:latin typeface="Courier New" panose="02070309020205020404" pitchFamily="49" charset="0"/>
               <a:cs typeface="Courier New" panose="02070309020205020404" pitchFamily="49" charset="0"/>
@@ -24051,7 +25282,7 @@
             <p:ph idx="1"/>
             <p:extLst>
               <p:ext uri="{D42A27DB-BD31-4B8C-83A1-F6EECF244321}">
-                <p14:modId xmlns:p14="http://schemas.microsoft.com/office/powerpoint/2010/main" val="2777836684"/>
+                <p14:modId xmlns:p14="http://schemas.microsoft.com/office/powerpoint/2010/main" val="714660625"/>
               </p:ext>
             </p:extLst>
           </p:nvPr>
@@ -24257,7 +25488,7 @@
                           <a:latin typeface="Courier New" panose="02070309020205020404" pitchFamily="49" charset="0"/>
                           <a:cs typeface="Courier New" panose="02070309020205020404" pitchFamily="49" charset="0"/>
                         </a:rPr>
-                        <a:t>        print('&gt; ', line[:-1]) </a:t>
+                        <a:t>        print('&gt; ', line, end='')</a:t>
                       </a:r>
                     </a:p>
                   </a:txBody>
@@ -24523,37 +25754,21 @@
             </a:pPr>
             <a:r>
               <a:rPr lang="da-DK" sz="2400" dirty="0"/>
-              <a:t>The </a:t>
-            </a:r>
-            <a:r>
-              <a:rPr lang="da-DK" sz="2400" dirty="0" err="1"/>
-              <a:t>Python</a:t>
-            </a:r>
-            <a:r>
-              <a:rPr lang="da-DK" sz="2400" dirty="0"/>
-              <a:t> </a:t>
+              <a:t>The Python </a:t>
             </a:r>
             <a:r>
               <a:rPr lang="da-DK" sz="2400" dirty="0" err="1"/>
               <a:t>keyword</a:t>
             </a:r>
             <a:r>
-              <a:rPr lang="da-DK" sz="2400" dirty="0"/>
-              <a:t> </a:t>
-            </a:r>
-            <a:r>
-              <a:rPr lang="da-DK" sz="2400" b="1" dirty="0">
+              <a:rPr lang="da-DK" sz="2400" dirty="0">
                 <a:solidFill>
                   <a:srgbClr val="C00000"/>
                 </a:solidFill>
                 <a:latin typeface="Courier New" panose="02070309020205020404" pitchFamily="49" charset="0"/>
                 <a:cs typeface="Courier New" panose="02070309020205020404" pitchFamily="49" charset="0"/>
               </a:rPr>
-              <a:t>with</a:t>
-            </a:r>
-            <a:r>
-              <a:rPr lang="da-DK" sz="2400" dirty="0"/>
-              <a:t> </a:t>
+              <a:t> with </a:t>
             </a:r>
             <a:r>
               <a:rPr lang="da-DK" sz="2400" dirty="0" err="1"/>
@@ -24572,16 +25787,32 @@
               <a:t> a </a:t>
             </a:r>
             <a:r>
-              <a:rPr lang="da-DK" sz="2400" i="1" dirty="0" err="1"/>
+              <a:rPr lang="da-DK" sz="2400" i="1" dirty="0" err="1">
+                <a:solidFill>
+                  <a:srgbClr val="C00000"/>
+                </a:solidFill>
+              </a:rPr>
               <a:t>context</a:t>
             </a:r>
             <a:r>
-              <a:rPr lang="da-DK" sz="2400" i="1" dirty="0"/>
+              <a:rPr lang="da-DK" sz="2400" i="1" dirty="0">
+                <a:solidFill>
+                  <a:srgbClr val="C00000"/>
+                </a:solidFill>
+              </a:rPr>
               <a:t> manager</a:t>
             </a:r>
             <a:r>
+              <a:rPr lang="da-DK" sz="2400" dirty="0">
+                <a:solidFill>
+                  <a:srgbClr val="C00000"/>
+                </a:solidFill>
+              </a:rPr>
+              <a:t> </a:t>
+            </a:r>
+            <a:r>
               <a:rPr lang="da-DK" sz="2400" dirty="0"/>
-              <a:t> for handling files</a:t>
+              <a:t>for handling files</a:t>
             </a:r>
           </a:p>
           <a:p>
@@ -24591,74 +25822,74 @@
               </a:spcAft>
             </a:pPr>
             <a:r>
-              <a:rPr lang="da-DK" sz="2400" i="1" dirty="0" err="1"/>
+              <a:rPr lang="da-DK" sz="2400" dirty="0" err="1"/>
               <a:t>Filehandle</a:t>
             </a:r>
             <a:r>
-              <a:rPr lang="da-DK" sz="2400" i="1" dirty="0"/>
+              <a:rPr lang="da-DK" sz="2400" dirty="0"/>
               <a:t> </a:t>
             </a:r>
             <a:r>
-              <a:rPr lang="da-DK" sz="2400" i="1" dirty="0" err="1"/>
+              <a:rPr lang="da-DK" sz="2400" dirty="0" err="1"/>
               <a:t>will</a:t>
             </a:r>
             <a:r>
-              <a:rPr lang="da-DK" sz="2400" i="1" dirty="0"/>
+              <a:rPr lang="da-DK" sz="2400" dirty="0"/>
               <a:t> </a:t>
             </a:r>
             <a:r>
-              <a:rPr lang="da-DK" sz="2400" i="1" dirty="0" err="1"/>
+              <a:rPr lang="da-DK" sz="2400" dirty="0" err="1"/>
               <a:t>automatically</a:t>
             </a:r>
             <a:r>
-              <a:rPr lang="da-DK" sz="2400" i="1" dirty="0"/>
+              <a:rPr lang="da-DK" sz="2400" dirty="0"/>
               <a:t> </a:t>
             </a:r>
             <a:r>
-              <a:rPr lang="da-DK" sz="2400" i="1" dirty="0" err="1"/>
+              <a:rPr lang="da-DK" sz="2400" dirty="0" err="1"/>
               <a:t>be</a:t>
             </a:r>
             <a:r>
-              <a:rPr lang="da-DK" sz="2400" i="1" dirty="0"/>
+              <a:rPr lang="da-DK" sz="2400" dirty="0"/>
               <a:t> </a:t>
             </a:r>
             <a:r>
-              <a:rPr lang="da-DK" sz="2400" i="1" dirty="0" err="1"/>
+              <a:rPr lang="da-DK" sz="2400" dirty="0" err="1"/>
               <a:t>closed</a:t>
             </a:r>
             <a:r>
-              <a:rPr lang="da-DK" sz="2400" i="1" dirty="0"/>
+              <a:rPr lang="da-DK" sz="2400" dirty="0"/>
               <a:t>, </a:t>
             </a:r>
             <a:r>
-              <a:rPr lang="da-DK" sz="2400" i="1" dirty="0" err="1"/>
+              <a:rPr lang="da-DK" sz="2400" dirty="0" err="1"/>
               <a:t>also</a:t>
             </a:r>
             <a:r>
-              <a:rPr lang="da-DK" sz="2400" i="1" dirty="0"/>
+              <a:rPr lang="da-DK" sz="2400" dirty="0"/>
               <a:t> </a:t>
             </a:r>
             <a:r>
-              <a:rPr lang="da-DK" sz="2400" i="1" dirty="0" err="1"/>
+              <a:rPr lang="da-DK" sz="2400" dirty="0" err="1"/>
               <a:t>when</a:t>
             </a:r>
             <a:r>
-              <a:rPr lang="da-DK" sz="2400" i="1" dirty="0"/>
+              <a:rPr lang="da-DK" sz="2400" dirty="0"/>
               <a:t> </a:t>
             </a:r>
             <a:r>
-              <a:rPr lang="da-DK" sz="2400" i="1" dirty="0" err="1"/>
+              <a:rPr lang="da-DK" sz="2400" dirty="0" err="1"/>
               <a:t>exceptions</a:t>
             </a:r>
             <a:r>
-              <a:rPr lang="da-DK" sz="2400" i="1" dirty="0"/>
+              <a:rPr lang="da-DK" sz="2400" dirty="0"/>
               <a:t> </a:t>
             </a:r>
             <a:r>
-              <a:rPr lang="da-DK" sz="2400" i="1" dirty="0" err="1"/>
+              <a:rPr lang="da-DK" sz="2400" dirty="0" err="1"/>
               <a:t>occur</a:t>
             </a:r>
-            <a:endParaRPr lang="da-DK" sz="2400" i="1" dirty="0"/>
+            <a:endParaRPr lang="da-DK" sz="2400" dirty="0"/>
           </a:p>
           <a:p>
             <a:pPr>
@@ -24668,15 +25899,7 @@
             </a:pPr>
             <a:r>
               <a:rPr lang="da-DK" sz="2400" dirty="0"/>
-              <a:t>Under the </a:t>
-            </a:r>
-            <a:r>
-              <a:rPr lang="da-DK" sz="2400" dirty="0" err="1"/>
-              <a:t>hood</a:t>
-            </a:r>
-            <a:r>
-              <a:rPr lang="da-DK" sz="2400" dirty="0"/>
-              <a:t>: </a:t>
+              <a:t>Under the hood: </a:t>
             </a:r>
             <a:r>
               <a:rPr lang="da-DK" sz="2400" dirty="0" err="1"/>
@@ -24695,54 +25918,36 @@
             </a:br>
             <a:r>
               <a:rPr lang="da-DK" sz="2400" dirty="0"/>
-              <a:t>by </a:t>
+              <a:t>by</a:t>
             </a:r>
             <a:r>
               <a:rPr lang="da-DK" sz="2400" dirty="0">
                 <a:latin typeface="Courier New" panose="02070309020205020404" pitchFamily="49" charset="0"/>
                 <a:cs typeface="Courier New" panose="02070309020205020404" pitchFamily="49" charset="0"/>
               </a:rPr>
-              <a:t>open()</a:t>
+              <a:t> open </a:t>
             </a:r>
             <a:r>
               <a:rPr lang="da-DK" sz="2400" dirty="0"/>
-              <a:t> support </a:t>
+              <a:t>support</a:t>
             </a:r>
             <a:r>
               <a:rPr lang="da-DK" sz="2400" dirty="0">
                 <a:latin typeface="Courier New" panose="02070309020205020404" pitchFamily="49" charset="0"/>
                 <a:cs typeface="Courier New" panose="02070309020205020404" pitchFamily="49" charset="0"/>
               </a:rPr>
-              <a:t>__</a:t>
-            </a:r>
-            <a:r>
-              <a:rPr lang="da-DK" sz="2400" dirty="0" err="1">
-                <a:latin typeface="Courier New" panose="02070309020205020404" pitchFamily="49" charset="0"/>
-                <a:cs typeface="Courier New" panose="02070309020205020404" pitchFamily="49" charset="0"/>
-              </a:rPr>
-              <a:t>enter</a:t>
+              <a:t> __enter__ </a:t>
+            </a:r>
+            <a:r>
+              <a:rPr lang="da-DK" sz="2400" dirty="0"/>
+              <a:t>and </a:t>
             </a:r>
             <a:r>
               <a:rPr lang="da-DK" sz="2400" dirty="0">
                 <a:latin typeface="Courier New" panose="02070309020205020404" pitchFamily="49" charset="0"/>
                 <a:cs typeface="Courier New" panose="02070309020205020404" pitchFamily="49" charset="0"/>
               </a:rPr>
-              <a:t>__() </a:t>
-            </a:r>
-            <a:r>
-              <a:rPr lang="da-DK" sz="2400" dirty="0"/>
-              <a:t>and </a:t>
-            </a:r>
-            <a:r>
-              <a:rPr lang="da-DK" sz="2400" dirty="0">
-                <a:latin typeface="Courier New" panose="02070309020205020404" pitchFamily="49" charset="0"/>
-                <a:cs typeface="Courier New" panose="02070309020205020404" pitchFamily="49" charset="0"/>
-              </a:rPr>
-              <a:t>__exit__()</a:t>
-            </a:r>
-            <a:r>
-              <a:rPr lang="da-DK" sz="2400" dirty="0"/>
-              <a:t> </a:t>
+              <a:t>__exit__ </a:t>
             </a:r>
             <a:r>
               <a:rPr lang="da-DK" sz="2400" dirty="0" err="1"/>
@@ -25004,6 +26209,45 @@
           </a:p>
         </p:txBody>
       </p:sp>
+      <p:sp>
+        <p:nvSpPr>
+          <p:cNvPr id="9" name="TextBox 8">
+            <a:extLst>
+              <a:ext uri="{FF2B5EF4-FFF2-40B4-BE49-F238E27FC236}">
+                <a16:creationId xmlns:a16="http://schemas.microsoft.com/office/drawing/2014/main" id="{F903A0C6-1686-30B7-790B-EA7C3EC20FFE}"/>
+              </a:ext>
+            </a:extLst>
+          </p:cNvPr>
+          <p:cNvSpPr txBox="1"/>
+          <p:nvPr/>
+        </p:nvSpPr>
+        <p:spPr>
+          <a:xfrm>
+            <a:off x="4750111" y="6367870"/>
+            <a:ext cx="7292641" cy="369332"/>
+          </a:xfrm>
+          <a:prstGeom prst="rect">
+            <a:avLst/>
+          </a:prstGeom>
+          <a:noFill/>
+        </p:spPr>
+        <p:txBody>
+          <a:bodyPr wrap="square">
+            <a:spAutoFit/>
+          </a:bodyPr>
+          <a:lstStyle/>
+          <a:p>
+            <a:pPr algn="r"/>
+            <a:r>
+              <a:rPr lang="da-DK" dirty="0">
+                <a:hlinkClick r:id="rId3"/>
+              </a:rPr>
+              <a:t>docs.python.org/3/library/stdtypes.html#typecontextmanager</a:t>
+            </a:r>
+            <a:endParaRPr lang="da-DK" dirty="0"/>
+          </a:p>
+        </p:txBody>
+      </p:sp>
     </p:spTree>
     <p:extLst>
       <p:ext uri="{BB962C8B-B14F-4D97-AF65-F5344CB8AC3E}">
@@ -25082,11 +26326,13 @@
         <p:spPr>
           <a:xfrm>
             <a:off x="838200" y="3023804"/>
-            <a:ext cx="4753303" cy="1295947"/>
+            <a:ext cx="4955005" cy="1295947"/>
           </a:xfrm>
         </p:spPr>
         <p:txBody>
-          <a:bodyPr/>
+          <a:bodyPr>
+            <a:normAutofit/>
+          </a:bodyPr>
           <a:lstStyle/>
           <a:p>
             <a:r>
@@ -25094,7 +26340,10 @@
               <a:t>Module</a:t>
             </a:r>
             <a:r>
-              <a:rPr lang="da-DK" dirty="0"/>
+              <a:rPr lang="da-DK" dirty="0">
+                <a:latin typeface="Courier New" panose="02070309020205020404" pitchFamily="49" charset="0"/>
+                <a:cs typeface="Courier New" panose="02070309020205020404" pitchFamily="49" charset="0"/>
+              </a:rPr>
               <a:t> </a:t>
             </a:r>
             <a:r>
@@ -25105,7 +26354,10 @@
               <a:t>os.path</a:t>
             </a:r>
             <a:r>
-              <a:rPr lang="da-DK" dirty="0"/>
+              <a:rPr lang="da-DK" dirty="0">
+                <a:latin typeface="Courier New" panose="02070309020205020404" pitchFamily="49" charset="0"/>
+                <a:cs typeface="Courier New" panose="02070309020205020404" pitchFamily="49" charset="0"/>
+              </a:rPr>
               <a:t> </a:t>
             </a:r>
             <a:r>
@@ -25121,7 +26373,10 @@
               <a:t>method</a:t>
             </a:r>
             <a:r>
-              <a:rPr lang="da-DK" dirty="0"/>
+              <a:rPr lang="da-DK" dirty="0">
+                <a:latin typeface="Courier New" panose="02070309020205020404" pitchFamily="49" charset="0"/>
+                <a:cs typeface="Courier New" panose="02070309020205020404" pitchFamily="49" charset="0"/>
+              </a:rPr>
               <a:t> </a:t>
             </a:r>
             <a:r>
@@ -25132,8 +26387,15 @@
               <a:t>isfile</a:t>
             </a:r>
             <a:r>
+              <a:rPr lang="da-DK" dirty="0">
+                <a:latin typeface="Courier New" panose="02070309020205020404" pitchFamily="49" charset="0"/>
+                <a:cs typeface="Courier New" panose="02070309020205020404" pitchFamily="49" charset="0"/>
+              </a:rPr>
+              <a:t> </a:t>
+            </a:r>
+            <a:r>
               <a:rPr lang="da-DK" dirty="0"/>
-              <a:t> to check if a file </a:t>
+              <a:t>to check if a file </a:t>
             </a:r>
             <a:r>
               <a:rPr lang="da-DK" dirty="0" err="1"/>
@@ -27111,7 +28373,7 @@
             </a:r>
             <a:r>
               <a:rPr lang="en-US" dirty="0"/>
-              <a:t>necessary.</a:t>
+              <a:t>necessary</a:t>
             </a:r>
           </a:p>
           <a:p>
@@ -27147,49 +28409,80 @@
             </a:r>
             <a:r>
               <a:rPr lang="en-US" dirty="0"/>
-              <a:t> on your exception names (if the exception actually is an error)</a:t>
+              <a:t> on your exception names</a:t>
+            </a:r>
+            <a:br>
+              <a:rPr lang="en-US" dirty="0"/>
+            </a:br>
+            <a:r>
+              <a:rPr lang="en-US" dirty="0"/>
+              <a:t>(if the exception actually is an error)</a:t>
             </a:r>
           </a:p>
           <a:p>
             <a:r>
               <a:rPr lang="en-US" dirty="0"/>
-              <a:t>A bare </a:t>
-            </a:r>
-            <a:r>
-              <a:rPr lang="en-US" b="1" dirty="0">
+              <a:t>A bare</a:t>
+            </a:r>
+            <a:r>
+              <a:rPr lang="en-US" dirty="0">
                 <a:solidFill>
                   <a:srgbClr val="C00000"/>
                 </a:solidFill>
                 <a:latin typeface="Courier New" panose="02070309020205020404" pitchFamily="49" charset="0"/>
                 <a:cs typeface="Courier New" panose="02070309020205020404" pitchFamily="49" charset="0"/>
               </a:rPr>
-              <a:t>except:</a:t>
+              <a:t> except: </a:t>
             </a:r>
             <a:r>
               <a:rPr lang="en-US" dirty="0"/>
-              <a:t> clause will catch </a:t>
-            </a:r>
-            <a:r>
-              <a:rPr lang="en-US" b="1" dirty="0" err="1">
+              <a:t>clause will catch</a:t>
+            </a:r>
+            <a:r>
+              <a:rPr lang="en-US" dirty="0">
+                <a:solidFill>
+                  <a:srgbClr val="C00000"/>
+                </a:solidFill>
+                <a:latin typeface="Courier New" panose="02070309020205020404" pitchFamily="49" charset="0"/>
+                <a:cs typeface="Courier New" panose="02070309020205020404" pitchFamily="49" charset="0"/>
+              </a:rPr>
+              <a:t> </a:t>
+            </a:r>
+            <a:r>
+              <a:rPr lang="en-US" dirty="0" err="1">
                 <a:latin typeface="Courier New" panose="02070309020205020404" pitchFamily="49" charset="0"/>
                 <a:cs typeface="Courier New" panose="02070309020205020404" pitchFamily="49" charset="0"/>
               </a:rPr>
               <a:t>SystemExit</a:t>
             </a:r>
             <a:r>
-              <a:rPr lang="en-US" dirty="0"/>
-              <a:t> and </a:t>
-            </a:r>
-            <a:r>
-              <a:rPr lang="en-US" b="1" dirty="0" err="1">
+              <a:rPr lang="en-US">
+                <a:latin typeface="Courier New" panose="02070309020205020404" pitchFamily="49" charset="0"/>
+                <a:cs typeface="Courier New" panose="02070309020205020404" pitchFamily="49" charset="0"/>
+              </a:rPr>
+              <a:t> </a:t>
+            </a:r>
+            <a:r>
+              <a:rPr lang="en-US"/>
+              <a:t>and </a:t>
+            </a:r>
+            <a:r>
+              <a:rPr lang="en-US" dirty="0" err="1">
                 <a:latin typeface="Courier New" panose="02070309020205020404" pitchFamily="49" charset="0"/>
                 <a:cs typeface="Courier New" panose="02070309020205020404" pitchFamily="49" charset="0"/>
               </a:rPr>
               <a:t>KeyboardInterrupt</a:t>
             </a:r>
             <a:r>
+              <a:rPr lang="en-US" dirty="0">
+                <a:latin typeface="Courier New" panose="02070309020205020404" pitchFamily="49" charset="0"/>
+                <a:cs typeface="Courier New" panose="02070309020205020404" pitchFamily="49" charset="0"/>
+              </a:rPr>
+              <a:t> </a:t>
+            </a:r>
+            <a:r>
               <a:rPr lang="en-US" dirty="0"/>
-              <a:t> exceptions, making it harder to interrupt a program with Control-C, and can disguise other problems. </a:t>
+              <a:t>exceptions, making it harder to interrupt a program with Control-C, and can disguise other problems. </a:t>
             </a:r>
             <a:br>
               <a:rPr lang="en-US" dirty="0"/>
@@ -27207,7 +28500,7 @@
               <a:t> </a:t>
             </a:r>
             <a:r>
-              <a:rPr lang="en-US" b="1" dirty="0">
+              <a:rPr lang="en-US" dirty="0">
                 <a:solidFill>
                   <a:srgbClr val="C00000"/>
                 </a:solidFill>
@@ -33148,7 +34441,7 @@
           <p:nvPr>
             <p:extLst>
               <p:ext uri="{D42A27DB-BD31-4B8C-83A1-F6EECF244321}">
-                <p14:modId xmlns:p14="http://schemas.microsoft.com/office/powerpoint/2010/main" val="2285908119"/>
+                <p14:modId xmlns:p14="http://schemas.microsoft.com/office/powerpoint/2010/main" val="3311471746"/>
               </p:ext>
             </p:extLst>
           </p:nvPr>
@@ -33440,7 +34733,7 @@
                           <a:latin typeface="Courier New" panose="02070309020205020404" pitchFamily="49" charset="0"/>
                           <a:cs typeface="Courier New" panose="02070309020205020404" pitchFamily="49" charset="0"/>
                         </a:rPr>
-                        <a:t>L = list(range(1000000000))</a:t>
+                        <a:t>L = [1] * 10_000_000_000</a:t>
                       </a:r>
                     </a:p>
                     <a:p>

--- a/ipsa/slides/exceptions.pptx
+++ b/ipsa/slides/exceptions.pptx
@@ -156,7 +156,7 @@
   <pc:docChgLst>
     <pc:chgData name="Gerth Stølting Brodal" userId="04ef4784-6591-4f86-a140-f5c3b108582a" providerId="ADAL" clId="{D404FE24-4761-49EE-88D6-CDB48199D24C}"/>
     <pc:docChg chg="undo redo custSel addSld delSld modSld">
-      <pc:chgData name="Gerth Stølting Brodal" userId="04ef4784-6591-4f86-a140-f5c3b108582a" providerId="ADAL" clId="{D404FE24-4761-49EE-88D6-CDB48199D24C}" dt="2023-03-12T22:12:54.872" v="1662" actId="6549"/>
+      <pc:chgData name="Gerth Stølting Brodal" userId="04ef4784-6591-4f86-a140-f5c3b108582a" providerId="ADAL" clId="{D404FE24-4761-49EE-88D6-CDB48199D24C}" dt="2023-03-13T10:16:49.555" v="1671" actId="207"/>
       <pc:docMkLst>
         <pc:docMk/>
       </pc:docMkLst>
@@ -532,12 +532,20 @@
           </ac:spMkLst>
         </pc:spChg>
       </pc:sldChg>
-      <pc:sldChg chg="modNotesTx">
-        <pc:chgData name="Gerth Stølting Brodal" userId="04ef4784-6591-4f86-a140-f5c3b108582a" providerId="ADAL" clId="{D404FE24-4761-49EE-88D6-CDB48199D24C}" dt="2023-03-12T20:10:23.737" v="897" actId="113"/>
+      <pc:sldChg chg="modSp mod modNotesTx">
+        <pc:chgData name="Gerth Stølting Brodal" userId="04ef4784-6591-4f86-a140-f5c3b108582a" providerId="ADAL" clId="{D404FE24-4761-49EE-88D6-CDB48199D24C}" dt="2023-03-13T10:16:49.555" v="1671" actId="207"/>
         <pc:sldMkLst>
           <pc:docMk/>
           <pc:sldMk cId="3983956302" sldId="727"/>
         </pc:sldMkLst>
+        <pc:graphicFrameChg chg="modGraphic">
+          <ac:chgData name="Gerth Stølting Brodal" userId="04ef4784-6591-4f86-a140-f5c3b108582a" providerId="ADAL" clId="{D404FE24-4761-49EE-88D6-CDB48199D24C}" dt="2023-03-13T10:16:49.555" v="1671" actId="207"/>
+          <ac:graphicFrameMkLst>
+            <pc:docMk/>
+            <pc:sldMk cId="3983956302" sldId="727"/>
+            <ac:graphicFrameMk id="6" creationId="{00000000-0000-0000-0000-000000000000}"/>
+          </ac:graphicFrameMkLst>
+        </pc:graphicFrameChg>
       </pc:sldChg>
       <pc:sldChg chg="modSp mod">
         <pc:chgData name="Gerth Stølting Brodal" userId="04ef4784-6591-4f86-a140-f5c3b108582a" providerId="ADAL" clId="{D404FE24-4761-49EE-88D6-CDB48199D24C}" dt="2023-03-12T21:29:22.136" v="1639" actId="2711"/>
@@ -555,7 +563,7 @@
         </pc:spChg>
       </pc:sldChg>
       <pc:sldChg chg="modSp mod">
-        <pc:chgData name="Gerth Stølting Brodal" userId="04ef4784-6591-4f86-a140-f5c3b108582a" providerId="ADAL" clId="{D404FE24-4761-49EE-88D6-CDB48199D24C}" dt="2023-03-12T21:29:37.873" v="1643" actId="14100"/>
+        <pc:chgData name="Gerth Stølting Brodal" userId="04ef4784-6591-4f86-a140-f5c3b108582a" providerId="ADAL" clId="{D404FE24-4761-49EE-88D6-CDB48199D24C}" dt="2023-03-13T10:12:02.216" v="1670" actId="20577"/>
         <pc:sldMkLst>
           <pc:docMk/>
           <pc:sldMk cId="1881171177" sldId="729"/>
@@ -569,7 +577,7 @@
           </ac:spMkLst>
         </pc:spChg>
         <pc:graphicFrameChg chg="mod modGraphic">
-          <ac:chgData name="Gerth Stølting Brodal" userId="04ef4784-6591-4f86-a140-f5c3b108582a" providerId="ADAL" clId="{D404FE24-4761-49EE-88D6-CDB48199D24C}" dt="2023-03-12T20:26:55.374" v="924" actId="1076"/>
+          <ac:chgData name="Gerth Stølting Brodal" userId="04ef4784-6591-4f86-a140-f5c3b108582a" providerId="ADAL" clId="{D404FE24-4761-49EE-88D6-CDB48199D24C}" dt="2023-03-13T10:12:02.216" v="1670" actId="20577"/>
           <ac:graphicFrameMkLst>
             <pc:docMk/>
             <pc:sldMk cId="1881171177" sldId="729"/>
@@ -586,13 +594,13 @@
         </pc:picChg>
       </pc:sldChg>
       <pc:sldChg chg="modSp mod modNotesTx">
-        <pc:chgData name="Gerth Stølting Brodal" userId="04ef4784-6591-4f86-a140-f5c3b108582a" providerId="ADAL" clId="{D404FE24-4761-49EE-88D6-CDB48199D24C}" dt="2023-03-12T20:36:14.326" v="1089" actId="113"/>
+        <pc:chgData name="Gerth Stølting Brodal" userId="04ef4784-6591-4f86-a140-f5c3b108582a" providerId="ADAL" clId="{D404FE24-4761-49EE-88D6-CDB48199D24C}" dt="2023-03-13T10:11:51.777" v="1666" actId="20577"/>
         <pc:sldMkLst>
           <pc:docMk/>
           <pc:sldMk cId="4113973945" sldId="730"/>
         </pc:sldMkLst>
         <pc:graphicFrameChg chg="mod modGraphic">
-          <ac:chgData name="Gerth Stølting Brodal" userId="04ef4784-6591-4f86-a140-f5c3b108582a" providerId="ADAL" clId="{D404FE24-4761-49EE-88D6-CDB48199D24C}" dt="2023-03-12T20:32:48.139" v="1009" actId="20577"/>
+          <ac:chgData name="Gerth Stølting Brodal" userId="04ef4784-6591-4f86-a140-f5c3b108582a" providerId="ADAL" clId="{D404FE24-4761-49EE-88D6-CDB48199D24C}" dt="2023-03-13T10:11:51.777" v="1666" actId="20577"/>
           <ac:graphicFrameMkLst>
             <pc:docMk/>
             <pc:sldMk cId="4113973945" sldId="730"/>
@@ -990,7 +998,7 @@
           <a:p>
             <a:fld id="{FB1A172F-81D4-4DC4-9113-1DBD56EC3646}" type="datetimeFigureOut">
               <a:rPr lang="en-US" smtClean="0"/>
-              <a:t>3/12/2023</a:t>
+              <a:t>3/13/2023</a:t>
             </a:fld>
             <a:endParaRPr lang="en-US"/>
           </a:p>
@@ -3222,7 +3230,7 @@
           <a:p>
             <a:fld id="{0560A9CD-0304-4E0B-9E82-E7E0115DE05B}" type="datetimeFigureOut">
               <a:rPr lang="en-US" smtClean="0"/>
-              <a:t>3/12/2023</a:t>
+              <a:t>3/13/2023</a:t>
             </a:fld>
             <a:endParaRPr lang="en-US"/>
           </a:p>
@@ -3390,7 +3398,7 @@
           <a:p>
             <a:fld id="{0560A9CD-0304-4E0B-9E82-E7E0115DE05B}" type="datetimeFigureOut">
               <a:rPr lang="en-US" smtClean="0"/>
-              <a:t>3/12/2023</a:t>
+              <a:t>3/13/2023</a:t>
             </a:fld>
             <a:endParaRPr lang="en-US"/>
           </a:p>
@@ -3568,7 +3576,7 @@
           <a:p>
             <a:fld id="{0560A9CD-0304-4E0B-9E82-E7E0115DE05B}" type="datetimeFigureOut">
               <a:rPr lang="en-US" smtClean="0"/>
-              <a:t>3/12/2023</a:t>
+              <a:t>3/13/2023</a:t>
             </a:fld>
             <a:endParaRPr lang="en-US"/>
           </a:p>
@@ -3751,7 +3759,7 @@
           <a:p>
             <a:fld id="{0560A9CD-0304-4E0B-9E82-E7E0115DE05B}" type="datetimeFigureOut">
               <a:rPr lang="en-US" smtClean="0"/>
-              <a:t>3/12/2023</a:t>
+              <a:t>3/13/2023</a:t>
             </a:fld>
             <a:endParaRPr lang="en-US"/>
           </a:p>
@@ -3996,7 +4004,7 @@
           <a:p>
             <a:fld id="{0560A9CD-0304-4E0B-9E82-E7E0115DE05B}" type="datetimeFigureOut">
               <a:rPr lang="en-US" smtClean="0"/>
-              <a:t>3/12/2023</a:t>
+              <a:t>3/13/2023</a:t>
             </a:fld>
             <a:endParaRPr lang="en-US"/>
           </a:p>
@@ -4225,7 +4233,7 @@
           <a:p>
             <a:fld id="{0560A9CD-0304-4E0B-9E82-E7E0115DE05B}" type="datetimeFigureOut">
               <a:rPr lang="en-US" smtClean="0"/>
-              <a:t>3/12/2023</a:t>
+              <a:t>3/13/2023</a:t>
             </a:fld>
             <a:endParaRPr lang="en-US"/>
           </a:p>
@@ -4589,7 +4597,7 @@
           <a:p>
             <a:fld id="{0560A9CD-0304-4E0B-9E82-E7E0115DE05B}" type="datetimeFigureOut">
               <a:rPr lang="en-US" smtClean="0"/>
-              <a:t>3/12/2023</a:t>
+              <a:t>3/13/2023</a:t>
             </a:fld>
             <a:endParaRPr lang="en-US"/>
           </a:p>
@@ -4706,7 +4714,7 @@
           <a:p>
             <a:fld id="{0560A9CD-0304-4E0B-9E82-E7E0115DE05B}" type="datetimeFigureOut">
               <a:rPr lang="en-US" smtClean="0"/>
-              <a:t>3/12/2023</a:t>
+              <a:t>3/13/2023</a:t>
             </a:fld>
             <a:endParaRPr lang="en-US"/>
           </a:p>
@@ -4801,7 +4809,7 @@
           <a:p>
             <a:fld id="{0560A9CD-0304-4E0B-9E82-E7E0115DE05B}" type="datetimeFigureOut">
               <a:rPr lang="en-US" smtClean="0"/>
-              <a:t>3/12/2023</a:t>
+              <a:t>3/13/2023</a:t>
             </a:fld>
             <a:endParaRPr lang="en-US"/>
           </a:p>
@@ -5076,7 +5084,7 @@
           <a:p>
             <a:fld id="{0560A9CD-0304-4E0B-9E82-E7E0115DE05B}" type="datetimeFigureOut">
               <a:rPr lang="en-US" smtClean="0"/>
-              <a:t>3/12/2023</a:t>
+              <a:t>3/13/2023</a:t>
             </a:fld>
             <a:endParaRPr lang="en-US"/>
           </a:p>
@@ -5328,7 +5336,7 @@
           <a:p>
             <a:fld id="{0560A9CD-0304-4E0B-9E82-E7E0115DE05B}" type="datetimeFigureOut">
               <a:rPr lang="en-US" smtClean="0"/>
-              <a:t>3/12/2023</a:t>
+              <a:t>3/13/2023</a:t>
             </a:fld>
             <a:endParaRPr lang="en-US"/>
           </a:p>
@@ -5539,7 +5547,7 @@
           <a:p>
             <a:fld id="{0560A9CD-0304-4E0B-9E82-E7E0115DE05B}" type="datetimeFigureOut">
               <a:rPr lang="en-US" smtClean="0"/>
-              <a:t>3/12/2023</a:t>
+              <a:t>3/13/2023</a:t>
             </a:fld>
             <a:endParaRPr lang="en-US"/>
           </a:p>
@@ -12488,7 +12496,7 @@
           <p:nvPr>
             <p:extLst>
               <p:ext uri="{D42A27DB-BD31-4B8C-83A1-F6EECF244321}">
-                <p14:modId xmlns:p14="http://schemas.microsoft.com/office/powerpoint/2010/main" val="4255274040"/>
+                <p14:modId xmlns:p14="http://schemas.microsoft.com/office/powerpoint/2010/main" val="652840844"/>
               </p:ext>
             </p:extLst>
           </p:nvPr>
@@ -12784,10 +12792,20 @@
                       </a:r>
                       <a:r>
                         <a:rPr lang="pt-BR" sz="1600" b="1" baseline="0" dirty="0">
-                          <a:latin typeface="Courier New" panose="02070309020205020404" pitchFamily="49" charset="0"/>
-                          <a:cs typeface="Courier New" panose="02070309020205020404" pitchFamily="49" charset="0"/>
-                        </a:rPr>
-                        <a:t>raise </a:t>
+                          <a:solidFill>
+                            <a:srgbClr val="C00000"/>
+                          </a:solidFill>
+                          <a:latin typeface="Courier New" panose="02070309020205020404" pitchFamily="49" charset="0"/>
+                          <a:cs typeface="Courier New" panose="02070309020205020404" pitchFamily="49" charset="0"/>
+                        </a:rPr>
+                        <a:t>raise</a:t>
+                      </a:r>
+                      <a:r>
+                        <a:rPr lang="pt-BR" sz="1600" b="1" baseline="0" dirty="0">
+                          <a:latin typeface="Courier New" panose="02070309020205020404" pitchFamily="49" charset="0"/>
+                          <a:cs typeface="Courier New" panose="02070309020205020404" pitchFamily="49" charset="0"/>
+                        </a:rPr>
+                        <a:t> </a:t>
                       </a:r>
                       <a:r>
                         <a:rPr lang="pt-BR" sz="1600" b="1" baseline="0" dirty="0">
@@ -17023,7 +17041,7 @@
           <p:nvPr>
             <p:extLst>
               <p:ext uri="{D42A27DB-BD31-4B8C-83A1-F6EECF244321}">
-                <p14:modId xmlns:p14="http://schemas.microsoft.com/office/powerpoint/2010/main" val="842693341"/>
+                <p14:modId xmlns:p14="http://schemas.microsoft.com/office/powerpoint/2010/main" val="193006586"/>
               </p:ext>
             </p:extLst>
           </p:nvPr>
@@ -17763,7 +17781,7 @@
                           <a:latin typeface="Courier New" panose="02070309020205020404" pitchFamily="49" charset="0"/>
                           <a:cs typeface="Courier New" panose="02070309020205020404" pitchFamily="49" charset="0"/>
                         </a:rPr>
-                        <a:t>        return 'sequence starting with 1 and 2, and tail ' + str(x)</a:t>
+                        <a:t>        return 'sequence starting with 0 and 1, and tail ' + str(x)</a:t>
                       </a:r>
                     </a:p>
                     <a:p>
@@ -19603,7 +19621,7 @@
           <p:nvPr>
             <p:extLst>
               <p:ext uri="{D42A27DB-BD31-4B8C-83A1-F6EECF244321}">
-                <p14:modId xmlns:p14="http://schemas.microsoft.com/office/powerpoint/2010/main" val="924347417"/>
+                <p14:modId xmlns:p14="http://schemas.microsoft.com/office/powerpoint/2010/main" val="1189516551"/>
               </p:ext>
             </p:extLst>
           </p:nvPr>
@@ -20080,7 +20098,7 @@
                           <a:latin typeface="Courier New" panose="02070309020205020404" pitchFamily="49" charset="0"/>
                           <a:cs typeface="Courier New" panose="02070309020205020404" pitchFamily="49" charset="0"/>
                         </a:rPr>
-                        <a:t>f((0, 1, 2, 3, 4, 5)) = 'sequence starting with 1 and 2, and tail [2, 3, 4, 5]'</a:t>
+                        <a:t>f((0, 1, 2, 3, 4, 5)) = 'sequence starting with 0 and 1, and tail [2, 3, 4, 5]'</a:t>
                       </a:r>
                     </a:p>
                     <a:p>

--- a/ipsa/slides/exceptions.pptx
+++ b/ipsa/slides/exceptions.pptx
@@ -5,7 +5,7 @@
     <p:sldMasterId id="2147483648" r:id="rId1"/>
   </p:sldMasterIdLst>
   <p:notesMasterIdLst>
-    <p:notesMasterId r:id="rId31"/>
+    <p:notesMasterId r:id="rId32"/>
   </p:notesMasterIdLst>
   <p:sldIdLst>
     <p:sldId id="475" r:id="rId2"/>
@@ -24,19 +24,20 @@
     <p:sldId id="718" r:id="rId15"/>
     <p:sldId id="727" r:id="rId16"/>
     <p:sldId id="712" r:id="rId17"/>
-    <p:sldId id="720" r:id="rId18"/>
-    <p:sldId id="721" r:id="rId19"/>
-    <p:sldId id="710" r:id="rId20"/>
-    <p:sldId id="711" r:id="rId21"/>
-    <p:sldId id="709" r:id="rId22"/>
-    <p:sldId id="708" r:id="rId23"/>
-    <p:sldId id="724" r:id="rId24"/>
-    <p:sldId id="717" r:id="rId25"/>
-    <p:sldId id="726" r:id="rId26"/>
-    <p:sldId id="723" r:id="rId27"/>
-    <p:sldId id="728" r:id="rId28"/>
-    <p:sldId id="729" r:id="rId29"/>
-    <p:sldId id="730" r:id="rId30"/>
+    <p:sldId id="717" r:id="rId18"/>
+    <p:sldId id="720" r:id="rId19"/>
+    <p:sldId id="721" r:id="rId20"/>
+    <p:sldId id="710" r:id="rId21"/>
+    <p:sldId id="711" r:id="rId22"/>
+    <p:sldId id="709" r:id="rId23"/>
+    <p:sldId id="708" r:id="rId24"/>
+    <p:sldId id="724" r:id="rId25"/>
+    <p:sldId id="731" r:id="rId26"/>
+    <p:sldId id="726" r:id="rId27"/>
+    <p:sldId id="723" r:id="rId28"/>
+    <p:sldId id="728" r:id="rId29"/>
+    <p:sldId id="729" r:id="rId30"/>
+    <p:sldId id="730" r:id="rId31"/>
   </p:sldIdLst>
   <p:sldSz cx="12192000" cy="6858000"/>
   <p:notesSz cx="6858000" cy="9144000"/>
@@ -146,7 +147,7 @@
 <file path=ppt/revisionInfo.xml><?xml version="1.0" encoding="utf-8"?>
 <p1510:revInfo xmlns:a="http://schemas.openxmlformats.org/drawingml/2006/main" xmlns:r="http://schemas.openxmlformats.org/officeDocument/2006/relationships" xmlns:p1510="http://schemas.microsoft.com/office/powerpoint/2015/10/main">
   <p1510:revLst>
-    <p1510:client id="{0375A3B1-3E85-4265-A3F4-D5A88847E856}" v="1" dt="2024-03-10T19:32:20.746"/>
+    <p1510:client id="{A6A9A378-5A9C-494E-9AFF-D5467651EA49}" v="37" dt="2024-11-20T09:21:49.083"/>
   </p1510:revLst>
 </p1510:revInfo>
 </file>
@@ -1069,6 +1070,84 @@
       </pc:sldChg>
     </pc:docChg>
   </pc:docChgLst>
+  <pc:docChgLst>
+    <pc:chgData name="Gerth Stølting Brodal" userId="04ef4784-6591-4f86-a140-f5c3b108582a" providerId="ADAL" clId="{A6A9A378-5A9C-494E-9AFF-D5467651EA49}"/>
+    <pc:docChg chg="undo redo custSel addSld modSld sldOrd">
+      <pc:chgData name="Gerth Stølting Brodal" userId="04ef4784-6591-4f86-a140-f5c3b108582a" providerId="ADAL" clId="{A6A9A378-5A9C-494E-9AFF-D5467651EA49}" dt="2024-11-20T09:38:35.006" v="1025" actId="20577"/>
+      <pc:docMkLst>
+        <pc:docMk/>
+      </pc:docMkLst>
+      <pc:sldChg chg="modSp mod">
+        <pc:chgData name="Gerth Stølting Brodal" userId="04ef4784-6591-4f86-a140-f5c3b108582a" providerId="ADAL" clId="{A6A9A378-5A9C-494E-9AFF-D5467651EA49}" dt="2024-11-20T08:09:51.304" v="45" actId="20577"/>
+        <pc:sldMkLst>
+          <pc:docMk/>
+          <pc:sldMk cId="2905942797" sldId="711"/>
+        </pc:sldMkLst>
+        <pc:spChg chg="mod">
+          <ac:chgData name="Gerth Stølting Brodal" userId="04ef4784-6591-4f86-a140-f5c3b108582a" providerId="ADAL" clId="{A6A9A378-5A9C-494E-9AFF-D5467651EA49}" dt="2024-11-20T08:09:51.304" v="45" actId="20577"/>
+          <ac:spMkLst>
+            <pc:docMk/>
+            <pc:sldMk cId="2905942797" sldId="711"/>
+            <ac:spMk id="2" creationId="{00000000-0000-0000-0000-000000000000}"/>
+          </ac:spMkLst>
+        </pc:spChg>
+      </pc:sldChg>
+      <pc:sldChg chg="ord">
+        <pc:chgData name="Gerth Stølting Brodal" userId="04ef4784-6591-4f86-a140-f5c3b108582a" providerId="ADAL" clId="{A6A9A378-5A9C-494E-9AFF-D5467651EA49}" dt="2024-11-20T08:09:32.368" v="41"/>
+        <pc:sldMkLst>
+          <pc:docMk/>
+          <pc:sldMk cId="2205391547" sldId="717"/>
+        </pc:sldMkLst>
+      </pc:sldChg>
+      <pc:sldChg chg="addSp delSp modSp add mod ord modNotesTx">
+        <pc:chgData name="Gerth Stølting Brodal" userId="04ef4784-6591-4f86-a140-f5c3b108582a" providerId="ADAL" clId="{A6A9A378-5A9C-494E-9AFF-D5467651EA49}" dt="2024-11-20T09:38:35.006" v="1025" actId="20577"/>
+        <pc:sldMkLst>
+          <pc:docMk/>
+          <pc:sldMk cId="1833727466" sldId="731"/>
+        </pc:sldMkLst>
+        <pc:spChg chg="mod">
+          <ac:chgData name="Gerth Stølting Brodal" userId="04ef4784-6591-4f86-a140-f5c3b108582a" providerId="ADAL" clId="{A6A9A378-5A9C-494E-9AFF-D5467651EA49}" dt="2024-11-20T08:27:28.313" v="455" actId="14100"/>
+          <ac:spMkLst>
+            <pc:docMk/>
+            <pc:sldMk cId="1833727466" sldId="731"/>
+            <ac:spMk id="2" creationId="{C5893043-CC40-B57B-3459-60612813E8BC}"/>
+          </ac:spMkLst>
+        </pc:spChg>
+        <pc:spChg chg="add del mod">
+          <ac:chgData name="Gerth Stølting Brodal" userId="04ef4784-6591-4f86-a140-f5c3b108582a" providerId="ADAL" clId="{A6A9A378-5A9C-494E-9AFF-D5467651EA49}" dt="2024-11-20T09:35:21.931" v="997" actId="1035"/>
+          <ac:spMkLst>
+            <pc:docMk/>
+            <pc:sldMk cId="1833727466" sldId="731"/>
+            <ac:spMk id="3" creationId="{188647D0-71E6-5120-EF3B-FA797DEB2E9A}"/>
+          </ac:spMkLst>
+        </pc:spChg>
+        <pc:spChg chg="add del mod">
+          <ac:chgData name="Gerth Stølting Brodal" userId="04ef4784-6591-4f86-a140-f5c3b108582a" providerId="ADAL" clId="{A6A9A378-5A9C-494E-9AFF-D5467651EA49}" dt="2024-11-20T08:22:13.200" v="351" actId="478"/>
+          <ac:spMkLst>
+            <pc:docMk/>
+            <pc:sldMk cId="1833727466" sldId="731"/>
+            <ac:spMk id="6" creationId="{4D8F53F9-29EB-05A5-5E0C-124DAEA43958}"/>
+          </ac:spMkLst>
+        </pc:spChg>
+        <pc:graphicFrameChg chg="mod modGraphic">
+          <ac:chgData name="Gerth Stølting Brodal" userId="04ef4784-6591-4f86-a140-f5c3b108582a" providerId="ADAL" clId="{A6A9A378-5A9C-494E-9AFF-D5467651EA49}" dt="2024-11-20T09:30:13.928" v="949" actId="1076"/>
+          <ac:graphicFrameMkLst>
+            <pc:docMk/>
+            <pc:sldMk cId="1833727466" sldId="731"/>
+            <ac:graphicFrameMk id="5" creationId="{76DB784C-D612-34E4-0A37-66CE80B06D90}"/>
+          </ac:graphicFrameMkLst>
+        </pc:graphicFrameChg>
+        <pc:graphicFrameChg chg="mod modGraphic">
+          <ac:chgData name="Gerth Stølting Brodal" userId="04ef4784-6591-4f86-a140-f5c3b108582a" providerId="ADAL" clId="{A6A9A378-5A9C-494E-9AFF-D5467651EA49}" dt="2024-11-20T09:16:28.524" v="761" actId="1076"/>
+          <ac:graphicFrameMkLst>
+            <pc:docMk/>
+            <pc:sldMk cId="1833727466" sldId="731"/>
+            <ac:graphicFrameMk id="7" creationId="{F1B9F700-5C92-7F12-EDC7-0E6EBCB299A2}"/>
+          </ac:graphicFrameMkLst>
+        </pc:graphicFrameChg>
+      </pc:sldChg>
+    </pc:docChg>
+  </pc:docChgLst>
 </pc:chgInfo>
 </file>
 
@@ -1154,7 +1233,7 @@
           <a:p>
             <a:fld id="{FB1A172F-81D4-4DC4-9113-1DBD56EC3646}" type="datetimeFigureOut">
               <a:rPr lang="en-US" smtClean="0"/>
-              <a:t>3/10/2024</a:t>
+              <a:t>11/20/2024</a:t>
             </a:fld>
             <a:endParaRPr lang="en-US"/>
           </a:p>
@@ -1839,7 +1918,7 @@
           <a:p>
             <a:fld id="{CD563DD8-32AB-41BE-B1C6-8EAC45222ACE}" type="slidenum">
               <a:rPr lang="en-US" smtClean="0"/>
-              <a:t>17</a:t>
+              <a:t>18</a:t>
             </a:fld>
             <a:endParaRPr lang="en-US"/>
           </a:p>
@@ -1939,7 +2018,7 @@
           <a:p>
             <a:fld id="{CD563DD8-32AB-41BE-B1C6-8EAC45222ACE}" type="slidenum">
               <a:rPr lang="en-US" smtClean="0"/>
-              <a:t>20</a:t>
+              <a:t>21</a:t>
             </a:fld>
             <a:endParaRPr lang="en-US"/>
           </a:p>
@@ -2055,7 +2134,7 @@
           <a:p>
             <a:fld id="{CD563DD8-32AB-41BE-B1C6-8EAC45222ACE}" type="slidenum">
               <a:rPr lang="en-US" smtClean="0"/>
-              <a:t>22</a:t>
+              <a:t>23</a:t>
             </a:fld>
             <a:endParaRPr lang="en-US"/>
           </a:p>
@@ -2079,7 +2158,13 @@
   <p:cSld>
     <p:spTree>
       <p:nvGrpSpPr>
-        <p:cNvPr id="1" name=""/>
+        <p:cNvPr id="1" name="">
+          <a:extLst>
+            <a:ext uri="{FF2B5EF4-FFF2-40B4-BE49-F238E27FC236}">
+              <a16:creationId xmlns:a16="http://schemas.microsoft.com/office/drawing/2014/main" id="{A4B8EC60-1388-774A-4218-87179476B273}"/>
+            </a:ext>
+          </a:extLst>
+        </p:cNvPr>
         <p:cNvGrpSpPr/>
         <p:nvPr/>
       </p:nvGrpSpPr>
@@ -2093,7 +2178,13 @@
       </p:grpSpPr>
       <p:sp>
         <p:nvSpPr>
-          <p:cNvPr id="2" name="Slide Image Placeholder 1"/>
+          <p:cNvPr id="2" name="Slide Image Placeholder 1">
+            <a:extLst>
+              <a:ext uri="{FF2B5EF4-FFF2-40B4-BE49-F238E27FC236}">
+                <a16:creationId xmlns:a16="http://schemas.microsoft.com/office/drawing/2014/main" id="{7627A994-ACC4-AC00-85B9-163BC9620829}"/>
+              </a:ext>
+            </a:extLst>
+          </p:cNvPr>
           <p:cNvSpPr>
             <a:spLocks noGrp="1" noRot="1" noChangeAspect="1"/>
           </p:cNvSpPr>
@@ -2105,7 +2196,13 @@
       </p:sp>
       <p:sp>
         <p:nvSpPr>
-          <p:cNvPr id="3" name="Notes Placeholder 2"/>
+          <p:cNvPr id="3" name="Notes Placeholder 2">
+            <a:extLst>
+              <a:ext uri="{FF2B5EF4-FFF2-40B4-BE49-F238E27FC236}">
+                <a16:creationId xmlns:a16="http://schemas.microsoft.com/office/drawing/2014/main" id="{693EB414-E34B-3B23-59F4-AB153921E609}"/>
+              </a:ext>
+            </a:extLst>
+          </p:cNvPr>
           <p:cNvSpPr>
             <a:spLocks noGrp="1"/>
           </p:cNvSpPr>
@@ -2120,28 +2217,61 @@
           <a:p>
             <a:r>
               <a:rPr lang="en-US" dirty="0"/>
-              <a:t>Don’t be afraid to scan a file of 1 GB – just </a:t>
-            </a:r>
-            <a:r>
-              <a:rPr lang="en-US" baseline="0" dirty="0"/>
-              <a:t>process each line efficiently</a:t>
+              <a:t>Python 3.13 experiment</a:t>
             </a:r>
           </a:p>
           <a:p>
-            <a:endParaRPr lang="en-US" baseline="0" dirty="0"/>
+            <a:r>
+              <a:rPr lang="en-US" dirty="0"/>
+              <a:t>Setting  </a:t>
+            </a:r>
+            <a:r>
+              <a:rPr lang="en-US" dirty="0" err="1"/>
+              <a:t>readline</a:t>
+            </a:r>
+            <a:r>
+              <a:rPr lang="en-US" dirty="0"/>
+              <a:t> = </a:t>
+            </a:r>
+            <a:r>
+              <a:rPr lang="en-US" dirty="0" err="1"/>
+              <a:t>sys.stdin.readline</a:t>
+            </a:r>
+            <a:r>
+              <a:rPr lang="en-US" dirty="0"/>
+              <a:t> avoids dictionary lookup in module and </a:t>
+            </a:r>
+            <a:r>
+              <a:rPr lang="en-US"/>
+              <a:t>file object</a:t>
+            </a:r>
+            <a:endParaRPr lang="en-US" dirty="0"/>
           </a:p>
           <a:p>
             <a:r>
-              <a:rPr lang="en-US" baseline="0" dirty="0"/>
-              <a:t>Experiments on Lenovo T460s laptop 512 Gb SSD disk</a:t>
-            </a:r>
-            <a:endParaRPr lang="en-US" dirty="0"/>
+              <a:rPr lang="en-US" dirty="0"/>
+              <a:t>Note </a:t>
+            </a:r>
+            <a:r>
+              <a:rPr lang="en-US" dirty="0" err="1"/>
+              <a:t>sys.stdin.read</a:t>
+            </a:r>
+            <a:r>
+              <a:rPr lang="en-US" dirty="0"/>
+              <a:t> does not split input to multiple lines</a:t>
+            </a:r>
           </a:p>
         </p:txBody>
       </p:sp>
       <p:sp>
         <p:nvSpPr>
-          <p:cNvPr id="4" name="Slide Number Placeholder 3"/>
+          <p:cNvPr id="4" name="Slide Number Placeholder 3">
+            <a:extLst>
+              <a:ext uri="{FF2B5EF4-FFF2-40B4-BE49-F238E27FC236}">
+                <a16:creationId xmlns:a16="http://schemas.microsoft.com/office/drawing/2014/main" id="{1B4E3E5C-1695-F36A-761A-96BCBCBDA728}"/>
+              </a:ext>
+            </a:extLst>
+          </p:cNvPr>
           <p:cNvSpPr>
             <a:spLocks noGrp="1"/>
           </p:cNvSpPr>
@@ -2165,7 +2295,7 @@
     </p:spTree>
     <p:extLst>
       <p:ext uri="{BB962C8B-B14F-4D97-AF65-F5344CB8AC3E}">
-        <p14:creationId xmlns:p14="http://schemas.microsoft.com/office/powerpoint/2010/main" val="1035472152"/>
+        <p14:creationId xmlns:p14="http://schemas.microsoft.com/office/powerpoint/2010/main" val="2989633617"/>
       </p:ext>
     </p:extLst>
   </p:cSld>
@@ -2221,27 +2351,11 @@
           <a:p>
             <a:r>
               <a:rPr lang="en-US" dirty="0"/>
-              <a:t>Example using </a:t>
-            </a:r>
-            <a:r>
-              <a:rPr lang="en-US" b="1" dirty="0"/>
-              <a:t>reading</a:t>
-            </a:r>
-            <a:r>
-              <a:rPr lang="en-US" b="1" baseline="0" dirty="0"/>
-              <a:t> a file</a:t>
+              <a:t>Don’t be afraid to scan a file of 1 GB – just </a:t>
             </a:r>
             <a:r>
               <a:rPr lang="en-US" baseline="0" dirty="0"/>
-              <a:t>, </a:t>
-            </a:r>
-            <a:r>
-              <a:rPr lang="en-US" b="1" baseline="0" dirty="0"/>
-              <a:t>and user defined exception</a:t>
-            </a:r>
-            <a:r>
-              <a:rPr lang="en-US" baseline="0" dirty="0"/>
-              <a:t> for returning recursive found solution</a:t>
+              <a:t>process each line efficiently</a:t>
             </a:r>
           </a:p>
           <a:p>
@@ -2249,79 +2363,8 @@
           </a:p>
           <a:p>
             <a:r>
-              <a:rPr lang="en-US" baseline="0" dirty="0" err="1"/>
-              <a:t>find_free</a:t>
-            </a:r>
-            <a:r>
               <a:rPr lang="en-US" baseline="0" dirty="0"/>
-              <a:t>(): return an empty cell</a:t>
-            </a:r>
-          </a:p>
-          <a:p>
-            <a:r>
-              <a:rPr lang="en-US" baseline="0" dirty="0"/>
-              <a:t>unused(</a:t>
-            </a:r>
-            <a:r>
-              <a:rPr lang="en-US" baseline="0" dirty="0" err="1"/>
-              <a:t>i,j</a:t>
-            </a:r>
-            <a:r>
-              <a:rPr lang="en-US" baseline="0" dirty="0"/>
-              <a:t>): return set of values possible for cell(</a:t>
-            </a:r>
-            <a:r>
-              <a:rPr lang="en-US" baseline="0" dirty="0" err="1"/>
-              <a:t>i,j</a:t>
-            </a:r>
-            <a:r>
-              <a:rPr lang="en-US" baseline="0" dirty="0"/>
-              <a:t>)</a:t>
-            </a:r>
-          </a:p>
-          <a:p>
-            <a:endParaRPr lang="en-US" baseline="0" dirty="0"/>
-          </a:p>
-          <a:p>
-            <a:r>
-              <a:rPr lang="en-US" baseline="0" dirty="0"/>
-              <a:t>sudoku_histogram.py : report number of recursive calls, and distribution over the recursion depth</a:t>
-            </a:r>
-          </a:p>
-          <a:p>
-            <a:endParaRPr lang="en-US" baseline="0" dirty="0"/>
-          </a:p>
-          <a:p>
-            <a:r>
-              <a:rPr lang="en-US" dirty="0"/>
-              <a:t>sudoku_histogram_smallest_unused.py : Recurse on cell with the minimum number of</a:t>
-            </a:r>
-            <a:r>
-              <a:rPr lang="en-US" baseline="0" dirty="0"/>
-              <a:t> candidate numbers left </a:t>
-            </a:r>
-            <a:br>
-              <a:rPr lang="en-US" baseline="0" dirty="0"/>
-            </a:br>
-            <a:r>
-              <a:rPr lang="en-US" baseline="0" dirty="0"/>
-              <a:t>(heuristic to reduce search space; but fails miserably when “for value in unused(</a:t>
-            </a:r>
-            <a:r>
-              <a:rPr lang="en-US" baseline="0" dirty="0" err="1"/>
-              <a:t>i,j</a:t>
-            </a:r>
-            <a:r>
-              <a:rPr lang="en-US" baseline="0" dirty="0"/>
-              <a:t>)” is replaced by “sorted(unused(</a:t>
-            </a:r>
-            <a:r>
-              <a:rPr lang="en-US" baseline="0" dirty="0" err="1"/>
-              <a:t>i,j</a:t>
-            </a:r>
-            <a:r>
-              <a:rPr lang="en-US" baseline="0" dirty="0"/>
-              <a:t>))” where the search space visited increased by factor &gt;= 1000)</a:t>
+              <a:t>Experiments on Lenovo T460s laptop 512 Gb SSD disk</a:t>
             </a:r>
             <a:endParaRPr lang="en-US" dirty="0"/>
           </a:p>
@@ -2353,7 +2396,7 @@
     </p:spTree>
     <p:extLst>
       <p:ext uri="{BB962C8B-B14F-4D97-AF65-F5344CB8AC3E}">
-        <p14:creationId xmlns:p14="http://schemas.microsoft.com/office/powerpoint/2010/main" val="980103824"/>
+        <p14:creationId xmlns:p14="http://schemas.microsoft.com/office/powerpoint/2010/main" val="1035472152"/>
       </p:ext>
     </p:extLst>
   </p:cSld>
@@ -2408,6 +2451,194 @@
           <a:lstStyle/>
           <a:p>
             <a:r>
+              <a:rPr lang="en-US" dirty="0"/>
+              <a:t>Example using </a:t>
+            </a:r>
+            <a:r>
+              <a:rPr lang="en-US" b="1" dirty="0"/>
+              <a:t>reading</a:t>
+            </a:r>
+            <a:r>
+              <a:rPr lang="en-US" b="1" baseline="0" dirty="0"/>
+              <a:t> a file</a:t>
+            </a:r>
+            <a:r>
+              <a:rPr lang="en-US" baseline="0" dirty="0"/>
+              <a:t>, </a:t>
+            </a:r>
+            <a:r>
+              <a:rPr lang="en-US" b="1" baseline="0" dirty="0"/>
+              <a:t>and user defined exception</a:t>
+            </a:r>
+            <a:r>
+              <a:rPr lang="en-US" baseline="0" dirty="0"/>
+              <a:t> for returning recursive found solution</a:t>
+            </a:r>
+          </a:p>
+          <a:p>
+            <a:endParaRPr lang="en-US" baseline="0" dirty="0"/>
+          </a:p>
+          <a:p>
+            <a:r>
+              <a:rPr lang="en-US" baseline="0" dirty="0" err="1"/>
+              <a:t>find_free</a:t>
+            </a:r>
+            <a:r>
+              <a:rPr lang="en-US" baseline="0" dirty="0"/>
+              <a:t>(): return an empty cell</a:t>
+            </a:r>
+          </a:p>
+          <a:p>
+            <a:r>
+              <a:rPr lang="en-US" baseline="0" dirty="0"/>
+              <a:t>unused(</a:t>
+            </a:r>
+            <a:r>
+              <a:rPr lang="en-US" baseline="0" dirty="0" err="1"/>
+              <a:t>i,j</a:t>
+            </a:r>
+            <a:r>
+              <a:rPr lang="en-US" baseline="0" dirty="0"/>
+              <a:t>): return set of values possible for cell(</a:t>
+            </a:r>
+            <a:r>
+              <a:rPr lang="en-US" baseline="0" dirty="0" err="1"/>
+              <a:t>i,j</a:t>
+            </a:r>
+            <a:r>
+              <a:rPr lang="en-US" baseline="0" dirty="0"/>
+              <a:t>)</a:t>
+            </a:r>
+          </a:p>
+          <a:p>
+            <a:endParaRPr lang="en-US" baseline="0" dirty="0"/>
+          </a:p>
+          <a:p>
+            <a:r>
+              <a:rPr lang="en-US" baseline="0" dirty="0"/>
+              <a:t>sudoku_histogram.py : report number of recursive calls, and distribution over the recursion depth</a:t>
+            </a:r>
+          </a:p>
+          <a:p>
+            <a:endParaRPr lang="en-US" baseline="0" dirty="0"/>
+          </a:p>
+          <a:p>
+            <a:r>
+              <a:rPr lang="en-US" dirty="0"/>
+              <a:t>sudoku_histogram_smallest_unused.py : Recurse on cell with the minimum number of</a:t>
+            </a:r>
+            <a:r>
+              <a:rPr lang="en-US" baseline="0" dirty="0"/>
+              <a:t> candidate numbers left </a:t>
+            </a:r>
+            <a:br>
+              <a:rPr lang="en-US" baseline="0" dirty="0"/>
+            </a:br>
+            <a:r>
+              <a:rPr lang="en-US" baseline="0" dirty="0"/>
+              <a:t>(heuristic to reduce search space; but fails miserably when “for value in unused(</a:t>
+            </a:r>
+            <a:r>
+              <a:rPr lang="en-US" baseline="0" dirty="0" err="1"/>
+              <a:t>i,j</a:t>
+            </a:r>
+            <a:r>
+              <a:rPr lang="en-US" baseline="0" dirty="0"/>
+              <a:t>)” is replaced by “sorted(unused(</a:t>
+            </a:r>
+            <a:r>
+              <a:rPr lang="en-US" baseline="0" dirty="0" err="1"/>
+              <a:t>i,j</a:t>
+            </a:r>
+            <a:r>
+              <a:rPr lang="en-US" baseline="0" dirty="0"/>
+              <a:t>))” where the search space visited increased by factor &gt;= 1000)</a:t>
+            </a:r>
+            <a:endParaRPr lang="en-US" dirty="0"/>
+          </a:p>
+        </p:txBody>
+      </p:sp>
+      <p:sp>
+        <p:nvSpPr>
+          <p:cNvPr id="4" name="Slide Number Placeholder 3"/>
+          <p:cNvSpPr>
+            <a:spLocks noGrp="1"/>
+          </p:cNvSpPr>
+          <p:nvPr>
+            <p:ph type="sldNum" sz="quarter" idx="10"/>
+          </p:nvPr>
+        </p:nvSpPr>
+        <p:spPr/>
+        <p:txBody>
+          <a:bodyPr/>
+          <a:lstStyle/>
+          <a:p>
+            <a:fld id="{CD563DD8-32AB-41BE-B1C6-8EAC45222ACE}" type="slidenum">
+              <a:rPr lang="en-US" smtClean="0"/>
+              <a:t>27</a:t>
+            </a:fld>
+            <a:endParaRPr lang="en-US"/>
+          </a:p>
+        </p:txBody>
+      </p:sp>
+    </p:spTree>
+    <p:extLst>
+      <p:ext uri="{BB962C8B-B14F-4D97-AF65-F5344CB8AC3E}">
+        <p14:creationId xmlns:p14="http://schemas.microsoft.com/office/powerpoint/2010/main" val="980103824"/>
+      </p:ext>
+    </p:extLst>
+  </p:cSld>
+  <p:clrMapOvr>
+    <a:masterClrMapping/>
+  </p:clrMapOvr>
+</p:notes>
+</file>
+
+<file path=ppt/notesSlides/notesSlide18.xml><?xml version="1.0" encoding="utf-8"?>
+<p:notes xmlns:a="http://schemas.openxmlformats.org/drawingml/2006/main" xmlns:r="http://schemas.openxmlformats.org/officeDocument/2006/relationships" xmlns:p="http://schemas.openxmlformats.org/presentationml/2006/main">
+  <p:cSld>
+    <p:spTree>
+      <p:nvGrpSpPr>
+        <p:cNvPr id="1" name=""/>
+        <p:cNvGrpSpPr/>
+        <p:nvPr/>
+      </p:nvGrpSpPr>
+      <p:grpSpPr>
+        <a:xfrm>
+          <a:off x="0" y="0"/>
+          <a:ext cx="0" cy="0"/>
+          <a:chOff x="0" y="0"/>
+          <a:chExt cx="0" cy="0"/>
+        </a:xfrm>
+      </p:grpSpPr>
+      <p:sp>
+        <p:nvSpPr>
+          <p:cNvPr id="2" name="Slide Image Placeholder 1"/>
+          <p:cNvSpPr>
+            <a:spLocks noGrp="1" noRot="1" noChangeAspect="1"/>
+          </p:cNvSpPr>
+          <p:nvPr>
+            <p:ph type="sldImg"/>
+          </p:nvPr>
+        </p:nvSpPr>
+        <p:spPr/>
+      </p:sp>
+      <p:sp>
+        <p:nvSpPr>
+          <p:cNvPr id="3" name="Notes Placeholder 2"/>
+          <p:cNvSpPr>
+            <a:spLocks noGrp="1"/>
+          </p:cNvSpPr>
+          <p:nvPr>
+            <p:ph type="body" idx="1"/>
+          </p:nvPr>
+        </p:nvSpPr>
+        <p:spPr/>
+        <p:txBody>
+          <a:bodyPr/>
+          <a:lstStyle/>
+          <a:p>
+            <a:r>
               <a:rPr lang="en-US" b="1" dirty="0" err="1"/>
               <a:t>repr</a:t>
             </a:r>
@@ -2436,7 +2667,7 @@
           <a:p>
             <a:fld id="{CD563DD8-32AB-41BE-B1C6-8EAC45222ACE}" type="slidenum">
               <a:rPr lang="en-US" smtClean="0"/>
-              <a:t>29</a:t>
+              <a:t>30</a:t>
             </a:fld>
             <a:endParaRPr lang="en-US"/>
           </a:p>
@@ -3649,7 +3880,7 @@
           <a:p>
             <a:fld id="{0560A9CD-0304-4E0B-9E82-E7E0115DE05B}" type="datetimeFigureOut">
               <a:rPr lang="en-US" smtClean="0"/>
-              <a:t>3/10/2024</a:t>
+              <a:t>11/20/2024</a:t>
             </a:fld>
             <a:endParaRPr lang="en-US"/>
           </a:p>
@@ -3817,7 +4048,7 @@
           <a:p>
             <a:fld id="{0560A9CD-0304-4E0B-9E82-E7E0115DE05B}" type="datetimeFigureOut">
               <a:rPr lang="en-US" smtClean="0"/>
-              <a:t>3/10/2024</a:t>
+              <a:t>11/20/2024</a:t>
             </a:fld>
             <a:endParaRPr lang="en-US"/>
           </a:p>
@@ -3995,7 +4226,7 @@
           <a:p>
             <a:fld id="{0560A9CD-0304-4E0B-9E82-E7E0115DE05B}" type="datetimeFigureOut">
               <a:rPr lang="en-US" smtClean="0"/>
-              <a:t>3/10/2024</a:t>
+              <a:t>11/20/2024</a:t>
             </a:fld>
             <a:endParaRPr lang="en-US"/>
           </a:p>
@@ -4178,7 +4409,7 @@
           <a:p>
             <a:fld id="{0560A9CD-0304-4E0B-9E82-E7E0115DE05B}" type="datetimeFigureOut">
               <a:rPr lang="en-US" smtClean="0"/>
-              <a:t>3/10/2024</a:t>
+              <a:t>11/20/2024</a:t>
             </a:fld>
             <a:endParaRPr lang="en-US"/>
           </a:p>
@@ -4423,7 +4654,7 @@
           <a:p>
             <a:fld id="{0560A9CD-0304-4E0B-9E82-E7E0115DE05B}" type="datetimeFigureOut">
               <a:rPr lang="en-US" smtClean="0"/>
-              <a:t>3/10/2024</a:t>
+              <a:t>11/20/2024</a:t>
             </a:fld>
             <a:endParaRPr lang="en-US"/>
           </a:p>
@@ -4652,7 +4883,7 @@
           <a:p>
             <a:fld id="{0560A9CD-0304-4E0B-9E82-E7E0115DE05B}" type="datetimeFigureOut">
               <a:rPr lang="en-US" smtClean="0"/>
-              <a:t>3/10/2024</a:t>
+              <a:t>11/20/2024</a:t>
             </a:fld>
             <a:endParaRPr lang="en-US"/>
           </a:p>
@@ -5016,7 +5247,7 @@
           <a:p>
             <a:fld id="{0560A9CD-0304-4E0B-9E82-E7E0115DE05B}" type="datetimeFigureOut">
               <a:rPr lang="en-US" smtClean="0"/>
-              <a:t>3/10/2024</a:t>
+              <a:t>11/20/2024</a:t>
             </a:fld>
             <a:endParaRPr lang="en-US"/>
           </a:p>
@@ -5133,7 +5364,7 @@
           <a:p>
             <a:fld id="{0560A9CD-0304-4E0B-9E82-E7E0115DE05B}" type="datetimeFigureOut">
               <a:rPr lang="en-US" smtClean="0"/>
-              <a:t>3/10/2024</a:t>
+              <a:t>11/20/2024</a:t>
             </a:fld>
             <a:endParaRPr lang="en-US"/>
           </a:p>
@@ -5228,7 +5459,7 @@
           <a:p>
             <a:fld id="{0560A9CD-0304-4E0B-9E82-E7E0115DE05B}" type="datetimeFigureOut">
               <a:rPr lang="en-US" smtClean="0"/>
-              <a:t>3/10/2024</a:t>
+              <a:t>11/20/2024</a:t>
             </a:fld>
             <a:endParaRPr lang="en-US"/>
           </a:p>
@@ -5503,7 +5734,7 @@
           <a:p>
             <a:fld id="{0560A9CD-0304-4E0B-9E82-E7E0115DE05B}" type="datetimeFigureOut">
               <a:rPr lang="en-US" smtClean="0"/>
-              <a:t>3/10/2024</a:t>
+              <a:t>11/20/2024</a:t>
             </a:fld>
             <a:endParaRPr lang="en-US"/>
           </a:p>
@@ -5755,7 +5986,7 @@
           <a:p>
             <a:fld id="{0560A9CD-0304-4E0B-9E82-E7E0115DE05B}" type="datetimeFigureOut">
               <a:rPr lang="en-US" smtClean="0"/>
-              <a:t>3/10/2024</a:t>
+              <a:t>11/20/2024</a:t>
             </a:fld>
             <a:endParaRPr lang="en-US"/>
           </a:p>
@@ -5966,7 +6197,7 @@
           <a:p>
             <a:fld id="{0560A9CD-0304-4E0B-9E82-E7E0115DE05B}" type="datetimeFigureOut">
               <a:rPr lang="en-US" smtClean="0"/>
-              <a:t>3/10/2024</a:t>
+              <a:t>11/20/2024</a:t>
             </a:fld>
             <a:endParaRPr lang="en-US"/>
           </a:p>
@@ -15378,6 +15609,274 @@
             <p:ph type="title"/>
           </p:nvPr>
         </p:nvSpPr>
+        <p:spPr/>
+        <p:txBody>
+          <a:bodyPr/>
+          <a:lstStyle/>
+          <a:p>
+            <a:r>
+              <a:rPr lang="da-DK" dirty="0"/>
+              <a:t>PEP8 on </a:t>
+            </a:r>
+            <a:r>
+              <a:rPr lang="da-DK" dirty="0" err="1"/>
+              <a:t>exceptions</a:t>
+            </a:r>
+            <a:endParaRPr lang="en-US" dirty="0"/>
+          </a:p>
+        </p:txBody>
+      </p:sp>
+      <p:sp>
+        <p:nvSpPr>
+          <p:cNvPr id="3" name="Content Placeholder 2"/>
+          <p:cNvSpPr>
+            <a:spLocks noGrp="1"/>
+          </p:cNvSpPr>
+          <p:nvPr>
+            <p:ph idx="1"/>
+          </p:nvPr>
+        </p:nvSpPr>
+        <p:spPr>
+          <a:xfrm>
+            <a:off x="838200" y="1825624"/>
+            <a:ext cx="10515600" cy="5032375"/>
+          </a:xfrm>
+        </p:spPr>
+        <p:txBody>
+          <a:bodyPr>
+            <a:normAutofit/>
+          </a:bodyPr>
+          <a:lstStyle/>
+          <a:p>
+            <a:r>
+              <a:rPr lang="en-US" dirty="0"/>
+              <a:t>For all try/except clauses, limit the try clause to the absolute </a:t>
+            </a:r>
+            <a:r>
+              <a:rPr lang="en-US" dirty="0">
+                <a:solidFill>
+                  <a:srgbClr val="C00000"/>
+                </a:solidFill>
+              </a:rPr>
+              <a:t>minimum amount of code </a:t>
+            </a:r>
+            <a:r>
+              <a:rPr lang="en-US" dirty="0"/>
+              <a:t>necessary</a:t>
+            </a:r>
+          </a:p>
+          <a:p>
+            <a:r>
+              <a:rPr lang="en-US" dirty="0"/>
+              <a:t>The class naming convention applies (</a:t>
+            </a:r>
+            <a:r>
+              <a:rPr lang="en-US" dirty="0" err="1">
+                <a:solidFill>
+                  <a:srgbClr val="C00000"/>
+                </a:solidFill>
+              </a:rPr>
+              <a:t>CapWords</a:t>
+            </a:r>
+            <a:r>
+              <a:rPr lang="en-US" dirty="0"/>
+              <a:t>) </a:t>
+            </a:r>
+          </a:p>
+          <a:p>
+            <a:r>
+              <a:rPr lang="en-US" dirty="0"/>
+              <a:t>Use the</a:t>
+            </a:r>
+            <a:r>
+              <a:rPr lang="en-US" dirty="0">
+                <a:solidFill>
+                  <a:srgbClr val="C00000"/>
+                </a:solidFill>
+              </a:rPr>
+              <a:t> suffix "Error"</a:t>
+            </a:r>
+            <a:r>
+              <a:rPr lang="en-US" dirty="0"/>
+              <a:t> on your exception names</a:t>
+            </a:r>
+            <a:br>
+              <a:rPr lang="en-US" dirty="0"/>
+            </a:br>
+            <a:r>
+              <a:rPr lang="en-US" dirty="0"/>
+              <a:t>(if the exception actually is an error)</a:t>
+            </a:r>
+          </a:p>
+          <a:p>
+            <a:r>
+              <a:rPr lang="en-US" dirty="0"/>
+              <a:t>A bare</a:t>
+            </a:r>
+            <a:r>
+              <a:rPr lang="en-US" dirty="0">
+                <a:solidFill>
+                  <a:srgbClr val="C00000"/>
+                </a:solidFill>
+                <a:latin typeface="Courier New" panose="02070309020205020404" pitchFamily="49" charset="0"/>
+                <a:cs typeface="Courier New" panose="02070309020205020404" pitchFamily="49" charset="0"/>
+              </a:rPr>
+              <a:t> except: </a:t>
+            </a:r>
+            <a:r>
+              <a:rPr lang="en-US" dirty="0"/>
+              <a:t>clause will catch</a:t>
+            </a:r>
+            <a:r>
+              <a:rPr lang="en-US" dirty="0">
+                <a:solidFill>
+                  <a:srgbClr val="C00000"/>
+                </a:solidFill>
+                <a:latin typeface="Courier New" panose="02070309020205020404" pitchFamily="49" charset="0"/>
+                <a:cs typeface="Courier New" panose="02070309020205020404" pitchFamily="49" charset="0"/>
+              </a:rPr>
+              <a:t> </a:t>
+            </a:r>
+            <a:r>
+              <a:rPr lang="en-US" dirty="0" err="1">
+                <a:latin typeface="Courier New" panose="02070309020205020404" pitchFamily="49" charset="0"/>
+                <a:cs typeface="Courier New" panose="02070309020205020404" pitchFamily="49" charset="0"/>
+              </a:rPr>
+              <a:t>SystemExit</a:t>
+            </a:r>
+            <a:r>
+              <a:rPr lang="en-US">
+                <a:latin typeface="Courier New" panose="02070309020205020404" pitchFamily="49" charset="0"/>
+                <a:cs typeface="Courier New" panose="02070309020205020404" pitchFamily="49" charset="0"/>
+              </a:rPr>
+              <a:t> </a:t>
+            </a:r>
+            <a:r>
+              <a:rPr lang="en-US"/>
+              <a:t>and </a:t>
+            </a:r>
+            <a:r>
+              <a:rPr lang="en-US" dirty="0" err="1">
+                <a:latin typeface="Courier New" panose="02070309020205020404" pitchFamily="49" charset="0"/>
+                <a:cs typeface="Courier New" panose="02070309020205020404" pitchFamily="49" charset="0"/>
+              </a:rPr>
+              <a:t>KeyboardInterrupt</a:t>
+            </a:r>
+            <a:r>
+              <a:rPr lang="en-US" dirty="0">
+                <a:latin typeface="Courier New" panose="02070309020205020404" pitchFamily="49" charset="0"/>
+                <a:cs typeface="Courier New" panose="02070309020205020404" pitchFamily="49" charset="0"/>
+              </a:rPr>
+              <a:t> </a:t>
+            </a:r>
+            <a:r>
+              <a:rPr lang="en-US" dirty="0"/>
+              <a:t>exceptions, making it harder to interrupt a program with Control-C, and can disguise other problems. </a:t>
+            </a:r>
+            <a:br>
+              <a:rPr lang="en-US" dirty="0"/>
+            </a:br>
+            <a:r>
+              <a:rPr lang="en-US" dirty="0"/>
+              <a:t>If you want to catch all exceptions that signal program errors, use</a:t>
+            </a:r>
+            <a:r>
+              <a:rPr lang="en-US" b="1" dirty="0">
+                <a:solidFill>
+                  <a:srgbClr val="C00000"/>
+                </a:solidFill>
+              </a:rPr>
+              <a:t> </a:t>
+            </a:r>
+            <a:r>
+              <a:rPr lang="en-US" dirty="0">
+                <a:solidFill>
+                  <a:srgbClr val="C00000"/>
+                </a:solidFill>
+                <a:latin typeface="Courier New" panose="02070309020205020404" pitchFamily="49" charset="0"/>
+                <a:cs typeface="Courier New" panose="02070309020205020404" pitchFamily="49" charset="0"/>
+              </a:rPr>
+              <a:t>except Exception:</a:t>
+            </a:r>
+          </a:p>
+        </p:txBody>
+      </p:sp>
+      <p:sp>
+        <p:nvSpPr>
+          <p:cNvPr id="11" name="Rectangle 10">
+            <a:hlinkClick r:id="rId2"/>
+          </p:cNvPr>
+          <p:cNvSpPr/>
+          <p:nvPr/>
+        </p:nvSpPr>
+        <p:spPr>
+          <a:xfrm>
+            <a:off x="8238700" y="6346350"/>
+            <a:ext cx="3811684" cy="369332"/>
+          </a:xfrm>
+          <a:prstGeom prst="rect">
+            <a:avLst/>
+          </a:prstGeom>
+        </p:spPr>
+        <p:txBody>
+          <a:bodyPr wrap="none">
+            <a:spAutoFit/>
+          </a:bodyPr>
+          <a:lstStyle/>
+          <a:p>
+            <a:r>
+              <a:rPr lang="en-US" dirty="0">
+                <a:solidFill>
+                  <a:schemeClr val="bg1">
+                    <a:lumMod val="50000"/>
+                  </a:schemeClr>
+                </a:solidFill>
+              </a:rPr>
+              <a:t>www.python.org/dev/peps/pep-0008/</a:t>
+            </a:r>
+          </a:p>
+        </p:txBody>
+      </p:sp>
+    </p:spTree>
+    <p:extLst>
+      <p:ext uri="{BB962C8B-B14F-4D97-AF65-F5344CB8AC3E}">
+        <p14:creationId xmlns:p14="http://schemas.microsoft.com/office/powerpoint/2010/main" val="2205391547"/>
+      </p:ext>
+    </p:extLst>
+  </p:cSld>
+  <p:clrMapOvr>
+    <a:masterClrMapping/>
+  </p:clrMapOvr>
+</p:sld>
+</file>
+
+<file path=ppt/slides/slide18.xml><?xml version="1.0" encoding="utf-8"?>
+<p:sld xmlns:a="http://schemas.openxmlformats.org/drawingml/2006/main" xmlns:r="http://schemas.openxmlformats.org/officeDocument/2006/relationships" xmlns:p="http://schemas.openxmlformats.org/presentationml/2006/main">
+  <p:cSld>
+    <p:spTree>
+      <p:nvGrpSpPr>
+        <p:cNvPr id="1" name=""/>
+        <p:cNvGrpSpPr/>
+        <p:nvPr/>
+      </p:nvGrpSpPr>
+      <p:grpSpPr>
+        <a:xfrm>
+          <a:off x="0" y="0"/>
+          <a:ext cx="0" cy="0"/>
+          <a:chOff x="0" y="0"/>
+          <a:chExt cx="0" cy="0"/>
+        </a:xfrm>
+      </p:grpSpPr>
+      <p:sp>
+        <p:nvSpPr>
+          <p:cNvPr id="2" name="Title 1"/>
+          <p:cNvSpPr>
+            <a:spLocks noGrp="1"/>
+          </p:cNvSpPr>
+          <p:nvPr>
+            <p:ph type="title"/>
+          </p:nvPr>
+        </p:nvSpPr>
         <p:spPr>
           <a:xfrm>
             <a:off x="330200" y="396477"/>
@@ -17492,7 +17991,7 @@
 </p:sld>
 </file>
 
-<file path=ppt/slides/slide18.xml><?xml version="1.0" encoding="utf-8"?>
+<file path=ppt/slides/slide19.xml><?xml version="1.0" encoding="utf-8"?>
 <p:sld xmlns:a="http://schemas.openxmlformats.org/drawingml/2006/main" xmlns:r="http://schemas.openxmlformats.org/officeDocument/2006/relationships" xmlns:p="http://schemas.openxmlformats.org/presentationml/2006/main">
   <p:cSld>
     <p:spTree>
@@ -19302,471 +19801,6 @@
 </p:sld>
 </file>
 
-<file path=ppt/slides/slide19.xml><?xml version="1.0" encoding="utf-8"?>
-<p:sld xmlns:a="http://schemas.openxmlformats.org/drawingml/2006/main" xmlns:r="http://schemas.openxmlformats.org/officeDocument/2006/relationships" xmlns:p="http://schemas.openxmlformats.org/presentationml/2006/main">
-  <p:cSld>
-    <p:spTree>
-      <p:nvGrpSpPr>
-        <p:cNvPr id="1" name=""/>
-        <p:cNvGrpSpPr/>
-        <p:nvPr/>
-      </p:nvGrpSpPr>
-      <p:grpSpPr>
-        <a:xfrm>
-          <a:off x="0" y="0"/>
-          <a:ext cx="0" cy="0"/>
-          <a:chOff x="0" y="0"/>
-          <a:chExt cx="0" cy="0"/>
-        </a:xfrm>
-      </p:grpSpPr>
-      <p:sp>
-        <p:nvSpPr>
-          <p:cNvPr id="2" name="Title 1"/>
-          <p:cNvSpPr>
-            <a:spLocks noGrp="1"/>
-          </p:cNvSpPr>
-          <p:nvPr>
-            <p:ph type="title"/>
-          </p:nvPr>
-        </p:nvSpPr>
-        <p:spPr/>
-        <p:txBody>
-          <a:bodyPr/>
-          <a:lstStyle/>
-          <a:p>
-            <a:r>
-              <a:rPr lang="da-DK" dirty="0" err="1"/>
-              <a:t>Exceptions</a:t>
-            </a:r>
-            <a:r>
-              <a:rPr lang="da-DK" dirty="0"/>
-              <a:t> </a:t>
-            </a:r>
-            <a:r>
-              <a:rPr lang="da-DK" dirty="0" err="1"/>
-              <a:t>while</a:t>
-            </a:r>
-            <a:r>
-              <a:rPr lang="da-DK" dirty="0"/>
-              <a:t> </a:t>
-            </a:r>
-            <a:r>
-              <a:rPr lang="da-DK" dirty="0" err="1"/>
-              <a:t>dealing</a:t>
-            </a:r>
-            <a:r>
-              <a:rPr lang="da-DK" dirty="0"/>
-              <a:t> with files</a:t>
-            </a:r>
-            <a:endParaRPr lang="en-US" dirty="0"/>
-          </a:p>
-        </p:txBody>
-      </p:sp>
-      <p:sp>
-        <p:nvSpPr>
-          <p:cNvPr id="3" name="Content Placeholder 2"/>
-          <p:cNvSpPr>
-            <a:spLocks noGrp="1"/>
-          </p:cNvSpPr>
-          <p:nvPr>
-            <p:ph idx="1"/>
-          </p:nvPr>
-        </p:nvSpPr>
-        <p:spPr>
-          <a:xfrm>
-            <a:off x="911773" y="3038010"/>
-            <a:ext cx="4974021" cy="1926568"/>
-          </a:xfrm>
-        </p:spPr>
-        <p:txBody>
-          <a:bodyPr/>
-          <a:lstStyle/>
-          <a:p>
-            <a:r>
-              <a:rPr lang="en-US" dirty="0"/>
-              <a:t>When dealing with files one should be prepared to handle errors / raised exceptions, e.g. </a:t>
-            </a:r>
-            <a:r>
-              <a:rPr lang="en-US" dirty="0" err="1">
-                <a:latin typeface="Courier New" panose="02070309020205020404" pitchFamily="49" charset="0"/>
-                <a:cs typeface="Courier New" panose="02070309020205020404" pitchFamily="49" charset="0"/>
-              </a:rPr>
-              <a:t>FileNotFoundError</a:t>
-            </a:r>
-            <a:endParaRPr lang="en-US" dirty="0"/>
-          </a:p>
-        </p:txBody>
-      </p:sp>
-      <p:graphicFrame>
-        <p:nvGraphicFramePr>
-          <p:cNvPr id="4" name="Content Placeholder 3"/>
-          <p:cNvGraphicFramePr>
-            <a:graphicFrameLocks/>
-          </p:cNvGraphicFramePr>
-          <p:nvPr>
-            <p:extLst>
-              <p:ext uri="{D42A27DB-BD31-4B8C-83A1-F6EECF244321}">
-                <p14:modId xmlns:p14="http://schemas.microsoft.com/office/powerpoint/2010/main" val="3341886021"/>
-              </p:ext>
-            </p:extLst>
-          </p:nvPr>
-        </p:nvGraphicFramePr>
-        <p:xfrm>
-          <a:off x="6587358" y="2401094"/>
-          <a:ext cx="5275780" cy="3200400"/>
-        </p:xfrm>
-        <a:graphic>
-          <a:graphicData uri="http://schemas.openxmlformats.org/drawingml/2006/table">
-            <a:tbl>
-              <a:tblPr firstRow="1" bandRow="1">
-                <a:tableStyleId>{5C22544A-7EE6-4342-B048-85BDC9FD1C3A}</a:tableStyleId>
-              </a:tblPr>
-              <a:tblGrid>
-                <a:gridCol w="5275780">
-                  <a:extLst>
-                    <a:ext uri="{9D8B030D-6E8A-4147-A177-3AD203B41FA5}">
-                      <a16:colId xmlns:a16="http://schemas.microsoft.com/office/drawing/2014/main" val="1873682825"/>
-                    </a:ext>
-                  </a:extLst>
-                </a:gridCol>
-              </a:tblGrid>
-              <a:tr h="291530">
-                <a:tc>
-                  <a:txBody>
-                    <a:bodyPr/>
-                    <a:lstStyle/>
-                    <a:p>
-                      <a:r>
-                        <a:rPr lang="da-DK" sz="1800" b="1" dirty="0">
-                          <a:latin typeface="Courier New" panose="02070309020205020404" pitchFamily="49" charset="0"/>
-                          <a:cs typeface="Courier New" panose="02070309020205020404" pitchFamily="49" charset="0"/>
-                        </a:rPr>
-                        <a:t>reading-file4.py</a:t>
-                      </a:r>
-                    </a:p>
-                  </a:txBody>
-                  <a:tcPr anchor="ctr">
-                    <a:lnL w="6350" cap="flat" cmpd="sng" algn="ctr">
-                      <a:solidFill>
-                        <a:schemeClr val="tx1"/>
-                      </a:solidFill>
-                      <a:prstDash val="solid"/>
-                      <a:round/>
-                      <a:headEnd type="none" w="med" len="med"/>
-                      <a:tailEnd type="none" w="med" len="med"/>
-                    </a:lnL>
-                    <a:lnR w="6350" cap="flat" cmpd="sng" algn="ctr">
-                      <a:solidFill>
-                        <a:schemeClr val="tx1"/>
-                      </a:solidFill>
-                      <a:prstDash val="solid"/>
-                      <a:round/>
-                      <a:headEnd type="none" w="med" len="med"/>
-                      <a:tailEnd type="none" w="med" len="med"/>
-                    </a:lnR>
-                    <a:lnT w="6350" cap="flat" cmpd="sng" algn="ctr">
-                      <a:solidFill>
-                        <a:schemeClr val="tx1"/>
-                      </a:solidFill>
-                      <a:prstDash val="solid"/>
-                      <a:round/>
-                      <a:headEnd type="none" w="med" len="med"/>
-                      <a:tailEnd type="none" w="med" len="med"/>
-                    </a:lnT>
-                    <a:lnB w="6350" cap="flat" cmpd="sng" algn="ctr">
-                      <a:solidFill>
-                        <a:schemeClr val="tx1"/>
-                      </a:solidFill>
-                      <a:prstDash val="solid"/>
-                      <a:round/>
-                      <a:headEnd type="none" w="med" len="med"/>
-                      <a:tailEnd type="none" w="med" len="med"/>
-                    </a:lnB>
-                    <a:lnTlToBr w="12700" cmpd="sng">
-                      <a:noFill/>
-                      <a:prstDash val="solid"/>
-                    </a:lnTlToBr>
-                    <a:lnBlToTr w="12700" cmpd="sng">
-                      <a:noFill/>
-                      <a:prstDash val="solid"/>
-                    </a:lnBlToTr>
-                    <a:solidFill>
-                      <a:srgbClr val="C00000"/>
-                    </a:solidFill>
-                  </a:tcPr>
-                </a:tc>
-                <a:extLst>
-                  <a:ext uri="{0D108BD9-81ED-4DB2-BD59-A6C34878D82A}">
-                    <a16:rowId xmlns:a16="http://schemas.microsoft.com/office/drawing/2014/main" val="3330819881"/>
-                  </a:ext>
-                </a:extLst>
-              </a:tr>
-              <a:tr h="836252">
-                <a:tc>
-                  <a:txBody>
-                    <a:bodyPr/>
-                    <a:lstStyle/>
-                    <a:p>
-                      <a:r>
-                        <a:rPr lang="en-US" sz="1800" b="1" dirty="0">
-                          <a:solidFill>
-                            <a:srgbClr val="C00000"/>
-                          </a:solidFill>
-                          <a:latin typeface="Courier New" panose="02070309020205020404" pitchFamily="49" charset="0"/>
-                          <a:cs typeface="Courier New" panose="02070309020205020404" pitchFamily="49" charset="0"/>
-                        </a:rPr>
-                        <a:t>try:</a:t>
-                      </a:r>
-                    </a:p>
-                    <a:p>
-                      <a:r>
-                        <a:rPr lang="en-US" sz="1800" b="1" dirty="0">
-                          <a:solidFill>
-                            <a:schemeClr val="tx1"/>
-                          </a:solidFill>
-                          <a:latin typeface="Courier New" panose="02070309020205020404" pitchFamily="49" charset="0"/>
-                          <a:cs typeface="Courier New" panose="02070309020205020404" pitchFamily="49" charset="0"/>
-                        </a:rPr>
-                        <a:t>    f = open('reading-file4.py')</a:t>
-                      </a:r>
-                    </a:p>
-                    <a:p>
-                      <a:r>
-                        <a:rPr lang="en-US" sz="1800" b="1" dirty="0">
-                          <a:solidFill>
-                            <a:srgbClr val="C00000"/>
-                          </a:solidFill>
-                          <a:latin typeface="Courier New" panose="02070309020205020404" pitchFamily="49" charset="0"/>
-                          <a:cs typeface="Courier New" panose="02070309020205020404" pitchFamily="49" charset="0"/>
-                        </a:rPr>
-                        <a:t>except </a:t>
-                      </a:r>
-                      <a:r>
-                        <a:rPr lang="en-US" sz="1800" b="1" dirty="0" err="1">
-                          <a:solidFill>
-                            <a:srgbClr val="C00000"/>
-                          </a:solidFill>
-                          <a:latin typeface="Courier New" panose="02070309020205020404" pitchFamily="49" charset="0"/>
-                          <a:cs typeface="Courier New" panose="02070309020205020404" pitchFamily="49" charset="0"/>
-                        </a:rPr>
-                        <a:t>FileNotFoundError</a:t>
-                      </a:r>
-                      <a:r>
-                        <a:rPr lang="en-US" sz="1800" b="1" dirty="0">
-                          <a:solidFill>
-                            <a:srgbClr val="C00000"/>
-                          </a:solidFill>
-                          <a:latin typeface="Courier New" panose="02070309020205020404" pitchFamily="49" charset="0"/>
-                          <a:cs typeface="Courier New" panose="02070309020205020404" pitchFamily="49" charset="0"/>
-                        </a:rPr>
-                        <a:t>:</a:t>
-                      </a:r>
-                    </a:p>
-                    <a:p>
-                      <a:r>
-                        <a:rPr lang="en-US" sz="1800" b="1" dirty="0">
-                          <a:solidFill>
-                            <a:schemeClr val="tx1"/>
-                          </a:solidFill>
-                          <a:latin typeface="Courier New" panose="02070309020205020404" pitchFamily="49" charset="0"/>
-                          <a:cs typeface="Courier New" panose="02070309020205020404" pitchFamily="49" charset="0"/>
-                        </a:rPr>
-                        <a:t>    print('Could not open file')</a:t>
-                      </a:r>
-                    </a:p>
-                    <a:p>
-                      <a:r>
-                        <a:rPr lang="en-US" sz="1800" b="1" dirty="0">
-                          <a:solidFill>
-                            <a:srgbClr val="C00000"/>
-                          </a:solidFill>
-                          <a:latin typeface="Courier New" panose="02070309020205020404" pitchFamily="49" charset="0"/>
-                          <a:cs typeface="Courier New" panose="02070309020205020404" pitchFamily="49" charset="0"/>
-                        </a:rPr>
-                        <a:t>else:</a:t>
-                      </a:r>
-                    </a:p>
-                    <a:p>
-                      <a:r>
-                        <a:rPr lang="en-US" sz="1800" b="1" dirty="0">
-                          <a:solidFill>
-                            <a:schemeClr val="tx1"/>
-                          </a:solidFill>
-                          <a:latin typeface="Courier New" panose="02070309020205020404" pitchFamily="49" charset="0"/>
-                          <a:cs typeface="Courier New" panose="02070309020205020404" pitchFamily="49" charset="0"/>
-                        </a:rPr>
-                        <a:t>    </a:t>
-                      </a:r>
-                      <a:r>
-                        <a:rPr lang="en-US" sz="1800" b="1" dirty="0">
-                          <a:solidFill>
-                            <a:srgbClr val="C00000"/>
-                          </a:solidFill>
-                          <a:latin typeface="Courier New" panose="02070309020205020404" pitchFamily="49" charset="0"/>
-                          <a:cs typeface="Courier New" panose="02070309020205020404" pitchFamily="49" charset="0"/>
-                        </a:rPr>
-                        <a:t>try:</a:t>
-                      </a:r>
-                    </a:p>
-                    <a:p>
-                      <a:r>
-                        <a:rPr lang="en-US" sz="1800" b="1" dirty="0">
-                          <a:solidFill>
-                            <a:schemeClr val="tx1"/>
-                          </a:solidFill>
-                          <a:latin typeface="Courier New" panose="02070309020205020404" pitchFamily="49" charset="0"/>
-                          <a:cs typeface="Courier New" panose="02070309020205020404" pitchFamily="49" charset="0"/>
-                        </a:rPr>
-                        <a:t>        for line in f:</a:t>
-                      </a:r>
-                    </a:p>
-                    <a:p>
-                      <a:r>
-                        <a:rPr lang="en-US" sz="1800" b="1" dirty="0">
-                          <a:latin typeface="Courier New" panose="02070309020205020404" pitchFamily="49" charset="0"/>
-                          <a:cs typeface="Courier New" panose="02070309020205020404" pitchFamily="49" charset="0"/>
-                        </a:rPr>
-                        <a:t>            print('&gt; ', line, end='') </a:t>
-                      </a:r>
-                      <a:endParaRPr lang="en-US" sz="1800" b="1" dirty="0">
-                        <a:solidFill>
-                          <a:schemeClr val="tx1"/>
-                        </a:solidFill>
-                        <a:latin typeface="Courier New" panose="02070309020205020404" pitchFamily="49" charset="0"/>
-                        <a:cs typeface="Courier New" panose="02070309020205020404" pitchFamily="49" charset="0"/>
-                      </a:endParaRPr>
-                    </a:p>
-                    <a:p>
-                      <a:r>
-                        <a:rPr lang="en-US" sz="1800" b="1" dirty="0">
-                          <a:solidFill>
-                            <a:schemeClr val="tx1"/>
-                          </a:solidFill>
-                          <a:latin typeface="Courier New" panose="02070309020205020404" pitchFamily="49" charset="0"/>
-                          <a:cs typeface="Courier New" panose="02070309020205020404" pitchFamily="49" charset="0"/>
-                        </a:rPr>
-                        <a:t>    </a:t>
-                      </a:r>
-                      <a:r>
-                        <a:rPr lang="en-US" sz="1800" b="1" dirty="0">
-                          <a:solidFill>
-                            <a:srgbClr val="C00000"/>
-                          </a:solidFill>
-                          <a:latin typeface="Courier New" panose="02070309020205020404" pitchFamily="49" charset="0"/>
-                          <a:cs typeface="Courier New" panose="02070309020205020404" pitchFamily="49" charset="0"/>
-                        </a:rPr>
-                        <a:t>finally:</a:t>
-                      </a:r>
-                    </a:p>
-                    <a:p>
-                      <a:r>
-                        <a:rPr lang="en-US" sz="1800" b="1" dirty="0">
-                          <a:solidFill>
-                            <a:schemeClr val="tx1"/>
-                          </a:solidFill>
-                          <a:latin typeface="Courier New" panose="02070309020205020404" pitchFamily="49" charset="0"/>
-                          <a:cs typeface="Courier New" panose="02070309020205020404" pitchFamily="49" charset="0"/>
-                        </a:rPr>
-                        <a:t>        </a:t>
-                      </a:r>
-                      <a:r>
-                        <a:rPr lang="en-US" sz="1800" b="1" dirty="0" err="1">
-                          <a:solidFill>
-                            <a:schemeClr val="tx1"/>
-                          </a:solidFill>
-                          <a:latin typeface="Courier New" panose="02070309020205020404" pitchFamily="49" charset="0"/>
-                          <a:cs typeface="Courier New" panose="02070309020205020404" pitchFamily="49" charset="0"/>
-                        </a:rPr>
-                        <a:t>f.close</a:t>
-                      </a:r>
-                      <a:r>
-                        <a:rPr lang="en-US" sz="1800" b="1" dirty="0">
-                          <a:solidFill>
-                            <a:schemeClr val="tx1"/>
-                          </a:solidFill>
-                          <a:latin typeface="Courier New" panose="02070309020205020404" pitchFamily="49" charset="0"/>
-                          <a:cs typeface="Courier New" panose="02070309020205020404" pitchFamily="49" charset="0"/>
-                        </a:rPr>
-                        <a:t>()</a:t>
-                      </a:r>
-                    </a:p>
-                  </a:txBody>
-                  <a:tcPr>
-                    <a:lnL w="6350" cap="flat" cmpd="sng" algn="ctr">
-                      <a:solidFill>
-                        <a:schemeClr val="tx1"/>
-                      </a:solidFill>
-                      <a:prstDash val="solid"/>
-                      <a:round/>
-                      <a:headEnd type="none" w="med" len="med"/>
-                      <a:tailEnd type="none" w="med" len="med"/>
-                    </a:lnL>
-                    <a:lnR w="6350" cap="flat" cmpd="sng" algn="ctr">
-                      <a:solidFill>
-                        <a:schemeClr val="tx1"/>
-                      </a:solidFill>
-                      <a:prstDash val="solid"/>
-                      <a:round/>
-                      <a:headEnd type="none" w="med" len="med"/>
-                      <a:tailEnd type="none" w="med" len="med"/>
-                    </a:lnR>
-                    <a:lnT w="6350" cap="flat" cmpd="sng" algn="ctr">
-                      <a:solidFill>
-                        <a:schemeClr val="tx1"/>
-                      </a:solidFill>
-                      <a:prstDash val="solid"/>
-                      <a:round/>
-                      <a:headEnd type="none" w="med" len="med"/>
-                      <a:tailEnd type="none" w="med" len="med"/>
-                    </a:lnT>
-                    <a:lnB w="6350" cap="flat" cmpd="sng" algn="ctr">
-                      <a:solidFill>
-                        <a:schemeClr val="tx1"/>
-                      </a:solidFill>
-                      <a:prstDash val="solid"/>
-                      <a:round/>
-                      <a:headEnd type="none" w="med" len="med"/>
-                      <a:tailEnd type="none" w="med" len="med"/>
-                    </a:lnB>
-                    <a:lnTlToBr w="12700" cmpd="sng">
-                      <a:noFill/>
-                      <a:prstDash val="solid"/>
-                    </a:lnTlToBr>
-                    <a:lnBlToTr w="12700" cmpd="sng">
-                      <a:noFill/>
-                      <a:prstDash val="solid"/>
-                    </a:lnBlToTr>
-                    <a:solidFill>
-                      <a:schemeClr val="accent5">
-                        <a:lumMod val="20000"/>
-                        <a:lumOff val="80000"/>
-                      </a:schemeClr>
-                    </a:solidFill>
-                  </a:tcPr>
-                </a:tc>
-                <a:extLst>
-                  <a:ext uri="{0D108BD9-81ED-4DB2-BD59-A6C34878D82A}">
-                    <a16:rowId xmlns:a16="http://schemas.microsoft.com/office/drawing/2014/main" val="4112970457"/>
-                  </a:ext>
-                </a:extLst>
-              </a:tr>
-            </a:tbl>
-          </a:graphicData>
-        </a:graphic>
-      </p:graphicFrame>
-    </p:spTree>
-    <p:extLst>
-      <p:ext uri="{BB962C8B-B14F-4D97-AF65-F5344CB8AC3E}">
-        <p14:creationId xmlns:p14="http://schemas.microsoft.com/office/powerpoint/2010/main" val="1043759414"/>
-      </p:ext>
-    </p:extLst>
-  </p:cSld>
-  <p:clrMapOvr>
-    <a:masterClrMapping/>
-  </p:clrMapOvr>
-</p:sld>
-</file>
-
 <file path=ppt/slides/slide2.xml><?xml version="1.0" encoding="utf-8"?>
 <p:sld xmlns:a="http://schemas.openxmlformats.org/drawingml/2006/main" xmlns:r="http://schemas.openxmlformats.org/officeDocument/2006/relationships" xmlns:p="http://schemas.openxmlformats.org/presentationml/2006/main">
   <p:cSld>
@@ -20098,6 +20132,471 @@
           <a:p>
             <a:r>
               <a:rPr lang="da-DK" dirty="0" err="1"/>
+              <a:t>Exceptions</a:t>
+            </a:r>
+            <a:r>
+              <a:rPr lang="da-DK" dirty="0"/>
+              <a:t> </a:t>
+            </a:r>
+            <a:r>
+              <a:rPr lang="da-DK" dirty="0" err="1"/>
+              <a:t>while</a:t>
+            </a:r>
+            <a:r>
+              <a:rPr lang="da-DK" dirty="0"/>
+              <a:t> </a:t>
+            </a:r>
+            <a:r>
+              <a:rPr lang="da-DK" dirty="0" err="1"/>
+              <a:t>dealing</a:t>
+            </a:r>
+            <a:r>
+              <a:rPr lang="da-DK" dirty="0"/>
+              <a:t> with files</a:t>
+            </a:r>
+            <a:endParaRPr lang="en-US" dirty="0"/>
+          </a:p>
+        </p:txBody>
+      </p:sp>
+      <p:sp>
+        <p:nvSpPr>
+          <p:cNvPr id="3" name="Content Placeholder 2"/>
+          <p:cNvSpPr>
+            <a:spLocks noGrp="1"/>
+          </p:cNvSpPr>
+          <p:nvPr>
+            <p:ph idx="1"/>
+          </p:nvPr>
+        </p:nvSpPr>
+        <p:spPr>
+          <a:xfrm>
+            <a:off x="911773" y="3038010"/>
+            <a:ext cx="4974021" cy="1926568"/>
+          </a:xfrm>
+        </p:spPr>
+        <p:txBody>
+          <a:bodyPr/>
+          <a:lstStyle/>
+          <a:p>
+            <a:r>
+              <a:rPr lang="en-US" dirty="0"/>
+              <a:t>When dealing with files one should be prepared to handle errors / raised exceptions, e.g. </a:t>
+            </a:r>
+            <a:r>
+              <a:rPr lang="en-US" dirty="0" err="1">
+                <a:latin typeface="Courier New" panose="02070309020205020404" pitchFamily="49" charset="0"/>
+                <a:cs typeface="Courier New" panose="02070309020205020404" pitchFamily="49" charset="0"/>
+              </a:rPr>
+              <a:t>FileNotFoundError</a:t>
+            </a:r>
+            <a:endParaRPr lang="en-US" dirty="0"/>
+          </a:p>
+        </p:txBody>
+      </p:sp>
+      <p:graphicFrame>
+        <p:nvGraphicFramePr>
+          <p:cNvPr id="4" name="Content Placeholder 3"/>
+          <p:cNvGraphicFramePr>
+            <a:graphicFrameLocks/>
+          </p:cNvGraphicFramePr>
+          <p:nvPr>
+            <p:extLst>
+              <p:ext uri="{D42A27DB-BD31-4B8C-83A1-F6EECF244321}">
+                <p14:modId xmlns:p14="http://schemas.microsoft.com/office/powerpoint/2010/main" val="3341886021"/>
+              </p:ext>
+            </p:extLst>
+          </p:nvPr>
+        </p:nvGraphicFramePr>
+        <p:xfrm>
+          <a:off x="6587358" y="2401094"/>
+          <a:ext cx="5275780" cy="3200400"/>
+        </p:xfrm>
+        <a:graphic>
+          <a:graphicData uri="http://schemas.openxmlformats.org/drawingml/2006/table">
+            <a:tbl>
+              <a:tblPr firstRow="1" bandRow="1">
+                <a:tableStyleId>{5C22544A-7EE6-4342-B048-85BDC9FD1C3A}</a:tableStyleId>
+              </a:tblPr>
+              <a:tblGrid>
+                <a:gridCol w="5275780">
+                  <a:extLst>
+                    <a:ext uri="{9D8B030D-6E8A-4147-A177-3AD203B41FA5}">
+                      <a16:colId xmlns:a16="http://schemas.microsoft.com/office/drawing/2014/main" val="1873682825"/>
+                    </a:ext>
+                  </a:extLst>
+                </a:gridCol>
+              </a:tblGrid>
+              <a:tr h="291530">
+                <a:tc>
+                  <a:txBody>
+                    <a:bodyPr/>
+                    <a:lstStyle/>
+                    <a:p>
+                      <a:r>
+                        <a:rPr lang="da-DK" sz="1800" b="1" dirty="0">
+                          <a:latin typeface="Courier New" panose="02070309020205020404" pitchFamily="49" charset="0"/>
+                          <a:cs typeface="Courier New" panose="02070309020205020404" pitchFamily="49" charset="0"/>
+                        </a:rPr>
+                        <a:t>reading-file4.py</a:t>
+                      </a:r>
+                    </a:p>
+                  </a:txBody>
+                  <a:tcPr anchor="ctr">
+                    <a:lnL w="6350" cap="flat" cmpd="sng" algn="ctr">
+                      <a:solidFill>
+                        <a:schemeClr val="tx1"/>
+                      </a:solidFill>
+                      <a:prstDash val="solid"/>
+                      <a:round/>
+                      <a:headEnd type="none" w="med" len="med"/>
+                      <a:tailEnd type="none" w="med" len="med"/>
+                    </a:lnL>
+                    <a:lnR w="6350" cap="flat" cmpd="sng" algn="ctr">
+                      <a:solidFill>
+                        <a:schemeClr val="tx1"/>
+                      </a:solidFill>
+                      <a:prstDash val="solid"/>
+                      <a:round/>
+                      <a:headEnd type="none" w="med" len="med"/>
+                      <a:tailEnd type="none" w="med" len="med"/>
+                    </a:lnR>
+                    <a:lnT w="6350" cap="flat" cmpd="sng" algn="ctr">
+                      <a:solidFill>
+                        <a:schemeClr val="tx1"/>
+                      </a:solidFill>
+                      <a:prstDash val="solid"/>
+                      <a:round/>
+                      <a:headEnd type="none" w="med" len="med"/>
+                      <a:tailEnd type="none" w="med" len="med"/>
+                    </a:lnT>
+                    <a:lnB w="6350" cap="flat" cmpd="sng" algn="ctr">
+                      <a:solidFill>
+                        <a:schemeClr val="tx1"/>
+                      </a:solidFill>
+                      <a:prstDash val="solid"/>
+                      <a:round/>
+                      <a:headEnd type="none" w="med" len="med"/>
+                      <a:tailEnd type="none" w="med" len="med"/>
+                    </a:lnB>
+                    <a:lnTlToBr w="12700" cmpd="sng">
+                      <a:noFill/>
+                      <a:prstDash val="solid"/>
+                    </a:lnTlToBr>
+                    <a:lnBlToTr w="12700" cmpd="sng">
+                      <a:noFill/>
+                      <a:prstDash val="solid"/>
+                    </a:lnBlToTr>
+                    <a:solidFill>
+                      <a:srgbClr val="C00000"/>
+                    </a:solidFill>
+                  </a:tcPr>
+                </a:tc>
+                <a:extLst>
+                  <a:ext uri="{0D108BD9-81ED-4DB2-BD59-A6C34878D82A}">
+                    <a16:rowId xmlns:a16="http://schemas.microsoft.com/office/drawing/2014/main" val="3330819881"/>
+                  </a:ext>
+                </a:extLst>
+              </a:tr>
+              <a:tr h="836252">
+                <a:tc>
+                  <a:txBody>
+                    <a:bodyPr/>
+                    <a:lstStyle/>
+                    <a:p>
+                      <a:r>
+                        <a:rPr lang="en-US" sz="1800" b="1" dirty="0">
+                          <a:solidFill>
+                            <a:srgbClr val="C00000"/>
+                          </a:solidFill>
+                          <a:latin typeface="Courier New" panose="02070309020205020404" pitchFamily="49" charset="0"/>
+                          <a:cs typeface="Courier New" panose="02070309020205020404" pitchFamily="49" charset="0"/>
+                        </a:rPr>
+                        <a:t>try:</a:t>
+                      </a:r>
+                    </a:p>
+                    <a:p>
+                      <a:r>
+                        <a:rPr lang="en-US" sz="1800" b="1" dirty="0">
+                          <a:solidFill>
+                            <a:schemeClr val="tx1"/>
+                          </a:solidFill>
+                          <a:latin typeface="Courier New" panose="02070309020205020404" pitchFamily="49" charset="0"/>
+                          <a:cs typeface="Courier New" panose="02070309020205020404" pitchFamily="49" charset="0"/>
+                        </a:rPr>
+                        <a:t>    f = open('reading-file4.py')</a:t>
+                      </a:r>
+                    </a:p>
+                    <a:p>
+                      <a:r>
+                        <a:rPr lang="en-US" sz="1800" b="1" dirty="0">
+                          <a:solidFill>
+                            <a:srgbClr val="C00000"/>
+                          </a:solidFill>
+                          <a:latin typeface="Courier New" panose="02070309020205020404" pitchFamily="49" charset="0"/>
+                          <a:cs typeface="Courier New" panose="02070309020205020404" pitchFamily="49" charset="0"/>
+                        </a:rPr>
+                        <a:t>except </a:t>
+                      </a:r>
+                      <a:r>
+                        <a:rPr lang="en-US" sz="1800" b="1" dirty="0" err="1">
+                          <a:solidFill>
+                            <a:srgbClr val="C00000"/>
+                          </a:solidFill>
+                          <a:latin typeface="Courier New" panose="02070309020205020404" pitchFamily="49" charset="0"/>
+                          <a:cs typeface="Courier New" panose="02070309020205020404" pitchFamily="49" charset="0"/>
+                        </a:rPr>
+                        <a:t>FileNotFoundError</a:t>
+                      </a:r>
+                      <a:r>
+                        <a:rPr lang="en-US" sz="1800" b="1" dirty="0">
+                          <a:solidFill>
+                            <a:srgbClr val="C00000"/>
+                          </a:solidFill>
+                          <a:latin typeface="Courier New" panose="02070309020205020404" pitchFamily="49" charset="0"/>
+                          <a:cs typeface="Courier New" panose="02070309020205020404" pitchFamily="49" charset="0"/>
+                        </a:rPr>
+                        <a:t>:</a:t>
+                      </a:r>
+                    </a:p>
+                    <a:p>
+                      <a:r>
+                        <a:rPr lang="en-US" sz="1800" b="1" dirty="0">
+                          <a:solidFill>
+                            <a:schemeClr val="tx1"/>
+                          </a:solidFill>
+                          <a:latin typeface="Courier New" panose="02070309020205020404" pitchFamily="49" charset="0"/>
+                          <a:cs typeface="Courier New" panose="02070309020205020404" pitchFamily="49" charset="0"/>
+                        </a:rPr>
+                        <a:t>    print('Could not open file')</a:t>
+                      </a:r>
+                    </a:p>
+                    <a:p>
+                      <a:r>
+                        <a:rPr lang="en-US" sz="1800" b="1" dirty="0">
+                          <a:solidFill>
+                            <a:srgbClr val="C00000"/>
+                          </a:solidFill>
+                          <a:latin typeface="Courier New" panose="02070309020205020404" pitchFamily="49" charset="0"/>
+                          <a:cs typeface="Courier New" panose="02070309020205020404" pitchFamily="49" charset="0"/>
+                        </a:rPr>
+                        <a:t>else:</a:t>
+                      </a:r>
+                    </a:p>
+                    <a:p>
+                      <a:r>
+                        <a:rPr lang="en-US" sz="1800" b="1" dirty="0">
+                          <a:solidFill>
+                            <a:schemeClr val="tx1"/>
+                          </a:solidFill>
+                          <a:latin typeface="Courier New" panose="02070309020205020404" pitchFamily="49" charset="0"/>
+                          <a:cs typeface="Courier New" panose="02070309020205020404" pitchFamily="49" charset="0"/>
+                        </a:rPr>
+                        <a:t>    </a:t>
+                      </a:r>
+                      <a:r>
+                        <a:rPr lang="en-US" sz="1800" b="1" dirty="0">
+                          <a:solidFill>
+                            <a:srgbClr val="C00000"/>
+                          </a:solidFill>
+                          <a:latin typeface="Courier New" panose="02070309020205020404" pitchFamily="49" charset="0"/>
+                          <a:cs typeface="Courier New" panose="02070309020205020404" pitchFamily="49" charset="0"/>
+                        </a:rPr>
+                        <a:t>try:</a:t>
+                      </a:r>
+                    </a:p>
+                    <a:p>
+                      <a:r>
+                        <a:rPr lang="en-US" sz="1800" b="1" dirty="0">
+                          <a:solidFill>
+                            <a:schemeClr val="tx1"/>
+                          </a:solidFill>
+                          <a:latin typeface="Courier New" panose="02070309020205020404" pitchFamily="49" charset="0"/>
+                          <a:cs typeface="Courier New" panose="02070309020205020404" pitchFamily="49" charset="0"/>
+                        </a:rPr>
+                        <a:t>        for line in f:</a:t>
+                      </a:r>
+                    </a:p>
+                    <a:p>
+                      <a:r>
+                        <a:rPr lang="en-US" sz="1800" b="1" dirty="0">
+                          <a:latin typeface="Courier New" panose="02070309020205020404" pitchFamily="49" charset="0"/>
+                          <a:cs typeface="Courier New" panose="02070309020205020404" pitchFamily="49" charset="0"/>
+                        </a:rPr>
+                        <a:t>            print('&gt; ', line, end='') </a:t>
+                      </a:r>
+                      <a:endParaRPr lang="en-US" sz="1800" b="1" dirty="0">
+                        <a:solidFill>
+                          <a:schemeClr val="tx1"/>
+                        </a:solidFill>
+                        <a:latin typeface="Courier New" panose="02070309020205020404" pitchFamily="49" charset="0"/>
+                        <a:cs typeface="Courier New" panose="02070309020205020404" pitchFamily="49" charset="0"/>
+                      </a:endParaRPr>
+                    </a:p>
+                    <a:p>
+                      <a:r>
+                        <a:rPr lang="en-US" sz="1800" b="1" dirty="0">
+                          <a:solidFill>
+                            <a:schemeClr val="tx1"/>
+                          </a:solidFill>
+                          <a:latin typeface="Courier New" panose="02070309020205020404" pitchFamily="49" charset="0"/>
+                          <a:cs typeface="Courier New" panose="02070309020205020404" pitchFamily="49" charset="0"/>
+                        </a:rPr>
+                        <a:t>    </a:t>
+                      </a:r>
+                      <a:r>
+                        <a:rPr lang="en-US" sz="1800" b="1" dirty="0">
+                          <a:solidFill>
+                            <a:srgbClr val="C00000"/>
+                          </a:solidFill>
+                          <a:latin typeface="Courier New" panose="02070309020205020404" pitchFamily="49" charset="0"/>
+                          <a:cs typeface="Courier New" panose="02070309020205020404" pitchFamily="49" charset="0"/>
+                        </a:rPr>
+                        <a:t>finally:</a:t>
+                      </a:r>
+                    </a:p>
+                    <a:p>
+                      <a:r>
+                        <a:rPr lang="en-US" sz="1800" b="1" dirty="0">
+                          <a:solidFill>
+                            <a:schemeClr val="tx1"/>
+                          </a:solidFill>
+                          <a:latin typeface="Courier New" panose="02070309020205020404" pitchFamily="49" charset="0"/>
+                          <a:cs typeface="Courier New" panose="02070309020205020404" pitchFamily="49" charset="0"/>
+                        </a:rPr>
+                        <a:t>        </a:t>
+                      </a:r>
+                      <a:r>
+                        <a:rPr lang="en-US" sz="1800" b="1" dirty="0" err="1">
+                          <a:solidFill>
+                            <a:schemeClr val="tx1"/>
+                          </a:solidFill>
+                          <a:latin typeface="Courier New" panose="02070309020205020404" pitchFamily="49" charset="0"/>
+                          <a:cs typeface="Courier New" panose="02070309020205020404" pitchFamily="49" charset="0"/>
+                        </a:rPr>
+                        <a:t>f.close</a:t>
+                      </a:r>
+                      <a:r>
+                        <a:rPr lang="en-US" sz="1800" b="1" dirty="0">
+                          <a:solidFill>
+                            <a:schemeClr val="tx1"/>
+                          </a:solidFill>
+                          <a:latin typeface="Courier New" panose="02070309020205020404" pitchFamily="49" charset="0"/>
+                          <a:cs typeface="Courier New" panose="02070309020205020404" pitchFamily="49" charset="0"/>
+                        </a:rPr>
+                        <a:t>()</a:t>
+                      </a:r>
+                    </a:p>
+                  </a:txBody>
+                  <a:tcPr>
+                    <a:lnL w="6350" cap="flat" cmpd="sng" algn="ctr">
+                      <a:solidFill>
+                        <a:schemeClr val="tx1"/>
+                      </a:solidFill>
+                      <a:prstDash val="solid"/>
+                      <a:round/>
+                      <a:headEnd type="none" w="med" len="med"/>
+                      <a:tailEnd type="none" w="med" len="med"/>
+                    </a:lnL>
+                    <a:lnR w="6350" cap="flat" cmpd="sng" algn="ctr">
+                      <a:solidFill>
+                        <a:schemeClr val="tx1"/>
+                      </a:solidFill>
+                      <a:prstDash val="solid"/>
+                      <a:round/>
+                      <a:headEnd type="none" w="med" len="med"/>
+                      <a:tailEnd type="none" w="med" len="med"/>
+                    </a:lnR>
+                    <a:lnT w="6350" cap="flat" cmpd="sng" algn="ctr">
+                      <a:solidFill>
+                        <a:schemeClr val="tx1"/>
+                      </a:solidFill>
+                      <a:prstDash val="solid"/>
+                      <a:round/>
+                      <a:headEnd type="none" w="med" len="med"/>
+                      <a:tailEnd type="none" w="med" len="med"/>
+                    </a:lnT>
+                    <a:lnB w="6350" cap="flat" cmpd="sng" algn="ctr">
+                      <a:solidFill>
+                        <a:schemeClr val="tx1"/>
+                      </a:solidFill>
+                      <a:prstDash val="solid"/>
+                      <a:round/>
+                      <a:headEnd type="none" w="med" len="med"/>
+                      <a:tailEnd type="none" w="med" len="med"/>
+                    </a:lnB>
+                    <a:lnTlToBr w="12700" cmpd="sng">
+                      <a:noFill/>
+                      <a:prstDash val="solid"/>
+                    </a:lnTlToBr>
+                    <a:lnBlToTr w="12700" cmpd="sng">
+                      <a:noFill/>
+                      <a:prstDash val="solid"/>
+                    </a:lnBlToTr>
+                    <a:solidFill>
+                      <a:schemeClr val="accent5">
+                        <a:lumMod val="20000"/>
+                        <a:lumOff val="80000"/>
+                      </a:schemeClr>
+                    </a:solidFill>
+                  </a:tcPr>
+                </a:tc>
+                <a:extLst>
+                  <a:ext uri="{0D108BD9-81ED-4DB2-BD59-A6C34878D82A}">
+                    <a16:rowId xmlns:a16="http://schemas.microsoft.com/office/drawing/2014/main" val="4112970457"/>
+                  </a:ext>
+                </a:extLst>
+              </a:tr>
+            </a:tbl>
+          </a:graphicData>
+        </a:graphic>
+      </p:graphicFrame>
+    </p:spTree>
+    <p:extLst>
+      <p:ext uri="{BB962C8B-B14F-4D97-AF65-F5344CB8AC3E}">
+        <p14:creationId xmlns:p14="http://schemas.microsoft.com/office/powerpoint/2010/main" val="1043759414"/>
+      </p:ext>
+    </p:extLst>
+  </p:cSld>
+  <p:clrMapOvr>
+    <a:masterClrMapping/>
+  </p:clrMapOvr>
+</p:sld>
+</file>
+
+<file path=ppt/slides/slide21.xml><?xml version="1.0" encoding="utf-8"?>
+<p:sld xmlns:a="http://schemas.openxmlformats.org/drawingml/2006/main" xmlns:r="http://schemas.openxmlformats.org/officeDocument/2006/relationships" xmlns:p="http://schemas.openxmlformats.org/presentationml/2006/main">
+  <p:cSld>
+    <p:spTree>
+      <p:nvGrpSpPr>
+        <p:cNvPr id="1" name=""/>
+        <p:cNvGrpSpPr/>
+        <p:nvPr/>
+      </p:nvGrpSpPr>
+      <p:grpSpPr>
+        <a:xfrm>
+          <a:off x="0" y="0"/>
+          <a:ext cx="0" cy="0"/>
+          <a:chOff x="0" y="0"/>
+          <a:chExt cx="0" cy="0"/>
+        </a:xfrm>
+      </p:grpSpPr>
+      <p:sp>
+        <p:nvSpPr>
+          <p:cNvPr id="2" name="Title 1"/>
+          <p:cNvSpPr>
+            <a:spLocks noGrp="1"/>
+          </p:cNvSpPr>
+          <p:nvPr>
+            <p:ph type="title"/>
+          </p:nvPr>
+        </p:nvSpPr>
+        <p:spPr/>
+        <p:txBody>
+          <a:bodyPr/>
+          <a:lstStyle/>
+          <a:p>
+            <a:r>
+              <a:rPr lang="da-DK" dirty="0" err="1"/>
               <a:t>Opening</a:t>
             </a:r>
             <a:r>
@@ -20125,7 +20624,7 @@
             </a:r>
             <a:r>
               <a:rPr lang="da-DK" dirty="0" err="1"/>
-              <a:t>recommend</a:t>
+              <a:t>recommended</a:t>
             </a:r>
             <a:r>
               <a:rPr lang="da-DK" dirty="0"/>
@@ -21135,7 +21634,7 @@
 </p:sld>
 </file>
 
-<file path=ppt/slides/slide21.xml><?xml version="1.0" encoding="utf-8"?>
+<file path=ppt/slides/slide22.xml><?xml version="1.0" encoding="utf-8"?>
 <p:sld xmlns:a="http://schemas.openxmlformats.org/drawingml/2006/main" xmlns:r="http://schemas.openxmlformats.org/officeDocument/2006/relationships" xmlns:p="http://schemas.openxmlformats.org/presentationml/2006/main">
   <p:cSld>
     <p:spTree>
@@ -21598,7 +22097,7 @@
 </p:sld>
 </file>
 
-<file path=ppt/slides/slide22.xml><?xml version="1.0" encoding="utf-8"?>
+<file path=ppt/slides/slide23.xml><?xml version="1.0" encoding="utf-8"?>
 <p:sld xmlns:a="http://schemas.openxmlformats.org/drawingml/2006/main" xmlns:r="http://schemas.openxmlformats.org/officeDocument/2006/relationships" xmlns:p="http://schemas.openxmlformats.org/presentationml/2006/main">
   <p:cSld>
     <p:spTree>
@@ -22318,7 +22817,7 @@
 </p:sld>
 </file>
 
-<file path=ppt/slides/slide23.xml><?xml version="1.0" encoding="utf-8"?>
+<file path=ppt/slides/slide24.xml><?xml version="1.0" encoding="utf-8"?>
 <p:sld xmlns:a="http://schemas.openxmlformats.org/drawingml/2006/main" xmlns:r="http://schemas.openxmlformats.org/officeDocument/2006/relationships" xmlns:p="http://schemas.openxmlformats.org/presentationml/2006/main">
   <p:cSld>
     <p:spTree>
@@ -23167,12 +23666,18 @@
 </p:sld>
 </file>
 
-<file path=ppt/slides/slide24.xml><?xml version="1.0" encoding="utf-8"?>
+<file path=ppt/slides/slide25.xml><?xml version="1.0" encoding="utf-8"?>
 <p:sld xmlns:a="http://schemas.openxmlformats.org/drawingml/2006/main" xmlns:r="http://schemas.openxmlformats.org/officeDocument/2006/relationships" xmlns:p="http://schemas.openxmlformats.org/presentationml/2006/main">
   <p:cSld>
     <p:spTree>
       <p:nvGrpSpPr>
-        <p:cNvPr id="1" name=""/>
+        <p:cNvPr id="1" name="">
+          <a:extLst>
+            <a:ext uri="{FF2B5EF4-FFF2-40B4-BE49-F238E27FC236}">
+              <a16:creationId xmlns:a16="http://schemas.microsoft.com/office/drawing/2014/main" id="{08752A00-079A-F0F1-AF17-BED1827A2D6B}"/>
+            </a:ext>
+          </a:extLst>
+        </p:cNvPr>
         <p:cNvGrpSpPr/>
         <p:nvPr/>
       </p:nvGrpSpPr>
@@ -23186,7 +23691,13 @@
       </p:grpSpPr>
       <p:sp>
         <p:nvSpPr>
-          <p:cNvPr id="2" name="Title 1"/>
+          <p:cNvPr id="2" name="Title 1">
+            <a:extLst>
+              <a:ext uri="{FF2B5EF4-FFF2-40B4-BE49-F238E27FC236}">
+                <a16:creationId xmlns:a16="http://schemas.microsoft.com/office/drawing/2014/main" id="{C5893043-CC40-B57B-3459-60612813E8BC}"/>
+              </a:ext>
+            </a:extLst>
+          </p:cNvPr>
           <p:cNvSpPr>
             <a:spLocks noGrp="1"/>
           </p:cNvSpPr>
@@ -23194,26 +23705,34 @@
             <p:ph type="title"/>
           </p:nvPr>
         </p:nvSpPr>
-        <p:spPr/>
+        <p:spPr>
+          <a:xfrm>
+            <a:off x="305763" y="409655"/>
+            <a:ext cx="5002835" cy="923845"/>
+          </a:xfrm>
+        </p:spPr>
         <p:txBody>
-          <a:bodyPr/>
+          <a:bodyPr>
+            <a:normAutofit/>
+          </a:bodyPr>
           <a:lstStyle/>
           <a:p>
             <a:r>
-              <a:rPr lang="da-DK" dirty="0"/>
-              <a:t>PEP8 on </a:t>
-            </a:r>
-            <a:r>
-              <a:rPr lang="da-DK" dirty="0" err="1"/>
-              <a:t>exceptions</a:t>
-            </a:r>
-            <a:endParaRPr lang="en-US" dirty="0"/>
+              <a:rPr lang="en-US" dirty="0"/>
+              <a:t>Input performance</a:t>
+            </a:r>
           </a:p>
         </p:txBody>
       </p:sp>
       <p:sp>
         <p:nvSpPr>
-          <p:cNvPr id="3" name="Content Placeholder 2"/>
+          <p:cNvPr id="3" name="Content Placeholder 2">
+            <a:extLst>
+              <a:ext uri="{FF2B5EF4-FFF2-40B4-BE49-F238E27FC236}">
+                <a16:creationId xmlns:a16="http://schemas.microsoft.com/office/drawing/2014/main" id="{188647D0-71E6-5120-EF3B-FA797DEB2E9A}"/>
+              </a:ext>
+            </a:extLst>
+          </p:cNvPr>
           <p:cNvSpPr>
             <a:spLocks noGrp="1"/>
           </p:cNvSpPr>
@@ -23223,8 +23742,8 @@
         </p:nvSpPr>
         <p:spPr>
           <a:xfrm>
-            <a:off x="838200" y="1825624"/>
-            <a:ext cx="10515600" cy="5032375"/>
+            <a:off x="327082" y="1608649"/>
+            <a:ext cx="7254818" cy="5236651"/>
           </a:xfrm>
         </p:spPr>
         <p:txBody>
@@ -23235,197 +23754,1827 @@
           <a:p>
             <a:r>
               <a:rPr lang="en-US" dirty="0"/>
-              <a:t>For all try/except clauses, limit the try clause to the absolute </a:t>
-            </a:r>
-            <a:r>
-              <a:rPr lang="en-US" dirty="0">
-                <a:solidFill>
-                  <a:srgbClr val="C00000"/>
-                </a:solidFill>
-              </a:rPr>
-              <a:t>minimum amount of code </a:t>
-            </a:r>
-            <a:r>
-              <a:rPr lang="en-US" dirty="0"/>
-              <a:t>necessary</a:t>
+              <a:t>Reading 10.000.000 short lines </a:t>
             </a:r>
           </a:p>
           <a:p>
-            <a:r>
-              <a:rPr lang="en-US" dirty="0"/>
-              <a:t>The class naming convention applies (</a:t>
-            </a:r>
-            <a:r>
-              <a:rPr lang="en-US" dirty="0" err="1">
-                <a:solidFill>
-                  <a:srgbClr val="C00000"/>
-                </a:solidFill>
-              </a:rPr>
-              <a:t>CapWords</a:t>
-            </a:r>
-            <a:r>
-              <a:rPr lang="en-US" dirty="0"/>
-              <a:t>) </a:t>
-            </a:r>
+            <a:endParaRPr lang="en-US" dirty="0"/>
           </a:p>
           <a:p>
-            <a:r>
-              <a:rPr lang="en-US" dirty="0"/>
-              <a:t>Use the</a:t>
-            </a:r>
-            <a:r>
-              <a:rPr lang="en-US" dirty="0">
-                <a:solidFill>
-                  <a:srgbClr val="C00000"/>
-                </a:solidFill>
-              </a:rPr>
-              <a:t> suffix "Error"</a:t>
-            </a:r>
-            <a:r>
-              <a:rPr lang="en-US" dirty="0"/>
-              <a:t> on your exception names</a:t>
-            </a:r>
-            <a:br>
-              <a:rPr lang="en-US" dirty="0"/>
-            </a:br>
-            <a:r>
-              <a:rPr lang="en-US" dirty="0"/>
-              <a:t>(if the exception actually is an error)</a:t>
-            </a:r>
+            <a:endParaRPr lang="en-US" dirty="0"/>
           </a:p>
           <a:p>
+            <a:endParaRPr lang="en-US" dirty="0"/>
+          </a:p>
+          <a:p>
+            <a:endParaRPr lang="en-US" dirty="0"/>
+          </a:p>
+          <a:p>
+            <a:endParaRPr lang="en-US" dirty="0"/>
+          </a:p>
+          <a:p>
+            <a:endParaRPr lang="en-US" dirty="0"/>
+          </a:p>
+          <a:p>
+            <a:endParaRPr lang="en-US" dirty="0"/>
+          </a:p>
+          <a:p>
+            <a:endParaRPr lang="en-US" dirty="0"/>
+          </a:p>
+          <a:p>
             <a:r>
               <a:rPr lang="en-US" dirty="0"/>
-              <a:t>A bare</a:t>
-            </a:r>
-            <a:r>
-              <a:rPr lang="en-US" dirty="0">
-                <a:solidFill>
-                  <a:srgbClr val="C00000"/>
-                </a:solidFill>
-                <a:latin typeface="Courier New" panose="02070309020205020404" pitchFamily="49" charset="0"/>
-                <a:cs typeface="Courier New" panose="02070309020205020404" pitchFamily="49" charset="0"/>
-              </a:rPr>
-              <a:t> except: </a:t>
-            </a:r>
-            <a:r>
-              <a:rPr lang="en-US" dirty="0"/>
-              <a:t>clause will catch</a:t>
-            </a:r>
-            <a:r>
-              <a:rPr lang="en-US" dirty="0">
-                <a:solidFill>
-                  <a:srgbClr val="C00000"/>
-                </a:solidFill>
-                <a:latin typeface="Courier New" panose="02070309020205020404" pitchFamily="49" charset="0"/>
-                <a:cs typeface="Courier New" panose="02070309020205020404" pitchFamily="49" charset="0"/>
-              </a:rPr>
-              <a:t> </a:t>
-            </a:r>
-            <a:r>
-              <a:rPr lang="en-US" dirty="0" err="1">
-                <a:latin typeface="Courier New" panose="02070309020205020404" pitchFamily="49" charset="0"/>
-                <a:cs typeface="Courier New" panose="02070309020205020404" pitchFamily="49" charset="0"/>
-              </a:rPr>
-              <a:t>SystemExit</a:t>
-            </a:r>
-            <a:r>
-              <a:rPr lang="en-US">
-                <a:latin typeface="Courier New" panose="02070309020205020404" pitchFamily="49" charset="0"/>
-                <a:cs typeface="Courier New" panose="02070309020205020404" pitchFamily="49" charset="0"/>
-              </a:rPr>
-              <a:t> </a:t>
-            </a:r>
-            <a:r>
-              <a:rPr lang="en-US"/>
-              <a:t>and </a:t>
-            </a:r>
-            <a:r>
-              <a:rPr lang="en-US" dirty="0" err="1">
-                <a:latin typeface="Courier New" panose="02070309020205020404" pitchFamily="49" charset="0"/>
-                <a:cs typeface="Courier New" panose="02070309020205020404" pitchFamily="49" charset="0"/>
-              </a:rPr>
-              <a:t>KeyboardInterrupt</a:t>
-            </a:r>
-            <a:r>
-              <a:rPr lang="en-US" dirty="0">
-                <a:latin typeface="Courier New" panose="02070309020205020404" pitchFamily="49" charset="0"/>
-                <a:cs typeface="Courier New" panose="02070309020205020404" pitchFamily="49" charset="0"/>
-              </a:rPr>
-              <a:t> </a:t>
-            </a:r>
-            <a:r>
-              <a:rPr lang="en-US" dirty="0"/>
-              <a:t>exceptions, making it harder to interrupt a program with Control-C, and can disguise other problems. </a:t>
-            </a:r>
-            <a:br>
-              <a:rPr lang="en-US" dirty="0"/>
-            </a:br>
-            <a:r>
-              <a:rPr lang="en-US" dirty="0"/>
-              <a:t>If you want to catch all exceptions that signal program errors, use</a:t>
-            </a:r>
-            <a:r>
-              <a:rPr lang="en-US" b="1" dirty="0">
-                <a:solidFill>
-                  <a:srgbClr val="C00000"/>
-                </a:solidFill>
-              </a:rPr>
-              <a:t> </a:t>
-            </a:r>
-            <a:r>
-              <a:rPr lang="en-US" dirty="0">
-                <a:solidFill>
-                  <a:srgbClr val="C00000"/>
-                </a:solidFill>
-                <a:latin typeface="Courier New" panose="02070309020205020404" pitchFamily="49" charset="0"/>
-                <a:cs typeface="Courier New" panose="02070309020205020404" pitchFamily="49" charset="0"/>
-              </a:rPr>
-              <a:t>except Exception:</a:t>
+              <a:t>Note: Time difference up to a factor 10</a:t>
             </a:r>
           </a:p>
         </p:txBody>
       </p:sp>
-      <p:sp>
-        <p:nvSpPr>
-          <p:cNvPr id="11" name="Rectangle 10">
-            <a:hlinkClick r:id="rId2"/>
+      <p:graphicFrame>
+        <p:nvGraphicFramePr>
+          <p:cNvPr id="5" name="Table 4">
+            <a:extLst>
+              <a:ext uri="{FF2B5EF4-FFF2-40B4-BE49-F238E27FC236}">
+                <a16:creationId xmlns:a16="http://schemas.microsoft.com/office/drawing/2014/main" id="{76DB784C-D612-34E4-0A37-66CE80B06D90}"/>
+              </a:ext>
+            </a:extLst>
           </p:cNvPr>
-          <p:cNvSpPr/>
-          <p:nvPr/>
-        </p:nvSpPr>
-        <p:spPr>
-          <a:xfrm>
-            <a:off x="8238700" y="6346350"/>
-            <a:ext cx="3811684" cy="369332"/>
-          </a:xfrm>
-          <a:prstGeom prst="rect">
-            <a:avLst/>
-          </a:prstGeom>
-        </p:spPr>
-        <p:txBody>
-          <a:bodyPr wrap="none">
-            <a:spAutoFit/>
-          </a:bodyPr>
-          <a:lstStyle/>
-          <a:p>
-            <a:r>
-              <a:rPr lang="en-US" dirty="0">
-                <a:solidFill>
-                  <a:schemeClr val="bg1">
-                    <a:lumMod val="50000"/>
-                  </a:schemeClr>
-                </a:solidFill>
-              </a:rPr>
-              <a:t>www.python.org/dev/peps/pep-0008/</a:t>
-            </a:r>
-          </a:p>
-        </p:txBody>
-      </p:sp>
+          <p:cNvGraphicFramePr>
+            <a:graphicFrameLocks noGrp="1"/>
+          </p:cNvGraphicFramePr>
+          <p:nvPr>
+            <p:extLst>
+              <p:ext uri="{D42A27DB-BD31-4B8C-83A1-F6EECF244321}">
+                <p14:modId xmlns:p14="http://schemas.microsoft.com/office/powerpoint/2010/main" val="884175150"/>
+              </p:ext>
+            </p:extLst>
+          </p:nvPr>
+        </p:nvGraphicFramePr>
+        <p:xfrm>
+          <a:off x="930779" y="2461674"/>
+          <a:ext cx="6047423" cy="3200400"/>
+        </p:xfrm>
+        <a:graphic>
+          <a:graphicData uri="http://schemas.openxmlformats.org/drawingml/2006/table">
+            <a:tbl>
+              <a:tblPr firstRow="1" bandRow="1">
+                <a:tableStyleId>{2D5ABB26-0587-4C30-8999-92F81FD0307C}</a:tableStyleId>
+              </a:tblPr>
+              <a:tblGrid>
+                <a:gridCol w="4602480">
+                  <a:extLst>
+                    <a:ext uri="{9D8B030D-6E8A-4147-A177-3AD203B41FA5}">
+                      <a16:colId xmlns:a16="http://schemas.microsoft.com/office/drawing/2014/main" val="2721328640"/>
+                    </a:ext>
+                  </a:extLst>
+                </a:gridCol>
+                <a:gridCol w="1444943">
+                  <a:extLst>
+                    <a:ext uri="{9D8B030D-6E8A-4147-A177-3AD203B41FA5}">
+                      <a16:colId xmlns:a16="http://schemas.microsoft.com/office/drawing/2014/main" val="1040404868"/>
+                    </a:ext>
+                  </a:extLst>
+                </a:gridCol>
+              </a:tblGrid>
+              <a:tr h="370840">
+                <a:tc>
+                  <a:txBody>
+                    <a:bodyPr/>
+                    <a:lstStyle/>
+                    <a:p>
+                      <a:r>
+                        <a:rPr lang="da-DK" sz="2000" dirty="0">
+                          <a:latin typeface="Courier New" panose="02070309020205020404" pitchFamily="49" charset="0"/>
+                          <a:cs typeface="Courier New" panose="02070309020205020404" pitchFamily="49" charset="0"/>
+                        </a:rPr>
+                        <a:t>input()</a:t>
+                      </a:r>
+                    </a:p>
+                  </a:txBody>
+                  <a:tcPr anchor="ctr"/>
+                </a:tc>
+                <a:tc>
+                  <a:txBody>
+                    <a:bodyPr/>
+                    <a:lstStyle/>
+                    <a:p>
+                      <a:pPr algn="r"/>
+                      <a:r>
+                        <a:rPr lang="en-US" sz="2400" dirty="0"/>
+                        <a:t>2.2 sec</a:t>
+                      </a:r>
+                    </a:p>
+                  </a:txBody>
+                  <a:tcPr anchor="ctr"/>
+                </a:tc>
+                <a:extLst>
+                  <a:ext uri="{0D108BD9-81ED-4DB2-BD59-A6C34878D82A}">
+                    <a16:rowId xmlns:a16="http://schemas.microsoft.com/office/drawing/2014/main" val="1101926876"/>
+                  </a:ext>
+                </a:extLst>
+              </a:tr>
+              <a:tr h="370840">
+                <a:tc>
+                  <a:txBody>
+                    <a:bodyPr/>
+                    <a:lstStyle/>
+                    <a:p>
+                      <a:r>
+                        <a:rPr lang="da-DK" sz="2000" dirty="0" err="1">
+                          <a:latin typeface="Courier New" panose="02070309020205020404" pitchFamily="49" charset="0"/>
+                          <a:cs typeface="Courier New" panose="02070309020205020404" pitchFamily="49" charset="0"/>
+                        </a:rPr>
+                        <a:t>sys.stdin.r</a:t>
+                      </a:r>
+                      <a:r>
+                        <a:rPr lang="en-US" sz="2000" dirty="0" err="1">
+                          <a:latin typeface="Courier New" panose="02070309020205020404" pitchFamily="49" charset="0"/>
+                          <a:cs typeface="Courier New" panose="02070309020205020404" pitchFamily="49" charset="0"/>
+                        </a:rPr>
+                        <a:t>eadlines</a:t>
+                      </a:r>
+                      <a:r>
+                        <a:rPr lang="en-US" sz="2000" dirty="0">
+                          <a:latin typeface="Courier New" panose="02070309020205020404" pitchFamily="49" charset="0"/>
+                          <a:cs typeface="Courier New" panose="02070309020205020404" pitchFamily="49" charset="0"/>
+                        </a:rPr>
+                        <a:t>()</a:t>
+                      </a:r>
+                    </a:p>
+                  </a:txBody>
+                  <a:tcPr anchor="ctr"/>
+                </a:tc>
+                <a:tc>
+                  <a:txBody>
+                    <a:bodyPr/>
+                    <a:lstStyle/>
+                    <a:p>
+                      <a:pPr marL="0" marR="0" lvl="0" indent="0" algn="r" defTabSz="914400" rtl="0" eaLnBrk="1" fontAlgn="auto" latinLnBrk="0" hangingPunct="1">
+                        <a:lnSpc>
+                          <a:spcPct val="100000"/>
+                        </a:lnSpc>
+                        <a:spcBef>
+                          <a:spcPts val="0"/>
+                        </a:spcBef>
+                        <a:spcAft>
+                          <a:spcPts val="0"/>
+                        </a:spcAft>
+                        <a:buClrTx/>
+                        <a:buSzTx/>
+                        <a:buFontTx/>
+                        <a:buNone/>
+                        <a:tabLst/>
+                        <a:defRPr/>
+                      </a:pPr>
+                      <a:r>
+                        <a:rPr lang="en-US" sz="2400" dirty="0"/>
+                        <a:t>0.65 sec</a:t>
+                      </a:r>
+                    </a:p>
+                  </a:txBody>
+                  <a:tcPr anchor="ctr"/>
+                </a:tc>
+                <a:extLst>
+                  <a:ext uri="{0D108BD9-81ED-4DB2-BD59-A6C34878D82A}">
+                    <a16:rowId xmlns:a16="http://schemas.microsoft.com/office/drawing/2014/main" val="3875585494"/>
+                  </a:ext>
+                </a:extLst>
+              </a:tr>
+              <a:tr h="370840">
+                <a:tc>
+                  <a:txBody>
+                    <a:bodyPr/>
+                    <a:lstStyle/>
+                    <a:p>
+                      <a:r>
+                        <a:rPr lang="da-DK" sz="2000" dirty="0" err="1">
+                          <a:latin typeface="Courier New" panose="02070309020205020404" pitchFamily="49" charset="0"/>
+                          <a:cs typeface="Courier New" panose="02070309020205020404" pitchFamily="49" charset="0"/>
+                        </a:rPr>
+                        <a:t>sys.stdin.</a:t>
+                      </a:r>
+                      <a:r>
+                        <a:rPr lang="da-DK" sz="2000" err="1">
+                          <a:latin typeface="Courier New" panose="02070309020205020404" pitchFamily="49" charset="0"/>
+                          <a:cs typeface="Courier New" panose="02070309020205020404" pitchFamily="49" charset="0"/>
+                        </a:rPr>
+                        <a:t>r</a:t>
+                      </a:r>
+                      <a:r>
+                        <a:rPr lang="en-US" sz="2000">
+                          <a:latin typeface="Courier New" panose="02070309020205020404" pitchFamily="49" charset="0"/>
+                          <a:cs typeface="Courier New" panose="02070309020205020404" pitchFamily="49" charset="0"/>
+                        </a:rPr>
+                        <a:t>eadline()</a:t>
+                      </a:r>
+                      <a:endParaRPr lang="en-US" sz="2000" dirty="0">
+                        <a:latin typeface="Courier New" panose="02070309020205020404" pitchFamily="49" charset="0"/>
+                        <a:cs typeface="Courier New" panose="02070309020205020404" pitchFamily="49" charset="0"/>
+                      </a:endParaRPr>
+                    </a:p>
+                  </a:txBody>
+                  <a:tcPr anchor="ctr"/>
+                </a:tc>
+                <a:tc>
+                  <a:txBody>
+                    <a:bodyPr/>
+                    <a:lstStyle/>
+                    <a:p>
+                      <a:pPr marL="0" marR="0" lvl="0" indent="0" algn="r" defTabSz="914400" rtl="0" eaLnBrk="1" fontAlgn="auto" latinLnBrk="0" hangingPunct="1">
+                        <a:lnSpc>
+                          <a:spcPct val="100000"/>
+                        </a:lnSpc>
+                        <a:spcBef>
+                          <a:spcPts val="0"/>
+                        </a:spcBef>
+                        <a:spcAft>
+                          <a:spcPts val="0"/>
+                        </a:spcAft>
+                        <a:buClrTx/>
+                        <a:buSzTx/>
+                        <a:buFontTx/>
+                        <a:buNone/>
+                        <a:tabLst/>
+                        <a:defRPr/>
+                      </a:pPr>
+                      <a:r>
+                        <a:rPr lang="en-US" sz="2400" dirty="0"/>
+                        <a:t>0.65 sec</a:t>
+                      </a:r>
+                    </a:p>
+                  </a:txBody>
+                  <a:tcPr anchor="ctr"/>
+                </a:tc>
+                <a:extLst>
+                  <a:ext uri="{0D108BD9-81ED-4DB2-BD59-A6C34878D82A}">
+                    <a16:rowId xmlns:a16="http://schemas.microsoft.com/office/drawing/2014/main" val="3101249850"/>
+                  </a:ext>
+                </a:extLst>
+              </a:tr>
+              <a:tr h="370840">
+                <a:tc>
+                  <a:txBody>
+                    <a:bodyPr/>
+                    <a:lstStyle/>
+                    <a:p>
+                      <a:r>
+                        <a:rPr lang="da-DK" sz="2000" dirty="0">
+                          <a:latin typeface="Courier New" panose="02070309020205020404" pitchFamily="49" charset="0"/>
+                          <a:cs typeface="Courier New" panose="02070309020205020404" pitchFamily="49" charset="0"/>
+                        </a:rPr>
+                        <a:t>r</a:t>
+                      </a:r>
+                      <a:r>
+                        <a:rPr lang="en-US" sz="2000" dirty="0" err="1">
+                          <a:latin typeface="Courier New" panose="02070309020205020404" pitchFamily="49" charset="0"/>
+                          <a:cs typeface="Courier New" panose="02070309020205020404" pitchFamily="49" charset="0"/>
+                        </a:rPr>
+                        <a:t>eadline</a:t>
+                      </a:r>
+                      <a:r>
+                        <a:rPr lang="en-US" sz="2000" dirty="0">
+                          <a:latin typeface="Courier New" panose="02070309020205020404" pitchFamily="49" charset="0"/>
+                          <a:cs typeface="Courier New" panose="02070309020205020404" pitchFamily="49" charset="0"/>
+                        </a:rPr>
+                        <a:t>()</a:t>
+                      </a:r>
+                      <a:r>
+                        <a:rPr lang="en-US" sz="2000" dirty="0"/>
+                        <a:t> alias</a:t>
+                      </a:r>
+                      <a:endParaRPr lang="en-US" sz="2000" dirty="0">
+                        <a:latin typeface="Courier New" panose="02070309020205020404" pitchFamily="49" charset="0"/>
+                        <a:cs typeface="Courier New" panose="02070309020205020404" pitchFamily="49" charset="0"/>
+                      </a:endParaRPr>
+                    </a:p>
+                  </a:txBody>
+                  <a:tcPr anchor="ctr"/>
+                </a:tc>
+                <a:tc>
+                  <a:txBody>
+                    <a:bodyPr/>
+                    <a:lstStyle/>
+                    <a:p>
+                      <a:pPr marL="0" marR="0" lvl="0" indent="0" algn="r" defTabSz="914400" rtl="0" eaLnBrk="1" fontAlgn="auto" latinLnBrk="0" hangingPunct="1">
+                        <a:lnSpc>
+                          <a:spcPct val="100000"/>
+                        </a:lnSpc>
+                        <a:spcBef>
+                          <a:spcPts val="0"/>
+                        </a:spcBef>
+                        <a:spcAft>
+                          <a:spcPts val="0"/>
+                        </a:spcAft>
+                        <a:buClrTx/>
+                        <a:buSzTx/>
+                        <a:buFontTx/>
+                        <a:buNone/>
+                        <a:tabLst/>
+                        <a:defRPr/>
+                      </a:pPr>
+                      <a:r>
+                        <a:rPr lang="en-US" sz="2400"/>
+                        <a:t>0.50 sec</a:t>
+                      </a:r>
+                      <a:endParaRPr lang="en-US" sz="2400" dirty="0"/>
+                    </a:p>
+                  </a:txBody>
+                  <a:tcPr anchor="ctr"/>
+                </a:tc>
+                <a:extLst>
+                  <a:ext uri="{0D108BD9-81ED-4DB2-BD59-A6C34878D82A}">
+                    <a16:rowId xmlns:a16="http://schemas.microsoft.com/office/drawing/2014/main" val="1958630464"/>
+                  </a:ext>
+                </a:extLst>
+              </a:tr>
+              <a:tr h="370840">
+                <a:tc>
+                  <a:txBody>
+                    <a:bodyPr/>
+                    <a:lstStyle/>
+                    <a:p>
+                      <a:pPr marL="0" marR="0" lvl="0" indent="0" algn="l" defTabSz="914400" rtl="0" eaLnBrk="1" fontAlgn="auto" latinLnBrk="0" hangingPunct="1">
+                        <a:lnSpc>
+                          <a:spcPct val="100000"/>
+                        </a:lnSpc>
+                        <a:spcBef>
+                          <a:spcPts val="0"/>
+                        </a:spcBef>
+                        <a:spcAft>
+                          <a:spcPts val="0"/>
+                        </a:spcAft>
+                        <a:buClrTx/>
+                        <a:buSzTx/>
+                        <a:buFontTx/>
+                        <a:buNone/>
+                        <a:tabLst/>
+                        <a:defRPr/>
+                      </a:pPr>
+                      <a:r>
+                        <a:rPr lang="en-US" sz="2000" dirty="0">
+                          <a:latin typeface="Courier New" panose="02070309020205020404" pitchFamily="49" charset="0"/>
+                          <a:cs typeface="Courier New" panose="02070309020205020404" pitchFamily="49" charset="0"/>
+                        </a:rPr>
+                        <a:t>for line in </a:t>
+                      </a:r>
+                      <a:r>
+                        <a:rPr lang="en-US" sz="2000" dirty="0" err="1">
+                          <a:latin typeface="Courier New" panose="02070309020205020404" pitchFamily="49" charset="0"/>
+                          <a:cs typeface="Courier New" panose="02070309020205020404" pitchFamily="49" charset="0"/>
+                        </a:rPr>
+                        <a:t>sys.stdin</a:t>
+                      </a:r>
+                      <a:r>
+                        <a:rPr lang="en-US" sz="2000" dirty="0">
+                          <a:latin typeface="Courier New" panose="02070309020205020404" pitchFamily="49" charset="0"/>
+                          <a:cs typeface="Courier New" panose="02070309020205020404" pitchFamily="49" charset="0"/>
+                        </a:rPr>
+                        <a:t>:</a:t>
+                      </a:r>
+                    </a:p>
+                  </a:txBody>
+                  <a:tcPr anchor="ctr"/>
+                </a:tc>
+                <a:tc>
+                  <a:txBody>
+                    <a:bodyPr/>
+                    <a:lstStyle/>
+                    <a:p>
+                      <a:pPr marL="0" marR="0" lvl="0" indent="0" algn="r" defTabSz="914400" rtl="0" eaLnBrk="1" fontAlgn="auto" latinLnBrk="0" hangingPunct="1">
+                        <a:lnSpc>
+                          <a:spcPct val="100000"/>
+                        </a:lnSpc>
+                        <a:spcBef>
+                          <a:spcPts val="0"/>
+                        </a:spcBef>
+                        <a:spcAft>
+                          <a:spcPts val="0"/>
+                        </a:spcAft>
+                        <a:buClrTx/>
+                        <a:buSzTx/>
+                        <a:buFontTx/>
+                        <a:buNone/>
+                        <a:tabLst/>
+                        <a:defRPr/>
+                      </a:pPr>
+                      <a:r>
+                        <a:rPr lang="en-US" sz="2400" dirty="0"/>
+                        <a:t>0.39 sec</a:t>
+                      </a:r>
+                    </a:p>
+                  </a:txBody>
+                  <a:tcPr anchor="ctr"/>
+                </a:tc>
+                <a:extLst>
+                  <a:ext uri="{0D108BD9-81ED-4DB2-BD59-A6C34878D82A}">
+                    <a16:rowId xmlns:a16="http://schemas.microsoft.com/office/drawing/2014/main" val="1390048450"/>
+                  </a:ext>
+                </a:extLst>
+              </a:tr>
+              <a:tr h="370840">
+                <a:tc>
+                  <a:txBody>
+                    <a:bodyPr/>
+                    <a:lstStyle/>
+                    <a:p>
+                      <a:pPr marL="0" marR="0" lvl="0" indent="0" algn="l" defTabSz="914400" rtl="0" eaLnBrk="1" fontAlgn="auto" latinLnBrk="0" hangingPunct="1">
+                        <a:lnSpc>
+                          <a:spcPct val="100000"/>
+                        </a:lnSpc>
+                        <a:spcBef>
+                          <a:spcPts val="0"/>
+                        </a:spcBef>
+                        <a:spcAft>
+                          <a:spcPts val="0"/>
+                        </a:spcAft>
+                        <a:buClrTx/>
+                        <a:buSzTx/>
+                        <a:buFontTx/>
+                        <a:buNone/>
+                        <a:tabLst/>
+                        <a:defRPr/>
+                      </a:pPr>
+                      <a:r>
+                        <a:rPr lang="da-DK" sz="2000" dirty="0" err="1">
+                          <a:latin typeface="Courier New" panose="02070309020205020404" pitchFamily="49" charset="0"/>
+                          <a:cs typeface="Courier New" panose="02070309020205020404" pitchFamily="49" charset="0"/>
+                        </a:rPr>
+                        <a:t>sys.stdin.r</a:t>
+                      </a:r>
+                      <a:r>
+                        <a:rPr lang="en-US" sz="2000" dirty="0" err="1">
+                          <a:latin typeface="Courier New" panose="02070309020205020404" pitchFamily="49" charset="0"/>
+                          <a:cs typeface="Courier New" panose="02070309020205020404" pitchFamily="49" charset="0"/>
+                        </a:rPr>
+                        <a:t>ead</a:t>
+                      </a:r>
+                      <a:r>
+                        <a:rPr lang="en-US" sz="2000" dirty="0">
+                          <a:latin typeface="Courier New" panose="02070309020205020404" pitchFamily="49" charset="0"/>
+                          <a:cs typeface="Courier New" panose="02070309020205020404" pitchFamily="49" charset="0"/>
+                        </a:rPr>
+                        <a:t>()</a:t>
+                      </a:r>
+                    </a:p>
+                  </a:txBody>
+                  <a:tcPr anchor="ctr"/>
+                </a:tc>
+                <a:tc>
+                  <a:txBody>
+                    <a:bodyPr/>
+                    <a:lstStyle/>
+                    <a:p>
+                      <a:pPr marL="0" marR="0" lvl="0" indent="0" algn="r" defTabSz="914400" rtl="0" eaLnBrk="1" fontAlgn="auto" latinLnBrk="0" hangingPunct="1">
+                        <a:lnSpc>
+                          <a:spcPct val="100000"/>
+                        </a:lnSpc>
+                        <a:spcBef>
+                          <a:spcPts val="0"/>
+                        </a:spcBef>
+                        <a:spcAft>
+                          <a:spcPts val="0"/>
+                        </a:spcAft>
+                        <a:buClrTx/>
+                        <a:buSzTx/>
+                        <a:buFontTx/>
+                        <a:buNone/>
+                        <a:tabLst/>
+                        <a:defRPr/>
+                      </a:pPr>
+                      <a:r>
+                        <a:rPr lang="da-DK" sz="2400" dirty="0"/>
+                        <a:t>0.18 sec</a:t>
+                      </a:r>
+                      <a:endParaRPr lang="en-US" sz="2400" dirty="0"/>
+                    </a:p>
+                  </a:txBody>
+                  <a:tcPr anchor="ctr"/>
+                </a:tc>
+                <a:extLst>
+                  <a:ext uri="{0D108BD9-81ED-4DB2-BD59-A6C34878D82A}">
+                    <a16:rowId xmlns:a16="http://schemas.microsoft.com/office/drawing/2014/main" val="2754810404"/>
+                  </a:ext>
+                </a:extLst>
+              </a:tr>
+              <a:tr h="370840">
+                <a:tc>
+                  <a:txBody>
+                    <a:bodyPr/>
+                    <a:lstStyle/>
+                    <a:p>
+                      <a:pPr marL="0" marR="0" lvl="0" indent="0" algn="l" defTabSz="914400" rtl="0" eaLnBrk="1" fontAlgn="auto" latinLnBrk="0" hangingPunct="1">
+                        <a:lnSpc>
+                          <a:spcPct val="100000"/>
+                        </a:lnSpc>
+                        <a:spcBef>
+                          <a:spcPts val="0"/>
+                        </a:spcBef>
+                        <a:spcAft>
+                          <a:spcPts val="0"/>
+                        </a:spcAft>
+                        <a:buClrTx/>
+                        <a:buSzTx/>
+                        <a:buFontTx/>
+                        <a:buNone/>
+                        <a:tabLst/>
+                        <a:defRPr/>
+                      </a:pPr>
+                      <a:r>
+                        <a:rPr lang="da-DK" sz="2000" dirty="0" err="1">
+                          <a:latin typeface="Courier New" panose="02070309020205020404" pitchFamily="49" charset="0"/>
+                          <a:cs typeface="Courier New" panose="02070309020205020404" pitchFamily="49" charset="0"/>
+                        </a:rPr>
+                        <a:t>sys.stdin.r</a:t>
+                      </a:r>
+                      <a:r>
+                        <a:rPr lang="en-US" sz="2000" dirty="0" err="1">
+                          <a:latin typeface="Courier New" panose="02070309020205020404" pitchFamily="49" charset="0"/>
+                          <a:cs typeface="Courier New" panose="02070309020205020404" pitchFamily="49" charset="0"/>
+                        </a:rPr>
+                        <a:t>ead</a:t>
+                      </a:r>
+                      <a:r>
+                        <a:rPr lang="en-US" sz="2000" dirty="0">
+                          <a:latin typeface="Courier New" panose="02070309020205020404" pitchFamily="49" charset="0"/>
+                          <a:cs typeface="Courier New" panose="02070309020205020404" pitchFamily="49" charset="0"/>
+                        </a:rPr>
+                        <a:t>().split('\n')</a:t>
+                      </a:r>
+                    </a:p>
+                  </a:txBody>
+                  <a:tcPr anchor="ctr"/>
+                </a:tc>
+                <a:tc>
+                  <a:txBody>
+                    <a:bodyPr/>
+                    <a:lstStyle/>
+                    <a:p>
+                      <a:pPr marL="0" marR="0" lvl="0" indent="0" algn="r" defTabSz="914400" rtl="0" eaLnBrk="1" fontAlgn="auto" latinLnBrk="0" hangingPunct="1">
+                        <a:lnSpc>
+                          <a:spcPct val="100000"/>
+                        </a:lnSpc>
+                        <a:spcBef>
+                          <a:spcPts val="0"/>
+                        </a:spcBef>
+                        <a:spcAft>
+                          <a:spcPts val="0"/>
+                        </a:spcAft>
+                        <a:buClrTx/>
+                        <a:buSzTx/>
+                        <a:buFontTx/>
+                        <a:buNone/>
+                        <a:tabLst/>
+                        <a:defRPr/>
+                      </a:pPr>
+                      <a:r>
+                        <a:rPr lang="da-DK" sz="2400" dirty="0"/>
+                        <a:t>0.53 sec</a:t>
+                      </a:r>
+                      <a:endParaRPr lang="en-US" sz="2400" dirty="0"/>
+                    </a:p>
+                  </a:txBody>
+                  <a:tcPr anchor="ctr"/>
+                </a:tc>
+                <a:extLst>
+                  <a:ext uri="{0D108BD9-81ED-4DB2-BD59-A6C34878D82A}">
+                    <a16:rowId xmlns:a16="http://schemas.microsoft.com/office/drawing/2014/main" val="2171133769"/>
+                  </a:ext>
+                </a:extLst>
+              </a:tr>
+            </a:tbl>
+          </a:graphicData>
+        </a:graphic>
+      </p:graphicFrame>
+      <p:graphicFrame>
+        <p:nvGraphicFramePr>
+          <p:cNvPr id="7" name="Table 6">
+            <a:extLst>
+              <a:ext uri="{FF2B5EF4-FFF2-40B4-BE49-F238E27FC236}">
+                <a16:creationId xmlns:a16="http://schemas.microsoft.com/office/drawing/2014/main" id="{F1B9F700-5C92-7F12-EDC7-0E6EBCB299A2}"/>
+              </a:ext>
+            </a:extLst>
+          </p:cNvPr>
+          <p:cNvGraphicFramePr>
+            <a:graphicFrameLocks noGrp="1"/>
+          </p:cNvGraphicFramePr>
+          <p:nvPr>
+            <p:extLst>
+              <p:ext uri="{D42A27DB-BD31-4B8C-83A1-F6EECF244321}">
+                <p14:modId xmlns:p14="http://schemas.microsoft.com/office/powerpoint/2010/main" val="4017615917"/>
+              </p:ext>
+            </p:extLst>
+          </p:nvPr>
+        </p:nvGraphicFramePr>
+        <p:xfrm>
+          <a:off x="7850492" y="125730"/>
+          <a:ext cx="4192351" cy="6606540"/>
+        </p:xfrm>
+        <a:graphic>
+          <a:graphicData uri="http://schemas.openxmlformats.org/drawingml/2006/table">
+            <a:tbl>
+              <a:tblPr firstRow="1" bandRow="1">
+                <a:tableStyleId>{5C22544A-7EE6-4342-B048-85BDC9FD1C3A}</a:tableStyleId>
+              </a:tblPr>
+              <a:tblGrid>
+                <a:gridCol w="4192351">
+                  <a:extLst>
+                    <a:ext uri="{9D8B030D-6E8A-4147-A177-3AD203B41FA5}">
+                      <a16:colId xmlns:a16="http://schemas.microsoft.com/office/drawing/2014/main" val="1873682825"/>
+                    </a:ext>
+                  </a:extLst>
+                </a:gridCol>
+              </a:tblGrid>
+              <a:tr h="148143">
+                <a:tc>
+                  <a:txBody>
+                    <a:bodyPr/>
+                    <a:lstStyle/>
+                    <a:p>
+                      <a:pPr>
+                        <a:spcAft>
+                          <a:spcPts val="0"/>
+                        </a:spcAft>
+                      </a:pPr>
+                      <a:r>
+                        <a:rPr lang="da-DK" sz="1050" b="1" dirty="0">
+                          <a:solidFill>
+                            <a:schemeClr val="bg1"/>
+                          </a:solidFill>
+                          <a:latin typeface="Courier New" panose="02070309020205020404" pitchFamily="49" charset="0"/>
+                          <a:cs typeface="Courier New" panose="02070309020205020404" pitchFamily="49" charset="0"/>
+                        </a:rPr>
+                        <a:t>input_performance.py</a:t>
+                      </a:r>
+                    </a:p>
+                  </a:txBody>
+                  <a:tcPr anchor="ctr">
+                    <a:lnL w="6350" cap="flat" cmpd="sng" algn="ctr">
+                      <a:solidFill>
+                        <a:schemeClr val="tx1"/>
+                      </a:solidFill>
+                      <a:prstDash val="solid"/>
+                      <a:round/>
+                      <a:headEnd type="none" w="med" len="med"/>
+                      <a:tailEnd type="none" w="med" len="med"/>
+                    </a:lnL>
+                    <a:lnR w="6350" cap="flat" cmpd="sng" algn="ctr">
+                      <a:solidFill>
+                        <a:schemeClr val="tx1"/>
+                      </a:solidFill>
+                      <a:prstDash val="solid"/>
+                      <a:round/>
+                      <a:headEnd type="none" w="med" len="med"/>
+                      <a:tailEnd type="none" w="med" len="med"/>
+                    </a:lnR>
+                    <a:lnT w="6350" cap="flat" cmpd="sng" algn="ctr">
+                      <a:solidFill>
+                        <a:schemeClr val="tx1"/>
+                      </a:solidFill>
+                      <a:prstDash val="solid"/>
+                      <a:round/>
+                      <a:headEnd type="none" w="med" len="med"/>
+                      <a:tailEnd type="none" w="med" len="med"/>
+                    </a:lnT>
+                    <a:lnB w="6350" cap="flat" cmpd="sng" algn="ctr">
+                      <a:solidFill>
+                        <a:schemeClr val="tx1"/>
+                      </a:solidFill>
+                      <a:prstDash val="solid"/>
+                      <a:round/>
+                      <a:headEnd type="none" w="med" len="med"/>
+                      <a:tailEnd type="none" w="med" len="med"/>
+                    </a:lnB>
+                    <a:lnTlToBr w="12700" cmpd="sng">
+                      <a:noFill/>
+                      <a:prstDash val="solid"/>
+                    </a:lnTlToBr>
+                    <a:lnBlToTr w="12700" cmpd="sng">
+                      <a:noFill/>
+                      <a:prstDash val="solid"/>
+                    </a:lnBlToTr>
+                    <a:solidFill>
+                      <a:srgbClr val="C00000"/>
+                    </a:solidFill>
+                  </a:tcPr>
+                </a:tc>
+                <a:extLst>
+                  <a:ext uri="{0D108BD9-81ED-4DB2-BD59-A6C34878D82A}">
+                    <a16:rowId xmlns:a16="http://schemas.microsoft.com/office/drawing/2014/main" val="3330819881"/>
+                  </a:ext>
+                </a:extLst>
+              </a:tr>
+              <a:tr h="297347">
+                <a:tc>
+                  <a:txBody>
+                    <a:bodyPr/>
+                    <a:lstStyle/>
+                    <a:p>
+                      <a:pPr>
+                        <a:spcAft>
+                          <a:spcPts val="0"/>
+                        </a:spcAft>
+                      </a:pPr>
+                      <a:r>
+                        <a:rPr lang="en-US" sz="1050" b="1" dirty="0">
+                          <a:solidFill>
+                            <a:schemeClr val="tx1"/>
+                          </a:solidFill>
+                          <a:latin typeface="Courier New" panose="02070309020205020404" pitchFamily="49" charset="0"/>
+                          <a:cs typeface="Courier New" panose="02070309020205020404" pitchFamily="49" charset="0"/>
+                        </a:rPr>
+                        <a:t>from time import time</a:t>
+                      </a:r>
+                    </a:p>
+                    <a:p>
+                      <a:pPr>
+                        <a:spcAft>
+                          <a:spcPts val="300"/>
+                        </a:spcAft>
+                      </a:pPr>
+                      <a:r>
+                        <a:rPr lang="en-US" sz="1050" b="1" dirty="0">
+                          <a:solidFill>
+                            <a:schemeClr val="tx1"/>
+                          </a:solidFill>
+                          <a:latin typeface="Courier New" panose="02070309020205020404" pitchFamily="49" charset="0"/>
+                          <a:cs typeface="Courier New" panose="02070309020205020404" pitchFamily="49" charset="0"/>
+                        </a:rPr>
+                        <a:t>import sys</a:t>
+                      </a:r>
+                    </a:p>
+                    <a:p>
+                      <a:pPr>
+                        <a:spcAft>
+                          <a:spcPts val="0"/>
+                        </a:spcAft>
+                      </a:pPr>
+                      <a:r>
+                        <a:rPr lang="en-US" sz="1050" b="1" dirty="0">
+                          <a:solidFill>
+                            <a:schemeClr val="tx1"/>
+                          </a:solidFill>
+                          <a:latin typeface="Courier New" panose="02070309020205020404" pitchFamily="49" charset="0"/>
+                          <a:cs typeface="Courier New" panose="02070309020205020404" pitchFamily="49" charset="0"/>
+                        </a:rPr>
+                        <a:t>n = 10_000_000</a:t>
+                      </a:r>
+                    </a:p>
+                    <a:p>
+                      <a:pPr>
+                        <a:spcAft>
+                          <a:spcPts val="300"/>
+                        </a:spcAft>
+                      </a:pPr>
+                      <a:r>
+                        <a:rPr lang="en-US" sz="1050" b="1" dirty="0">
+                          <a:solidFill>
+                            <a:schemeClr val="tx1"/>
+                          </a:solidFill>
+                          <a:latin typeface="Courier New" panose="02070309020205020404" pitchFamily="49" charset="0"/>
+                          <a:cs typeface="Courier New" panose="02070309020205020404" pitchFamily="49" charset="0"/>
+                        </a:rPr>
+                        <a:t>data = 'numbers.txt'</a:t>
+                      </a:r>
+                    </a:p>
+                    <a:p>
+                      <a:pPr>
+                        <a:spcAft>
+                          <a:spcPts val="0"/>
+                        </a:spcAft>
+                      </a:pPr>
+                      <a:r>
+                        <a:rPr lang="en-US" sz="1050" b="1" dirty="0">
+                          <a:solidFill>
+                            <a:schemeClr val="tx1"/>
+                          </a:solidFill>
+                          <a:latin typeface="Courier New" panose="02070309020205020404" pitchFamily="49" charset="0"/>
+                          <a:cs typeface="Courier New" panose="02070309020205020404" pitchFamily="49" charset="0"/>
+                        </a:rPr>
+                        <a:t>def </a:t>
+                      </a:r>
+                      <a:r>
+                        <a:rPr lang="en-US" sz="1050" b="1" dirty="0" err="1">
+                          <a:solidFill>
+                            <a:schemeClr val="tx1"/>
+                          </a:solidFill>
+                          <a:latin typeface="Courier New" panose="02070309020205020404" pitchFamily="49" charset="0"/>
+                          <a:cs typeface="Courier New" panose="02070309020205020404" pitchFamily="49" charset="0"/>
+                        </a:rPr>
+                        <a:t>test_input</a:t>
+                      </a:r>
+                      <a:r>
+                        <a:rPr lang="en-US" sz="1050" b="1" dirty="0">
+                          <a:solidFill>
+                            <a:schemeClr val="tx1"/>
+                          </a:solidFill>
+                          <a:latin typeface="Courier New" panose="02070309020205020404" pitchFamily="49" charset="0"/>
+                          <a:cs typeface="Courier New" panose="02070309020205020404" pitchFamily="49" charset="0"/>
+                        </a:rPr>
+                        <a:t>():</a:t>
+                      </a:r>
+                    </a:p>
+                    <a:p>
+                      <a:pPr>
+                        <a:spcAft>
+                          <a:spcPts val="0"/>
+                        </a:spcAft>
+                      </a:pPr>
+                      <a:r>
+                        <a:rPr lang="en-US" sz="1050" b="1" dirty="0">
+                          <a:solidFill>
+                            <a:schemeClr val="tx1"/>
+                          </a:solidFill>
+                          <a:latin typeface="Courier New" panose="02070309020205020404" pitchFamily="49" charset="0"/>
+                          <a:cs typeface="Courier New" panose="02070309020205020404" pitchFamily="49" charset="0"/>
+                        </a:rPr>
+                        <a:t>    for i in range(n):</a:t>
+                      </a:r>
+                    </a:p>
+                    <a:p>
+                      <a:pPr>
+                        <a:spcAft>
+                          <a:spcPts val="300"/>
+                        </a:spcAft>
+                      </a:pPr>
+                      <a:r>
+                        <a:rPr lang="en-US" sz="1050" b="1" dirty="0">
+                          <a:solidFill>
+                            <a:schemeClr val="tx1"/>
+                          </a:solidFill>
+                          <a:latin typeface="Courier New" panose="02070309020205020404" pitchFamily="49" charset="0"/>
+                          <a:cs typeface="Courier New" panose="02070309020205020404" pitchFamily="49" charset="0"/>
+                        </a:rPr>
+                        <a:t>        line = </a:t>
+                      </a:r>
+                      <a:r>
+                        <a:rPr lang="en-US" sz="1050" b="1" dirty="0">
+                          <a:solidFill>
+                            <a:srgbClr val="C00000"/>
+                          </a:solidFill>
+                          <a:latin typeface="Courier New" panose="02070309020205020404" pitchFamily="49" charset="0"/>
+                          <a:cs typeface="Courier New" panose="02070309020205020404" pitchFamily="49" charset="0"/>
+                        </a:rPr>
+                        <a:t>input()</a:t>
+                      </a:r>
+                    </a:p>
+                    <a:p>
+                      <a:pPr>
+                        <a:spcAft>
+                          <a:spcPts val="0"/>
+                        </a:spcAft>
+                      </a:pPr>
+                      <a:r>
+                        <a:rPr lang="en-US" sz="1050" b="1" dirty="0">
+                          <a:solidFill>
+                            <a:schemeClr val="tx1"/>
+                          </a:solidFill>
+                          <a:latin typeface="Courier New" panose="02070309020205020404" pitchFamily="49" charset="0"/>
+                          <a:cs typeface="Courier New" panose="02070309020205020404" pitchFamily="49" charset="0"/>
+                        </a:rPr>
+                        <a:t>def </a:t>
+                      </a:r>
+                      <a:r>
+                        <a:rPr lang="en-US" sz="1050" b="1" dirty="0" err="1">
+                          <a:solidFill>
+                            <a:schemeClr val="tx1"/>
+                          </a:solidFill>
+                          <a:latin typeface="Courier New" panose="02070309020205020404" pitchFamily="49" charset="0"/>
+                          <a:cs typeface="Courier New" panose="02070309020205020404" pitchFamily="49" charset="0"/>
+                        </a:rPr>
+                        <a:t>test_stdin_readline</a:t>
+                      </a:r>
+                      <a:r>
+                        <a:rPr lang="en-US" sz="1050" b="1" dirty="0">
+                          <a:solidFill>
+                            <a:schemeClr val="tx1"/>
+                          </a:solidFill>
+                          <a:latin typeface="Courier New" panose="02070309020205020404" pitchFamily="49" charset="0"/>
+                          <a:cs typeface="Courier New" panose="02070309020205020404" pitchFamily="49" charset="0"/>
+                        </a:rPr>
+                        <a:t>():</a:t>
+                      </a:r>
+                    </a:p>
+                    <a:p>
+                      <a:pPr>
+                        <a:spcAft>
+                          <a:spcPts val="0"/>
+                        </a:spcAft>
+                      </a:pPr>
+                      <a:r>
+                        <a:rPr lang="en-US" sz="1050" b="1" dirty="0">
+                          <a:solidFill>
+                            <a:schemeClr val="tx1"/>
+                          </a:solidFill>
+                          <a:latin typeface="Courier New" panose="02070309020205020404" pitchFamily="49" charset="0"/>
+                          <a:cs typeface="Courier New" panose="02070309020205020404" pitchFamily="49" charset="0"/>
+                        </a:rPr>
+                        <a:t>    for i in range(n):</a:t>
+                      </a:r>
+                    </a:p>
+                    <a:p>
+                      <a:pPr>
+                        <a:spcAft>
+                          <a:spcPts val="300"/>
+                        </a:spcAft>
+                      </a:pPr>
+                      <a:r>
+                        <a:rPr lang="en-US" sz="1050" b="1" dirty="0">
+                          <a:solidFill>
+                            <a:schemeClr val="tx1"/>
+                          </a:solidFill>
+                          <a:latin typeface="Courier New" panose="02070309020205020404" pitchFamily="49" charset="0"/>
+                          <a:cs typeface="Courier New" panose="02070309020205020404" pitchFamily="49" charset="0"/>
+                        </a:rPr>
+                        <a:t>        line = </a:t>
+                      </a:r>
+                      <a:r>
+                        <a:rPr lang="en-US" sz="1050" b="1" dirty="0" err="1">
+                          <a:solidFill>
+                            <a:srgbClr val="C00000"/>
+                          </a:solidFill>
+                          <a:latin typeface="Courier New" panose="02070309020205020404" pitchFamily="49" charset="0"/>
+                          <a:cs typeface="Courier New" panose="02070309020205020404" pitchFamily="49" charset="0"/>
+                        </a:rPr>
+                        <a:t>sys.stdin.readline</a:t>
+                      </a:r>
+                      <a:r>
+                        <a:rPr lang="en-US" sz="1050" b="1" dirty="0">
+                          <a:solidFill>
+                            <a:srgbClr val="C00000"/>
+                          </a:solidFill>
+                          <a:latin typeface="Courier New" panose="02070309020205020404" pitchFamily="49" charset="0"/>
+                          <a:cs typeface="Courier New" panose="02070309020205020404" pitchFamily="49" charset="0"/>
+                        </a:rPr>
+                        <a:t>()</a:t>
+                      </a:r>
+                    </a:p>
+                    <a:p>
+                      <a:pPr>
+                        <a:spcAft>
+                          <a:spcPts val="0"/>
+                        </a:spcAft>
+                      </a:pPr>
+                      <a:r>
+                        <a:rPr lang="en-US" sz="1050" b="1" dirty="0">
+                          <a:solidFill>
+                            <a:schemeClr val="tx1"/>
+                          </a:solidFill>
+                          <a:latin typeface="Courier New" panose="02070309020205020404" pitchFamily="49" charset="0"/>
+                          <a:cs typeface="Courier New" panose="02070309020205020404" pitchFamily="49" charset="0"/>
+                        </a:rPr>
+                        <a:t>def </a:t>
+                      </a:r>
+                      <a:r>
+                        <a:rPr lang="en-US" sz="1050" b="1" dirty="0" err="1">
+                          <a:solidFill>
+                            <a:schemeClr val="tx1"/>
+                          </a:solidFill>
+                          <a:latin typeface="Courier New" panose="02070309020205020404" pitchFamily="49" charset="0"/>
+                          <a:cs typeface="Courier New" panose="02070309020205020404" pitchFamily="49" charset="0"/>
+                        </a:rPr>
+                        <a:t>test_stdin_readline</a:t>
+                      </a:r>
+                      <a:r>
+                        <a:rPr lang="en-US" sz="1050" b="1" dirty="0">
+                          <a:solidFill>
+                            <a:schemeClr val="tx1"/>
+                          </a:solidFill>
+                          <a:latin typeface="Courier New" panose="02070309020205020404" pitchFamily="49" charset="0"/>
+                          <a:cs typeface="Courier New" panose="02070309020205020404" pitchFamily="49" charset="0"/>
+                        </a:rPr>
+                        <a:t>():</a:t>
+                      </a:r>
+                    </a:p>
+                    <a:p>
+                      <a:pPr>
+                        <a:spcAft>
+                          <a:spcPts val="0"/>
+                        </a:spcAft>
+                      </a:pPr>
+                      <a:r>
+                        <a:rPr lang="en-US" sz="1050" b="1" dirty="0">
+                          <a:solidFill>
+                            <a:srgbClr val="C00000"/>
+                          </a:solidFill>
+                          <a:latin typeface="Courier New" panose="02070309020205020404" pitchFamily="49" charset="0"/>
+                          <a:cs typeface="Courier New" panose="02070309020205020404" pitchFamily="49" charset="0"/>
+                        </a:rPr>
+                        <a:t>    </a:t>
+                      </a:r>
+                      <a:r>
+                        <a:rPr lang="en-US" sz="1050" b="1" dirty="0" err="1">
+                          <a:solidFill>
+                            <a:srgbClr val="C00000"/>
+                          </a:solidFill>
+                          <a:latin typeface="Courier New" panose="02070309020205020404" pitchFamily="49" charset="0"/>
+                          <a:cs typeface="Courier New" panose="02070309020205020404" pitchFamily="49" charset="0"/>
+                        </a:rPr>
+                        <a:t>readline</a:t>
+                      </a:r>
+                      <a:r>
+                        <a:rPr lang="en-US" sz="1050" b="1" dirty="0">
+                          <a:solidFill>
+                            <a:srgbClr val="C00000"/>
+                          </a:solidFill>
+                          <a:latin typeface="Courier New" panose="02070309020205020404" pitchFamily="49" charset="0"/>
+                          <a:cs typeface="Courier New" panose="02070309020205020404" pitchFamily="49" charset="0"/>
+                        </a:rPr>
+                        <a:t> = </a:t>
+                      </a:r>
+                      <a:r>
+                        <a:rPr lang="en-US" sz="1050" b="1" dirty="0" err="1">
+                          <a:solidFill>
+                            <a:srgbClr val="C00000"/>
+                          </a:solidFill>
+                          <a:latin typeface="Courier New" panose="02070309020205020404" pitchFamily="49" charset="0"/>
+                          <a:cs typeface="Courier New" panose="02070309020205020404" pitchFamily="49" charset="0"/>
+                        </a:rPr>
+                        <a:t>sys.stdin.readline</a:t>
+                      </a:r>
+                      <a:endParaRPr lang="en-US" sz="1050" b="1" dirty="0">
+                        <a:solidFill>
+                          <a:srgbClr val="C00000"/>
+                        </a:solidFill>
+                        <a:latin typeface="Courier New" panose="02070309020205020404" pitchFamily="49" charset="0"/>
+                        <a:cs typeface="Courier New" panose="02070309020205020404" pitchFamily="49" charset="0"/>
+                      </a:endParaRPr>
+                    </a:p>
+                    <a:p>
+                      <a:pPr>
+                        <a:spcAft>
+                          <a:spcPts val="0"/>
+                        </a:spcAft>
+                      </a:pPr>
+                      <a:r>
+                        <a:rPr lang="en-US" sz="1050" b="1" dirty="0">
+                          <a:solidFill>
+                            <a:schemeClr val="tx1"/>
+                          </a:solidFill>
+                          <a:latin typeface="Courier New" panose="02070309020205020404" pitchFamily="49" charset="0"/>
+                          <a:cs typeface="Courier New" panose="02070309020205020404" pitchFamily="49" charset="0"/>
+                        </a:rPr>
+                        <a:t>    for i in range(n):</a:t>
+                      </a:r>
+                    </a:p>
+                    <a:p>
+                      <a:pPr>
+                        <a:spcAft>
+                          <a:spcPts val="300"/>
+                        </a:spcAft>
+                      </a:pPr>
+                      <a:r>
+                        <a:rPr lang="en-US" sz="1050" b="1" dirty="0">
+                          <a:solidFill>
+                            <a:schemeClr val="tx1"/>
+                          </a:solidFill>
+                          <a:latin typeface="Courier New" panose="02070309020205020404" pitchFamily="49" charset="0"/>
+                          <a:cs typeface="Courier New" panose="02070309020205020404" pitchFamily="49" charset="0"/>
+                        </a:rPr>
+                        <a:t>        line = </a:t>
+                      </a:r>
+                      <a:r>
+                        <a:rPr lang="en-US" sz="1050" b="1" dirty="0" err="1">
+                          <a:solidFill>
+                            <a:srgbClr val="C00000"/>
+                          </a:solidFill>
+                          <a:latin typeface="Courier New" panose="02070309020205020404" pitchFamily="49" charset="0"/>
+                          <a:cs typeface="Courier New" panose="02070309020205020404" pitchFamily="49" charset="0"/>
+                        </a:rPr>
+                        <a:t>readline</a:t>
+                      </a:r>
+                      <a:r>
+                        <a:rPr lang="en-US" sz="1050" b="1" dirty="0">
+                          <a:solidFill>
+                            <a:srgbClr val="C00000"/>
+                          </a:solidFill>
+                          <a:latin typeface="Courier New" panose="02070309020205020404" pitchFamily="49" charset="0"/>
+                          <a:cs typeface="Courier New" panose="02070309020205020404" pitchFamily="49" charset="0"/>
+                        </a:rPr>
+                        <a:t>()</a:t>
+                      </a:r>
+                    </a:p>
+                    <a:p>
+                      <a:pPr>
+                        <a:spcAft>
+                          <a:spcPts val="0"/>
+                        </a:spcAft>
+                      </a:pPr>
+                      <a:r>
+                        <a:rPr lang="en-US" sz="1050" b="1" dirty="0">
+                          <a:solidFill>
+                            <a:schemeClr val="tx1"/>
+                          </a:solidFill>
+                          <a:latin typeface="Courier New" panose="02070309020205020404" pitchFamily="49" charset="0"/>
+                          <a:cs typeface="Courier New" panose="02070309020205020404" pitchFamily="49" charset="0"/>
+                        </a:rPr>
+                        <a:t>def </a:t>
+                      </a:r>
+                      <a:r>
+                        <a:rPr lang="en-US" sz="1050" b="1" dirty="0" err="1">
+                          <a:solidFill>
+                            <a:schemeClr val="tx1"/>
+                          </a:solidFill>
+                          <a:latin typeface="Courier New" panose="02070309020205020404" pitchFamily="49" charset="0"/>
+                          <a:cs typeface="Courier New" panose="02070309020205020404" pitchFamily="49" charset="0"/>
+                        </a:rPr>
+                        <a:t>test_stdin_readlines</a:t>
+                      </a:r>
+                      <a:r>
+                        <a:rPr lang="en-US" sz="1050" b="1" dirty="0">
+                          <a:solidFill>
+                            <a:schemeClr val="tx1"/>
+                          </a:solidFill>
+                          <a:latin typeface="Courier New" panose="02070309020205020404" pitchFamily="49" charset="0"/>
+                          <a:cs typeface="Courier New" panose="02070309020205020404" pitchFamily="49" charset="0"/>
+                        </a:rPr>
+                        <a:t>():</a:t>
+                      </a:r>
+                    </a:p>
+                    <a:p>
+                      <a:pPr>
+                        <a:spcAft>
+                          <a:spcPts val="300"/>
+                        </a:spcAft>
+                      </a:pPr>
+                      <a:r>
+                        <a:rPr lang="en-US" sz="1050" b="1" dirty="0">
+                          <a:solidFill>
+                            <a:schemeClr val="tx1"/>
+                          </a:solidFill>
+                          <a:latin typeface="Courier New" panose="02070309020205020404" pitchFamily="49" charset="0"/>
+                          <a:cs typeface="Courier New" panose="02070309020205020404" pitchFamily="49" charset="0"/>
+                        </a:rPr>
+                        <a:t>    lines = </a:t>
+                      </a:r>
+                      <a:r>
+                        <a:rPr lang="en-US" sz="1050" b="1" dirty="0" err="1">
+                          <a:solidFill>
+                            <a:srgbClr val="C00000"/>
+                          </a:solidFill>
+                          <a:latin typeface="Courier New" panose="02070309020205020404" pitchFamily="49" charset="0"/>
+                          <a:cs typeface="Courier New" panose="02070309020205020404" pitchFamily="49" charset="0"/>
+                        </a:rPr>
+                        <a:t>sys.stdin.readlines</a:t>
+                      </a:r>
+                      <a:r>
+                        <a:rPr lang="en-US" sz="1050" b="1" dirty="0">
+                          <a:solidFill>
+                            <a:srgbClr val="C00000"/>
+                          </a:solidFill>
+                          <a:latin typeface="Courier New" panose="02070309020205020404" pitchFamily="49" charset="0"/>
+                          <a:cs typeface="Courier New" panose="02070309020205020404" pitchFamily="49" charset="0"/>
+                        </a:rPr>
+                        <a:t>()</a:t>
+                      </a:r>
+                    </a:p>
+                    <a:p>
+                      <a:pPr>
+                        <a:spcAft>
+                          <a:spcPts val="0"/>
+                        </a:spcAft>
+                      </a:pPr>
+                      <a:r>
+                        <a:rPr lang="en-US" sz="1050" b="1" dirty="0">
+                          <a:solidFill>
+                            <a:schemeClr val="tx1"/>
+                          </a:solidFill>
+                          <a:latin typeface="Courier New" panose="02070309020205020404" pitchFamily="49" charset="0"/>
+                          <a:cs typeface="Courier New" panose="02070309020205020404" pitchFamily="49" charset="0"/>
+                        </a:rPr>
+                        <a:t>def </a:t>
+                      </a:r>
+                      <a:r>
+                        <a:rPr lang="en-US" sz="1050" b="1" dirty="0" err="1">
+                          <a:solidFill>
+                            <a:schemeClr val="tx1"/>
+                          </a:solidFill>
+                          <a:latin typeface="Courier New" panose="02070309020205020404" pitchFamily="49" charset="0"/>
+                          <a:cs typeface="Courier New" panose="02070309020205020404" pitchFamily="49" charset="0"/>
+                        </a:rPr>
+                        <a:t>test_stdin_read</a:t>
+                      </a:r>
+                      <a:r>
+                        <a:rPr lang="en-US" sz="1050" b="1" dirty="0">
+                          <a:solidFill>
+                            <a:schemeClr val="tx1"/>
+                          </a:solidFill>
+                          <a:latin typeface="Courier New" panose="02070309020205020404" pitchFamily="49" charset="0"/>
+                          <a:cs typeface="Courier New" panose="02070309020205020404" pitchFamily="49" charset="0"/>
+                        </a:rPr>
+                        <a:t>():</a:t>
+                      </a:r>
+                    </a:p>
+                    <a:p>
+                      <a:pPr>
+                        <a:spcAft>
+                          <a:spcPts val="300"/>
+                        </a:spcAft>
+                      </a:pPr>
+                      <a:r>
+                        <a:rPr lang="en-US" sz="1050" b="1" dirty="0">
+                          <a:solidFill>
+                            <a:schemeClr val="tx1"/>
+                          </a:solidFill>
+                          <a:latin typeface="Courier New" panose="02070309020205020404" pitchFamily="49" charset="0"/>
+                          <a:cs typeface="Courier New" panose="02070309020205020404" pitchFamily="49" charset="0"/>
+                        </a:rPr>
+                        <a:t>    text = </a:t>
+                      </a:r>
+                      <a:r>
+                        <a:rPr lang="en-US" sz="1050" b="1" dirty="0" err="1">
+                          <a:solidFill>
+                            <a:srgbClr val="C00000"/>
+                          </a:solidFill>
+                          <a:latin typeface="Courier New" panose="02070309020205020404" pitchFamily="49" charset="0"/>
+                          <a:cs typeface="Courier New" panose="02070309020205020404" pitchFamily="49" charset="0"/>
+                        </a:rPr>
+                        <a:t>sys.stdin.read</a:t>
+                      </a:r>
+                      <a:r>
+                        <a:rPr lang="en-US" sz="1050" b="1" dirty="0">
+                          <a:solidFill>
+                            <a:srgbClr val="C00000"/>
+                          </a:solidFill>
+                          <a:latin typeface="Courier New" panose="02070309020205020404" pitchFamily="49" charset="0"/>
+                          <a:cs typeface="Courier New" panose="02070309020205020404" pitchFamily="49" charset="0"/>
+                        </a:rPr>
+                        <a:t>()</a:t>
+                      </a:r>
+                    </a:p>
+                    <a:p>
+                      <a:pPr>
+                        <a:spcAft>
+                          <a:spcPts val="0"/>
+                        </a:spcAft>
+                      </a:pPr>
+                      <a:r>
+                        <a:rPr lang="en-US" sz="1050" b="1" dirty="0">
+                          <a:solidFill>
+                            <a:schemeClr val="tx1"/>
+                          </a:solidFill>
+                          <a:latin typeface="Courier New" panose="02070309020205020404" pitchFamily="49" charset="0"/>
+                          <a:cs typeface="Courier New" panose="02070309020205020404" pitchFamily="49" charset="0"/>
+                        </a:rPr>
+                        <a:t>def </a:t>
+                      </a:r>
+                      <a:r>
+                        <a:rPr lang="en-US" sz="1050" b="1" dirty="0" err="1">
+                          <a:solidFill>
+                            <a:schemeClr val="tx1"/>
+                          </a:solidFill>
+                          <a:latin typeface="Courier New" panose="02070309020205020404" pitchFamily="49" charset="0"/>
+                          <a:cs typeface="Courier New" panose="02070309020205020404" pitchFamily="49" charset="0"/>
+                        </a:rPr>
+                        <a:t>test_for</a:t>
+                      </a:r>
+                      <a:r>
+                        <a:rPr lang="en-US" sz="1050" b="1" dirty="0">
+                          <a:solidFill>
+                            <a:schemeClr val="tx1"/>
+                          </a:solidFill>
+                          <a:latin typeface="Courier New" panose="02070309020205020404" pitchFamily="49" charset="0"/>
+                          <a:cs typeface="Courier New" panose="02070309020205020404" pitchFamily="49" charset="0"/>
+                        </a:rPr>
+                        <a:t>():</a:t>
+                      </a:r>
+                    </a:p>
+                    <a:p>
+                      <a:pPr>
+                        <a:spcAft>
+                          <a:spcPts val="0"/>
+                        </a:spcAft>
+                      </a:pPr>
+                      <a:r>
+                        <a:rPr lang="en-US" sz="1050" b="1" dirty="0">
+                          <a:solidFill>
+                            <a:schemeClr val="tx1"/>
+                          </a:solidFill>
+                          <a:latin typeface="Courier New" panose="02070309020205020404" pitchFamily="49" charset="0"/>
+                          <a:cs typeface="Courier New" panose="02070309020205020404" pitchFamily="49" charset="0"/>
+                        </a:rPr>
+                        <a:t>    for line in </a:t>
+                      </a:r>
+                      <a:r>
+                        <a:rPr lang="en-US" sz="1050" b="1" dirty="0" err="1">
+                          <a:solidFill>
+                            <a:srgbClr val="C00000"/>
+                          </a:solidFill>
+                          <a:latin typeface="Courier New" panose="02070309020205020404" pitchFamily="49" charset="0"/>
+                          <a:cs typeface="Courier New" panose="02070309020205020404" pitchFamily="49" charset="0"/>
+                        </a:rPr>
+                        <a:t>sys.stdin</a:t>
+                      </a:r>
+                      <a:r>
+                        <a:rPr lang="en-US" sz="1050" b="1" dirty="0">
+                          <a:solidFill>
+                            <a:schemeClr val="tx1"/>
+                          </a:solidFill>
+                          <a:latin typeface="Courier New" panose="02070309020205020404" pitchFamily="49" charset="0"/>
+                          <a:cs typeface="Courier New" panose="02070309020205020404" pitchFamily="49" charset="0"/>
+                        </a:rPr>
+                        <a:t>:</a:t>
+                      </a:r>
+                    </a:p>
+                    <a:p>
+                      <a:pPr>
+                        <a:spcAft>
+                          <a:spcPts val="300"/>
+                        </a:spcAft>
+                      </a:pPr>
+                      <a:r>
+                        <a:rPr lang="en-US" sz="1050" b="1" dirty="0">
+                          <a:solidFill>
+                            <a:schemeClr val="tx1"/>
+                          </a:solidFill>
+                          <a:latin typeface="Courier New" panose="02070309020205020404" pitchFamily="49" charset="0"/>
+                          <a:cs typeface="Courier New" panose="02070309020205020404" pitchFamily="49" charset="0"/>
+                        </a:rPr>
+                        <a:t>        pass</a:t>
+                      </a:r>
+                    </a:p>
+                    <a:p>
+                      <a:pPr>
+                        <a:spcAft>
+                          <a:spcPts val="0"/>
+                        </a:spcAft>
+                      </a:pPr>
+                      <a:r>
+                        <a:rPr lang="en-US" sz="1050" b="1" dirty="0">
+                          <a:solidFill>
+                            <a:schemeClr val="tx1"/>
+                          </a:solidFill>
+                          <a:latin typeface="Courier New" panose="02070309020205020404" pitchFamily="49" charset="0"/>
+                          <a:cs typeface="Courier New" panose="02070309020205020404" pitchFamily="49" charset="0"/>
+                        </a:rPr>
+                        <a:t>def </a:t>
+                      </a:r>
+                      <a:r>
+                        <a:rPr lang="en-US" sz="1050" b="1" dirty="0" err="1">
+                          <a:solidFill>
+                            <a:schemeClr val="tx1"/>
+                          </a:solidFill>
+                          <a:latin typeface="Courier New" panose="02070309020205020404" pitchFamily="49" charset="0"/>
+                          <a:cs typeface="Courier New" panose="02070309020205020404" pitchFamily="49" charset="0"/>
+                        </a:rPr>
+                        <a:t>create_test_input</a:t>
+                      </a:r>
+                      <a:r>
+                        <a:rPr lang="en-US" sz="1050" b="1" dirty="0">
+                          <a:solidFill>
+                            <a:schemeClr val="tx1"/>
+                          </a:solidFill>
+                          <a:latin typeface="Courier New" panose="02070309020205020404" pitchFamily="49" charset="0"/>
+                          <a:cs typeface="Courier New" panose="02070309020205020404" pitchFamily="49" charset="0"/>
+                        </a:rPr>
+                        <a:t>():</a:t>
+                      </a:r>
+                    </a:p>
+                    <a:p>
+                      <a:pPr>
+                        <a:spcAft>
+                          <a:spcPts val="0"/>
+                        </a:spcAft>
+                      </a:pPr>
+                      <a:r>
+                        <a:rPr lang="en-US" sz="1050" b="1" dirty="0">
+                          <a:solidFill>
+                            <a:schemeClr val="tx1"/>
+                          </a:solidFill>
+                          <a:latin typeface="Courier New" panose="02070309020205020404" pitchFamily="49" charset="0"/>
+                          <a:cs typeface="Courier New" panose="02070309020205020404" pitchFamily="49" charset="0"/>
+                        </a:rPr>
+                        <a:t>    with open(data, 'w') as file:</a:t>
+                      </a:r>
+                    </a:p>
+                    <a:p>
+                      <a:pPr>
+                        <a:spcAft>
+                          <a:spcPts val="0"/>
+                        </a:spcAft>
+                      </a:pPr>
+                      <a:r>
+                        <a:rPr lang="en-US" sz="1050" b="1" dirty="0">
+                          <a:solidFill>
+                            <a:schemeClr val="tx1"/>
+                          </a:solidFill>
+                          <a:latin typeface="Courier New" panose="02070309020205020404" pitchFamily="49" charset="0"/>
+                          <a:cs typeface="Courier New" panose="02070309020205020404" pitchFamily="49" charset="0"/>
+                        </a:rPr>
+                        <a:t>        for i in range(n):</a:t>
+                      </a:r>
+                    </a:p>
+                    <a:p>
+                      <a:pPr>
+                        <a:spcAft>
+                          <a:spcPts val="300"/>
+                        </a:spcAft>
+                      </a:pPr>
+                      <a:r>
+                        <a:rPr lang="en-US" sz="1050" b="1" dirty="0">
+                          <a:solidFill>
+                            <a:schemeClr val="tx1"/>
+                          </a:solidFill>
+                          <a:latin typeface="Courier New" panose="02070309020205020404" pitchFamily="49" charset="0"/>
+                          <a:cs typeface="Courier New" panose="02070309020205020404" pitchFamily="49" charset="0"/>
+                        </a:rPr>
+                        <a:t>            print(i, file=file)</a:t>
+                      </a:r>
+                    </a:p>
+                    <a:p>
+                      <a:pPr>
+                        <a:spcAft>
+                          <a:spcPts val="0"/>
+                        </a:spcAft>
+                      </a:pPr>
+                      <a:r>
+                        <a:rPr lang="en-US" sz="1050" b="1" dirty="0" err="1">
+                          <a:solidFill>
+                            <a:schemeClr val="tx1"/>
+                          </a:solidFill>
+                          <a:latin typeface="Courier New" panose="02070309020205020404" pitchFamily="49" charset="0"/>
+                          <a:cs typeface="Courier New" panose="02070309020205020404" pitchFamily="49" charset="0"/>
+                        </a:rPr>
+                        <a:t>create_test_input</a:t>
+                      </a:r>
+                      <a:r>
+                        <a:rPr lang="en-US" sz="1050" b="1" dirty="0">
+                          <a:solidFill>
+                            <a:schemeClr val="tx1"/>
+                          </a:solidFill>
+                          <a:latin typeface="Courier New" panose="02070309020205020404" pitchFamily="49" charset="0"/>
+                          <a:cs typeface="Courier New" panose="02070309020205020404" pitchFamily="49" charset="0"/>
+                        </a:rPr>
+                        <a:t>()</a:t>
+                      </a:r>
+                    </a:p>
+                    <a:p>
+                      <a:pPr>
+                        <a:spcAft>
+                          <a:spcPts val="0"/>
+                        </a:spcAft>
+                      </a:pPr>
+                      <a:r>
+                        <a:rPr lang="en-US" sz="1050" b="1" dirty="0">
+                          <a:solidFill>
+                            <a:schemeClr val="tx1"/>
+                          </a:solidFill>
+                          <a:latin typeface="Courier New" panose="02070309020205020404" pitchFamily="49" charset="0"/>
+                          <a:cs typeface="Courier New" panose="02070309020205020404" pitchFamily="49" charset="0"/>
+                        </a:rPr>
+                        <a:t>for _ in range(5):</a:t>
+                      </a:r>
+                    </a:p>
+                    <a:p>
+                      <a:pPr>
+                        <a:spcAft>
+                          <a:spcPts val="0"/>
+                        </a:spcAft>
+                      </a:pPr>
+                      <a:r>
+                        <a:rPr lang="en-US" sz="1050" b="1" dirty="0">
+                          <a:solidFill>
+                            <a:schemeClr val="tx1"/>
+                          </a:solidFill>
+                          <a:latin typeface="Courier New" panose="02070309020205020404" pitchFamily="49" charset="0"/>
+                          <a:cs typeface="Courier New" panose="02070309020205020404" pitchFamily="49" charset="0"/>
+                        </a:rPr>
+                        <a:t>    for name, value in list(vars().items()):</a:t>
+                      </a:r>
+                    </a:p>
+                    <a:p>
+                      <a:pPr>
+                        <a:spcAft>
+                          <a:spcPts val="0"/>
+                        </a:spcAft>
+                      </a:pPr>
+                      <a:r>
+                        <a:rPr lang="en-US" sz="1050" b="1" dirty="0">
+                          <a:solidFill>
+                            <a:schemeClr val="tx1"/>
+                          </a:solidFill>
+                          <a:latin typeface="Courier New" panose="02070309020205020404" pitchFamily="49" charset="0"/>
+                          <a:cs typeface="Courier New" panose="02070309020205020404" pitchFamily="49" charset="0"/>
+                        </a:rPr>
+                        <a:t>        if </a:t>
+                      </a:r>
+                      <a:r>
+                        <a:rPr lang="en-US" sz="1050" b="1" dirty="0" err="1">
+                          <a:solidFill>
+                            <a:schemeClr val="tx1"/>
+                          </a:solidFill>
+                          <a:latin typeface="Courier New" panose="02070309020205020404" pitchFamily="49" charset="0"/>
+                          <a:cs typeface="Courier New" panose="02070309020205020404" pitchFamily="49" charset="0"/>
+                        </a:rPr>
+                        <a:t>name.startswith</a:t>
+                      </a:r>
+                      <a:r>
+                        <a:rPr lang="en-US" sz="1050" b="1" dirty="0">
+                          <a:solidFill>
+                            <a:schemeClr val="tx1"/>
+                          </a:solidFill>
+                          <a:latin typeface="Courier New" panose="02070309020205020404" pitchFamily="49" charset="0"/>
+                          <a:cs typeface="Courier New" panose="02070309020205020404" pitchFamily="49" charset="0"/>
+                        </a:rPr>
+                        <a:t>('test_'):</a:t>
+                      </a:r>
+                    </a:p>
+                    <a:p>
+                      <a:pPr>
+                        <a:spcAft>
+                          <a:spcPts val="0"/>
+                        </a:spcAft>
+                      </a:pPr>
+                      <a:r>
+                        <a:rPr lang="en-US" sz="1050" b="1" dirty="0">
+                          <a:solidFill>
+                            <a:schemeClr val="tx1"/>
+                          </a:solidFill>
+                          <a:latin typeface="Courier New" panose="02070309020205020404" pitchFamily="49" charset="0"/>
+                          <a:cs typeface="Courier New" panose="02070309020205020404" pitchFamily="49" charset="0"/>
+                        </a:rPr>
+                        <a:t>            with open(data) as file:</a:t>
+                      </a:r>
+                    </a:p>
+                    <a:p>
+                      <a:pPr>
+                        <a:spcAft>
+                          <a:spcPts val="0"/>
+                        </a:spcAft>
+                      </a:pPr>
+                      <a:r>
+                        <a:rPr lang="en-US" sz="1050" b="1" dirty="0">
+                          <a:solidFill>
+                            <a:schemeClr val="tx1"/>
+                          </a:solidFill>
+                          <a:latin typeface="Courier New" panose="02070309020205020404" pitchFamily="49" charset="0"/>
+                          <a:cs typeface="Courier New" panose="02070309020205020404" pitchFamily="49" charset="0"/>
+                        </a:rPr>
+                        <a:t>                </a:t>
+                      </a:r>
+                      <a:r>
+                        <a:rPr lang="en-US" sz="1050" b="1" dirty="0" err="1">
+                          <a:solidFill>
+                            <a:schemeClr val="tx1"/>
+                          </a:solidFill>
+                          <a:latin typeface="Courier New" panose="02070309020205020404" pitchFamily="49" charset="0"/>
+                          <a:cs typeface="Courier New" panose="02070309020205020404" pitchFamily="49" charset="0"/>
+                        </a:rPr>
+                        <a:t>original_stdin</a:t>
+                      </a:r>
+                      <a:r>
+                        <a:rPr lang="en-US" sz="1050" b="1" dirty="0">
+                          <a:solidFill>
+                            <a:schemeClr val="tx1"/>
+                          </a:solidFill>
+                          <a:latin typeface="Courier New" panose="02070309020205020404" pitchFamily="49" charset="0"/>
+                          <a:cs typeface="Courier New" panose="02070309020205020404" pitchFamily="49" charset="0"/>
+                        </a:rPr>
+                        <a:t> = </a:t>
+                      </a:r>
+                      <a:r>
+                        <a:rPr lang="en-US" sz="1050" b="1" dirty="0" err="1">
+                          <a:solidFill>
+                            <a:schemeClr val="tx1"/>
+                          </a:solidFill>
+                          <a:latin typeface="Courier New" panose="02070309020205020404" pitchFamily="49" charset="0"/>
+                          <a:cs typeface="Courier New" panose="02070309020205020404" pitchFamily="49" charset="0"/>
+                        </a:rPr>
+                        <a:t>sys.stdin</a:t>
+                      </a:r>
+                      <a:endParaRPr lang="en-US" sz="1050" b="1" dirty="0">
+                        <a:solidFill>
+                          <a:schemeClr val="tx1"/>
+                        </a:solidFill>
+                        <a:latin typeface="Courier New" panose="02070309020205020404" pitchFamily="49" charset="0"/>
+                        <a:cs typeface="Courier New" panose="02070309020205020404" pitchFamily="49" charset="0"/>
+                      </a:endParaRPr>
+                    </a:p>
+                    <a:p>
+                      <a:pPr>
+                        <a:spcAft>
+                          <a:spcPts val="0"/>
+                        </a:spcAft>
+                      </a:pPr>
+                      <a:r>
+                        <a:rPr lang="en-US" sz="1050" b="1" dirty="0">
+                          <a:solidFill>
+                            <a:schemeClr val="tx1"/>
+                          </a:solidFill>
+                          <a:latin typeface="Courier New" panose="02070309020205020404" pitchFamily="49" charset="0"/>
+                          <a:cs typeface="Courier New" panose="02070309020205020404" pitchFamily="49" charset="0"/>
+                        </a:rPr>
+                        <a:t>                </a:t>
+                      </a:r>
+                      <a:r>
+                        <a:rPr lang="en-US" sz="1050" b="1" dirty="0" err="1">
+                          <a:solidFill>
+                            <a:schemeClr val="tx1"/>
+                          </a:solidFill>
+                          <a:latin typeface="Courier New" panose="02070309020205020404" pitchFamily="49" charset="0"/>
+                          <a:cs typeface="Courier New" panose="02070309020205020404" pitchFamily="49" charset="0"/>
+                        </a:rPr>
+                        <a:t>sys.stdin</a:t>
+                      </a:r>
+                      <a:r>
+                        <a:rPr lang="en-US" sz="1050" b="1" dirty="0">
+                          <a:solidFill>
+                            <a:schemeClr val="tx1"/>
+                          </a:solidFill>
+                          <a:latin typeface="Courier New" panose="02070309020205020404" pitchFamily="49" charset="0"/>
+                          <a:cs typeface="Courier New" panose="02070309020205020404" pitchFamily="49" charset="0"/>
+                        </a:rPr>
+                        <a:t> = file</a:t>
+                      </a:r>
+                    </a:p>
+                    <a:p>
+                      <a:pPr>
+                        <a:spcAft>
+                          <a:spcPts val="0"/>
+                        </a:spcAft>
+                      </a:pPr>
+                      <a:r>
+                        <a:rPr lang="en-US" sz="1050" b="1" dirty="0">
+                          <a:solidFill>
+                            <a:schemeClr val="tx1"/>
+                          </a:solidFill>
+                          <a:latin typeface="Courier New" panose="02070309020205020404" pitchFamily="49" charset="0"/>
+                          <a:cs typeface="Courier New" panose="02070309020205020404" pitchFamily="49" charset="0"/>
+                        </a:rPr>
+                        <a:t>                start = time()</a:t>
+                      </a:r>
+                    </a:p>
+                    <a:p>
+                      <a:pPr>
+                        <a:spcAft>
+                          <a:spcPts val="0"/>
+                        </a:spcAft>
+                      </a:pPr>
+                      <a:r>
+                        <a:rPr lang="en-US" sz="1050" b="1" dirty="0">
+                          <a:solidFill>
+                            <a:schemeClr val="tx1"/>
+                          </a:solidFill>
+                          <a:latin typeface="Courier New" panose="02070309020205020404" pitchFamily="49" charset="0"/>
+                          <a:cs typeface="Courier New" panose="02070309020205020404" pitchFamily="49" charset="0"/>
+                        </a:rPr>
+                        <a:t>                value()</a:t>
+                      </a:r>
+                    </a:p>
+                    <a:p>
+                      <a:pPr>
+                        <a:spcAft>
+                          <a:spcPts val="0"/>
+                        </a:spcAft>
+                      </a:pPr>
+                      <a:r>
+                        <a:rPr lang="en-US" sz="1050" b="1" dirty="0">
+                          <a:solidFill>
+                            <a:schemeClr val="tx1"/>
+                          </a:solidFill>
+                          <a:latin typeface="Courier New" panose="02070309020205020404" pitchFamily="49" charset="0"/>
+                          <a:cs typeface="Courier New" panose="02070309020205020404" pitchFamily="49" charset="0"/>
+                        </a:rPr>
+                        <a:t>                end = time()</a:t>
+                      </a:r>
+                    </a:p>
+                    <a:p>
+                      <a:pPr>
+                        <a:spcAft>
+                          <a:spcPts val="0"/>
+                        </a:spcAft>
+                      </a:pPr>
+                      <a:r>
+                        <a:rPr lang="en-US" sz="1050" b="1" dirty="0">
+                          <a:solidFill>
+                            <a:schemeClr val="tx1"/>
+                          </a:solidFill>
+                          <a:latin typeface="Courier New" panose="02070309020205020404" pitchFamily="49" charset="0"/>
+                          <a:cs typeface="Courier New" panose="02070309020205020404" pitchFamily="49" charset="0"/>
+                        </a:rPr>
+                        <a:t>                </a:t>
+                      </a:r>
+                      <a:r>
+                        <a:rPr lang="en-US" sz="1050" b="1" dirty="0" err="1">
+                          <a:solidFill>
+                            <a:schemeClr val="tx1"/>
+                          </a:solidFill>
+                          <a:latin typeface="Courier New" panose="02070309020205020404" pitchFamily="49" charset="0"/>
+                          <a:cs typeface="Courier New" panose="02070309020205020404" pitchFamily="49" charset="0"/>
+                        </a:rPr>
+                        <a:t>sys.stdin</a:t>
+                      </a:r>
+                      <a:r>
+                        <a:rPr lang="en-US" sz="1050" b="1" dirty="0">
+                          <a:solidFill>
+                            <a:schemeClr val="tx1"/>
+                          </a:solidFill>
+                          <a:latin typeface="Courier New" panose="02070309020205020404" pitchFamily="49" charset="0"/>
+                          <a:cs typeface="Courier New" panose="02070309020205020404" pitchFamily="49" charset="0"/>
+                        </a:rPr>
+                        <a:t> = </a:t>
+                      </a:r>
+                      <a:r>
+                        <a:rPr lang="en-US" sz="1050" b="1" dirty="0" err="1">
+                          <a:solidFill>
+                            <a:schemeClr val="tx1"/>
+                          </a:solidFill>
+                          <a:latin typeface="Courier New" panose="02070309020205020404" pitchFamily="49" charset="0"/>
+                          <a:cs typeface="Courier New" panose="02070309020205020404" pitchFamily="49" charset="0"/>
+                        </a:rPr>
+                        <a:t>original_stdin</a:t>
+                      </a:r>
+                      <a:endParaRPr lang="en-US" sz="1050" b="1" dirty="0">
+                        <a:solidFill>
+                          <a:schemeClr val="tx1"/>
+                        </a:solidFill>
+                        <a:latin typeface="Courier New" panose="02070309020205020404" pitchFamily="49" charset="0"/>
+                        <a:cs typeface="Courier New" panose="02070309020205020404" pitchFamily="49" charset="0"/>
+                      </a:endParaRPr>
+                    </a:p>
+                    <a:p>
+                      <a:pPr>
+                        <a:spcAft>
+                          <a:spcPts val="0"/>
+                        </a:spcAft>
+                      </a:pPr>
+                      <a:r>
+                        <a:rPr lang="en-US" sz="1050" b="1" dirty="0">
+                          <a:solidFill>
+                            <a:schemeClr val="tx1"/>
+                          </a:solidFill>
+                          <a:latin typeface="Courier New" panose="02070309020205020404" pitchFamily="49" charset="0"/>
+                          <a:cs typeface="Courier New" panose="02070309020205020404" pitchFamily="49" charset="0"/>
+                        </a:rPr>
+                        <a:t>            print(f'{name} {end - start:.2} sec')</a:t>
+                      </a:r>
+                    </a:p>
+                  </a:txBody>
+                  <a:tcPr>
+                    <a:lnL w="6350" cap="flat" cmpd="sng" algn="ctr">
+                      <a:solidFill>
+                        <a:schemeClr val="tx1"/>
+                      </a:solidFill>
+                      <a:prstDash val="solid"/>
+                      <a:round/>
+                      <a:headEnd type="none" w="med" len="med"/>
+                      <a:tailEnd type="none" w="med" len="med"/>
+                    </a:lnL>
+                    <a:lnR w="6350" cap="flat" cmpd="sng" algn="ctr">
+                      <a:solidFill>
+                        <a:schemeClr val="tx1"/>
+                      </a:solidFill>
+                      <a:prstDash val="solid"/>
+                      <a:round/>
+                      <a:headEnd type="none" w="med" len="med"/>
+                      <a:tailEnd type="none" w="med" len="med"/>
+                    </a:lnR>
+                    <a:lnT w="6350" cap="flat" cmpd="sng" algn="ctr">
+                      <a:solidFill>
+                        <a:schemeClr val="tx1"/>
+                      </a:solidFill>
+                      <a:prstDash val="solid"/>
+                      <a:round/>
+                      <a:headEnd type="none" w="med" len="med"/>
+                      <a:tailEnd type="none" w="med" len="med"/>
+                    </a:lnT>
+                    <a:lnB w="6350" cap="flat" cmpd="sng" algn="ctr">
+                      <a:solidFill>
+                        <a:schemeClr val="tx1"/>
+                      </a:solidFill>
+                      <a:prstDash val="solid"/>
+                      <a:round/>
+                      <a:headEnd type="none" w="med" len="med"/>
+                      <a:tailEnd type="none" w="med" len="med"/>
+                    </a:lnB>
+                    <a:lnTlToBr w="12700" cmpd="sng">
+                      <a:noFill/>
+                      <a:prstDash val="solid"/>
+                    </a:lnTlToBr>
+                    <a:lnBlToTr w="12700" cmpd="sng">
+                      <a:noFill/>
+                      <a:prstDash val="solid"/>
+                    </a:lnBlToTr>
+                    <a:solidFill>
+                      <a:schemeClr val="accent5">
+                        <a:lumMod val="20000"/>
+                        <a:lumOff val="80000"/>
+                      </a:schemeClr>
+                    </a:solidFill>
+                  </a:tcPr>
+                </a:tc>
+                <a:extLst>
+                  <a:ext uri="{0D108BD9-81ED-4DB2-BD59-A6C34878D82A}">
+                    <a16:rowId xmlns:a16="http://schemas.microsoft.com/office/drawing/2014/main" val="4112970457"/>
+                  </a:ext>
+                </a:extLst>
+              </a:tr>
+            </a:tbl>
+          </a:graphicData>
+        </a:graphic>
+      </p:graphicFrame>
     </p:spTree>
     <p:extLst>
       <p:ext uri="{BB962C8B-B14F-4D97-AF65-F5344CB8AC3E}">
-        <p14:creationId xmlns:p14="http://schemas.microsoft.com/office/powerpoint/2010/main" val="2205391547"/>
+        <p14:creationId xmlns:p14="http://schemas.microsoft.com/office/powerpoint/2010/main" val="1833727466"/>
       </p:ext>
     </p:extLst>
   </p:cSld>
@@ -23435,7 +25584,7 @@
 </p:sld>
 </file>
 
-<file path=ppt/slides/slide25.xml><?xml version="1.0" encoding="utf-8"?>
+<file path=ppt/slides/slide26.xml><?xml version="1.0" encoding="utf-8"?>
 <p:sld xmlns:a="http://schemas.openxmlformats.org/drawingml/2006/main" xmlns:r="http://schemas.openxmlformats.org/officeDocument/2006/relationships" xmlns:p="http://schemas.openxmlformats.org/presentationml/2006/main">
   <p:cSld>
     <p:spTree>
@@ -25137,7 +27286,7 @@
 </p:sld>
 </file>
 
-<file path=ppt/slides/slide26.xml><?xml version="1.0" encoding="utf-8"?>
+<file path=ppt/slides/slide27.xml><?xml version="1.0" encoding="utf-8"?>
 <p:sld xmlns:a="http://schemas.openxmlformats.org/drawingml/2006/main" xmlns:r="http://schemas.openxmlformats.org/officeDocument/2006/relationships" xmlns:p="http://schemas.openxmlformats.org/presentationml/2006/main">
   <p:cSld>
     <p:spTree>
@@ -27351,7 +29500,7 @@
 </p:sld>
 </file>
 
-<file path=ppt/slides/slide27.xml><?xml version="1.0" encoding="utf-8"?>
+<file path=ppt/slides/slide28.xml><?xml version="1.0" encoding="utf-8"?>
 <p:sld xmlns:a="http://schemas.openxmlformats.org/drawingml/2006/main" xmlns:r="http://schemas.openxmlformats.org/officeDocument/2006/relationships" xmlns:p="http://schemas.openxmlformats.org/presentationml/2006/main">
   <p:cSld>
     <p:spTree>
@@ -29076,7 +31225,7 @@
 </p:sld>
 </file>
 
-<file path=ppt/slides/slide28.xml><?xml version="1.0" encoding="utf-8"?>
+<file path=ppt/slides/slide29.xml><?xml version="1.0" encoding="utf-8"?>
 <p:sld xmlns:a="http://schemas.openxmlformats.org/drawingml/2006/main" xmlns:r="http://schemas.openxmlformats.org/officeDocument/2006/relationships" xmlns:p="http://schemas.openxmlformats.org/presentationml/2006/main">
   <p:cSld>
     <p:spTree>
@@ -32111,913 +34260,6 @@
 </p:sld>
 </file>
 
-<file path=ppt/slides/slide29.xml><?xml version="1.0" encoding="utf-8"?>
-<p:sld xmlns:a="http://schemas.openxmlformats.org/drawingml/2006/main" xmlns:r="http://schemas.openxmlformats.org/officeDocument/2006/relationships" xmlns:p="http://schemas.openxmlformats.org/presentationml/2006/main">
-  <p:cSld>
-    <p:spTree>
-      <p:nvGrpSpPr>
-        <p:cNvPr id="1" name=""/>
-        <p:cNvGrpSpPr/>
-        <p:nvPr/>
-      </p:nvGrpSpPr>
-      <p:grpSpPr>
-        <a:xfrm>
-          <a:off x="0" y="0"/>
-          <a:ext cx="0" cy="0"/>
-          <a:chOff x="0" y="0"/>
-          <a:chExt cx="0" cy="0"/>
-        </a:xfrm>
-      </p:grpSpPr>
-      <p:graphicFrame>
-        <p:nvGraphicFramePr>
-          <p:cNvPr id="4" name="Table 3">
-            <a:extLst>
-              <a:ext uri="{FF2B5EF4-FFF2-40B4-BE49-F238E27FC236}">
-                <a16:creationId xmlns:a16="http://schemas.microsoft.com/office/drawing/2014/main" id="{1C79346D-4580-4415-A8DF-89103609571D}"/>
-              </a:ext>
-            </a:extLst>
-          </p:cNvPr>
-          <p:cNvGraphicFramePr>
-            <a:graphicFrameLocks noGrp="1"/>
-          </p:cNvGraphicFramePr>
-          <p:nvPr/>
-        </p:nvGraphicFramePr>
-        <p:xfrm>
-          <a:off x="444165" y="1097280"/>
-          <a:ext cx="11303669" cy="4236720"/>
-        </p:xfrm>
-        <a:graphic>
-          <a:graphicData uri="http://schemas.openxmlformats.org/drawingml/2006/table">
-            <a:tbl>
-              <a:tblPr firstRow="1" bandRow="1">
-                <a:tableStyleId>{5C22544A-7EE6-4342-B048-85BDC9FD1C3A}</a:tableStyleId>
-              </a:tblPr>
-              <a:tblGrid>
-                <a:gridCol w="11303669">
-                  <a:extLst>
-                    <a:ext uri="{9D8B030D-6E8A-4147-A177-3AD203B41FA5}">
-                      <a16:colId xmlns:a16="http://schemas.microsoft.com/office/drawing/2014/main" val="1873682825"/>
-                    </a:ext>
-                  </a:extLst>
-                </a:gridCol>
-              </a:tblGrid>
-              <a:tr h="234832">
-                <a:tc>
-                  <a:txBody>
-                    <a:bodyPr/>
-                    <a:lstStyle/>
-                    <a:p>
-                      <a:pPr marL="0" marR="0" lvl="0" indent="0" algn="l" defTabSz="914400" rtl="0" eaLnBrk="1" fontAlgn="auto" latinLnBrk="0" hangingPunct="1">
-                        <a:lnSpc>
-                          <a:spcPct val="100000"/>
-                        </a:lnSpc>
-                        <a:spcBef>
-                          <a:spcPts val="0"/>
-                        </a:spcBef>
-                        <a:spcAft>
-                          <a:spcPts val="0"/>
-                        </a:spcAft>
-                        <a:buClrTx/>
-                        <a:buSzTx/>
-                        <a:buFontTx/>
-                        <a:buNone/>
-                        <a:tabLst/>
-                        <a:defRPr/>
-                      </a:pPr>
-                      <a:r>
-                        <a:rPr lang="da-DK" sz="1400" b="1" dirty="0">
-                          <a:solidFill>
-                            <a:schemeClr val="bg1"/>
-                          </a:solidFill>
-                          <a:latin typeface="Courier New" panose="02070309020205020404" pitchFamily="49" charset="0"/>
-                          <a:cs typeface="Courier New" panose="02070309020205020404" pitchFamily="49" charset="0"/>
-                        </a:rPr>
-                        <a:t>Python </a:t>
-                      </a:r>
-                      <a:r>
-                        <a:rPr lang="da-DK" sz="1400" b="1" dirty="0" err="1">
-                          <a:solidFill>
-                            <a:schemeClr val="bg1"/>
-                          </a:solidFill>
-                          <a:latin typeface="Courier New" panose="02070309020205020404" pitchFamily="49" charset="0"/>
-                          <a:cs typeface="Courier New" panose="02070309020205020404" pitchFamily="49" charset="0"/>
-                        </a:rPr>
-                        <a:t>shell</a:t>
-                      </a:r>
-                      <a:r>
-                        <a:rPr lang="da-DK" sz="1400" b="1" dirty="0">
-                          <a:solidFill>
-                            <a:schemeClr val="bg1"/>
-                          </a:solidFill>
-                          <a:latin typeface="Courier New" panose="02070309020205020404" pitchFamily="49" charset="0"/>
-                          <a:cs typeface="Courier New" panose="02070309020205020404" pitchFamily="49" charset="0"/>
-                        </a:rPr>
-                        <a:t>  (</a:t>
-                      </a:r>
-                      <a:r>
-                        <a:rPr lang="da-DK" sz="1400" b="1" dirty="0">
-                          <a:latin typeface="Courier New" panose="02070309020205020404" pitchFamily="49" charset="0"/>
-                          <a:cs typeface="Courier New" panose="02070309020205020404" pitchFamily="49" charset="0"/>
-                        </a:rPr>
-                        <a:t>match-case.py</a:t>
-                      </a:r>
-                      <a:r>
-                        <a:rPr lang="da-DK" sz="1400" b="1" dirty="0">
-                          <a:solidFill>
-                            <a:schemeClr val="bg1"/>
-                          </a:solidFill>
-                          <a:latin typeface="Courier New" panose="02070309020205020404" pitchFamily="49" charset="0"/>
-                          <a:cs typeface="Courier New" panose="02070309020205020404" pitchFamily="49" charset="0"/>
-                        </a:rPr>
-                        <a:t> </a:t>
-                      </a:r>
-                      <a:r>
-                        <a:rPr lang="da-DK" sz="1400" b="1" i="1" dirty="0" err="1">
-                          <a:solidFill>
-                            <a:schemeClr val="bg1"/>
-                          </a:solidFill>
-                          <a:latin typeface="Courier New" panose="02070309020205020404" pitchFamily="49" charset="0"/>
-                          <a:cs typeface="Courier New" panose="02070309020205020404" pitchFamily="49" charset="0"/>
-                        </a:rPr>
-                        <a:t>continued</a:t>
-                      </a:r>
-                      <a:r>
-                        <a:rPr lang="da-DK" sz="1400" b="1" dirty="0">
-                          <a:solidFill>
-                            <a:schemeClr val="bg1"/>
-                          </a:solidFill>
-                          <a:latin typeface="Courier New" panose="02070309020205020404" pitchFamily="49" charset="0"/>
-                          <a:cs typeface="Courier New" panose="02070309020205020404" pitchFamily="49" charset="0"/>
-                        </a:rPr>
-                        <a:t>)</a:t>
-                      </a:r>
-                      <a:endParaRPr lang="da-DK" sz="1400" b="1" dirty="0">
-                        <a:latin typeface="Courier New" panose="02070309020205020404" pitchFamily="49" charset="0"/>
-                        <a:cs typeface="Courier New" panose="02070309020205020404" pitchFamily="49" charset="0"/>
-                      </a:endParaRPr>
-                    </a:p>
-                  </a:txBody>
-                  <a:tcPr>
-                    <a:lnL w="6350" cap="flat" cmpd="sng" algn="ctr">
-                      <a:solidFill>
-                        <a:schemeClr val="tx1"/>
-                      </a:solidFill>
-                      <a:prstDash val="solid"/>
-                      <a:round/>
-                      <a:headEnd type="none" w="med" len="med"/>
-                      <a:tailEnd type="none" w="med" len="med"/>
-                    </a:lnL>
-                    <a:lnR w="6350" cap="flat" cmpd="sng" algn="ctr">
-                      <a:solidFill>
-                        <a:schemeClr val="tx1"/>
-                      </a:solidFill>
-                      <a:prstDash val="solid"/>
-                      <a:round/>
-                      <a:headEnd type="none" w="med" len="med"/>
-                      <a:tailEnd type="none" w="med" len="med"/>
-                    </a:lnR>
-                    <a:lnT w="6350" cap="flat" cmpd="sng" algn="ctr">
-                      <a:solidFill>
-                        <a:schemeClr val="tx1"/>
-                      </a:solidFill>
-                      <a:prstDash val="solid"/>
-                      <a:round/>
-                      <a:headEnd type="none" w="med" len="med"/>
-                      <a:tailEnd type="none" w="med" len="med"/>
-                    </a:lnT>
-                    <a:lnB w="6350" cap="flat" cmpd="sng" algn="ctr">
-                      <a:solidFill>
-                        <a:schemeClr val="tx1"/>
-                      </a:solidFill>
-                      <a:prstDash val="solid"/>
-                      <a:round/>
-                      <a:headEnd type="none" w="med" len="med"/>
-                      <a:tailEnd type="none" w="med" len="med"/>
-                    </a:lnB>
-                    <a:lnTlToBr w="12700" cmpd="sng">
-                      <a:noFill/>
-                      <a:prstDash val="solid"/>
-                    </a:lnTlToBr>
-                    <a:lnBlToTr w="12700" cmpd="sng">
-                      <a:noFill/>
-                      <a:prstDash val="solid"/>
-                    </a:lnBlToTr>
-                    <a:solidFill>
-                      <a:srgbClr val="C00000"/>
-                    </a:solidFill>
-                  </a:tcPr>
-                </a:tc>
-                <a:extLst>
-                  <a:ext uri="{0D108BD9-81ED-4DB2-BD59-A6C34878D82A}">
-                    <a16:rowId xmlns:a16="http://schemas.microsoft.com/office/drawing/2014/main" val="2202042958"/>
-                  </a:ext>
-                </a:extLst>
-              </a:tr>
-              <a:tr h="3029335">
-                <a:tc>
-                  <a:txBody>
-                    <a:bodyPr/>
-                    <a:lstStyle/>
-                    <a:p>
-                      <a:pPr marL="266700" indent="-266700">
-                        <a:buClr>
-                          <a:srgbClr val="C00000"/>
-                        </a:buClr>
-                        <a:buSzPct val="100000"/>
-                        <a:buFont typeface="Courier New" panose="02070309020205020404" pitchFamily="49" charset="0"/>
-                        <a:buChar char="&gt;"/>
-                      </a:pPr>
-                      <a:r>
-                        <a:rPr lang="en-US" sz="1400" b="1" baseline="0" dirty="0">
-                          <a:latin typeface="Courier New" panose="02070309020205020404" pitchFamily="49" charset="0"/>
-                          <a:cs typeface="Courier New" panose="02070309020205020404" pitchFamily="49" charset="0"/>
-                        </a:rPr>
-                        <a:t>for x in [42, 1, [1, 2], [7, 2], range(3, 5), (3, (5, 7)), (0, 1, 2, 3, 4, 5), {'a':7, 'b':42, 'c':1}, </a:t>
-                      </a:r>
-                      <a:br>
-                        <a:rPr lang="en-US" sz="1400" b="1" baseline="0" dirty="0">
-                          <a:latin typeface="Courier New" panose="02070309020205020404" pitchFamily="49" charset="0"/>
-                          <a:cs typeface="Courier New" panose="02070309020205020404" pitchFamily="49" charset="0"/>
-                        </a:rPr>
-                      </a:br>
-                      <a:r>
-                        <a:rPr lang="en-US" sz="1400" b="1" baseline="0" dirty="0">
-                          <a:latin typeface="Courier New" panose="02070309020205020404" pitchFamily="49" charset="0"/>
-                          <a:cs typeface="Courier New" panose="02070309020205020404" pitchFamily="49" charset="0"/>
-                        </a:rPr>
-                        <a:t>          ('b', 'c'), ('y', 'x'), 3.14, 'ff0000', Point(7, 42), Point(3, 5), '</a:t>
-                      </a:r>
-                      <a:r>
-                        <a:rPr lang="en-US" sz="1400" b="1" baseline="0" dirty="0" err="1">
-                          <a:latin typeface="Courier New" panose="02070309020205020404" pitchFamily="49" charset="0"/>
-                          <a:cs typeface="Courier New" panose="02070309020205020404" pitchFamily="49" charset="0"/>
-                        </a:rPr>
-                        <a:t>abc</a:t>
-                      </a:r>
-                      <a:r>
-                        <a:rPr lang="en-US" sz="1400" b="1" baseline="0" dirty="0">
-                          <a:latin typeface="Courier New" panose="02070309020205020404" pitchFamily="49" charset="0"/>
-                          <a:cs typeface="Courier New" panose="02070309020205020404" pitchFamily="49" charset="0"/>
-                        </a:rPr>
-                        <a:t>']:</a:t>
-                      </a:r>
-                      <a:br>
-                        <a:rPr lang="en-US" sz="1400" b="1" baseline="0" dirty="0">
-                          <a:latin typeface="Courier New" panose="02070309020205020404" pitchFamily="49" charset="0"/>
-                          <a:cs typeface="Courier New" panose="02070309020205020404" pitchFamily="49" charset="0"/>
-                        </a:rPr>
-                      </a:br>
-                      <a:r>
-                        <a:rPr lang="en-US" sz="1400" b="1" baseline="0" dirty="0">
-                          <a:latin typeface="Courier New" panose="02070309020205020404" pitchFamily="49" charset="0"/>
-                          <a:cs typeface="Courier New" panose="02070309020205020404" pitchFamily="49" charset="0"/>
-                        </a:rPr>
-                        <a:t>    print('f(' + </a:t>
-                      </a:r>
-                      <a:r>
-                        <a:rPr lang="en-US" sz="1400" b="1" baseline="0" dirty="0" err="1">
-                          <a:latin typeface="Courier New" panose="02070309020205020404" pitchFamily="49" charset="0"/>
-                          <a:cs typeface="Courier New" panose="02070309020205020404" pitchFamily="49" charset="0"/>
-                        </a:rPr>
-                        <a:t>repr</a:t>
-                      </a:r>
-                      <a:r>
-                        <a:rPr lang="en-US" sz="1400" b="1" baseline="0" dirty="0">
-                          <a:latin typeface="Courier New" panose="02070309020205020404" pitchFamily="49" charset="0"/>
-                          <a:cs typeface="Courier New" panose="02070309020205020404" pitchFamily="49" charset="0"/>
-                        </a:rPr>
-                        <a:t>(x) + ') = ' + </a:t>
-                      </a:r>
-                      <a:r>
-                        <a:rPr lang="en-US" sz="1400" b="1" baseline="0" dirty="0" err="1">
-                          <a:latin typeface="Courier New" panose="02070309020205020404" pitchFamily="49" charset="0"/>
-                          <a:cs typeface="Courier New" panose="02070309020205020404" pitchFamily="49" charset="0"/>
-                        </a:rPr>
-                        <a:t>repr</a:t>
-                      </a:r>
-                      <a:r>
-                        <a:rPr lang="en-US" sz="1400" b="1" baseline="0" dirty="0">
-                          <a:latin typeface="Courier New" panose="02070309020205020404" pitchFamily="49" charset="0"/>
-                          <a:cs typeface="Courier New" panose="02070309020205020404" pitchFamily="49" charset="0"/>
-                        </a:rPr>
-                        <a:t>(f(x)))</a:t>
-                      </a:r>
-                      <a:endParaRPr lang="pt-BR" sz="1400" b="1" baseline="0" dirty="0">
-                        <a:latin typeface="Courier New" panose="02070309020205020404" pitchFamily="49" charset="0"/>
-                        <a:cs typeface="Courier New" panose="02070309020205020404" pitchFamily="49" charset="0"/>
-                      </a:endParaRPr>
-                    </a:p>
-                    <a:p>
-                      <a:pPr marL="266700" marR="0" lvl="0" indent="-266700" algn="l" defTabSz="914400" rtl="0" eaLnBrk="1" fontAlgn="auto" latinLnBrk="0" hangingPunct="1">
-                        <a:lnSpc>
-                          <a:spcPct val="100000"/>
-                        </a:lnSpc>
-                        <a:spcBef>
-                          <a:spcPts val="0"/>
-                        </a:spcBef>
-                        <a:spcAft>
-                          <a:spcPts val="0"/>
-                        </a:spcAft>
-                        <a:buClr>
-                          <a:schemeClr val="accent1">
-                            <a:lumMod val="50000"/>
-                          </a:schemeClr>
-                        </a:buClr>
-                        <a:buSzPct val="120000"/>
-                        <a:buFont typeface="Courier New" panose="02070309020205020404" pitchFamily="49" charset="0"/>
-                        <a:buChar char="|"/>
-                        <a:tabLst/>
-                        <a:defRPr/>
-                      </a:pPr>
-                      <a:r>
-                        <a:rPr lang="en-US" sz="1400" b="1" baseline="0" dirty="0">
-                          <a:latin typeface="Courier New" panose="02070309020205020404" pitchFamily="49" charset="0"/>
-                          <a:cs typeface="Courier New" panose="02070309020205020404" pitchFamily="49" charset="0"/>
-                        </a:rPr>
-                        <a:t>f(42) = 'the integer 42'</a:t>
-                      </a:r>
-                    </a:p>
-                    <a:p>
-                      <a:pPr marL="266700" marR="0" lvl="0" indent="-266700" algn="l" defTabSz="914400" rtl="0" eaLnBrk="1" fontAlgn="auto" latinLnBrk="0" hangingPunct="1">
-                        <a:lnSpc>
-                          <a:spcPct val="100000"/>
-                        </a:lnSpc>
-                        <a:spcBef>
-                          <a:spcPts val="0"/>
-                        </a:spcBef>
-                        <a:spcAft>
-                          <a:spcPts val="0"/>
-                        </a:spcAft>
-                        <a:buClr>
-                          <a:schemeClr val="accent1">
-                            <a:lumMod val="50000"/>
-                          </a:schemeClr>
-                        </a:buClr>
-                        <a:buSzPct val="120000"/>
-                        <a:buFont typeface="Courier New" panose="02070309020205020404" pitchFamily="49" charset="0"/>
-                        <a:buChar char="|"/>
-                        <a:tabLst/>
-                        <a:defRPr/>
-                      </a:pPr>
-                      <a:r>
-                        <a:rPr lang="en-US" sz="1400" b="1" baseline="0" dirty="0">
-                          <a:latin typeface="Courier New" panose="02070309020205020404" pitchFamily="49" charset="0"/>
-                          <a:cs typeface="Courier New" panose="02070309020205020404" pitchFamily="49" charset="0"/>
-                        </a:rPr>
-                        <a:t>f(1) = 'integer in range(1, 6)'</a:t>
-                      </a:r>
-                    </a:p>
-                    <a:p>
-                      <a:pPr marL="266700" marR="0" lvl="0" indent="-266700" algn="l" defTabSz="914400" rtl="0" eaLnBrk="1" fontAlgn="auto" latinLnBrk="0" hangingPunct="1">
-                        <a:lnSpc>
-                          <a:spcPct val="100000"/>
-                        </a:lnSpc>
-                        <a:spcBef>
-                          <a:spcPts val="0"/>
-                        </a:spcBef>
-                        <a:spcAft>
-                          <a:spcPts val="0"/>
-                        </a:spcAft>
-                        <a:buClr>
-                          <a:schemeClr val="accent1">
-                            <a:lumMod val="50000"/>
-                          </a:schemeClr>
-                        </a:buClr>
-                        <a:buSzPct val="120000"/>
-                        <a:buFont typeface="Courier New" panose="02070309020205020404" pitchFamily="49" charset="0"/>
-                        <a:buChar char="|"/>
-                        <a:tabLst/>
-                        <a:defRPr/>
-                      </a:pPr>
-                      <a:r>
-                        <a:rPr lang="en-US" sz="1400" b="1" baseline="0" dirty="0">
-                          <a:latin typeface="Courier New" panose="02070309020205020404" pitchFamily="49" charset="0"/>
-                          <a:cs typeface="Courier New" panose="02070309020205020404" pitchFamily="49" charset="0"/>
-                        </a:rPr>
-                        <a:t>f([1, 2]) = 'sequence containing the elements 1 and 2'</a:t>
-                      </a:r>
-                    </a:p>
-                    <a:p>
-                      <a:pPr marL="266700" marR="0" lvl="0" indent="-266700" algn="l" defTabSz="914400" rtl="0" eaLnBrk="1" fontAlgn="auto" latinLnBrk="0" hangingPunct="1">
-                        <a:lnSpc>
-                          <a:spcPct val="100000"/>
-                        </a:lnSpc>
-                        <a:spcBef>
-                          <a:spcPts val="0"/>
-                        </a:spcBef>
-                        <a:spcAft>
-                          <a:spcPts val="0"/>
-                        </a:spcAft>
-                        <a:buClr>
-                          <a:schemeClr val="accent1">
-                            <a:lumMod val="50000"/>
-                          </a:schemeClr>
-                        </a:buClr>
-                        <a:buSzPct val="120000"/>
-                        <a:buFont typeface="Courier New" panose="02070309020205020404" pitchFamily="49" charset="0"/>
-                        <a:buChar char="|"/>
-                        <a:tabLst/>
-                        <a:defRPr/>
-                      </a:pPr>
-                      <a:r>
-                        <a:rPr lang="en-US" sz="1400" b="1" baseline="0" dirty="0">
-                          <a:latin typeface="Courier New" panose="02070309020205020404" pitchFamily="49" charset="0"/>
-                          <a:cs typeface="Courier New" panose="02070309020205020404" pitchFamily="49" charset="0"/>
-                        </a:rPr>
-                        <a:t>f([7, 2]) = 'sequence of length 2, last=2, first=7'</a:t>
-                      </a:r>
-                    </a:p>
-                    <a:p>
-                      <a:pPr marL="266700" marR="0" lvl="0" indent="-266700" algn="l" defTabSz="914400" rtl="0" eaLnBrk="1" fontAlgn="auto" latinLnBrk="0" hangingPunct="1">
-                        <a:lnSpc>
-                          <a:spcPct val="100000"/>
-                        </a:lnSpc>
-                        <a:spcBef>
-                          <a:spcPts val="0"/>
-                        </a:spcBef>
-                        <a:spcAft>
-                          <a:spcPts val="0"/>
-                        </a:spcAft>
-                        <a:buClr>
-                          <a:schemeClr val="accent1">
-                            <a:lumMod val="50000"/>
-                          </a:schemeClr>
-                        </a:buClr>
-                        <a:buSzPct val="120000"/>
-                        <a:buFont typeface="Courier New" panose="02070309020205020404" pitchFamily="49" charset="0"/>
-                        <a:buChar char="|"/>
-                        <a:tabLst/>
-                        <a:defRPr/>
-                      </a:pPr>
-                      <a:r>
-                        <a:rPr lang="en-US" sz="1400" b="1" baseline="0" dirty="0">
-                          <a:latin typeface="Courier New" panose="02070309020205020404" pitchFamily="49" charset="0"/>
-                          <a:cs typeface="Courier New" panose="02070309020205020404" pitchFamily="49" charset="0"/>
-                        </a:rPr>
-                        <a:t>f(range(3, 5)) = 'sequence with two values with sum 7'</a:t>
-                      </a:r>
-                    </a:p>
-                    <a:p>
-                      <a:pPr marL="266700" marR="0" lvl="0" indent="-266700" algn="l" defTabSz="914400" rtl="0" eaLnBrk="1" fontAlgn="auto" latinLnBrk="0" hangingPunct="1">
-                        <a:lnSpc>
-                          <a:spcPct val="100000"/>
-                        </a:lnSpc>
-                        <a:spcBef>
-                          <a:spcPts val="0"/>
-                        </a:spcBef>
-                        <a:spcAft>
-                          <a:spcPts val="0"/>
-                        </a:spcAft>
-                        <a:buClr>
-                          <a:schemeClr val="accent1">
-                            <a:lumMod val="50000"/>
-                          </a:schemeClr>
-                        </a:buClr>
-                        <a:buSzPct val="120000"/>
-                        <a:buFont typeface="Courier New" panose="02070309020205020404" pitchFamily="49" charset="0"/>
-                        <a:buChar char="|"/>
-                        <a:tabLst/>
-                        <a:defRPr/>
-                      </a:pPr>
-                      <a:r>
-                        <a:rPr lang="en-US" sz="1400" b="1" baseline="0" dirty="0">
-                          <a:latin typeface="Courier New" panose="02070309020205020404" pitchFamily="49" charset="0"/>
-                          <a:cs typeface="Courier New" panose="02070309020205020404" pitchFamily="49" charset="0"/>
-                        </a:rPr>
-                        <a:t>f((3, (5, 7))) = 'a triplet (3, (5, 7))'</a:t>
-                      </a:r>
-                    </a:p>
-                    <a:p>
-                      <a:pPr marL="266700" marR="0" lvl="0" indent="-266700" algn="l" defTabSz="914400" rtl="0" eaLnBrk="1" fontAlgn="auto" latinLnBrk="0" hangingPunct="1">
-                        <a:lnSpc>
-                          <a:spcPct val="100000"/>
-                        </a:lnSpc>
-                        <a:spcBef>
-                          <a:spcPts val="0"/>
-                        </a:spcBef>
-                        <a:spcAft>
-                          <a:spcPts val="0"/>
-                        </a:spcAft>
-                        <a:buClr>
-                          <a:schemeClr val="accent1">
-                            <a:lumMod val="50000"/>
-                          </a:schemeClr>
-                        </a:buClr>
-                        <a:buSzPct val="120000"/>
-                        <a:buFont typeface="Courier New" panose="02070309020205020404" pitchFamily="49" charset="0"/>
-                        <a:buChar char="|"/>
-                        <a:tabLst/>
-                        <a:defRPr/>
-                      </a:pPr>
-                      <a:r>
-                        <a:rPr lang="en-US" sz="1400" b="1" baseline="0" dirty="0">
-                          <a:latin typeface="Courier New" panose="02070309020205020404" pitchFamily="49" charset="0"/>
-                          <a:cs typeface="Courier New" panose="02070309020205020404" pitchFamily="49" charset="0"/>
-                        </a:rPr>
-                        <a:t>f((0, 1, 2, 3, 4, 5)) = 'sequence starting with 0 and 1, and tail [2, 3, 4, 5]'</a:t>
-                      </a:r>
-                    </a:p>
-                    <a:p>
-                      <a:pPr marL="266700" marR="0" lvl="0" indent="-266700" algn="l" defTabSz="914400" rtl="0" eaLnBrk="1" fontAlgn="auto" latinLnBrk="0" hangingPunct="1">
-                        <a:lnSpc>
-                          <a:spcPct val="100000"/>
-                        </a:lnSpc>
-                        <a:spcBef>
-                          <a:spcPts val="0"/>
-                        </a:spcBef>
-                        <a:spcAft>
-                          <a:spcPts val="0"/>
-                        </a:spcAft>
-                        <a:buClr>
-                          <a:schemeClr val="accent1">
-                            <a:lumMod val="50000"/>
-                          </a:schemeClr>
-                        </a:buClr>
-                        <a:buSzPct val="120000"/>
-                        <a:buFont typeface="Courier New" panose="02070309020205020404" pitchFamily="49" charset="0"/>
-                        <a:buChar char="|"/>
-                        <a:tabLst/>
-                        <a:defRPr/>
-                      </a:pPr>
-                      <a:r>
-                        <a:rPr lang="en-US" sz="1400" b="1" baseline="0" dirty="0">
-                          <a:latin typeface="Courier New" panose="02070309020205020404" pitchFamily="49" charset="0"/>
-                          <a:cs typeface="Courier New" panose="02070309020205020404" pitchFamily="49" charset="0"/>
-                        </a:rPr>
-                        <a:t>f({'a': 7, 'b': 42, 'c': 1}) = 'dictionary "a" -&gt; 7, "b" -&gt; 42'</a:t>
-                      </a:r>
-                    </a:p>
-                    <a:p>
-                      <a:pPr marL="266700" marR="0" lvl="0" indent="-266700" algn="l" defTabSz="914400" rtl="0" eaLnBrk="1" fontAlgn="auto" latinLnBrk="0" hangingPunct="1">
-                        <a:lnSpc>
-                          <a:spcPct val="100000"/>
-                        </a:lnSpc>
-                        <a:spcBef>
-                          <a:spcPts val="0"/>
-                        </a:spcBef>
-                        <a:spcAft>
-                          <a:spcPts val="0"/>
-                        </a:spcAft>
-                        <a:buClr>
-                          <a:schemeClr val="accent1">
-                            <a:lumMod val="50000"/>
-                          </a:schemeClr>
-                        </a:buClr>
-                        <a:buSzPct val="120000"/>
-                        <a:buFont typeface="Courier New" panose="02070309020205020404" pitchFamily="49" charset="0"/>
-                        <a:buChar char="|"/>
-                        <a:tabLst/>
-                        <a:defRPr/>
-                      </a:pPr>
-                      <a:r>
-                        <a:rPr lang="en-US" sz="1400" b="1" baseline="0" dirty="0">
-                          <a:latin typeface="Courier New" panose="02070309020205020404" pitchFamily="49" charset="0"/>
-                          <a:cs typeface="Courier New" panose="02070309020205020404" pitchFamily="49" charset="0"/>
-                        </a:rPr>
-                        <a:t>f(('b', 'c')) = 'tuple length 2, first "a" or "b", last "c" or "d"'</a:t>
-                      </a:r>
-                    </a:p>
-                    <a:p>
-                      <a:pPr marL="266700" marR="0" lvl="0" indent="-266700" algn="l" defTabSz="914400" rtl="0" eaLnBrk="1" fontAlgn="auto" latinLnBrk="0" hangingPunct="1">
-                        <a:lnSpc>
-                          <a:spcPct val="100000"/>
-                        </a:lnSpc>
-                        <a:spcBef>
-                          <a:spcPts val="0"/>
-                        </a:spcBef>
-                        <a:spcAft>
-                          <a:spcPts val="0"/>
-                        </a:spcAft>
-                        <a:buClr>
-                          <a:schemeClr val="accent1">
-                            <a:lumMod val="50000"/>
-                          </a:schemeClr>
-                        </a:buClr>
-                        <a:buSzPct val="120000"/>
-                        <a:buFont typeface="Courier New" panose="02070309020205020404" pitchFamily="49" charset="0"/>
-                        <a:buChar char="|"/>
-                        <a:tabLst/>
-                        <a:defRPr/>
-                      </a:pPr>
-                      <a:r>
-                        <a:rPr lang="en-US" sz="1400" b="1" baseline="0" dirty="0">
-                          <a:latin typeface="Courier New" panose="02070309020205020404" pitchFamily="49" charset="0"/>
-                          <a:cs typeface="Courier New" panose="02070309020205020404" pitchFamily="49" charset="0"/>
-                        </a:rPr>
-                        <a:t>f(('y', 'x')) = '(</a:t>
-                      </a:r>
-                      <a:r>
-                        <a:rPr lang="en-US" sz="1400" b="1" baseline="0" dirty="0" err="1">
-                          <a:latin typeface="Courier New" panose="02070309020205020404" pitchFamily="49" charset="0"/>
-                          <a:cs typeface="Courier New" panose="02070309020205020404" pitchFamily="49" charset="0"/>
-                        </a:rPr>
-                        <a:t>fst</a:t>
-                      </a:r>
-                      <a:r>
-                        <a:rPr lang="en-US" sz="1400" b="1" baseline="0" dirty="0">
-                          <a:latin typeface="Courier New" panose="02070309020205020404" pitchFamily="49" charset="0"/>
-                          <a:cs typeface="Courier New" panose="02070309020205020404" pitchFamily="49" charset="0"/>
-                        </a:rPr>
-                        <a:t>, </a:t>
-                      </a:r>
-                      <a:r>
-                        <a:rPr lang="en-US" sz="1400" b="1" baseline="0" dirty="0" err="1">
-                          <a:latin typeface="Courier New" panose="02070309020205020404" pitchFamily="49" charset="0"/>
-                          <a:cs typeface="Courier New" panose="02070309020205020404" pitchFamily="49" charset="0"/>
-                        </a:rPr>
-                        <a:t>snd</a:t>
-                      </a:r>
-                      <a:r>
-                        <a:rPr lang="en-US" sz="1400" b="1" baseline="0" dirty="0">
-                          <a:latin typeface="Courier New" panose="02070309020205020404" pitchFamily="49" charset="0"/>
-                          <a:cs typeface="Courier New" panose="02070309020205020404" pitchFamily="49" charset="0"/>
-                        </a:rPr>
-                        <a:t>), where </a:t>
-                      </a:r>
-                      <a:r>
-                        <a:rPr lang="en-US" sz="1400" b="1" baseline="0" dirty="0" err="1">
-                          <a:latin typeface="Courier New" panose="02070309020205020404" pitchFamily="49" charset="0"/>
-                          <a:cs typeface="Courier New" panose="02070309020205020404" pitchFamily="49" charset="0"/>
-                        </a:rPr>
-                        <a:t>fst</a:t>
-                      </a:r>
-                      <a:r>
-                        <a:rPr lang="en-US" sz="1400" b="1" baseline="0" dirty="0">
-                          <a:latin typeface="Courier New" panose="02070309020205020404" pitchFamily="49" charset="0"/>
-                          <a:cs typeface="Courier New" panose="02070309020205020404" pitchFamily="49" charset="0"/>
-                        </a:rPr>
-                        <a:t>=y, </a:t>
-                      </a:r>
-                      <a:r>
-                        <a:rPr lang="en-US" sz="1400" b="1" baseline="0" dirty="0" err="1">
-                          <a:latin typeface="Courier New" panose="02070309020205020404" pitchFamily="49" charset="0"/>
-                          <a:cs typeface="Courier New" panose="02070309020205020404" pitchFamily="49" charset="0"/>
-                        </a:rPr>
-                        <a:t>snd</a:t>
-                      </a:r>
-                      <a:r>
-                        <a:rPr lang="en-US" sz="1400" b="1" baseline="0" dirty="0">
-                          <a:latin typeface="Courier New" panose="02070309020205020404" pitchFamily="49" charset="0"/>
-                          <a:cs typeface="Courier New" panose="02070309020205020404" pitchFamily="49" charset="0"/>
-                        </a:rPr>
-                        <a:t>=x'</a:t>
-                      </a:r>
-                    </a:p>
-                    <a:p>
-                      <a:pPr marL="266700" marR="0" lvl="0" indent="-266700" algn="l" defTabSz="914400" rtl="0" eaLnBrk="1" fontAlgn="auto" latinLnBrk="0" hangingPunct="1">
-                        <a:lnSpc>
-                          <a:spcPct val="100000"/>
-                        </a:lnSpc>
-                        <a:spcBef>
-                          <a:spcPts val="0"/>
-                        </a:spcBef>
-                        <a:spcAft>
-                          <a:spcPts val="0"/>
-                        </a:spcAft>
-                        <a:buClr>
-                          <a:schemeClr val="accent1">
-                            <a:lumMod val="50000"/>
-                          </a:schemeClr>
-                        </a:buClr>
-                        <a:buSzPct val="120000"/>
-                        <a:buFont typeface="Courier New" panose="02070309020205020404" pitchFamily="49" charset="0"/>
-                        <a:buChar char="|"/>
-                        <a:tabLst/>
-                        <a:defRPr/>
-                      </a:pPr>
-                      <a:r>
-                        <a:rPr lang="en-US" sz="1400" b="1" baseline="0" dirty="0">
-                          <a:latin typeface="Courier New" panose="02070309020205020404" pitchFamily="49" charset="0"/>
-                          <a:cs typeface="Courier New" panose="02070309020205020404" pitchFamily="49" charset="0"/>
-                        </a:rPr>
-                        <a:t>f(3.14) = 'a float 3.14'</a:t>
-                      </a:r>
-                    </a:p>
-                    <a:p>
-                      <a:pPr marL="266700" marR="0" lvl="0" indent="-266700" algn="l" defTabSz="914400" rtl="0" eaLnBrk="1" fontAlgn="auto" latinLnBrk="0" hangingPunct="1">
-                        <a:lnSpc>
-                          <a:spcPct val="100000"/>
-                        </a:lnSpc>
-                        <a:spcBef>
-                          <a:spcPts val="0"/>
-                        </a:spcBef>
-                        <a:spcAft>
-                          <a:spcPts val="0"/>
-                        </a:spcAft>
-                        <a:buClr>
-                          <a:schemeClr val="accent1">
-                            <a:lumMod val="50000"/>
-                          </a:schemeClr>
-                        </a:buClr>
-                        <a:buSzPct val="120000"/>
-                        <a:buFont typeface="Courier New" panose="02070309020205020404" pitchFamily="49" charset="0"/>
-                        <a:buChar char="|"/>
-                        <a:tabLst/>
-                        <a:defRPr/>
-                      </a:pPr>
-                      <a:r>
-                        <a:rPr lang="en-US" sz="1400" b="1" baseline="0" dirty="0">
-                          <a:latin typeface="Courier New" panose="02070309020205020404" pitchFamily="49" charset="0"/>
-                          <a:cs typeface="Courier New" panose="02070309020205020404" pitchFamily="49" charset="0"/>
-                        </a:rPr>
-                        <a:t>f('ff0000') = 'the color red'</a:t>
-                      </a:r>
-                    </a:p>
-                    <a:p>
-                      <a:pPr marL="266700" marR="0" lvl="0" indent="-266700" algn="l" defTabSz="914400" rtl="0" eaLnBrk="1" fontAlgn="auto" latinLnBrk="0" hangingPunct="1">
-                        <a:lnSpc>
-                          <a:spcPct val="100000"/>
-                        </a:lnSpc>
-                        <a:spcBef>
-                          <a:spcPts val="0"/>
-                        </a:spcBef>
-                        <a:spcAft>
-                          <a:spcPts val="0"/>
-                        </a:spcAft>
-                        <a:buClr>
-                          <a:schemeClr val="accent1">
-                            <a:lumMod val="50000"/>
-                          </a:schemeClr>
-                        </a:buClr>
-                        <a:buSzPct val="120000"/>
-                        <a:buFont typeface="Courier New" panose="02070309020205020404" pitchFamily="49" charset="0"/>
-                        <a:buChar char="|"/>
-                        <a:tabLst/>
-                        <a:defRPr/>
-                      </a:pPr>
-                      <a:r>
-                        <a:rPr lang="en-US" sz="1400" b="1" baseline="0" dirty="0">
-                          <a:latin typeface="Courier New" panose="02070309020205020404" pitchFamily="49" charset="0"/>
-                          <a:cs typeface="Courier New" panose="02070309020205020404" pitchFamily="49" charset="0"/>
-                        </a:rPr>
-                        <a:t>f(Point(7, 42)) = 'a Point object with x=7, and y=42'</a:t>
-                      </a:r>
-                    </a:p>
-                    <a:p>
-                      <a:pPr marL="266700" marR="0" lvl="0" indent="-266700" algn="l" defTabSz="914400" rtl="0" eaLnBrk="1" fontAlgn="auto" latinLnBrk="0" hangingPunct="1">
-                        <a:lnSpc>
-                          <a:spcPct val="100000"/>
-                        </a:lnSpc>
-                        <a:spcBef>
-                          <a:spcPts val="0"/>
-                        </a:spcBef>
-                        <a:spcAft>
-                          <a:spcPts val="0"/>
-                        </a:spcAft>
-                        <a:buClr>
-                          <a:schemeClr val="accent1">
-                            <a:lumMod val="50000"/>
-                          </a:schemeClr>
-                        </a:buClr>
-                        <a:buSzPct val="120000"/>
-                        <a:buFont typeface="Courier New" panose="02070309020205020404" pitchFamily="49" charset="0"/>
-                        <a:buChar char="|"/>
-                        <a:tabLst/>
-                        <a:defRPr/>
-                      </a:pPr>
-                      <a:r>
-                        <a:rPr lang="en-US" sz="1400" b="1" baseline="0" dirty="0">
-                          <a:latin typeface="Courier New" panose="02070309020205020404" pitchFamily="49" charset="0"/>
-                          <a:cs typeface="Courier New" panose="02070309020205020404" pitchFamily="49" charset="0"/>
-                        </a:rPr>
-                        <a:t>f(Point(3, 5)) = 'a point Point(3, 5)'</a:t>
-                      </a:r>
-                    </a:p>
-                    <a:p>
-                      <a:pPr marL="266700" marR="0" lvl="0" indent="-266700" algn="l" defTabSz="914400" rtl="0" eaLnBrk="1" fontAlgn="auto" latinLnBrk="0" hangingPunct="1">
-                        <a:lnSpc>
-                          <a:spcPct val="100000"/>
-                        </a:lnSpc>
-                        <a:spcBef>
-                          <a:spcPts val="0"/>
-                        </a:spcBef>
-                        <a:spcAft>
-                          <a:spcPts val="0"/>
-                        </a:spcAft>
-                        <a:buClr>
-                          <a:schemeClr val="accent1">
-                            <a:lumMod val="50000"/>
-                          </a:schemeClr>
-                        </a:buClr>
-                        <a:buSzPct val="120000"/>
-                        <a:buFont typeface="Courier New" panose="02070309020205020404" pitchFamily="49" charset="0"/>
-                        <a:buChar char="|"/>
-                        <a:tabLst/>
-                        <a:defRPr/>
-                      </a:pPr>
-                      <a:r>
-                        <a:rPr lang="en-US" sz="1400" b="1" baseline="0" dirty="0">
-                          <a:latin typeface="Courier New" panose="02070309020205020404" pitchFamily="49" charset="0"/>
-                          <a:cs typeface="Courier New" panose="02070309020205020404" pitchFamily="49" charset="0"/>
-                        </a:rPr>
-                        <a:t>f('</a:t>
-                      </a:r>
-                      <a:r>
-                        <a:rPr lang="en-US" sz="1400" b="1" baseline="0" dirty="0" err="1">
-                          <a:latin typeface="Courier New" panose="02070309020205020404" pitchFamily="49" charset="0"/>
-                          <a:cs typeface="Courier New" panose="02070309020205020404" pitchFamily="49" charset="0"/>
-                        </a:rPr>
-                        <a:t>abc</a:t>
-                      </a:r>
-                      <a:r>
-                        <a:rPr lang="en-US" sz="1400" b="1" baseline="0" dirty="0">
-                          <a:latin typeface="Courier New" panose="02070309020205020404" pitchFamily="49" charset="0"/>
-                          <a:cs typeface="Courier New" panose="02070309020205020404" pitchFamily="49" charset="0"/>
-                        </a:rPr>
-                        <a:t>') = "cannot match '</a:t>
-                      </a:r>
-                      <a:r>
-                        <a:rPr lang="en-US" sz="1400" b="1" baseline="0" dirty="0" err="1">
-                          <a:latin typeface="Courier New" panose="02070309020205020404" pitchFamily="49" charset="0"/>
-                          <a:cs typeface="Courier New" panose="02070309020205020404" pitchFamily="49" charset="0"/>
-                        </a:rPr>
-                        <a:t>abc</a:t>
-                      </a:r>
-                      <a:r>
-                        <a:rPr lang="en-US" sz="1400" b="1" baseline="0" dirty="0">
-                          <a:latin typeface="Courier New" panose="02070309020205020404" pitchFamily="49" charset="0"/>
-                          <a:cs typeface="Courier New" panose="02070309020205020404" pitchFamily="49" charset="0"/>
-                        </a:rPr>
-                        <a:t>'"</a:t>
-                      </a:r>
-                    </a:p>
-                  </a:txBody>
-                  <a:tcPr>
-                    <a:lnL w="6350" cap="flat" cmpd="sng" algn="ctr">
-                      <a:solidFill>
-                        <a:schemeClr val="tx1"/>
-                      </a:solidFill>
-                      <a:prstDash val="solid"/>
-                      <a:round/>
-                      <a:headEnd type="none" w="med" len="med"/>
-                      <a:tailEnd type="none" w="med" len="med"/>
-                    </a:lnL>
-                    <a:lnR w="6350" cap="flat" cmpd="sng" algn="ctr">
-                      <a:solidFill>
-                        <a:schemeClr val="tx1"/>
-                      </a:solidFill>
-                      <a:prstDash val="solid"/>
-                      <a:round/>
-                      <a:headEnd type="none" w="med" len="med"/>
-                      <a:tailEnd type="none" w="med" len="med"/>
-                    </a:lnR>
-                    <a:lnT w="6350" cap="flat" cmpd="sng" algn="ctr">
-                      <a:solidFill>
-                        <a:schemeClr val="tx1"/>
-                      </a:solidFill>
-                      <a:prstDash val="solid"/>
-                      <a:round/>
-                      <a:headEnd type="none" w="med" len="med"/>
-                      <a:tailEnd type="none" w="med" len="med"/>
-                    </a:lnT>
-                    <a:lnB w="6350" cap="flat" cmpd="sng" algn="ctr">
-                      <a:solidFill>
-                        <a:schemeClr val="tx1"/>
-                      </a:solidFill>
-                      <a:prstDash val="solid"/>
-                      <a:round/>
-                      <a:headEnd type="none" w="med" len="med"/>
-                      <a:tailEnd type="none" w="med" len="med"/>
-                    </a:lnB>
-                    <a:lnTlToBr w="12700" cmpd="sng">
-                      <a:noFill/>
-                      <a:prstDash val="solid"/>
-                    </a:lnTlToBr>
-                    <a:lnBlToTr w="12700" cmpd="sng">
-                      <a:noFill/>
-                      <a:prstDash val="solid"/>
-                    </a:lnBlToTr>
-                    <a:solidFill>
-                      <a:schemeClr val="accent5">
-                        <a:lumMod val="20000"/>
-                        <a:lumOff val="80000"/>
-                      </a:schemeClr>
-                    </a:solidFill>
-                  </a:tcPr>
-                </a:tc>
-                <a:extLst>
-                  <a:ext uri="{0D108BD9-81ED-4DB2-BD59-A6C34878D82A}">
-                    <a16:rowId xmlns:a16="http://schemas.microsoft.com/office/drawing/2014/main" val="25355368"/>
-                  </a:ext>
-                </a:extLst>
-              </a:tr>
-            </a:tbl>
-          </a:graphicData>
-        </a:graphic>
-      </p:graphicFrame>
-    </p:spTree>
-    <p:extLst>
-      <p:ext uri="{BB962C8B-B14F-4D97-AF65-F5344CB8AC3E}">
-        <p14:creationId xmlns:p14="http://schemas.microsoft.com/office/powerpoint/2010/main" val="4197840191"/>
-      </p:ext>
-    </p:extLst>
-  </p:cSld>
-  <p:clrMapOvr>
-    <a:masterClrMapping/>
-  </p:clrMapOvr>
-</p:sld>
-</file>
-
 <file path=ppt/slides/slide3.xml><?xml version="1.0" encoding="utf-8"?>
 <p:sld xmlns:a="http://schemas.openxmlformats.org/drawingml/2006/main" xmlns:r="http://schemas.openxmlformats.org/officeDocument/2006/relationships" xmlns:p="http://schemas.openxmlformats.org/presentationml/2006/main">
   <p:cSld>
@@ -34947,6 +36189,913 @@
     <p:extLst>
       <p:ext uri="{BB962C8B-B14F-4D97-AF65-F5344CB8AC3E}">
         <p14:creationId xmlns:p14="http://schemas.microsoft.com/office/powerpoint/2010/main" val="2421246540"/>
+      </p:ext>
+    </p:extLst>
+  </p:cSld>
+  <p:clrMapOvr>
+    <a:masterClrMapping/>
+  </p:clrMapOvr>
+</p:sld>
+</file>
+
+<file path=ppt/slides/slide30.xml><?xml version="1.0" encoding="utf-8"?>
+<p:sld xmlns:a="http://schemas.openxmlformats.org/drawingml/2006/main" xmlns:r="http://schemas.openxmlformats.org/officeDocument/2006/relationships" xmlns:p="http://schemas.openxmlformats.org/presentationml/2006/main">
+  <p:cSld>
+    <p:spTree>
+      <p:nvGrpSpPr>
+        <p:cNvPr id="1" name=""/>
+        <p:cNvGrpSpPr/>
+        <p:nvPr/>
+      </p:nvGrpSpPr>
+      <p:grpSpPr>
+        <a:xfrm>
+          <a:off x="0" y="0"/>
+          <a:ext cx="0" cy="0"/>
+          <a:chOff x="0" y="0"/>
+          <a:chExt cx="0" cy="0"/>
+        </a:xfrm>
+      </p:grpSpPr>
+      <p:graphicFrame>
+        <p:nvGraphicFramePr>
+          <p:cNvPr id="4" name="Table 3">
+            <a:extLst>
+              <a:ext uri="{FF2B5EF4-FFF2-40B4-BE49-F238E27FC236}">
+                <a16:creationId xmlns:a16="http://schemas.microsoft.com/office/drawing/2014/main" id="{1C79346D-4580-4415-A8DF-89103609571D}"/>
+              </a:ext>
+            </a:extLst>
+          </p:cNvPr>
+          <p:cNvGraphicFramePr>
+            <a:graphicFrameLocks noGrp="1"/>
+          </p:cNvGraphicFramePr>
+          <p:nvPr/>
+        </p:nvGraphicFramePr>
+        <p:xfrm>
+          <a:off x="444165" y="1097280"/>
+          <a:ext cx="11303669" cy="4236720"/>
+        </p:xfrm>
+        <a:graphic>
+          <a:graphicData uri="http://schemas.openxmlformats.org/drawingml/2006/table">
+            <a:tbl>
+              <a:tblPr firstRow="1" bandRow="1">
+                <a:tableStyleId>{5C22544A-7EE6-4342-B048-85BDC9FD1C3A}</a:tableStyleId>
+              </a:tblPr>
+              <a:tblGrid>
+                <a:gridCol w="11303669">
+                  <a:extLst>
+                    <a:ext uri="{9D8B030D-6E8A-4147-A177-3AD203B41FA5}">
+                      <a16:colId xmlns:a16="http://schemas.microsoft.com/office/drawing/2014/main" val="1873682825"/>
+                    </a:ext>
+                  </a:extLst>
+                </a:gridCol>
+              </a:tblGrid>
+              <a:tr h="234832">
+                <a:tc>
+                  <a:txBody>
+                    <a:bodyPr/>
+                    <a:lstStyle/>
+                    <a:p>
+                      <a:pPr marL="0" marR="0" lvl="0" indent="0" algn="l" defTabSz="914400" rtl="0" eaLnBrk="1" fontAlgn="auto" latinLnBrk="0" hangingPunct="1">
+                        <a:lnSpc>
+                          <a:spcPct val="100000"/>
+                        </a:lnSpc>
+                        <a:spcBef>
+                          <a:spcPts val="0"/>
+                        </a:spcBef>
+                        <a:spcAft>
+                          <a:spcPts val="0"/>
+                        </a:spcAft>
+                        <a:buClrTx/>
+                        <a:buSzTx/>
+                        <a:buFontTx/>
+                        <a:buNone/>
+                        <a:tabLst/>
+                        <a:defRPr/>
+                      </a:pPr>
+                      <a:r>
+                        <a:rPr lang="da-DK" sz="1400" b="1" dirty="0">
+                          <a:solidFill>
+                            <a:schemeClr val="bg1"/>
+                          </a:solidFill>
+                          <a:latin typeface="Courier New" panose="02070309020205020404" pitchFamily="49" charset="0"/>
+                          <a:cs typeface="Courier New" panose="02070309020205020404" pitchFamily="49" charset="0"/>
+                        </a:rPr>
+                        <a:t>Python </a:t>
+                      </a:r>
+                      <a:r>
+                        <a:rPr lang="da-DK" sz="1400" b="1" dirty="0" err="1">
+                          <a:solidFill>
+                            <a:schemeClr val="bg1"/>
+                          </a:solidFill>
+                          <a:latin typeface="Courier New" panose="02070309020205020404" pitchFamily="49" charset="0"/>
+                          <a:cs typeface="Courier New" panose="02070309020205020404" pitchFamily="49" charset="0"/>
+                        </a:rPr>
+                        <a:t>shell</a:t>
+                      </a:r>
+                      <a:r>
+                        <a:rPr lang="da-DK" sz="1400" b="1" dirty="0">
+                          <a:solidFill>
+                            <a:schemeClr val="bg1"/>
+                          </a:solidFill>
+                          <a:latin typeface="Courier New" panose="02070309020205020404" pitchFamily="49" charset="0"/>
+                          <a:cs typeface="Courier New" panose="02070309020205020404" pitchFamily="49" charset="0"/>
+                        </a:rPr>
+                        <a:t>  (</a:t>
+                      </a:r>
+                      <a:r>
+                        <a:rPr lang="da-DK" sz="1400" b="1" dirty="0">
+                          <a:latin typeface="Courier New" panose="02070309020205020404" pitchFamily="49" charset="0"/>
+                          <a:cs typeface="Courier New" panose="02070309020205020404" pitchFamily="49" charset="0"/>
+                        </a:rPr>
+                        <a:t>match-case.py</a:t>
+                      </a:r>
+                      <a:r>
+                        <a:rPr lang="da-DK" sz="1400" b="1" dirty="0">
+                          <a:solidFill>
+                            <a:schemeClr val="bg1"/>
+                          </a:solidFill>
+                          <a:latin typeface="Courier New" panose="02070309020205020404" pitchFamily="49" charset="0"/>
+                          <a:cs typeface="Courier New" panose="02070309020205020404" pitchFamily="49" charset="0"/>
+                        </a:rPr>
+                        <a:t> </a:t>
+                      </a:r>
+                      <a:r>
+                        <a:rPr lang="da-DK" sz="1400" b="1" i="1" dirty="0" err="1">
+                          <a:solidFill>
+                            <a:schemeClr val="bg1"/>
+                          </a:solidFill>
+                          <a:latin typeface="Courier New" panose="02070309020205020404" pitchFamily="49" charset="0"/>
+                          <a:cs typeface="Courier New" panose="02070309020205020404" pitchFamily="49" charset="0"/>
+                        </a:rPr>
+                        <a:t>continued</a:t>
+                      </a:r>
+                      <a:r>
+                        <a:rPr lang="da-DK" sz="1400" b="1" dirty="0">
+                          <a:solidFill>
+                            <a:schemeClr val="bg1"/>
+                          </a:solidFill>
+                          <a:latin typeface="Courier New" panose="02070309020205020404" pitchFamily="49" charset="0"/>
+                          <a:cs typeface="Courier New" panose="02070309020205020404" pitchFamily="49" charset="0"/>
+                        </a:rPr>
+                        <a:t>)</a:t>
+                      </a:r>
+                      <a:endParaRPr lang="da-DK" sz="1400" b="1" dirty="0">
+                        <a:latin typeface="Courier New" panose="02070309020205020404" pitchFamily="49" charset="0"/>
+                        <a:cs typeface="Courier New" panose="02070309020205020404" pitchFamily="49" charset="0"/>
+                      </a:endParaRPr>
+                    </a:p>
+                  </a:txBody>
+                  <a:tcPr>
+                    <a:lnL w="6350" cap="flat" cmpd="sng" algn="ctr">
+                      <a:solidFill>
+                        <a:schemeClr val="tx1"/>
+                      </a:solidFill>
+                      <a:prstDash val="solid"/>
+                      <a:round/>
+                      <a:headEnd type="none" w="med" len="med"/>
+                      <a:tailEnd type="none" w="med" len="med"/>
+                    </a:lnL>
+                    <a:lnR w="6350" cap="flat" cmpd="sng" algn="ctr">
+                      <a:solidFill>
+                        <a:schemeClr val="tx1"/>
+                      </a:solidFill>
+                      <a:prstDash val="solid"/>
+                      <a:round/>
+                      <a:headEnd type="none" w="med" len="med"/>
+                      <a:tailEnd type="none" w="med" len="med"/>
+                    </a:lnR>
+                    <a:lnT w="6350" cap="flat" cmpd="sng" algn="ctr">
+                      <a:solidFill>
+                        <a:schemeClr val="tx1"/>
+                      </a:solidFill>
+                      <a:prstDash val="solid"/>
+                      <a:round/>
+                      <a:headEnd type="none" w="med" len="med"/>
+                      <a:tailEnd type="none" w="med" len="med"/>
+                    </a:lnT>
+                    <a:lnB w="6350" cap="flat" cmpd="sng" algn="ctr">
+                      <a:solidFill>
+                        <a:schemeClr val="tx1"/>
+                      </a:solidFill>
+                      <a:prstDash val="solid"/>
+                      <a:round/>
+                      <a:headEnd type="none" w="med" len="med"/>
+                      <a:tailEnd type="none" w="med" len="med"/>
+                    </a:lnB>
+                    <a:lnTlToBr w="12700" cmpd="sng">
+                      <a:noFill/>
+                      <a:prstDash val="solid"/>
+                    </a:lnTlToBr>
+                    <a:lnBlToTr w="12700" cmpd="sng">
+                      <a:noFill/>
+                      <a:prstDash val="solid"/>
+                    </a:lnBlToTr>
+                    <a:solidFill>
+                      <a:srgbClr val="C00000"/>
+                    </a:solidFill>
+                  </a:tcPr>
+                </a:tc>
+                <a:extLst>
+                  <a:ext uri="{0D108BD9-81ED-4DB2-BD59-A6C34878D82A}">
+                    <a16:rowId xmlns:a16="http://schemas.microsoft.com/office/drawing/2014/main" val="2202042958"/>
+                  </a:ext>
+                </a:extLst>
+              </a:tr>
+              <a:tr h="3029335">
+                <a:tc>
+                  <a:txBody>
+                    <a:bodyPr/>
+                    <a:lstStyle/>
+                    <a:p>
+                      <a:pPr marL="266700" indent="-266700">
+                        <a:buClr>
+                          <a:srgbClr val="C00000"/>
+                        </a:buClr>
+                        <a:buSzPct val="100000"/>
+                        <a:buFont typeface="Courier New" panose="02070309020205020404" pitchFamily="49" charset="0"/>
+                        <a:buChar char="&gt;"/>
+                      </a:pPr>
+                      <a:r>
+                        <a:rPr lang="en-US" sz="1400" b="1" baseline="0" dirty="0">
+                          <a:latin typeface="Courier New" panose="02070309020205020404" pitchFamily="49" charset="0"/>
+                          <a:cs typeface="Courier New" panose="02070309020205020404" pitchFamily="49" charset="0"/>
+                        </a:rPr>
+                        <a:t>for x in [42, 1, [1, 2], [7, 2], range(3, 5), (3, (5, 7)), (0, 1, 2, 3, 4, 5), {'a':7, 'b':42, 'c':1}, </a:t>
+                      </a:r>
+                      <a:br>
+                        <a:rPr lang="en-US" sz="1400" b="1" baseline="0" dirty="0">
+                          <a:latin typeface="Courier New" panose="02070309020205020404" pitchFamily="49" charset="0"/>
+                          <a:cs typeface="Courier New" panose="02070309020205020404" pitchFamily="49" charset="0"/>
+                        </a:rPr>
+                      </a:br>
+                      <a:r>
+                        <a:rPr lang="en-US" sz="1400" b="1" baseline="0" dirty="0">
+                          <a:latin typeface="Courier New" panose="02070309020205020404" pitchFamily="49" charset="0"/>
+                          <a:cs typeface="Courier New" panose="02070309020205020404" pitchFamily="49" charset="0"/>
+                        </a:rPr>
+                        <a:t>          ('b', 'c'), ('y', 'x'), 3.14, 'ff0000', Point(7, 42), Point(3, 5), '</a:t>
+                      </a:r>
+                      <a:r>
+                        <a:rPr lang="en-US" sz="1400" b="1" baseline="0" dirty="0" err="1">
+                          <a:latin typeface="Courier New" panose="02070309020205020404" pitchFamily="49" charset="0"/>
+                          <a:cs typeface="Courier New" panose="02070309020205020404" pitchFamily="49" charset="0"/>
+                        </a:rPr>
+                        <a:t>abc</a:t>
+                      </a:r>
+                      <a:r>
+                        <a:rPr lang="en-US" sz="1400" b="1" baseline="0" dirty="0">
+                          <a:latin typeface="Courier New" panose="02070309020205020404" pitchFamily="49" charset="0"/>
+                          <a:cs typeface="Courier New" panose="02070309020205020404" pitchFamily="49" charset="0"/>
+                        </a:rPr>
+                        <a:t>']:</a:t>
+                      </a:r>
+                      <a:br>
+                        <a:rPr lang="en-US" sz="1400" b="1" baseline="0" dirty="0">
+                          <a:latin typeface="Courier New" panose="02070309020205020404" pitchFamily="49" charset="0"/>
+                          <a:cs typeface="Courier New" panose="02070309020205020404" pitchFamily="49" charset="0"/>
+                        </a:rPr>
+                      </a:br>
+                      <a:r>
+                        <a:rPr lang="en-US" sz="1400" b="1" baseline="0" dirty="0">
+                          <a:latin typeface="Courier New" panose="02070309020205020404" pitchFamily="49" charset="0"/>
+                          <a:cs typeface="Courier New" panose="02070309020205020404" pitchFamily="49" charset="0"/>
+                        </a:rPr>
+                        <a:t>    print('f(' + </a:t>
+                      </a:r>
+                      <a:r>
+                        <a:rPr lang="en-US" sz="1400" b="1" baseline="0" dirty="0" err="1">
+                          <a:latin typeface="Courier New" panose="02070309020205020404" pitchFamily="49" charset="0"/>
+                          <a:cs typeface="Courier New" panose="02070309020205020404" pitchFamily="49" charset="0"/>
+                        </a:rPr>
+                        <a:t>repr</a:t>
+                      </a:r>
+                      <a:r>
+                        <a:rPr lang="en-US" sz="1400" b="1" baseline="0" dirty="0">
+                          <a:latin typeface="Courier New" panose="02070309020205020404" pitchFamily="49" charset="0"/>
+                          <a:cs typeface="Courier New" panose="02070309020205020404" pitchFamily="49" charset="0"/>
+                        </a:rPr>
+                        <a:t>(x) + ') = ' + </a:t>
+                      </a:r>
+                      <a:r>
+                        <a:rPr lang="en-US" sz="1400" b="1" baseline="0" dirty="0" err="1">
+                          <a:latin typeface="Courier New" panose="02070309020205020404" pitchFamily="49" charset="0"/>
+                          <a:cs typeface="Courier New" panose="02070309020205020404" pitchFamily="49" charset="0"/>
+                        </a:rPr>
+                        <a:t>repr</a:t>
+                      </a:r>
+                      <a:r>
+                        <a:rPr lang="en-US" sz="1400" b="1" baseline="0" dirty="0">
+                          <a:latin typeface="Courier New" panose="02070309020205020404" pitchFamily="49" charset="0"/>
+                          <a:cs typeface="Courier New" panose="02070309020205020404" pitchFamily="49" charset="0"/>
+                        </a:rPr>
+                        <a:t>(f(x)))</a:t>
+                      </a:r>
+                      <a:endParaRPr lang="pt-BR" sz="1400" b="1" baseline="0" dirty="0">
+                        <a:latin typeface="Courier New" panose="02070309020205020404" pitchFamily="49" charset="0"/>
+                        <a:cs typeface="Courier New" panose="02070309020205020404" pitchFamily="49" charset="0"/>
+                      </a:endParaRPr>
+                    </a:p>
+                    <a:p>
+                      <a:pPr marL="266700" marR="0" lvl="0" indent="-266700" algn="l" defTabSz="914400" rtl="0" eaLnBrk="1" fontAlgn="auto" latinLnBrk="0" hangingPunct="1">
+                        <a:lnSpc>
+                          <a:spcPct val="100000"/>
+                        </a:lnSpc>
+                        <a:spcBef>
+                          <a:spcPts val="0"/>
+                        </a:spcBef>
+                        <a:spcAft>
+                          <a:spcPts val="0"/>
+                        </a:spcAft>
+                        <a:buClr>
+                          <a:schemeClr val="accent1">
+                            <a:lumMod val="50000"/>
+                          </a:schemeClr>
+                        </a:buClr>
+                        <a:buSzPct val="120000"/>
+                        <a:buFont typeface="Courier New" panose="02070309020205020404" pitchFamily="49" charset="0"/>
+                        <a:buChar char="|"/>
+                        <a:tabLst/>
+                        <a:defRPr/>
+                      </a:pPr>
+                      <a:r>
+                        <a:rPr lang="en-US" sz="1400" b="1" baseline="0" dirty="0">
+                          <a:latin typeface="Courier New" panose="02070309020205020404" pitchFamily="49" charset="0"/>
+                          <a:cs typeface="Courier New" panose="02070309020205020404" pitchFamily="49" charset="0"/>
+                        </a:rPr>
+                        <a:t>f(42) = 'the integer 42'</a:t>
+                      </a:r>
+                    </a:p>
+                    <a:p>
+                      <a:pPr marL="266700" marR="0" lvl="0" indent="-266700" algn="l" defTabSz="914400" rtl="0" eaLnBrk="1" fontAlgn="auto" latinLnBrk="0" hangingPunct="1">
+                        <a:lnSpc>
+                          <a:spcPct val="100000"/>
+                        </a:lnSpc>
+                        <a:spcBef>
+                          <a:spcPts val="0"/>
+                        </a:spcBef>
+                        <a:spcAft>
+                          <a:spcPts val="0"/>
+                        </a:spcAft>
+                        <a:buClr>
+                          <a:schemeClr val="accent1">
+                            <a:lumMod val="50000"/>
+                          </a:schemeClr>
+                        </a:buClr>
+                        <a:buSzPct val="120000"/>
+                        <a:buFont typeface="Courier New" panose="02070309020205020404" pitchFamily="49" charset="0"/>
+                        <a:buChar char="|"/>
+                        <a:tabLst/>
+                        <a:defRPr/>
+                      </a:pPr>
+                      <a:r>
+                        <a:rPr lang="en-US" sz="1400" b="1" baseline="0" dirty="0">
+                          <a:latin typeface="Courier New" panose="02070309020205020404" pitchFamily="49" charset="0"/>
+                          <a:cs typeface="Courier New" panose="02070309020205020404" pitchFamily="49" charset="0"/>
+                        </a:rPr>
+                        <a:t>f(1) = 'integer in range(1, 6)'</a:t>
+                      </a:r>
+                    </a:p>
+                    <a:p>
+                      <a:pPr marL="266700" marR="0" lvl="0" indent="-266700" algn="l" defTabSz="914400" rtl="0" eaLnBrk="1" fontAlgn="auto" latinLnBrk="0" hangingPunct="1">
+                        <a:lnSpc>
+                          <a:spcPct val="100000"/>
+                        </a:lnSpc>
+                        <a:spcBef>
+                          <a:spcPts val="0"/>
+                        </a:spcBef>
+                        <a:spcAft>
+                          <a:spcPts val="0"/>
+                        </a:spcAft>
+                        <a:buClr>
+                          <a:schemeClr val="accent1">
+                            <a:lumMod val="50000"/>
+                          </a:schemeClr>
+                        </a:buClr>
+                        <a:buSzPct val="120000"/>
+                        <a:buFont typeface="Courier New" panose="02070309020205020404" pitchFamily="49" charset="0"/>
+                        <a:buChar char="|"/>
+                        <a:tabLst/>
+                        <a:defRPr/>
+                      </a:pPr>
+                      <a:r>
+                        <a:rPr lang="en-US" sz="1400" b="1" baseline="0" dirty="0">
+                          <a:latin typeface="Courier New" panose="02070309020205020404" pitchFamily="49" charset="0"/>
+                          <a:cs typeface="Courier New" panose="02070309020205020404" pitchFamily="49" charset="0"/>
+                        </a:rPr>
+                        <a:t>f([1, 2]) = 'sequence containing the elements 1 and 2'</a:t>
+                      </a:r>
+                    </a:p>
+                    <a:p>
+                      <a:pPr marL="266700" marR="0" lvl="0" indent="-266700" algn="l" defTabSz="914400" rtl="0" eaLnBrk="1" fontAlgn="auto" latinLnBrk="0" hangingPunct="1">
+                        <a:lnSpc>
+                          <a:spcPct val="100000"/>
+                        </a:lnSpc>
+                        <a:spcBef>
+                          <a:spcPts val="0"/>
+                        </a:spcBef>
+                        <a:spcAft>
+                          <a:spcPts val="0"/>
+                        </a:spcAft>
+                        <a:buClr>
+                          <a:schemeClr val="accent1">
+                            <a:lumMod val="50000"/>
+                          </a:schemeClr>
+                        </a:buClr>
+                        <a:buSzPct val="120000"/>
+                        <a:buFont typeface="Courier New" panose="02070309020205020404" pitchFamily="49" charset="0"/>
+                        <a:buChar char="|"/>
+                        <a:tabLst/>
+                        <a:defRPr/>
+                      </a:pPr>
+                      <a:r>
+                        <a:rPr lang="en-US" sz="1400" b="1" baseline="0" dirty="0">
+                          <a:latin typeface="Courier New" panose="02070309020205020404" pitchFamily="49" charset="0"/>
+                          <a:cs typeface="Courier New" panose="02070309020205020404" pitchFamily="49" charset="0"/>
+                        </a:rPr>
+                        <a:t>f([7, 2]) = 'sequence of length 2, last=2, first=7'</a:t>
+                      </a:r>
+                    </a:p>
+                    <a:p>
+                      <a:pPr marL="266700" marR="0" lvl="0" indent="-266700" algn="l" defTabSz="914400" rtl="0" eaLnBrk="1" fontAlgn="auto" latinLnBrk="0" hangingPunct="1">
+                        <a:lnSpc>
+                          <a:spcPct val="100000"/>
+                        </a:lnSpc>
+                        <a:spcBef>
+                          <a:spcPts val="0"/>
+                        </a:spcBef>
+                        <a:spcAft>
+                          <a:spcPts val="0"/>
+                        </a:spcAft>
+                        <a:buClr>
+                          <a:schemeClr val="accent1">
+                            <a:lumMod val="50000"/>
+                          </a:schemeClr>
+                        </a:buClr>
+                        <a:buSzPct val="120000"/>
+                        <a:buFont typeface="Courier New" panose="02070309020205020404" pitchFamily="49" charset="0"/>
+                        <a:buChar char="|"/>
+                        <a:tabLst/>
+                        <a:defRPr/>
+                      </a:pPr>
+                      <a:r>
+                        <a:rPr lang="en-US" sz="1400" b="1" baseline="0" dirty="0">
+                          <a:latin typeface="Courier New" panose="02070309020205020404" pitchFamily="49" charset="0"/>
+                          <a:cs typeface="Courier New" panose="02070309020205020404" pitchFamily="49" charset="0"/>
+                        </a:rPr>
+                        <a:t>f(range(3, 5)) = 'sequence with two values with sum 7'</a:t>
+                      </a:r>
+                    </a:p>
+                    <a:p>
+                      <a:pPr marL="266700" marR="0" lvl="0" indent="-266700" algn="l" defTabSz="914400" rtl="0" eaLnBrk="1" fontAlgn="auto" latinLnBrk="0" hangingPunct="1">
+                        <a:lnSpc>
+                          <a:spcPct val="100000"/>
+                        </a:lnSpc>
+                        <a:spcBef>
+                          <a:spcPts val="0"/>
+                        </a:spcBef>
+                        <a:spcAft>
+                          <a:spcPts val="0"/>
+                        </a:spcAft>
+                        <a:buClr>
+                          <a:schemeClr val="accent1">
+                            <a:lumMod val="50000"/>
+                          </a:schemeClr>
+                        </a:buClr>
+                        <a:buSzPct val="120000"/>
+                        <a:buFont typeface="Courier New" panose="02070309020205020404" pitchFamily="49" charset="0"/>
+                        <a:buChar char="|"/>
+                        <a:tabLst/>
+                        <a:defRPr/>
+                      </a:pPr>
+                      <a:r>
+                        <a:rPr lang="en-US" sz="1400" b="1" baseline="0" dirty="0">
+                          <a:latin typeface="Courier New" panose="02070309020205020404" pitchFamily="49" charset="0"/>
+                          <a:cs typeface="Courier New" panose="02070309020205020404" pitchFamily="49" charset="0"/>
+                        </a:rPr>
+                        <a:t>f((3, (5, 7))) = 'a triplet (3, (5, 7))'</a:t>
+                      </a:r>
+                    </a:p>
+                    <a:p>
+                      <a:pPr marL="266700" marR="0" lvl="0" indent="-266700" algn="l" defTabSz="914400" rtl="0" eaLnBrk="1" fontAlgn="auto" latinLnBrk="0" hangingPunct="1">
+                        <a:lnSpc>
+                          <a:spcPct val="100000"/>
+                        </a:lnSpc>
+                        <a:spcBef>
+                          <a:spcPts val="0"/>
+                        </a:spcBef>
+                        <a:spcAft>
+                          <a:spcPts val="0"/>
+                        </a:spcAft>
+                        <a:buClr>
+                          <a:schemeClr val="accent1">
+                            <a:lumMod val="50000"/>
+                          </a:schemeClr>
+                        </a:buClr>
+                        <a:buSzPct val="120000"/>
+                        <a:buFont typeface="Courier New" panose="02070309020205020404" pitchFamily="49" charset="0"/>
+                        <a:buChar char="|"/>
+                        <a:tabLst/>
+                        <a:defRPr/>
+                      </a:pPr>
+                      <a:r>
+                        <a:rPr lang="en-US" sz="1400" b="1" baseline="0" dirty="0">
+                          <a:latin typeface="Courier New" panose="02070309020205020404" pitchFamily="49" charset="0"/>
+                          <a:cs typeface="Courier New" panose="02070309020205020404" pitchFamily="49" charset="0"/>
+                        </a:rPr>
+                        <a:t>f((0, 1, 2, 3, 4, 5)) = 'sequence starting with 0 and 1, and tail [2, 3, 4, 5]'</a:t>
+                      </a:r>
+                    </a:p>
+                    <a:p>
+                      <a:pPr marL="266700" marR="0" lvl="0" indent="-266700" algn="l" defTabSz="914400" rtl="0" eaLnBrk="1" fontAlgn="auto" latinLnBrk="0" hangingPunct="1">
+                        <a:lnSpc>
+                          <a:spcPct val="100000"/>
+                        </a:lnSpc>
+                        <a:spcBef>
+                          <a:spcPts val="0"/>
+                        </a:spcBef>
+                        <a:spcAft>
+                          <a:spcPts val="0"/>
+                        </a:spcAft>
+                        <a:buClr>
+                          <a:schemeClr val="accent1">
+                            <a:lumMod val="50000"/>
+                          </a:schemeClr>
+                        </a:buClr>
+                        <a:buSzPct val="120000"/>
+                        <a:buFont typeface="Courier New" panose="02070309020205020404" pitchFamily="49" charset="0"/>
+                        <a:buChar char="|"/>
+                        <a:tabLst/>
+                        <a:defRPr/>
+                      </a:pPr>
+                      <a:r>
+                        <a:rPr lang="en-US" sz="1400" b="1" baseline="0" dirty="0">
+                          <a:latin typeface="Courier New" panose="02070309020205020404" pitchFamily="49" charset="0"/>
+                          <a:cs typeface="Courier New" panose="02070309020205020404" pitchFamily="49" charset="0"/>
+                        </a:rPr>
+                        <a:t>f({'a': 7, 'b': 42, 'c': 1}) = 'dictionary "a" -&gt; 7, "b" -&gt; 42'</a:t>
+                      </a:r>
+                    </a:p>
+                    <a:p>
+                      <a:pPr marL="266700" marR="0" lvl="0" indent="-266700" algn="l" defTabSz="914400" rtl="0" eaLnBrk="1" fontAlgn="auto" latinLnBrk="0" hangingPunct="1">
+                        <a:lnSpc>
+                          <a:spcPct val="100000"/>
+                        </a:lnSpc>
+                        <a:spcBef>
+                          <a:spcPts val="0"/>
+                        </a:spcBef>
+                        <a:spcAft>
+                          <a:spcPts val="0"/>
+                        </a:spcAft>
+                        <a:buClr>
+                          <a:schemeClr val="accent1">
+                            <a:lumMod val="50000"/>
+                          </a:schemeClr>
+                        </a:buClr>
+                        <a:buSzPct val="120000"/>
+                        <a:buFont typeface="Courier New" panose="02070309020205020404" pitchFamily="49" charset="0"/>
+                        <a:buChar char="|"/>
+                        <a:tabLst/>
+                        <a:defRPr/>
+                      </a:pPr>
+                      <a:r>
+                        <a:rPr lang="en-US" sz="1400" b="1" baseline="0" dirty="0">
+                          <a:latin typeface="Courier New" panose="02070309020205020404" pitchFamily="49" charset="0"/>
+                          <a:cs typeface="Courier New" panose="02070309020205020404" pitchFamily="49" charset="0"/>
+                        </a:rPr>
+                        <a:t>f(('b', 'c')) = 'tuple length 2, first "a" or "b", last "c" or "d"'</a:t>
+                      </a:r>
+                    </a:p>
+                    <a:p>
+                      <a:pPr marL="266700" marR="0" lvl="0" indent="-266700" algn="l" defTabSz="914400" rtl="0" eaLnBrk="1" fontAlgn="auto" latinLnBrk="0" hangingPunct="1">
+                        <a:lnSpc>
+                          <a:spcPct val="100000"/>
+                        </a:lnSpc>
+                        <a:spcBef>
+                          <a:spcPts val="0"/>
+                        </a:spcBef>
+                        <a:spcAft>
+                          <a:spcPts val="0"/>
+                        </a:spcAft>
+                        <a:buClr>
+                          <a:schemeClr val="accent1">
+                            <a:lumMod val="50000"/>
+                          </a:schemeClr>
+                        </a:buClr>
+                        <a:buSzPct val="120000"/>
+                        <a:buFont typeface="Courier New" panose="02070309020205020404" pitchFamily="49" charset="0"/>
+                        <a:buChar char="|"/>
+                        <a:tabLst/>
+                        <a:defRPr/>
+                      </a:pPr>
+                      <a:r>
+                        <a:rPr lang="en-US" sz="1400" b="1" baseline="0" dirty="0">
+                          <a:latin typeface="Courier New" panose="02070309020205020404" pitchFamily="49" charset="0"/>
+                          <a:cs typeface="Courier New" panose="02070309020205020404" pitchFamily="49" charset="0"/>
+                        </a:rPr>
+                        <a:t>f(('y', 'x')) = '(</a:t>
+                      </a:r>
+                      <a:r>
+                        <a:rPr lang="en-US" sz="1400" b="1" baseline="0" dirty="0" err="1">
+                          <a:latin typeface="Courier New" panose="02070309020205020404" pitchFamily="49" charset="0"/>
+                          <a:cs typeface="Courier New" panose="02070309020205020404" pitchFamily="49" charset="0"/>
+                        </a:rPr>
+                        <a:t>fst</a:t>
+                      </a:r>
+                      <a:r>
+                        <a:rPr lang="en-US" sz="1400" b="1" baseline="0" dirty="0">
+                          <a:latin typeface="Courier New" panose="02070309020205020404" pitchFamily="49" charset="0"/>
+                          <a:cs typeface="Courier New" panose="02070309020205020404" pitchFamily="49" charset="0"/>
+                        </a:rPr>
+                        <a:t>, </a:t>
+                      </a:r>
+                      <a:r>
+                        <a:rPr lang="en-US" sz="1400" b="1" baseline="0" dirty="0" err="1">
+                          <a:latin typeface="Courier New" panose="02070309020205020404" pitchFamily="49" charset="0"/>
+                          <a:cs typeface="Courier New" panose="02070309020205020404" pitchFamily="49" charset="0"/>
+                        </a:rPr>
+                        <a:t>snd</a:t>
+                      </a:r>
+                      <a:r>
+                        <a:rPr lang="en-US" sz="1400" b="1" baseline="0" dirty="0">
+                          <a:latin typeface="Courier New" panose="02070309020205020404" pitchFamily="49" charset="0"/>
+                          <a:cs typeface="Courier New" panose="02070309020205020404" pitchFamily="49" charset="0"/>
+                        </a:rPr>
+                        <a:t>), where </a:t>
+                      </a:r>
+                      <a:r>
+                        <a:rPr lang="en-US" sz="1400" b="1" baseline="0" dirty="0" err="1">
+                          <a:latin typeface="Courier New" panose="02070309020205020404" pitchFamily="49" charset="0"/>
+                          <a:cs typeface="Courier New" panose="02070309020205020404" pitchFamily="49" charset="0"/>
+                        </a:rPr>
+                        <a:t>fst</a:t>
+                      </a:r>
+                      <a:r>
+                        <a:rPr lang="en-US" sz="1400" b="1" baseline="0" dirty="0">
+                          <a:latin typeface="Courier New" panose="02070309020205020404" pitchFamily="49" charset="0"/>
+                          <a:cs typeface="Courier New" panose="02070309020205020404" pitchFamily="49" charset="0"/>
+                        </a:rPr>
+                        <a:t>=y, </a:t>
+                      </a:r>
+                      <a:r>
+                        <a:rPr lang="en-US" sz="1400" b="1" baseline="0" dirty="0" err="1">
+                          <a:latin typeface="Courier New" panose="02070309020205020404" pitchFamily="49" charset="0"/>
+                          <a:cs typeface="Courier New" panose="02070309020205020404" pitchFamily="49" charset="0"/>
+                        </a:rPr>
+                        <a:t>snd</a:t>
+                      </a:r>
+                      <a:r>
+                        <a:rPr lang="en-US" sz="1400" b="1" baseline="0" dirty="0">
+                          <a:latin typeface="Courier New" panose="02070309020205020404" pitchFamily="49" charset="0"/>
+                          <a:cs typeface="Courier New" panose="02070309020205020404" pitchFamily="49" charset="0"/>
+                        </a:rPr>
+                        <a:t>=x'</a:t>
+                      </a:r>
+                    </a:p>
+                    <a:p>
+                      <a:pPr marL="266700" marR="0" lvl="0" indent="-266700" algn="l" defTabSz="914400" rtl="0" eaLnBrk="1" fontAlgn="auto" latinLnBrk="0" hangingPunct="1">
+                        <a:lnSpc>
+                          <a:spcPct val="100000"/>
+                        </a:lnSpc>
+                        <a:spcBef>
+                          <a:spcPts val="0"/>
+                        </a:spcBef>
+                        <a:spcAft>
+                          <a:spcPts val="0"/>
+                        </a:spcAft>
+                        <a:buClr>
+                          <a:schemeClr val="accent1">
+                            <a:lumMod val="50000"/>
+                          </a:schemeClr>
+                        </a:buClr>
+                        <a:buSzPct val="120000"/>
+                        <a:buFont typeface="Courier New" panose="02070309020205020404" pitchFamily="49" charset="0"/>
+                        <a:buChar char="|"/>
+                        <a:tabLst/>
+                        <a:defRPr/>
+                      </a:pPr>
+                      <a:r>
+                        <a:rPr lang="en-US" sz="1400" b="1" baseline="0" dirty="0">
+                          <a:latin typeface="Courier New" panose="02070309020205020404" pitchFamily="49" charset="0"/>
+                          <a:cs typeface="Courier New" panose="02070309020205020404" pitchFamily="49" charset="0"/>
+                        </a:rPr>
+                        <a:t>f(3.14) = 'a float 3.14'</a:t>
+                      </a:r>
+                    </a:p>
+                    <a:p>
+                      <a:pPr marL="266700" marR="0" lvl="0" indent="-266700" algn="l" defTabSz="914400" rtl="0" eaLnBrk="1" fontAlgn="auto" latinLnBrk="0" hangingPunct="1">
+                        <a:lnSpc>
+                          <a:spcPct val="100000"/>
+                        </a:lnSpc>
+                        <a:spcBef>
+                          <a:spcPts val="0"/>
+                        </a:spcBef>
+                        <a:spcAft>
+                          <a:spcPts val="0"/>
+                        </a:spcAft>
+                        <a:buClr>
+                          <a:schemeClr val="accent1">
+                            <a:lumMod val="50000"/>
+                          </a:schemeClr>
+                        </a:buClr>
+                        <a:buSzPct val="120000"/>
+                        <a:buFont typeface="Courier New" panose="02070309020205020404" pitchFamily="49" charset="0"/>
+                        <a:buChar char="|"/>
+                        <a:tabLst/>
+                        <a:defRPr/>
+                      </a:pPr>
+                      <a:r>
+                        <a:rPr lang="en-US" sz="1400" b="1" baseline="0" dirty="0">
+                          <a:latin typeface="Courier New" panose="02070309020205020404" pitchFamily="49" charset="0"/>
+                          <a:cs typeface="Courier New" panose="02070309020205020404" pitchFamily="49" charset="0"/>
+                        </a:rPr>
+                        <a:t>f('ff0000') = 'the color red'</a:t>
+                      </a:r>
+                    </a:p>
+                    <a:p>
+                      <a:pPr marL="266700" marR="0" lvl="0" indent="-266700" algn="l" defTabSz="914400" rtl="0" eaLnBrk="1" fontAlgn="auto" latinLnBrk="0" hangingPunct="1">
+                        <a:lnSpc>
+                          <a:spcPct val="100000"/>
+                        </a:lnSpc>
+                        <a:spcBef>
+                          <a:spcPts val="0"/>
+                        </a:spcBef>
+                        <a:spcAft>
+                          <a:spcPts val="0"/>
+                        </a:spcAft>
+                        <a:buClr>
+                          <a:schemeClr val="accent1">
+                            <a:lumMod val="50000"/>
+                          </a:schemeClr>
+                        </a:buClr>
+                        <a:buSzPct val="120000"/>
+                        <a:buFont typeface="Courier New" panose="02070309020205020404" pitchFamily="49" charset="0"/>
+                        <a:buChar char="|"/>
+                        <a:tabLst/>
+                        <a:defRPr/>
+                      </a:pPr>
+                      <a:r>
+                        <a:rPr lang="en-US" sz="1400" b="1" baseline="0" dirty="0">
+                          <a:latin typeface="Courier New" panose="02070309020205020404" pitchFamily="49" charset="0"/>
+                          <a:cs typeface="Courier New" panose="02070309020205020404" pitchFamily="49" charset="0"/>
+                        </a:rPr>
+                        <a:t>f(Point(7, 42)) = 'a Point object with x=7, and y=42'</a:t>
+                      </a:r>
+                    </a:p>
+                    <a:p>
+                      <a:pPr marL="266700" marR="0" lvl="0" indent="-266700" algn="l" defTabSz="914400" rtl="0" eaLnBrk="1" fontAlgn="auto" latinLnBrk="0" hangingPunct="1">
+                        <a:lnSpc>
+                          <a:spcPct val="100000"/>
+                        </a:lnSpc>
+                        <a:spcBef>
+                          <a:spcPts val="0"/>
+                        </a:spcBef>
+                        <a:spcAft>
+                          <a:spcPts val="0"/>
+                        </a:spcAft>
+                        <a:buClr>
+                          <a:schemeClr val="accent1">
+                            <a:lumMod val="50000"/>
+                          </a:schemeClr>
+                        </a:buClr>
+                        <a:buSzPct val="120000"/>
+                        <a:buFont typeface="Courier New" panose="02070309020205020404" pitchFamily="49" charset="0"/>
+                        <a:buChar char="|"/>
+                        <a:tabLst/>
+                        <a:defRPr/>
+                      </a:pPr>
+                      <a:r>
+                        <a:rPr lang="en-US" sz="1400" b="1" baseline="0" dirty="0">
+                          <a:latin typeface="Courier New" panose="02070309020205020404" pitchFamily="49" charset="0"/>
+                          <a:cs typeface="Courier New" panose="02070309020205020404" pitchFamily="49" charset="0"/>
+                        </a:rPr>
+                        <a:t>f(Point(3, 5)) = 'a point Point(3, 5)'</a:t>
+                      </a:r>
+                    </a:p>
+                    <a:p>
+                      <a:pPr marL="266700" marR="0" lvl="0" indent="-266700" algn="l" defTabSz="914400" rtl="0" eaLnBrk="1" fontAlgn="auto" latinLnBrk="0" hangingPunct="1">
+                        <a:lnSpc>
+                          <a:spcPct val="100000"/>
+                        </a:lnSpc>
+                        <a:spcBef>
+                          <a:spcPts val="0"/>
+                        </a:spcBef>
+                        <a:spcAft>
+                          <a:spcPts val="0"/>
+                        </a:spcAft>
+                        <a:buClr>
+                          <a:schemeClr val="accent1">
+                            <a:lumMod val="50000"/>
+                          </a:schemeClr>
+                        </a:buClr>
+                        <a:buSzPct val="120000"/>
+                        <a:buFont typeface="Courier New" panose="02070309020205020404" pitchFamily="49" charset="0"/>
+                        <a:buChar char="|"/>
+                        <a:tabLst/>
+                        <a:defRPr/>
+                      </a:pPr>
+                      <a:r>
+                        <a:rPr lang="en-US" sz="1400" b="1" baseline="0" dirty="0">
+                          <a:latin typeface="Courier New" panose="02070309020205020404" pitchFamily="49" charset="0"/>
+                          <a:cs typeface="Courier New" panose="02070309020205020404" pitchFamily="49" charset="0"/>
+                        </a:rPr>
+                        <a:t>f('</a:t>
+                      </a:r>
+                      <a:r>
+                        <a:rPr lang="en-US" sz="1400" b="1" baseline="0" dirty="0" err="1">
+                          <a:latin typeface="Courier New" panose="02070309020205020404" pitchFamily="49" charset="0"/>
+                          <a:cs typeface="Courier New" panose="02070309020205020404" pitchFamily="49" charset="0"/>
+                        </a:rPr>
+                        <a:t>abc</a:t>
+                      </a:r>
+                      <a:r>
+                        <a:rPr lang="en-US" sz="1400" b="1" baseline="0" dirty="0">
+                          <a:latin typeface="Courier New" panose="02070309020205020404" pitchFamily="49" charset="0"/>
+                          <a:cs typeface="Courier New" panose="02070309020205020404" pitchFamily="49" charset="0"/>
+                        </a:rPr>
+                        <a:t>') = "cannot match '</a:t>
+                      </a:r>
+                      <a:r>
+                        <a:rPr lang="en-US" sz="1400" b="1" baseline="0" dirty="0" err="1">
+                          <a:latin typeface="Courier New" panose="02070309020205020404" pitchFamily="49" charset="0"/>
+                          <a:cs typeface="Courier New" panose="02070309020205020404" pitchFamily="49" charset="0"/>
+                        </a:rPr>
+                        <a:t>abc</a:t>
+                      </a:r>
+                      <a:r>
+                        <a:rPr lang="en-US" sz="1400" b="1" baseline="0" dirty="0">
+                          <a:latin typeface="Courier New" panose="02070309020205020404" pitchFamily="49" charset="0"/>
+                          <a:cs typeface="Courier New" panose="02070309020205020404" pitchFamily="49" charset="0"/>
+                        </a:rPr>
+                        <a:t>'"</a:t>
+                      </a:r>
+                    </a:p>
+                  </a:txBody>
+                  <a:tcPr>
+                    <a:lnL w="6350" cap="flat" cmpd="sng" algn="ctr">
+                      <a:solidFill>
+                        <a:schemeClr val="tx1"/>
+                      </a:solidFill>
+                      <a:prstDash val="solid"/>
+                      <a:round/>
+                      <a:headEnd type="none" w="med" len="med"/>
+                      <a:tailEnd type="none" w="med" len="med"/>
+                    </a:lnL>
+                    <a:lnR w="6350" cap="flat" cmpd="sng" algn="ctr">
+                      <a:solidFill>
+                        <a:schemeClr val="tx1"/>
+                      </a:solidFill>
+                      <a:prstDash val="solid"/>
+                      <a:round/>
+                      <a:headEnd type="none" w="med" len="med"/>
+                      <a:tailEnd type="none" w="med" len="med"/>
+                    </a:lnR>
+                    <a:lnT w="6350" cap="flat" cmpd="sng" algn="ctr">
+                      <a:solidFill>
+                        <a:schemeClr val="tx1"/>
+                      </a:solidFill>
+                      <a:prstDash val="solid"/>
+                      <a:round/>
+                      <a:headEnd type="none" w="med" len="med"/>
+                      <a:tailEnd type="none" w="med" len="med"/>
+                    </a:lnT>
+                    <a:lnB w="6350" cap="flat" cmpd="sng" algn="ctr">
+                      <a:solidFill>
+                        <a:schemeClr val="tx1"/>
+                      </a:solidFill>
+                      <a:prstDash val="solid"/>
+                      <a:round/>
+                      <a:headEnd type="none" w="med" len="med"/>
+                      <a:tailEnd type="none" w="med" len="med"/>
+                    </a:lnB>
+                    <a:lnTlToBr w="12700" cmpd="sng">
+                      <a:noFill/>
+                      <a:prstDash val="solid"/>
+                    </a:lnTlToBr>
+                    <a:lnBlToTr w="12700" cmpd="sng">
+                      <a:noFill/>
+                      <a:prstDash val="solid"/>
+                    </a:lnBlToTr>
+                    <a:solidFill>
+                      <a:schemeClr val="accent5">
+                        <a:lumMod val="20000"/>
+                        <a:lumOff val="80000"/>
+                      </a:schemeClr>
+                    </a:solidFill>
+                  </a:tcPr>
+                </a:tc>
+                <a:extLst>
+                  <a:ext uri="{0D108BD9-81ED-4DB2-BD59-A6C34878D82A}">
+                    <a16:rowId xmlns:a16="http://schemas.microsoft.com/office/drawing/2014/main" val="25355368"/>
+                  </a:ext>
+                </a:extLst>
+              </a:tr>
+            </a:tbl>
+          </a:graphicData>
+        </a:graphic>
+      </p:graphicFrame>
+    </p:spTree>
+    <p:extLst>
+      <p:ext uri="{BB962C8B-B14F-4D97-AF65-F5344CB8AC3E}">
+        <p14:creationId xmlns:p14="http://schemas.microsoft.com/office/powerpoint/2010/main" val="4197840191"/>
       </p:ext>
     </p:extLst>
   </p:cSld>

--- a/ipsa/slides/exceptions.pptx
+++ b/ipsa/slides/exceptions.pptx
@@ -147,13 +147,37 @@
 <file path=ppt/revisionInfo.xml><?xml version="1.0" encoding="utf-8"?>
 <p1510:revInfo xmlns:a="http://schemas.openxmlformats.org/drawingml/2006/main" xmlns:r="http://schemas.openxmlformats.org/officeDocument/2006/relationships" xmlns:p1510="http://schemas.microsoft.com/office/powerpoint/2015/10/main">
   <p1510:revLst>
-    <p1510:client id="{A6A9A378-5A9C-494E-9AFF-D5467651EA49}" v="37" dt="2024-11-20T09:21:49.083"/>
+    <p1510:client id="{9F458CB3-E497-4EBE-93FC-6326415FF9FB}" v="4" dt="2025-03-10T06:58:25.393"/>
   </p1510:revLst>
 </p1510:revInfo>
 </file>
 
 <file path=ppt/changesInfos/changesInfo1.xml><?xml version="1.0" encoding="utf-8"?>
 <pc:chgInfo xmlns:a="http://schemas.openxmlformats.org/drawingml/2006/main" xmlns:r="http://schemas.openxmlformats.org/officeDocument/2006/relationships" xmlns:ac="http://schemas.microsoft.com/office/drawing/2013/main/command" xmlns:pc="http://schemas.microsoft.com/office/powerpoint/2013/main/command">
+  <pc:docChgLst>
+    <pc:chgData name="Gerth Stølting Brodal" userId="04ef4784-6591-4f86-a140-f5c3b108582a" providerId="ADAL" clId="{9F458CB3-E497-4EBE-93FC-6326415FF9FB}"/>
+    <pc:docChg chg="custSel modSld">
+      <pc:chgData name="Gerth Stølting Brodal" userId="04ef4784-6591-4f86-a140-f5c3b108582a" providerId="ADAL" clId="{9F458CB3-E497-4EBE-93FC-6326415FF9FB}" dt="2025-03-10T06:59:00.692" v="85" actId="20577"/>
+      <pc:docMkLst>
+        <pc:docMk/>
+      </pc:docMkLst>
+      <pc:sldChg chg="modSp mod modNotesTx">
+        <pc:chgData name="Gerth Stølting Brodal" userId="04ef4784-6591-4f86-a140-f5c3b108582a" providerId="ADAL" clId="{9F458CB3-E497-4EBE-93FC-6326415FF9FB}" dt="2025-03-10T06:59:00.692" v="85" actId="20577"/>
+        <pc:sldMkLst>
+          <pc:docMk/>
+          <pc:sldMk cId="1654434957" sldId="704"/>
+        </pc:sldMkLst>
+        <pc:graphicFrameChg chg="mod modGraphic">
+          <ac:chgData name="Gerth Stølting Brodal" userId="04ef4784-6591-4f86-a140-f5c3b108582a" providerId="ADAL" clId="{9F458CB3-E497-4EBE-93FC-6326415FF9FB}" dt="2025-03-10T06:57:54.728" v="17" actId="20577"/>
+          <ac:graphicFrameMkLst>
+            <pc:docMk/>
+            <pc:sldMk cId="1654434957" sldId="704"/>
+            <ac:graphicFrameMk id="4" creationId="{00000000-0000-0000-0000-000000000000}"/>
+          </ac:graphicFrameMkLst>
+        </pc:graphicFrameChg>
+      </pc:sldChg>
+    </pc:docChg>
+  </pc:docChgLst>
   <pc:docChgLst>
     <pc:chgData name="Gerth Stølting Brodal" userId="04ef4784-6591-4f86-a140-f5c3b108582a" providerId="ADAL" clId="{0375A3B1-3E85-4265-A3F4-D5A88847E856}"/>
     <pc:docChg chg="undo custSel addSld delSld modSld">
@@ -167,14 +191,6 @@
           <pc:docMk/>
           <pc:sldMk cId="1038163257" sldId="475"/>
         </pc:sldMkLst>
-        <pc:spChg chg="mod">
-          <ac:chgData name="Gerth Stølting Brodal" userId="04ef4784-6591-4f86-a140-f5c3b108582a" providerId="ADAL" clId="{0375A3B1-3E85-4265-A3F4-D5A88847E856}" dt="2024-03-10T19:30:51.971" v="35" actId="20577"/>
-          <ac:spMkLst>
-            <pc:docMk/>
-            <pc:sldMk cId="1038163257" sldId="475"/>
-            <ac:spMk id="3" creationId="{00000000-0000-0000-0000-000000000000}"/>
-          </ac:spMkLst>
-        </pc:spChg>
       </pc:sldChg>
       <pc:sldChg chg="modSp mod">
         <pc:chgData name="Gerth Stølting Brodal" userId="04ef4784-6591-4f86-a140-f5c3b108582a" providerId="ADAL" clId="{0375A3B1-3E85-4265-A3F4-D5A88847E856}" dt="2024-03-10T19:43:50.086" v="38" actId="114"/>
@@ -182,14 +198,6 @@
           <pc:docMk/>
           <pc:sldMk cId="4179205861" sldId="512"/>
         </pc:sldMkLst>
-        <pc:spChg chg="mod">
-          <ac:chgData name="Gerth Stølting Brodal" userId="04ef4784-6591-4f86-a140-f5c3b108582a" providerId="ADAL" clId="{0375A3B1-3E85-4265-A3F4-D5A88847E856}" dt="2024-03-10T19:43:50.086" v="38" actId="114"/>
-          <ac:spMkLst>
-            <pc:docMk/>
-            <pc:sldMk cId="4179205861" sldId="512"/>
-            <ac:spMk id="2" creationId="{00000000-0000-0000-0000-000000000000}"/>
-          </ac:spMkLst>
-        </pc:spChg>
       </pc:sldChg>
       <pc:sldChg chg="modNotesTx">
         <pc:chgData name="Gerth Stølting Brodal" userId="04ef4784-6591-4f86-a140-f5c3b108582a" providerId="ADAL" clId="{0375A3B1-3E85-4265-A3F4-D5A88847E856}" dt="2024-03-10T20:09:27.833" v="325" actId="20577"/>
@@ -211,22 +219,6 @@
           <pc:docMk/>
           <pc:sldMk cId="926288180" sldId="716"/>
         </pc:sldMkLst>
-        <pc:spChg chg="mod">
-          <ac:chgData name="Gerth Stølting Brodal" userId="04ef4784-6591-4f86-a140-f5c3b108582a" providerId="ADAL" clId="{0375A3B1-3E85-4265-A3F4-D5A88847E856}" dt="2024-03-10T19:44:01.842" v="40" actId="114"/>
-          <ac:spMkLst>
-            <pc:docMk/>
-            <pc:sldMk cId="926288180" sldId="716"/>
-            <ac:spMk id="2" creationId="{00000000-0000-0000-0000-000000000000}"/>
-          </ac:spMkLst>
-        </pc:spChg>
-        <pc:spChg chg="mod">
-          <ac:chgData name="Gerth Stølting Brodal" userId="04ef4784-6591-4f86-a140-f5c3b108582a" providerId="ADAL" clId="{0375A3B1-3E85-4265-A3F4-D5A88847E856}" dt="2024-03-10T19:43:57.811" v="39" actId="114"/>
-          <ac:spMkLst>
-            <pc:docMk/>
-            <pc:sldMk cId="926288180" sldId="716"/>
-            <ac:spMk id="7" creationId="{00000000-0000-0000-0000-000000000000}"/>
-          </ac:spMkLst>
-        </pc:spChg>
       </pc:sldChg>
       <pc:sldChg chg="modSp mod">
         <pc:chgData name="Gerth Stølting Brodal" userId="04ef4784-6591-4f86-a140-f5c3b108582a" providerId="ADAL" clId="{0375A3B1-3E85-4265-A3F4-D5A88847E856}" dt="2024-03-10T19:50:19.213" v="108" actId="27636"/>
@@ -234,14 +226,6 @@
           <pc:docMk/>
           <pc:sldMk cId="3997418003" sldId="718"/>
         </pc:sldMkLst>
-        <pc:spChg chg="mod">
-          <ac:chgData name="Gerth Stølting Brodal" userId="04ef4784-6591-4f86-a140-f5c3b108582a" providerId="ADAL" clId="{0375A3B1-3E85-4265-A3F4-D5A88847E856}" dt="2024-03-10T19:50:19.213" v="108" actId="27636"/>
-          <ac:spMkLst>
-            <pc:docMk/>
-            <pc:sldMk cId="3997418003" sldId="718"/>
-            <ac:spMk id="3" creationId="{00000000-0000-0000-0000-000000000000}"/>
-          </ac:spMkLst>
-        </pc:spChg>
       </pc:sldChg>
       <pc:sldChg chg="modSp mod">
         <pc:chgData name="Gerth Stølting Brodal" userId="04ef4784-6591-4f86-a140-f5c3b108582a" providerId="ADAL" clId="{0375A3B1-3E85-4265-A3F4-D5A88847E856}" dt="2024-03-10T20:03:09.351" v="258"/>
@@ -249,22 +233,6 @@
           <pc:docMk/>
           <pc:sldMk cId="3379938229" sldId="720"/>
         </pc:sldMkLst>
-        <pc:spChg chg="mod">
-          <ac:chgData name="Gerth Stølting Brodal" userId="04ef4784-6591-4f86-a140-f5c3b108582a" providerId="ADAL" clId="{0375A3B1-3E85-4265-A3F4-D5A88847E856}" dt="2024-03-10T20:03:09.351" v="258"/>
-          <ac:spMkLst>
-            <pc:docMk/>
-            <pc:sldMk cId="3379938229" sldId="720"/>
-            <ac:spMk id="3" creationId="{00000000-0000-0000-0000-000000000000}"/>
-          </ac:spMkLst>
-        </pc:spChg>
-        <pc:graphicFrameChg chg="modGraphic">
-          <ac:chgData name="Gerth Stølting Brodal" userId="04ef4784-6591-4f86-a140-f5c3b108582a" providerId="ADAL" clId="{0375A3B1-3E85-4265-A3F4-D5A88847E856}" dt="2024-03-10T15:28:45.358" v="3" actId="20577"/>
-          <ac:graphicFrameMkLst>
-            <pc:docMk/>
-            <pc:sldMk cId="3379938229" sldId="720"/>
-            <ac:graphicFrameMk id="5" creationId="{00000000-0000-0000-0000-000000000000}"/>
-          </ac:graphicFrameMkLst>
-        </pc:graphicFrameChg>
       </pc:sldChg>
       <pc:sldChg chg="add">
         <pc:chgData name="Gerth Stølting Brodal" userId="04ef4784-6591-4f86-a140-f5c3b108582a" providerId="ADAL" clId="{0375A3B1-3E85-4265-A3F4-D5A88847E856}" dt="2024-03-10T19:32:20.737" v="37"/>
@@ -323,22 +291,6 @@
           <pc:docMk/>
           <pc:sldMk cId="4179205861" sldId="512"/>
         </pc:sldMkLst>
-        <pc:graphicFrameChg chg="modGraphic">
-          <ac:chgData name="Gerth Stølting Brodal" userId="04ef4784-6591-4f86-a140-f5c3b108582a" providerId="ADAL" clId="{D404FE24-4761-49EE-88D6-CDB48199D24C}" dt="2023-03-12T19:37:18.915" v="306" actId="20577"/>
-          <ac:graphicFrameMkLst>
-            <pc:docMk/>
-            <pc:sldMk cId="4179205861" sldId="512"/>
-            <ac:graphicFrameMk id="4" creationId="{00000000-0000-0000-0000-000000000000}"/>
-          </ac:graphicFrameMkLst>
-        </pc:graphicFrameChg>
-        <pc:graphicFrameChg chg="modGraphic">
-          <ac:chgData name="Gerth Stølting Brodal" userId="04ef4784-6591-4f86-a140-f5c3b108582a" providerId="ADAL" clId="{D404FE24-4761-49EE-88D6-CDB48199D24C}" dt="2023-03-10T22:42:57.725" v="42" actId="6549"/>
-          <ac:graphicFrameMkLst>
-            <pc:docMk/>
-            <pc:sldMk cId="4179205861" sldId="512"/>
-            <ac:graphicFrameMk id="5" creationId="{00000000-0000-0000-0000-000000000000}"/>
-          </ac:graphicFrameMkLst>
-        </pc:graphicFrameChg>
       </pc:sldChg>
       <pc:sldChg chg="modSp mod modNotesTx">
         <pc:chgData name="Gerth Stølting Brodal" userId="04ef4784-6591-4f86-a140-f5c3b108582a" providerId="ADAL" clId="{D404FE24-4761-49EE-88D6-CDB48199D24C}" dt="2023-03-12T19:26:49.058" v="255" actId="20577"/>
@@ -346,14 +298,6 @@
           <pc:docMk/>
           <pc:sldMk cId="1160923753" sldId="702"/>
         </pc:sldMkLst>
-        <pc:graphicFrameChg chg="mod modGraphic">
-          <ac:chgData name="Gerth Stølting Brodal" userId="04ef4784-6591-4f86-a140-f5c3b108582a" providerId="ADAL" clId="{D404FE24-4761-49EE-88D6-CDB48199D24C}" dt="2023-03-12T19:23:48.480" v="188"/>
-          <ac:graphicFrameMkLst>
-            <pc:docMk/>
-            <pc:sldMk cId="1160923753" sldId="702"/>
-            <ac:graphicFrameMk id="4" creationId="{00000000-0000-0000-0000-000000000000}"/>
-          </ac:graphicFrameMkLst>
-        </pc:graphicFrameChg>
       </pc:sldChg>
       <pc:sldChg chg="modSp mod modNotesTx">
         <pc:chgData name="Gerth Stølting Brodal" userId="04ef4784-6591-4f86-a140-f5c3b108582a" providerId="ADAL" clId="{D404FE24-4761-49EE-88D6-CDB48199D24C}" dt="2023-03-12T19:30:54.668" v="304" actId="20577"/>
@@ -361,14 +305,6 @@
           <pc:docMk/>
           <pc:sldMk cId="1654434957" sldId="704"/>
         </pc:sldMkLst>
-        <pc:graphicFrameChg chg="mod modGraphic">
-          <ac:chgData name="Gerth Stølting Brodal" userId="04ef4784-6591-4f86-a140-f5c3b108582a" providerId="ADAL" clId="{D404FE24-4761-49EE-88D6-CDB48199D24C}" dt="2023-03-10T22:35:05.139" v="11" actId="1076"/>
-          <ac:graphicFrameMkLst>
-            <pc:docMk/>
-            <pc:sldMk cId="1654434957" sldId="704"/>
-            <ac:graphicFrameMk id="4" creationId="{00000000-0000-0000-0000-000000000000}"/>
-          </ac:graphicFrameMkLst>
-        </pc:graphicFrameChg>
       </pc:sldChg>
       <pc:sldChg chg="modSp mod">
         <pc:chgData name="Gerth Stølting Brodal" userId="04ef4784-6591-4f86-a140-f5c3b108582a" providerId="ADAL" clId="{D404FE24-4761-49EE-88D6-CDB48199D24C}" dt="2023-03-10T22:35:46.730" v="15" actId="20577"/>
@@ -376,14 +312,6 @@
           <pc:docMk/>
           <pc:sldMk cId="2005488815" sldId="705"/>
         </pc:sldMkLst>
-        <pc:graphicFrameChg chg="mod modGraphic">
-          <ac:chgData name="Gerth Stølting Brodal" userId="04ef4784-6591-4f86-a140-f5c3b108582a" providerId="ADAL" clId="{D404FE24-4761-49EE-88D6-CDB48199D24C}" dt="2023-03-10T22:35:46.730" v="15" actId="20577"/>
-          <ac:graphicFrameMkLst>
-            <pc:docMk/>
-            <pc:sldMk cId="2005488815" sldId="705"/>
-            <ac:graphicFrameMk id="4" creationId="{00000000-0000-0000-0000-000000000000}"/>
-          </ac:graphicFrameMkLst>
-        </pc:graphicFrameChg>
       </pc:sldChg>
       <pc:sldChg chg="modSp mod">
         <pc:chgData name="Gerth Stølting Brodal" userId="04ef4784-6591-4f86-a140-f5c3b108582a" providerId="ADAL" clId="{D404FE24-4761-49EE-88D6-CDB48199D24C}" dt="2023-03-10T22:35:57.196" v="19" actId="20577"/>
@@ -391,14 +319,6 @@
           <pc:docMk/>
           <pc:sldMk cId="2852041830" sldId="706"/>
         </pc:sldMkLst>
-        <pc:graphicFrameChg chg="mod modGraphic">
-          <ac:chgData name="Gerth Stølting Brodal" userId="04ef4784-6591-4f86-a140-f5c3b108582a" providerId="ADAL" clId="{D404FE24-4761-49EE-88D6-CDB48199D24C}" dt="2023-03-10T22:35:57.196" v="19" actId="20577"/>
-          <ac:graphicFrameMkLst>
-            <pc:docMk/>
-            <pc:sldMk cId="2852041830" sldId="706"/>
-            <ac:graphicFrameMk id="4" creationId="{00000000-0000-0000-0000-000000000000}"/>
-          </ac:graphicFrameMkLst>
-        </pc:graphicFrameChg>
       </pc:sldChg>
       <pc:sldChg chg="modSp mod">
         <pc:chgData name="Gerth Stølting Brodal" userId="04ef4784-6591-4f86-a140-f5c3b108582a" providerId="ADAL" clId="{D404FE24-4761-49EE-88D6-CDB48199D24C}" dt="2023-03-10T23:31:38.787" v="170" actId="20577"/>
@@ -406,14 +326,6 @@
           <pc:docMk/>
           <pc:sldMk cId="753419617" sldId="707"/>
         </pc:sldMkLst>
-        <pc:graphicFrameChg chg="mod modGraphic">
-          <ac:chgData name="Gerth Stølting Brodal" userId="04ef4784-6591-4f86-a140-f5c3b108582a" providerId="ADAL" clId="{D404FE24-4761-49EE-88D6-CDB48199D24C}" dt="2023-03-10T23:31:38.787" v="170" actId="20577"/>
-          <ac:graphicFrameMkLst>
-            <pc:docMk/>
-            <pc:sldMk cId="753419617" sldId="707"/>
-            <ac:graphicFrameMk id="4" creationId="{00000000-0000-0000-0000-000000000000}"/>
-          </ac:graphicFrameMkLst>
-        </pc:graphicFrameChg>
       </pc:sldChg>
       <pc:sldChg chg="modSp mod">
         <pc:chgData name="Gerth Stølting Brodal" userId="04ef4784-6591-4f86-a140-f5c3b108582a" providerId="ADAL" clId="{D404FE24-4761-49EE-88D6-CDB48199D24C}" dt="2023-03-12T21:29:55.297" v="1645" actId="113"/>
@@ -421,22 +333,6 @@
           <pc:docMk/>
           <pc:sldMk cId="1330004482" sldId="708"/>
         </pc:sldMkLst>
-        <pc:spChg chg="mod">
-          <ac:chgData name="Gerth Stølting Brodal" userId="04ef4784-6591-4f86-a140-f5c3b108582a" providerId="ADAL" clId="{D404FE24-4761-49EE-88D6-CDB48199D24C}" dt="2023-03-12T21:29:55.297" v="1645" actId="113"/>
-          <ac:spMkLst>
-            <pc:docMk/>
-            <pc:sldMk cId="1330004482" sldId="708"/>
-            <ac:spMk id="2" creationId="{00000000-0000-0000-0000-000000000000}"/>
-          </ac:spMkLst>
-        </pc:spChg>
-        <pc:graphicFrameChg chg="mod modGraphic">
-          <ac:chgData name="Gerth Stølting Brodal" userId="04ef4784-6591-4f86-a140-f5c3b108582a" providerId="ADAL" clId="{D404FE24-4761-49EE-88D6-CDB48199D24C}" dt="2023-03-10T23:09:37.353" v="147" actId="1076"/>
-          <ac:graphicFrameMkLst>
-            <pc:docMk/>
-            <pc:sldMk cId="1330004482" sldId="708"/>
-            <ac:graphicFrameMk id="6" creationId="{00000000-0000-0000-0000-000000000000}"/>
-          </ac:graphicFrameMkLst>
-        </pc:graphicFrameChg>
       </pc:sldChg>
       <pc:sldChg chg="modSp mod">
         <pc:chgData name="Gerth Stølting Brodal" userId="04ef4784-6591-4f86-a140-f5c3b108582a" providerId="ADAL" clId="{D404FE24-4761-49EE-88D6-CDB48199D24C}" dt="2023-03-12T21:21:45.658" v="1611" actId="14100"/>
@@ -444,14 +340,6 @@
           <pc:docMk/>
           <pc:sldMk cId="1202853326" sldId="709"/>
         </pc:sldMkLst>
-        <pc:spChg chg="mod">
-          <ac:chgData name="Gerth Stølting Brodal" userId="04ef4784-6591-4f86-a140-f5c3b108582a" providerId="ADAL" clId="{D404FE24-4761-49EE-88D6-CDB48199D24C}" dt="2023-03-12T21:21:45.658" v="1611" actId="14100"/>
-          <ac:spMkLst>
-            <pc:docMk/>
-            <pc:sldMk cId="1202853326" sldId="709"/>
-            <ac:spMk id="3" creationId="{00000000-0000-0000-0000-000000000000}"/>
-          </ac:spMkLst>
-        </pc:spChg>
       </pc:sldChg>
       <pc:sldChg chg="modSp mod">
         <pc:chgData name="Gerth Stølting Brodal" userId="04ef4784-6591-4f86-a140-f5c3b108582a" providerId="ADAL" clId="{D404FE24-4761-49EE-88D6-CDB48199D24C}" dt="2023-03-12T20:42:21.741" v="1241" actId="20577"/>
@@ -459,14 +347,6 @@
           <pc:docMk/>
           <pc:sldMk cId="1043759414" sldId="710"/>
         </pc:sldMkLst>
-        <pc:graphicFrameChg chg="mod modGraphic">
-          <ac:chgData name="Gerth Stølting Brodal" userId="04ef4784-6591-4f86-a140-f5c3b108582a" providerId="ADAL" clId="{D404FE24-4761-49EE-88D6-CDB48199D24C}" dt="2023-03-12T20:42:21.741" v="1241" actId="20577"/>
-          <ac:graphicFrameMkLst>
-            <pc:docMk/>
-            <pc:sldMk cId="1043759414" sldId="710"/>
-            <ac:graphicFrameMk id="4" creationId="{00000000-0000-0000-0000-000000000000}"/>
-          </ac:graphicFrameMkLst>
-        </pc:graphicFrameChg>
       </pc:sldChg>
       <pc:sldChg chg="addSp modSp mod modNotesTx">
         <pc:chgData name="Gerth Stølting Brodal" userId="04ef4784-6591-4f86-a140-f5c3b108582a" providerId="ADAL" clId="{D404FE24-4761-49EE-88D6-CDB48199D24C}" dt="2023-03-12T21:29:50.671" v="1644" actId="113"/>
@@ -474,38 +354,6 @@
           <pc:docMk/>
           <pc:sldMk cId="2905942797" sldId="711"/>
         </pc:sldMkLst>
-        <pc:spChg chg="mod">
-          <ac:chgData name="Gerth Stølting Brodal" userId="04ef4784-6591-4f86-a140-f5c3b108582a" providerId="ADAL" clId="{D404FE24-4761-49EE-88D6-CDB48199D24C}" dt="2023-03-12T21:29:50.671" v="1644" actId="113"/>
-          <ac:spMkLst>
-            <pc:docMk/>
-            <pc:sldMk cId="2905942797" sldId="711"/>
-            <ac:spMk id="2" creationId="{00000000-0000-0000-0000-000000000000}"/>
-          </ac:spMkLst>
-        </pc:spChg>
-        <pc:spChg chg="mod">
-          <ac:chgData name="Gerth Stølting Brodal" userId="04ef4784-6591-4f86-a140-f5c3b108582a" providerId="ADAL" clId="{D404FE24-4761-49EE-88D6-CDB48199D24C}" dt="2023-03-12T21:09:51.733" v="1590" actId="6549"/>
-          <ac:spMkLst>
-            <pc:docMk/>
-            <pc:sldMk cId="2905942797" sldId="711"/>
-            <ac:spMk id="5" creationId="{00000000-0000-0000-0000-000000000000}"/>
-          </ac:spMkLst>
-        </pc:spChg>
-        <pc:spChg chg="add mod">
-          <ac:chgData name="Gerth Stølting Brodal" userId="04ef4784-6591-4f86-a140-f5c3b108582a" providerId="ADAL" clId="{D404FE24-4761-49EE-88D6-CDB48199D24C}" dt="2023-03-12T21:00:32.574" v="1356" actId="1076"/>
-          <ac:spMkLst>
-            <pc:docMk/>
-            <pc:sldMk cId="2905942797" sldId="711"/>
-            <ac:spMk id="9" creationId="{F903A0C6-1686-30B7-790B-EA7C3EC20FFE}"/>
-          </ac:spMkLst>
-        </pc:spChg>
-        <pc:graphicFrameChg chg="mod modGraphic">
-          <ac:chgData name="Gerth Stølting Brodal" userId="04ef4784-6591-4f86-a140-f5c3b108582a" providerId="ADAL" clId="{D404FE24-4761-49EE-88D6-CDB48199D24C}" dt="2023-03-12T20:44:33.554" v="1250" actId="20577"/>
-          <ac:graphicFrameMkLst>
-            <pc:docMk/>
-            <pc:sldMk cId="2905942797" sldId="711"/>
-            <ac:graphicFrameMk id="4" creationId="{00000000-0000-0000-0000-000000000000}"/>
-          </ac:graphicFrameMkLst>
-        </pc:graphicFrameChg>
       </pc:sldChg>
       <pc:sldChg chg="modSp mod">
         <pc:chgData name="Gerth Stølting Brodal" userId="04ef4784-6591-4f86-a140-f5c3b108582a" providerId="ADAL" clId="{D404FE24-4761-49EE-88D6-CDB48199D24C}" dt="2023-03-12T20:16:13.095" v="918" actId="20577"/>
@@ -513,14 +361,6 @@
           <pc:docMk/>
           <pc:sldMk cId="366870384" sldId="712"/>
         </pc:sldMkLst>
-        <pc:graphicFrameChg chg="modGraphic">
-          <ac:chgData name="Gerth Stølting Brodal" userId="04ef4784-6591-4f86-a140-f5c3b108582a" providerId="ADAL" clId="{D404FE24-4761-49EE-88D6-CDB48199D24C}" dt="2023-03-12T20:16:13.095" v="918" actId="20577"/>
-          <ac:graphicFrameMkLst>
-            <pc:docMk/>
-            <pc:sldMk cId="366870384" sldId="712"/>
-            <ac:graphicFrameMk id="4" creationId="{00000000-0000-0000-0000-000000000000}"/>
-          </ac:graphicFrameMkLst>
-        </pc:graphicFrameChg>
       </pc:sldChg>
       <pc:sldChg chg="modNotesTx">
         <pc:chgData name="Gerth Stølting Brodal" userId="04ef4784-6591-4f86-a140-f5c3b108582a" providerId="ADAL" clId="{D404FE24-4761-49EE-88D6-CDB48199D24C}" dt="2023-03-12T19:59:24.670" v="651" actId="113"/>
@@ -535,22 +375,6 @@
           <pc:docMk/>
           <pc:sldMk cId="2015921638" sldId="715"/>
         </pc:sldMkLst>
-        <pc:graphicFrameChg chg="modGraphic">
-          <ac:chgData name="Gerth Stølting Brodal" userId="04ef4784-6591-4f86-a140-f5c3b108582a" providerId="ADAL" clId="{D404FE24-4761-49EE-88D6-CDB48199D24C}" dt="2023-03-12T19:42:28.186" v="444" actId="207"/>
-          <ac:graphicFrameMkLst>
-            <pc:docMk/>
-            <pc:sldMk cId="2015921638" sldId="715"/>
-            <ac:graphicFrameMk id="33" creationId="{00000000-0000-0000-0000-000000000000}"/>
-          </ac:graphicFrameMkLst>
-        </pc:graphicFrameChg>
-        <pc:graphicFrameChg chg="modGraphic">
-          <ac:chgData name="Gerth Stølting Brodal" userId="04ef4784-6591-4f86-a140-f5c3b108582a" providerId="ADAL" clId="{D404FE24-4761-49EE-88D6-CDB48199D24C}" dt="2023-03-12T19:42:33.610" v="447" actId="207"/>
-          <ac:graphicFrameMkLst>
-            <pc:docMk/>
-            <pc:sldMk cId="2015921638" sldId="715"/>
-            <ac:graphicFrameMk id="34" creationId="{00000000-0000-0000-0000-000000000000}"/>
-          </ac:graphicFrameMkLst>
-        </pc:graphicFrameChg>
       </pc:sldChg>
       <pc:sldChg chg="modSp mod">
         <pc:chgData name="Gerth Stølting Brodal" userId="04ef4784-6591-4f86-a140-f5c3b108582a" providerId="ADAL" clId="{D404FE24-4761-49EE-88D6-CDB48199D24C}" dt="2023-03-12T19:37:34.556" v="311" actId="20577"/>
@@ -558,14 +382,6 @@
           <pc:docMk/>
           <pc:sldMk cId="926288180" sldId="716"/>
         </pc:sldMkLst>
-        <pc:graphicFrameChg chg="modGraphic">
-          <ac:chgData name="Gerth Stølting Brodal" userId="04ef4784-6591-4f86-a140-f5c3b108582a" providerId="ADAL" clId="{D404FE24-4761-49EE-88D6-CDB48199D24C}" dt="2023-03-12T19:37:34.556" v="311" actId="20577"/>
-          <ac:graphicFrameMkLst>
-            <pc:docMk/>
-            <pc:sldMk cId="926288180" sldId="716"/>
-            <ac:graphicFrameMk id="5" creationId="{00000000-0000-0000-0000-000000000000}"/>
-          </ac:graphicFrameMkLst>
-        </pc:graphicFrameChg>
       </pc:sldChg>
       <pc:sldChg chg="modSp mod">
         <pc:chgData name="Gerth Stølting Brodal" userId="04ef4784-6591-4f86-a140-f5c3b108582a" providerId="ADAL" clId="{D404FE24-4761-49EE-88D6-CDB48199D24C}" dt="2023-03-12T22:12:54.872" v="1662" actId="6549"/>
@@ -573,14 +389,6 @@
           <pc:docMk/>
           <pc:sldMk cId="2205391547" sldId="717"/>
         </pc:sldMkLst>
-        <pc:spChg chg="mod">
-          <ac:chgData name="Gerth Stølting Brodal" userId="04ef4784-6591-4f86-a140-f5c3b108582a" providerId="ADAL" clId="{D404FE24-4761-49EE-88D6-CDB48199D24C}" dt="2023-03-12T22:12:54.872" v="1662" actId="6549"/>
-          <ac:spMkLst>
-            <pc:docMk/>
-            <pc:sldMk cId="2205391547" sldId="717"/>
-            <ac:spMk id="3" creationId="{00000000-0000-0000-0000-000000000000}"/>
-          </ac:spMkLst>
-        </pc:spChg>
       </pc:sldChg>
       <pc:sldChg chg="modNotesTx">
         <pc:chgData name="Gerth Stølting Brodal" userId="04ef4784-6591-4f86-a140-f5c3b108582a" providerId="ADAL" clId="{D404FE24-4761-49EE-88D6-CDB48199D24C}" dt="2023-03-12T20:02:04.267" v="704" actId="20577"/>
@@ -595,46 +403,6 @@
           <pc:docMk/>
           <pc:sldMk cId="3379938229" sldId="720"/>
         </pc:sldMkLst>
-        <pc:spChg chg="mod">
-          <ac:chgData name="Gerth Stølting Brodal" userId="04ef4784-6591-4f86-a140-f5c3b108582a" providerId="ADAL" clId="{D404FE24-4761-49EE-88D6-CDB48199D24C}" dt="2023-03-10T23:02:22.329" v="136" actId="20577"/>
-          <ac:spMkLst>
-            <pc:docMk/>
-            <pc:sldMk cId="3379938229" sldId="720"/>
-            <ac:spMk id="2" creationId="{00000000-0000-0000-0000-000000000000}"/>
-          </ac:spMkLst>
-        </pc:spChg>
-        <pc:spChg chg="mod">
-          <ac:chgData name="Gerth Stølting Brodal" userId="04ef4784-6591-4f86-a140-f5c3b108582a" providerId="ADAL" clId="{D404FE24-4761-49EE-88D6-CDB48199D24C}" dt="2023-03-10T23:03:22.134" v="144" actId="313"/>
-          <ac:spMkLst>
-            <pc:docMk/>
-            <pc:sldMk cId="3379938229" sldId="720"/>
-            <ac:spMk id="36" creationId="{00000000-0000-0000-0000-000000000000}"/>
-          </ac:spMkLst>
-        </pc:spChg>
-        <pc:graphicFrameChg chg="mod modGraphic">
-          <ac:chgData name="Gerth Stølting Brodal" userId="04ef4784-6591-4f86-a140-f5c3b108582a" providerId="ADAL" clId="{D404FE24-4761-49EE-88D6-CDB48199D24C}" dt="2023-03-12T20:37:52.724" v="1095" actId="6549"/>
-          <ac:graphicFrameMkLst>
-            <pc:docMk/>
-            <pc:sldMk cId="3379938229" sldId="720"/>
-            <ac:graphicFrameMk id="4" creationId="{00000000-0000-0000-0000-000000000000}"/>
-          </ac:graphicFrameMkLst>
-        </pc:graphicFrameChg>
-        <pc:graphicFrameChg chg="mod modGraphic">
-          <ac:chgData name="Gerth Stølting Brodal" userId="04ef4784-6591-4f86-a140-f5c3b108582a" providerId="ADAL" clId="{D404FE24-4761-49EE-88D6-CDB48199D24C}" dt="2023-03-12T20:38:12.422" v="1101" actId="6549"/>
-          <ac:graphicFrameMkLst>
-            <pc:docMk/>
-            <pc:sldMk cId="3379938229" sldId="720"/>
-            <ac:graphicFrameMk id="5" creationId="{00000000-0000-0000-0000-000000000000}"/>
-          </ac:graphicFrameMkLst>
-        </pc:graphicFrameChg>
-        <pc:graphicFrameChg chg="mod modGraphic">
-          <ac:chgData name="Gerth Stølting Brodal" userId="04ef4784-6591-4f86-a140-f5c3b108582a" providerId="ADAL" clId="{D404FE24-4761-49EE-88D6-CDB48199D24C}" dt="2023-03-12T20:38:30.187" v="1113" actId="20577"/>
-          <ac:graphicFrameMkLst>
-            <pc:docMk/>
-            <pc:sldMk cId="3379938229" sldId="720"/>
-            <ac:graphicFrameMk id="6" creationId="{00000000-0000-0000-0000-000000000000}"/>
-          </ac:graphicFrameMkLst>
-        </pc:graphicFrameChg>
       </pc:sldChg>
       <pc:sldChg chg="modSp mod">
         <pc:chgData name="Gerth Stølting Brodal" userId="04ef4784-6591-4f86-a140-f5c3b108582a" providerId="ADAL" clId="{D404FE24-4761-49EE-88D6-CDB48199D24C}" dt="2023-03-10T22:36:19.416" v="33" actId="20577"/>
@@ -642,14 +410,6 @@
           <pc:docMk/>
           <pc:sldMk cId="1515186800" sldId="722"/>
         </pc:sldMkLst>
-        <pc:graphicFrameChg chg="mod modGraphic">
-          <ac:chgData name="Gerth Stølting Brodal" userId="04ef4784-6591-4f86-a140-f5c3b108582a" providerId="ADAL" clId="{D404FE24-4761-49EE-88D6-CDB48199D24C}" dt="2023-03-10T22:36:19.416" v="33" actId="20577"/>
-          <ac:graphicFrameMkLst>
-            <pc:docMk/>
-            <pc:sldMk cId="1515186800" sldId="722"/>
-            <ac:graphicFrameMk id="4" creationId="{00000000-0000-0000-0000-000000000000}"/>
-          </ac:graphicFrameMkLst>
-        </pc:graphicFrameChg>
       </pc:sldChg>
       <pc:sldChg chg="modSp mod">
         <pc:chgData name="Gerth Stølting Brodal" userId="04ef4784-6591-4f86-a140-f5c3b108582a" providerId="ADAL" clId="{D404FE24-4761-49EE-88D6-CDB48199D24C}" dt="2023-03-10T23:29:47.864" v="161" actId="20577"/>
@@ -657,22 +417,6 @@
           <pc:docMk/>
           <pc:sldMk cId="4063920540" sldId="723"/>
         </pc:sldMkLst>
-        <pc:graphicFrameChg chg="modGraphic">
-          <ac:chgData name="Gerth Stølting Brodal" userId="04ef4784-6591-4f86-a140-f5c3b108582a" providerId="ADAL" clId="{D404FE24-4761-49EE-88D6-CDB48199D24C}" dt="2023-03-10T23:29:47.864" v="161" actId="20577"/>
-          <ac:graphicFrameMkLst>
-            <pc:docMk/>
-            <pc:sldMk cId="4063920540" sldId="723"/>
-            <ac:graphicFrameMk id="4" creationId="{00000000-0000-0000-0000-000000000000}"/>
-          </ac:graphicFrameMkLst>
-        </pc:graphicFrameChg>
-        <pc:graphicFrameChg chg="mod modGraphic">
-          <ac:chgData name="Gerth Stølting Brodal" userId="04ef4784-6591-4f86-a140-f5c3b108582a" providerId="ADAL" clId="{D404FE24-4761-49EE-88D6-CDB48199D24C}" dt="2023-03-10T23:17:38.413" v="160" actId="20577"/>
-          <ac:graphicFrameMkLst>
-            <pc:docMk/>
-            <pc:sldMk cId="4063920540" sldId="723"/>
-            <ac:graphicFrameMk id="5" creationId="{00000000-0000-0000-0000-000000000000}"/>
-          </ac:graphicFrameMkLst>
-        </pc:graphicFrameChg>
       </pc:sldChg>
       <pc:sldChg chg="modSp mod">
         <pc:chgData name="Gerth Stølting Brodal" userId="04ef4784-6591-4f86-a140-f5c3b108582a" providerId="ADAL" clId="{D404FE24-4761-49EE-88D6-CDB48199D24C}" dt="2023-03-10T23:12:17.890" v="148" actId="14100"/>
@@ -680,14 +424,6 @@
           <pc:docMk/>
           <pc:sldMk cId="1799338885" sldId="726"/>
         </pc:sldMkLst>
-        <pc:spChg chg="mod">
-          <ac:chgData name="Gerth Stølting Brodal" userId="04ef4784-6591-4f86-a140-f5c3b108582a" providerId="ADAL" clId="{D404FE24-4761-49EE-88D6-CDB48199D24C}" dt="2023-03-10T23:12:17.890" v="148" actId="14100"/>
-          <ac:spMkLst>
-            <pc:docMk/>
-            <pc:sldMk cId="1799338885" sldId="726"/>
-            <ac:spMk id="3" creationId="{00000000-0000-0000-0000-000000000000}"/>
-          </ac:spMkLst>
-        </pc:spChg>
       </pc:sldChg>
       <pc:sldChg chg="modSp mod modNotesTx">
         <pc:chgData name="Gerth Stølting Brodal" userId="04ef4784-6591-4f86-a140-f5c3b108582a" providerId="ADAL" clId="{D404FE24-4761-49EE-88D6-CDB48199D24C}" dt="2023-03-13T10:16:49.555" v="1671" actId="207"/>
@@ -695,14 +431,6 @@
           <pc:docMk/>
           <pc:sldMk cId="3983956302" sldId="727"/>
         </pc:sldMkLst>
-        <pc:graphicFrameChg chg="modGraphic">
-          <ac:chgData name="Gerth Stølting Brodal" userId="04ef4784-6591-4f86-a140-f5c3b108582a" providerId="ADAL" clId="{D404FE24-4761-49EE-88D6-CDB48199D24C}" dt="2023-03-13T10:16:49.555" v="1671" actId="207"/>
-          <ac:graphicFrameMkLst>
-            <pc:docMk/>
-            <pc:sldMk cId="3983956302" sldId="727"/>
-            <ac:graphicFrameMk id="6" creationId="{00000000-0000-0000-0000-000000000000}"/>
-          </ac:graphicFrameMkLst>
-        </pc:graphicFrameChg>
       </pc:sldChg>
       <pc:sldChg chg="modSp mod">
         <pc:chgData name="Gerth Stølting Brodal" userId="04ef4784-6591-4f86-a140-f5c3b108582a" providerId="ADAL" clId="{D404FE24-4761-49EE-88D6-CDB48199D24C}" dt="2023-03-12T21:29:22.136" v="1639" actId="2711"/>
@@ -710,14 +438,6 @@
           <pc:docMk/>
           <pc:sldMk cId="2802748937" sldId="728"/>
         </pc:sldMkLst>
-        <pc:spChg chg="mod">
-          <ac:chgData name="Gerth Stølting Brodal" userId="04ef4784-6591-4f86-a140-f5c3b108582a" providerId="ADAL" clId="{D404FE24-4761-49EE-88D6-CDB48199D24C}" dt="2023-03-12T21:29:22.136" v="1639" actId="2711"/>
-          <ac:spMkLst>
-            <pc:docMk/>
-            <pc:sldMk cId="2802748937" sldId="728"/>
-            <ac:spMk id="2" creationId="{00000000-0000-0000-0000-000000000000}"/>
-          </ac:spMkLst>
-        </pc:spChg>
       </pc:sldChg>
       <pc:sldChg chg="modSp mod">
         <pc:chgData name="Gerth Stølting Brodal" userId="04ef4784-6591-4f86-a140-f5c3b108582a" providerId="ADAL" clId="{D404FE24-4761-49EE-88D6-CDB48199D24C}" dt="2023-03-13T10:12:02.216" v="1670" actId="20577"/>
@@ -725,30 +445,6 @@
           <pc:docMk/>
           <pc:sldMk cId="1881171177" sldId="729"/>
         </pc:sldMkLst>
-        <pc:spChg chg="mod">
-          <ac:chgData name="Gerth Stølting Brodal" userId="04ef4784-6591-4f86-a140-f5c3b108582a" providerId="ADAL" clId="{D404FE24-4761-49EE-88D6-CDB48199D24C}" dt="2023-03-12T21:29:37.873" v="1643" actId="14100"/>
-          <ac:spMkLst>
-            <pc:docMk/>
-            <pc:sldMk cId="1881171177" sldId="729"/>
-            <ac:spMk id="22" creationId="{0F5EA7B3-224C-47DD-BF5D-AD37DF2E1606}"/>
-          </ac:spMkLst>
-        </pc:spChg>
-        <pc:graphicFrameChg chg="mod modGraphic">
-          <ac:chgData name="Gerth Stølting Brodal" userId="04ef4784-6591-4f86-a140-f5c3b108582a" providerId="ADAL" clId="{D404FE24-4761-49EE-88D6-CDB48199D24C}" dt="2023-03-13T10:12:02.216" v="1670" actId="20577"/>
-          <ac:graphicFrameMkLst>
-            <pc:docMk/>
-            <pc:sldMk cId="1881171177" sldId="729"/>
-            <ac:graphicFrameMk id="4" creationId="{00000000-0000-0000-0000-000000000000}"/>
-          </ac:graphicFrameMkLst>
-        </pc:graphicFrameChg>
-        <pc:picChg chg="mod">
-          <ac:chgData name="Gerth Stølting Brodal" userId="04ef4784-6591-4f86-a140-f5c3b108582a" providerId="ADAL" clId="{D404FE24-4761-49EE-88D6-CDB48199D24C}" dt="2023-03-12T20:27:02.228" v="925" actId="1076"/>
-          <ac:picMkLst>
-            <pc:docMk/>
-            <pc:sldMk cId="1881171177" sldId="729"/>
-            <ac:picMk id="12" creationId="{CC3EB954-9B43-4116-B9AA-74E3C879861A}"/>
-          </ac:picMkLst>
-        </pc:picChg>
       </pc:sldChg>
       <pc:sldChg chg="modSp mod modNotesTx">
         <pc:chgData name="Gerth Stølting Brodal" userId="04ef4784-6591-4f86-a140-f5c3b108582a" providerId="ADAL" clId="{D404FE24-4761-49EE-88D6-CDB48199D24C}" dt="2023-03-13T10:11:51.777" v="1666" actId="20577"/>
@@ -756,14 +452,6 @@
           <pc:docMk/>
           <pc:sldMk cId="4113973945" sldId="730"/>
         </pc:sldMkLst>
-        <pc:graphicFrameChg chg="mod modGraphic">
-          <ac:chgData name="Gerth Stølting Brodal" userId="04ef4784-6591-4f86-a140-f5c3b108582a" providerId="ADAL" clId="{D404FE24-4761-49EE-88D6-CDB48199D24C}" dt="2023-03-13T10:11:51.777" v="1666" actId="20577"/>
-          <ac:graphicFrameMkLst>
-            <pc:docMk/>
-            <pc:sldMk cId="4113973945" sldId="730"/>
-            <ac:graphicFrameMk id="4" creationId="{1C79346D-4580-4415-A8DF-89103609571D}"/>
-          </ac:graphicFrameMkLst>
-        </pc:graphicFrameChg>
       </pc:sldChg>
       <pc:sldChg chg="new del">
         <pc:chgData name="Gerth Stølting Brodal" userId="04ef4784-6591-4f86-a140-f5c3b108582a" providerId="ADAL" clId="{D404FE24-4761-49EE-88D6-CDB48199D24C}" dt="2023-03-12T21:00:11.882" v="1346" actId="680"/>
@@ -787,14 +475,6 @@
           <pc:docMk/>
           <pc:sldMk cId="366870384" sldId="712"/>
         </pc:sldMkLst>
-        <pc:graphicFrameChg chg="modGraphic">
-          <ac:chgData name="Gerth Stølting Brodal" userId="04ef4784-6591-4f86-a140-f5c3b108582a" providerId="ADAL" clId="{64F0C171-2853-4A0E-8891-02A0F99F3D95}" dt="2021-03-09T11:27:14.088" v="3" actId="20577"/>
-          <ac:graphicFrameMkLst>
-            <pc:docMk/>
-            <pc:sldMk cId="366870384" sldId="712"/>
-            <ac:graphicFrameMk id="4" creationId="{00000000-0000-0000-0000-000000000000}"/>
-          </ac:graphicFrameMkLst>
-        </pc:graphicFrameChg>
       </pc:sldChg>
       <pc:sldChg chg="modSp mod">
         <pc:chgData name="Gerth Stølting Brodal" userId="04ef4784-6591-4f86-a140-f5c3b108582a" providerId="ADAL" clId="{64F0C171-2853-4A0E-8891-02A0F99F3D95}" dt="2021-03-09T11:36:46.481" v="57" actId="20577"/>
@@ -802,14 +482,6 @@
           <pc:docMk/>
           <pc:sldMk cId="2205391547" sldId="717"/>
         </pc:sldMkLst>
-        <pc:spChg chg="mod">
-          <ac:chgData name="Gerth Stølting Brodal" userId="04ef4784-6591-4f86-a140-f5c3b108582a" providerId="ADAL" clId="{64F0C171-2853-4A0E-8891-02A0F99F3D95}" dt="2021-03-09T11:36:46.481" v="57" actId="20577"/>
-          <ac:spMkLst>
-            <pc:docMk/>
-            <pc:sldMk cId="2205391547" sldId="717"/>
-            <ac:spMk id="3" creationId="{00000000-0000-0000-0000-000000000000}"/>
-          </ac:spMkLst>
-        </pc:spChg>
       </pc:sldChg>
       <pc:sldChg chg="modNotesTx">
         <pc:chgData name="Gerth Stølting Brodal" userId="04ef4784-6591-4f86-a140-f5c3b108582a" providerId="ADAL" clId="{64F0C171-2853-4A0E-8891-02A0F99F3D95}" dt="2021-03-09T11:31:55.752" v="44" actId="313"/>
@@ -824,14 +496,6 @@
           <pc:docMk/>
           <pc:sldMk cId="4063920540" sldId="723"/>
         </pc:sldMkLst>
-        <pc:spChg chg="del">
-          <ac:chgData name="Gerth Stølting Brodal" userId="04ef4784-6591-4f86-a140-f5c3b108582a" providerId="ADAL" clId="{64F0C171-2853-4A0E-8891-02A0F99F3D95}" dt="2021-03-09T11:50:49.674" v="190" actId="478"/>
-          <ac:spMkLst>
-            <pc:docMk/>
-            <pc:sldMk cId="4063920540" sldId="723"/>
-            <ac:spMk id="2" creationId="{00000000-0000-0000-0000-000000000000}"/>
-          </ac:spMkLst>
-        </pc:spChg>
       </pc:sldChg>
     </pc:docChg>
   </pc:docChgLst>
@@ -848,14 +512,6 @@
           <pc:docMk/>
           <pc:sldMk cId="1038163257" sldId="475"/>
         </pc:sldMkLst>
-        <pc:spChg chg="mod">
-          <ac:chgData name="Gerth Stølting Brodal" userId="04ef4784-6591-4f86-a140-f5c3b108582a" providerId="ADAL" clId="{4C2C2F4D-D6A3-49A4-83F7-63FF82F121FE}" dt="2022-03-13T16:02:54.566" v="1226" actId="20577"/>
-          <ac:spMkLst>
-            <pc:docMk/>
-            <pc:sldMk cId="1038163257" sldId="475"/>
-            <ac:spMk id="3" creationId="{00000000-0000-0000-0000-000000000000}"/>
-          </ac:spMkLst>
-        </pc:spChg>
       </pc:sldChg>
       <pc:sldChg chg="modSp mod">
         <pc:chgData name="Gerth Stølting Brodal" userId="04ef4784-6591-4f86-a140-f5c3b108582a" providerId="ADAL" clId="{4C2C2F4D-D6A3-49A4-83F7-63FF82F121FE}" dt="2022-03-10T16:14:57.165" v="0" actId="6549"/>
@@ -863,14 +519,6 @@
           <pc:docMk/>
           <pc:sldMk cId="1202853326" sldId="709"/>
         </pc:sldMkLst>
-        <pc:graphicFrameChg chg="modGraphic">
-          <ac:chgData name="Gerth Stølting Brodal" userId="04ef4784-6591-4f86-a140-f5c3b108582a" providerId="ADAL" clId="{4C2C2F4D-D6A3-49A4-83F7-63FF82F121FE}" dt="2022-03-10T16:14:57.165" v="0" actId="6549"/>
-          <ac:graphicFrameMkLst>
-            <pc:docMk/>
-            <pc:sldMk cId="1202853326" sldId="709"/>
-            <ac:graphicFrameMk id="5" creationId="{00000000-0000-0000-0000-000000000000}"/>
-          </ac:graphicFrameMkLst>
-        </pc:graphicFrameChg>
       </pc:sldChg>
       <pc:sldChg chg="del">
         <pc:chgData name="Gerth Stølting Brodal" userId="04ef4784-6591-4f86-a140-f5c3b108582a" providerId="ADAL" clId="{4C2C2F4D-D6A3-49A4-83F7-63FF82F121FE}" dt="2022-03-10T18:54:51.728" v="1" actId="47"/>
@@ -885,54 +533,6 @@
           <pc:docMk/>
           <pc:sldMk cId="2802748937" sldId="728"/>
         </pc:sldMkLst>
-        <pc:spChg chg="mod">
-          <ac:chgData name="Gerth Stølting Brodal" userId="04ef4784-6591-4f86-a140-f5c3b108582a" providerId="ADAL" clId="{4C2C2F4D-D6A3-49A4-83F7-63FF82F121FE}" dt="2022-03-10T18:56:07.781" v="48" actId="14100"/>
-          <ac:spMkLst>
-            <pc:docMk/>
-            <pc:sldMk cId="2802748937" sldId="728"/>
-            <ac:spMk id="2" creationId="{00000000-0000-0000-0000-000000000000}"/>
-          </ac:spMkLst>
-        </pc:spChg>
-        <pc:spChg chg="del mod">
-          <ac:chgData name="Gerth Stølting Brodal" userId="04ef4784-6591-4f86-a140-f5c3b108582a" providerId="ADAL" clId="{4C2C2F4D-D6A3-49A4-83F7-63FF82F121FE}" dt="2022-03-10T19:04:46.615" v="250" actId="478"/>
-          <ac:spMkLst>
-            <pc:docMk/>
-            <pc:sldMk cId="2802748937" sldId="728"/>
-            <ac:spMk id="3" creationId="{00000000-0000-0000-0000-000000000000}"/>
-          </ac:spMkLst>
-        </pc:spChg>
-        <pc:spChg chg="add mod">
-          <ac:chgData name="Gerth Stølting Brodal" userId="04ef4784-6591-4f86-a140-f5c3b108582a" providerId="ADAL" clId="{4C2C2F4D-D6A3-49A4-83F7-63FF82F121FE}" dt="2022-03-10T19:43:31.811" v="1007" actId="20577"/>
-          <ac:spMkLst>
-            <pc:docMk/>
-            <pc:sldMk cId="2802748937" sldId="728"/>
-            <ac:spMk id="6" creationId="{3F30EC32-55F0-49D5-8E09-EF677A939BA1}"/>
-          </ac:spMkLst>
-        </pc:spChg>
-        <pc:spChg chg="add del mod">
-          <ac:chgData name="Gerth Stølting Brodal" userId="04ef4784-6591-4f86-a140-f5c3b108582a" providerId="ADAL" clId="{4C2C2F4D-D6A3-49A4-83F7-63FF82F121FE}" dt="2022-03-10T19:04:49.957" v="251" actId="478"/>
-          <ac:spMkLst>
-            <pc:docMk/>
-            <pc:sldMk cId="2802748937" sldId="728"/>
-            <ac:spMk id="8" creationId="{D596853B-EE47-4DA9-868F-971DE4261FAA}"/>
-          </ac:spMkLst>
-        </pc:spChg>
-        <pc:graphicFrameChg chg="mod modGraphic">
-          <ac:chgData name="Gerth Stølting Brodal" userId="04ef4784-6591-4f86-a140-f5c3b108582a" providerId="ADAL" clId="{4C2C2F4D-D6A3-49A4-83F7-63FF82F121FE}" dt="2022-03-10T19:06:44.840" v="267" actId="1076"/>
-          <ac:graphicFrameMkLst>
-            <pc:docMk/>
-            <pc:sldMk cId="2802748937" sldId="728"/>
-            <ac:graphicFrameMk id="4" creationId="{00000000-0000-0000-0000-000000000000}"/>
-          </ac:graphicFrameMkLst>
-        </pc:graphicFrameChg>
-        <pc:graphicFrameChg chg="add mod modGraphic">
-          <ac:chgData name="Gerth Stølting Brodal" userId="04ef4784-6591-4f86-a140-f5c3b108582a" providerId="ADAL" clId="{4C2C2F4D-D6A3-49A4-83F7-63FF82F121FE}" dt="2022-03-14T07:56:44.945" v="1227" actId="20577"/>
-          <ac:graphicFrameMkLst>
-            <pc:docMk/>
-            <pc:sldMk cId="2802748937" sldId="728"/>
-            <ac:graphicFrameMk id="5" creationId="{A7A481A4-9355-47B1-B133-39B2CD357848}"/>
-          </ac:graphicFrameMkLst>
-        </pc:graphicFrameChg>
       </pc:sldChg>
       <pc:sldChg chg="addSp delSp modSp add mod">
         <pc:chgData name="Gerth Stølting Brodal" userId="04ef4784-6591-4f86-a140-f5c3b108582a" providerId="ADAL" clId="{4C2C2F4D-D6A3-49A4-83F7-63FF82F121FE}" dt="2022-03-10T19:59:49.061" v="1203" actId="14100"/>
@@ -940,102 +540,6 @@
           <pc:docMk/>
           <pc:sldMk cId="1881171177" sldId="729"/>
         </pc:sldMkLst>
-        <pc:spChg chg="del">
-          <ac:chgData name="Gerth Stølting Brodal" userId="04ef4784-6591-4f86-a140-f5c3b108582a" providerId="ADAL" clId="{4C2C2F4D-D6A3-49A4-83F7-63FF82F121FE}" dt="2022-03-10T19:13:26.031" v="357" actId="478"/>
-          <ac:spMkLst>
-            <pc:docMk/>
-            <pc:sldMk cId="1881171177" sldId="729"/>
-            <ac:spMk id="2" creationId="{00000000-0000-0000-0000-000000000000}"/>
-          </ac:spMkLst>
-        </pc:spChg>
-        <pc:spChg chg="del">
-          <ac:chgData name="Gerth Stølting Brodal" userId="04ef4784-6591-4f86-a140-f5c3b108582a" providerId="ADAL" clId="{4C2C2F4D-D6A3-49A4-83F7-63FF82F121FE}" dt="2022-03-10T19:13:26.031" v="357" actId="478"/>
-          <ac:spMkLst>
-            <pc:docMk/>
-            <pc:sldMk cId="1881171177" sldId="729"/>
-            <ac:spMk id="6" creationId="{3F30EC32-55F0-49D5-8E09-EF677A939BA1}"/>
-          </ac:spMkLst>
-        </pc:spChg>
-        <pc:spChg chg="add del mod">
-          <ac:chgData name="Gerth Stølting Brodal" userId="04ef4784-6591-4f86-a140-f5c3b108582a" providerId="ADAL" clId="{4C2C2F4D-D6A3-49A4-83F7-63FF82F121FE}" dt="2022-03-10T19:13:27.765" v="358" actId="478"/>
-          <ac:spMkLst>
-            <pc:docMk/>
-            <pc:sldMk cId="1881171177" sldId="729"/>
-            <ac:spMk id="7" creationId="{EDD2737D-00F3-49E5-8706-4C29C908FDD0}"/>
-          </ac:spMkLst>
-        </pc:spChg>
-        <pc:spChg chg="add del mod">
-          <ac:chgData name="Gerth Stølting Brodal" userId="04ef4784-6591-4f86-a140-f5c3b108582a" providerId="ADAL" clId="{4C2C2F4D-D6A3-49A4-83F7-63FF82F121FE}" dt="2022-03-10T19:39:03.229" v="647" actId="478"/>
-          <ac:spMkLst>
-            <pc:docMk/>
-            <pc:sldMk cId="1881171177" sldId="729"/>
-            <ac:spMk id="10" creationId="{253D05F7-9AEE-46A1-9F1A-784B001D9D77}"/>
-          </ac:spMkLst>
-        </pc:spChg>
-        <pc:spChg chg="add mod">
-          <ac:chgData name="Gerth Stølting Brodal" userId="04ef4784-6591-4f86-a140-f5c3b108582a" providerId="ADAL" clId="{4C2C2F4D-D6A3-49A4-83F7-63FF82F121FE}" dt="2022-03-10T19:39:10.615" v="649" actId="14100"/>
-          <ac:spMkLst>
-            <pc:docMk/>
-            <pc:sldMk cId="1881171177" sldId="729"/>
-            <ac:spMk id="22" creationId="{0F5EA7B3-224C-47DD-BF5D-AD37DF2E1606}"/>
-          </ac:spMkLst>
-        </pc:spChg>
-        <pc:spChg chg="add mod">
-          <ac:chgData name="Gerth Stølting Brodal" userId="04ef4784-6591-4f86-a140-f5c3b108582a" providerId="ADAL" clId="{4C2C2F4D-D6A3-49A4-83F7-63FF82F121FE}" dt="2022-03-10T19:59:49.061" v="1203" actId="14100"/>
-          <ac:spMkLst>
-            <pc:docMk/>
-            <pc:sldMk cId="1881171177" sldId="729"/>
-            <ac:spMk id="23" creationId="{939C6EA6-78C2-4D8F-82B7-6DC15D0BBD6D}"/>
-          </ac:spMkLst>
-        </pc:spChg>
-        <pc:graphicFrameChg chg="mod ord modGraphic">
-          <ac:chgData name="Gerth Stølting Brodal" userId="04ef4784-6591-4f86-a140-f5c3b108582a" providerId="ADAL" clId="{4C2C2F4D-D6A3-49A4-83F7-63FF82F121FE}" dt="2022-03-10T19:52:41.931" v="1111" actId="1038"/>
-          <ac:graphicFrameMkLst>
-            <pc:docMk/>
-            <pc:sldMk cId="1881171177" sldId="729"/>
-            <ac:graphicFrameMk id="4" creationId="{00000000-0000-0000-0000-000000000000}"/>
-          </ac:graphicFrameMkLst>
-        </pc:graphicFrameChg>
-        <pc:graphicFrameChg chg="del">
-          <ac:chgData name="Gerth Stølting Brodal" userId="04ef4784-6591-4f86-a140-f5c3b108582a" providerId="ADAL" clId="{4C2C2F4D-D6A3-49A4-83F7-63FF82F121FE}" dt="2022-03-10T19:13:50.203" v="361" actId="478"/>
-          <ac:graphicFrameMkLst>
-            <pc:docMk/>
-            <pc:sldMk cId="1881171177" sldId="729"/>
-            <ac:graphicFrameMk id="5" creationId="{A7A481A4-9355-47B1-B133-39B2CD357848}"/>
-          </ac:graphicFrameMkLst>
-        </pc:graphicFrameChg>
-        <pc:graphicFrameChg chg="add mod modGraphic">
-          <ac:chgData name="Gerth Stølting Brodal" userId="04ef4784-6591-4f86-a140-f5c3b108582a" providerId="ADAL" clId="{4C2C2F4D-D6A3-49A4-83F7-63FF82F121FE}" dt="2022-03-10T19:52:41.931" v="1111" actId="1038"/>
-          <ac:graphicFrameMkLst>
-            <pc:docMk/>
-            <pc:sldMk cId="1881171177" sldId="729"/>
-            <ac:graphicFrameMk id="8" creationId="{E6A75348-9395-4855-8417-5D974901E868}"/>
-          </ac:graphicFrameMkLst>
-        </pc:graphicFrameChg>
-        <pc:picChg chg="add mod">
-          <ac:chgData name="Gerth Stølting Brodal" userId="04ef4784-6591-4f86-a140-f5c3b108582a" providerId="ADAL" clId="{4C2C2F4D-D6A3-49A4-83F7-63FF82F121FE}" dt="2022-03-10T19:52:41.931" v="1111" actId="1038"/>
-          <ac:picMkLst>
-            <pc:docMk/>
-            <pc:sldMk cId="1881171177" sldId="729"/>
-            <ac:picMk id="12" creationId="{CC3EB954-9B43-4116-B9AA-74E3C879861A}"/>
-          </ac:picMkLst>
-        </pc:picChg>
-        <pc:cxnChg chg="add mod">
-          <ac:chgData name="Gerth Stølting Brodal" userId="04ef4784-6591-4f86-a140-f5c3b108582a" providerId="ADAL" clId="{4C2C2F4D-D6A3-49A4-83F7-63FF82F121FE}" dt="2022-03-10T19:52:41.931" v="1111" actId="1038"/>
-          <ac:cxnSpMkLst>
-            <pc:docMk/>
-            <pc:sldMk cId="1881171177" sldId="729"/>
-            <ac:cxnSpMk id="9" creationId="{17737FDD-DF5B-4C54-9737-182C49F01611}"/>
-          </ac:cxnSpMkLst>
-        </pc:cxnChg>
-        <pc:cxnChg chg="add mod">
-          <ac:chgData name="Gerth Stølting Brodal" userId="04ef4784-6591-4f86-a140-f5c3b108582a" providerId="ADAL" clId="{4C2C2F4D-D6A3-49A4-83F7-63FF82F121FE}" dt="2022-03-10T19:52:41.931" v="1111" actId="1038"/>
-          <ac:cxnSpMkLst>
-            <pc:docMk/>
-            <pc:sldMk cId="1881171177" sldId="729"/>
-            <ac:cxnSpMk id="13" creationId="{4C09251D-D62B-4408-8D3E-9669B9B398E0}"/>
-          </ac:cxnSpMkLst>
-        </pc:cxnChg>
       </pc:sldChg>
       <pc:sldChg chg="addSp delSp modSp new mod">
         <pc:chgData name="Gerth Stølting Brodal" userId="04ef4784-6591-4f86-a140-f5c3b108582a" providerId="ADAL" clId="{4C2C2F4D-D6A3-49A4-83F7-63FF82F121FE}" dt="2022-03-10T19:58:44.375" v="1199" actId="20577"/>
@@ -1043,30 +547,6 @@
           <pc:docMk/>
           <pc:sldMk cId="4113973945" sldId="730"/>
         </pc:sldMkLst>
-        <pc:spChg chg="del">
-          <ac:chgData name="Gerth Stølting Brodal" userId="04ef4784-6591-4f86-a140-f5c3b108582a" providerId="ADAL" clId="{4C2C2F4D-D6A3-49A4-83F7-63FF82F121FE}" dt="2022-03-10T19:55:14.351" v="1127" actId="478"/>
-          <ac:spMkLst>
-            <pc:docMk/>
-            <pc:sldMk cId="4113973945" sldId="730"/>
-            <ac:spMk id="2" creationId="{5C540A7E-AB3C-4AD0-9DC7-41CD0B87156C}"/>
-          </ac:spMkLst>
-        </pc:spChg>
-        <pc:spChg chg="del">
-          <ac:chgData name="Gerth Stølting Brodal" userId="04ef4784-6591-4f86-a140-f5c3b108582a" providerId="ADAL" clId="{4C2C2F4D-D6A3-49A4-83F7-63FF82F121FE}" dt="2022-03-10T19:55:14.351" v="1127" actId="478"/>
-          <ac:spMkLst>
-            <pc:docMk/>
-            <pc:sldMk cId="4113973945" sldId="730"/>
-            <ac:spMk id="3" creationId="{62978D14-9004-4325-BB93-C1BD2FA4AC3E}"/>
-          </ac:spMkLst>
-        </pc:spChg>
-        <pc:graphicFrameChg chg="add mod modGraphic">
-          <ac:chgData name="Gerth Stølting Brodal" userId="04ef4784-6591-4f86-a140-f5c3b108582a" providerId="ADAL" clId="{4C2C2F4D-D6A3-49A4-83F7-63FF82F121FE}" dt="2022-03-10T19:58:44.375" v="1199" actId="20577"/>
-          <ac:graphicFrameMkLst>
-            <pc:docMk/>
-            <pc:sldMk cId="4113973945" sldId="730"/>
-            <ac:graphicFrameMk id="4" creationId="{1C79346D-4580-4415-A8DF-89103609571D}"/>
-          </ac:graphicFrameMkLst>
-        </pc:graphicFrameChg>
       </pc:sldChg>
     </pc:docChg>
   </pc:docChgLst>
@@ -1083,14 +563,6 @@
           <pc:docMk/>
           <pc:sldMk cId="2905942797" sldId="711"/>
         </pc:sldMkLst>
-        <pc:spChg chg="mod">
-          <ac:chgData name="Gerth Stølting Brodal" userId="04ef4784-6591-4f86-a140-f5c3b108582a" providerId="ADAL" clId="{A6A9A378-5A9C-494E-9AFF-D5467651EA49}" dt="2024-11-20T08:09:51.304" v="45" actId="20577"/>
-          <ac:spMkLst>
-            <pc:docMk/>
-            <pc:sldMk cId="2905942797" sldId="711"/>
-            <ac:spMk id="2" creationId="{00000000-0000-0000-0000-000000000000}"/>
-          </ac:spMkLst>
-        </pc:spChg>
       </pc:sldChg>
       <pc:sldChg chg="ord">
         <pc:chgData name="Gerth Stølting Brodal" userId="04ef4784-6591-4f86-a140-f5c3b108582a" providerId="ADAL" clId="{A6A9A378-5A9C-494E-9AFF-D5467651EA49}" dt="2024-11-20T08:09:32.368" v="41"/>
@@ -1105,46 +577,6 @@
           <pc:docMk/>
           <pc:sldMk cId="1833727466" sldId="731"/>
         </pc:sldMkLst>
-        <pc:spChg chg="mod">
-          <ac:chgData name="Gerth Stølting Brodal" userId="04ef4784-6591-4f86-a140-f5c3b108582a" providerId="ADAL" clId="{A6A9A378-5A9C-494E-9AFF-D5467651EA49}" dt="2024-11-20T08:27:28.313" v="455" actId="14100"/>
-          <ac:spMkLst>
-            <pc:docMk/>
-            <pc:sldMk cId="1833727466" sldId="731"/>
-            <ac:spMk id="2" creationId="{C5893043-CC40-B57B-3459-60612813E8BC}"/>
-          </ac:spMkLst>
-        </pc:spChg>
-        <pc:spChg chg="add del mod">
-          <ac:chgData name="Gerth Stølting Brodal" userId="04ef4784-6591-4f86-a140-f5c3b108582a" providerId="ADAL" clId="{A6A9A378-5A9C-494E-9AFF-D5467651EA49}" dt="2024-11-20T09:35:21.931" v="997" actId="1035"/>
-          <ac:spMkLst>
-            <pc:docMk/>
-            <pc:sldMk cId="1833727466" sldId="731"/>
-            <ac:spMk id="3" creationId="{188647D0-71E6-5120-EF3B-FA797DEB2E9A}"/>
-          </ac:spMkLst>
-        </pc:spChg>
-        <pc:spChg chg="add del mod">
-          <ac:chgData name="Gerth Stølting Brodal" userId="04ef4784-6591-4f86-a140-f5c3b108582a" providerId="ADAL" clId="{A6A9A378-5A9C-494E-9AFF-D5467651EA49}" dt="2024-11-20T08:22:13.200" v="351" actId="478"/>
-          <ac:spMkLst>
-            <pc:docMk/>
-            <pc:sldMk cId="1833727466" sldId="731"/>
-            <ac:spMk id="6" creationId="{4D8F53F9-29EB-05A5-5E0C-124DAEA43958}"/>
-          </ac:spMkLst>
-        </pc:spChg>
-        <pc:graphicFrameChg chg="mod modGraphic">
-          <ac:chgData name="Gerth Stølting Brodal" userId="04ef4784-6591-4f86-a140-f5c3b108582a" providerId="ADAL" clId="{A6A9A378-5A9C-494E-9AFF-D5467651EA49}" dt="2024-11-20T09:30:13.928" v="949" actId="1076"/>
-          <ac:graphicFrameMkLst>
-            <pc:docMk/>
-            <pc:sldMk cId="1833727466" sldId="731"/>
-            <ac:graphicFrameMk id="5" creationId="{76DB784C-D612-34E4-0A37-66CE80B06D90}"/>
-          </ac:graphicFrameMkLst>
-        </pc:graphicFrameChg>
-        <pc:graphicFrameChg chg="mod modGraphic">
-          <ac:chgData name="Gerth Stølting Brodal" userId="04ef4784-6591-4f86-a140-f5c3b108582a" providerId="ADAL" clId="{A6A9A378-5A9C-494E-9AFF-D5467651EA49}" dt="2024-11-20T09:16:28.524" v="761" actId="1076"/>
-          <ac:graphicFrameMkLst>
-            <pc:docMk/>
-            <pc:sldMk cId="1833727466" sldId="731"/>
-            <ac:graphicFrameMk id="7" creationId="{F1B9F700-5C92-7F12-EDC7-0E6EBCB299A2}"/>
-          </ac:graphicFrameMkLst>
-        </pc:graphicFrameChg>
       </pc:sldChg>
     </pc:docChg>
   </pc:docChgLst>
@@ -1233,7 +665,7 @@
           <a:p>
             <a:fld id="{FB1A172F-81D4-4DC4-9113-1DBD56EC3646}" type="datetimeFigureOut">
               <a:rPr lang="en-US" smtClean="0"/>
-              <a:t>11/20/2024</a:t>
+              <a:t>3/10/2025</a:t>
             </a:fld>
             <a:endParaRPr lang="en-US"/>
           </a:p>
@@ -3072,11 +2504,42 @@
           <a:bodyPr/>
           <a:lstStyle/>
           <a:p>
+            <a:pPr marL="0" marR="0" lvl="0" indent="0" algn="l" defTabSz="914400" rtl="0" eaLnBrk="1" fontAlgn="auto" latinLnBrk="0" hangingPunct="1">
+              <a:lnSpc>
+                <a:spcPct val="100000"/>
+              </a:lnSpc>
+              <a:spcBef>
+                <a:spcPts val="0"/>
+              </a:spcBef>
+              <a:spcAft>
+                <a:spcPts val="0"/>
+              </a:spcAft>
+              <a:buClrTx/>
+              <a:buSzTx/>
+              <a:buFontTx/>
+              <a:buNone/>
+              <a:tabLst/>
+              <a:defRPr/>
+            </a:pPr>
+            <a:r>
+              <a:rPr lang="en-US" dirty="0"/>
+              <a:t>Program crashes… Goal: catch </a:t>
+            </a:r>
+            <a:r>
+              <a:rPr lang="en-US" dirty="0" err="1"/>
+              <a:t>misbehavioring</a:t>
+            </a:r>
+            <a:r>
+              <a:rPr lang="en-US" dirty="0"/>
+              <a:t> users</a:t>
+            </a:r>
+            <a:endParaRPr lang="da-DK" dirty="0"/>
+          </a:p>
+          <a:p>
             <a:r>
               <a:rPr lang="en-US" dirty="0"/>
               <a:t>1/4 versions of the program</a:t>
             </a:r>
-            <a:endParaRPr lang="da-DK" dirty="0"/>
           </a:p>
         </p:txBody>
       </p:sp>
@@ -3880,7 +3343,7 @@
           <a:p>
             <a:fld id="{0560A9CD-0304-4E0B-9E82-E7E0115DE05B}" type="datetimeFigureOut">
               <a:rPr lang="en-US" smtClean="0"/>
-              <a:t>11/20/2024</a:t>
+              <a:t>3/10/2025</a:t>
             </a:fld>
             <a:endParaRPr lang="en-US"/>
           </a:p>
@@ -4048,7 +3511,7 @@
           <a:p>
             <a:fld id="{0560A9CD-0304-4E0B-9E82-E7E0115DE05B}" type="datetimeFigureOut">
               <a:rPr lang="en-US" smtClean="0"/>
-              <a:t>11/20/2024</a:t>
+              <a:t>3/10/2025</a:t>
             </a:fld>
             <a:endParaRPr lang="en-US"/>
           </a:p>
@@ -4226,7 +3689,7 @@
           <a:p>
             <a:fld id="{0560A9CD-0304-4E0B-9E82-E7E0115DE05B}" type="datetimeFigureOut">
               <a:rPr lang="en-US" smtClean="0"/>
-              <a:t>11/20/2024</a:t>
+              <a:t>3/10/2025</a:t>
             </a:fld>
             <a:endParaRPr lang="en-US"/>
           </a:p>
@@ -4409,7 +3872,7 @@
           <a:p>
             <a:fld id="{0560A9CD-0304-4E0B-9E82-E7E0115DE05B}" type="datetimeFigureOut">
               <a:rPr lang="en-US" smtClean="0"/>
-              <a:t>11/20/2024</a:t>
+              <a:t>3/10/2025</a:t>
             </a:fld>
             <a:endParaRPr lang="en-US"/>
           </a:p>
@@ -4654,7 +4117,7 @@
           <a:p>
             <a:fld id="{0560A9CD-0304-4E0B-9E82-E7E0115DE05B}" type="datetimeFigureOut">
               <a:rPr lang="en-US" smtClean="0"/>
-              <a:t>11/20/2024</a:t>
+              <a:t>3/10/2025</a:t>
             </a:fld>
             <a:endParaRPr lang="en-US"/>
           </a:p>
@@ -4883,7 +4346,7 @@
           <a:p>
             <a:fld id="{0560A9CD-0304-4E0B-9E82-E7E0115DE05B}" type="datetimeFigureOut">
               <a:rPr lang="en-US" smtClean="0"/>
-              <a:t>11/20/2024</a:t>
+              <a:t>3/10/2025</a:t>
             </a:fld>
             <a:endParaRPr lang="en-US"/>
           </a:p>
@@ -5247,7 +4710,7 @@
           <a:p>
             <a:fld id="{0560A9CD-0304-4E0B-9E82-E7E0115DE05B}" type="datetimeFigureOut">
               <a:rPr lang="en-US" smtClean="0"/>
-              <a:t>11/20/2024</a:t>
+              <a:t>3/10/2025</a:t>
             </a:fld>
             <a:endParaRPr lang="en-US"/>
           </a:p>
@@ -5364,7 +4827,7 @@
           <a:p>
             <a:fld id="{0560A9CD-0304-4E0B-9E82-E7E0115DE05B}" type="datetimeFigureOut">
               <a:rPr lang="en-US" smtClean="0"/>
-              <a:t>11/20/2024</a:t>
+              <a:t>3/10/2025</a:t>
             </a:fld>
             <a:endParaRPr lang="en-US"/>
           </a:p>
@@ -5459,7 +4922,7 @@
           <a:p>
             <a:fld id="{0560A9CD-0304-4E0B-9E82-E7E0115DE05B}" type="datetimeFigureOut">
               <a:rPr lang="en-US" smtClean="0"/>
-              <a:t>11/20/2024</a:t>
+              <a:t>3/10/2025</a:t>
             </a:fld>
             <a:endParaRPr lang="en-US"/>
           </a:p>
@@ -5734,7 +5197,7 @@
           <a:p>
             <a:fld id="{0560A9CD-0304-4E0B-9E82-E7E0115DE05B}" type="datetimeFigureOut">
               <a:rPr lang="en-US" smtClean="0"/>
-              <a:t>11/20/2024</a:t>
+              <a:t>3/10/2025</a:t>
             </a:fld>
             <a:endParaRPr lang="en-US"/>
           </a:p>
@@ -5986,7 +5449,7 @@
           <a:p>
             <a:fld id="{0560A9CD-0304-4E0B-9E82-E7E0115DE05B}" type="datetimeFigureOut">
               <a:rPr lang="en-US" smtClean="0"/>
-              <a:t>11/20/2024</a:t>
+              <a:t>3/10/2025</a:t>
             </a:fld>
             <a:endParaRPr lang="en-US"/>
           </a:p>
@@ -6197,7 +5660,7 @@
           <a:p>
             <a:fld id="{0560A9CD-0304-4E0B-9E82-E7E0115DE05B}" type="datetimeFigureOut">
               <a:rPr lang="en-US" smtClean="0"/>
-              <a:t>11/20/2024</a:t>
+              <a:t>3/10/2025</a:t>
             </a:fld>
             <a:endParaRPr lang="en-US"/>
           </a:p>
@@ -38098,14 +37561,14 @@
           <p:nvPr>
             <p:extLst>
               <p:ext uri="{D42A27DB-BD31-4B8C-83A1-F6EECF244321}">
-                <p14:modId xmlns:p14="http://schemas.microsoft.com/office/powerpoint/2010/main" val="3409244432"/>
+                <p14:modId xmlns:p14="http://schemas.microsoft.com/office/powerpoint/2010/main" val="2001053168"/>
               </p:ext>
             </p:extLst>
           </p:nvPr>
         </p:nvGraphicFramePr>
         <p:xfrm>
           <a:off x="2386647" y="1945282"/>
-          <a:ext cx="7418705" cy="3931920"/>
+          <a:ext cx="7418705" cy="4206240"/>
         </p:xfrm>
         <a:graphic>
           <a:graphicData uri="http://schemas.openxmlformats.org/drawingml/2006/table">
@@ -38541,6 +38004,38 @@
                           <a:cs typeface="Courier New" panose="02070309020205020404" pitchFamily="49" charset="0"/>
                         </a:rPr>
                         <a:t>: division by zero</a:t>
+                      </a:r>
+                      <a:endParaRPr lang="en-US" sz="1800" b="1" baseline="0" dirty="0">
+                        <a:latin typeface="Courier New" panose="02070309020205020404" pitchFamily="49" charset="0"/>
+                        <a:cs typeface="Courier New" panose="02070309020205020404" pitchFamily="49" charset="0"/>
+                      </a:endParaRPr>
+                    </a:p>
+                    <a:p>
+                      <a:pPr marL="266700" marR="0" lvl="0" indent="-266700" algn="l" defTabSz="914400" rtl="0" eaLnBrk="1" fontAlgn="auto" latinLnBrk="0" hangingPunct="1">
+                        <a:lnSpc>
+                          <a:spcPct val="100000"/>
+                        </a:lnSpc>
+                        <a:spcBef>
+                          <a:spcPts val="0"/>
+                        </a:spcBef>
+                        <a:spcAft>
+                          <a:spcPts val="0"/>
+                        </a:spcAft>
+                        <a:buClr>
+                          <a:srgbClr val="C00000"/>
+                        </a:buClr>
+                        <a:buSzPct val="100000"/>
+                        <a:buFont typeface="Courier New" panose="02070309020205020404" pitchFamily="49" charset="0"/>
+                        <a:buChar char="&gt;"/>
+                        <a:tabLst/>
+                        <a:defRPr/>
+                      </a:pPr>
+                      <a:r>
+                        <a:rPr lang="en-US" sz="1800" b="1" baseline="0" dirty="0">
+                          <a:latin typeface="Courier New" panose="02070309020205020404" pitchFamily="49" charset="0"/>
+                          <a:cs typeface="Courier New" panose="02070309020205020404" pitchFamily="49" charset="0"/>
+                        </a:rPr>
+                        <a:t> </a:t>
                       </a:r>
                     </a:p>
                   </a:txBody>

--- a/ipsa/slides/exceptions.pptx
+++ b/ipsa/slides/exceptions.pptx
@@ -147,7 +147,7 @@
 <file path=ppt/revisionInfo.xml><?xml version="1.0" encoding="utf-8"?>
 <p1510:revInfo xmlns:a="http://schemas.openxmlformats.org/drawingml/2006/main" xmlns:r="http://schemas.openxmlformats.org/officeDocument/2006/relationships" xmlns:p1510="http://schemas.microsoft.com/office/powerpoint/2015/10/main">
   <p1510:revLst>
-    <p1510:client id="{9F458CB3-E497-4EBE-93FC-6326415FF9FB}" v="4" dt="2025-03-10T06:58:25.393"/>
+    <p1510:client id="{9F458CB3-E497-4EBE-93FC-6326415FF9FB}" v="5" dt="2025-03-12T07:34:22.221"/>
   </p1510:revLst>
 </p1510:revInfo>
 </file>
@@ -156,8 +156,8 @@
 <pc:chgInfo xmlns:a="http://schemas.openxmlformats.org/drawingml/2006/main" xmlns:r="http://schemas.openxmlformats.org/officeDocument/2006/relationships" xmlns:ac="http://schemas.microsoft.com/office/drawing/2013/main/command" xmlns:pc="http://schemas.microsoft.com/office/powerpoint/2013/main/command">
   <pc:docChgLst>
     <pc:chgData name="Gerth Stølting Brodal" userId="04ef4784-6591-4f86-a140-f5c3b108582a" providerId="ADAL" clId="{9F458CB3-E497-4EBE-93FC-6326415FF9FB}"/>
-    <pc:docChg chg="custSel modSld">
-      <pc:chgData name="Gerth Stølting Brodal" userId="04ef4784-6591-4f86-a140-f5c3b108582a" providerId="ADAL" clId="{9F458CB3-E497-4EBE-93FC-6326415FF9FB}" dt="2025-03-10T06:59:00.692" v="85" actId="20577"/>
+    <pc:docChg chg="undo custSel modSld">
+      <pc:chgData name="Gerth Stølting Brodal" userId="04ef4784-6591-4f86-a140-f5c3b108582a" providerId="ADAL" clId="{9F458CB3-E497-4EBE-93FC-6326415FF9FB}" dt="2025-03-12T07:34:46.944" v="146" actId="20577"/>
       <pc:docMkLst>
         <pc:docMk/>
       </pc:docMkLst>
@@ -172,6 +172,21 @@
           <ac:graphicFrameMkLst>
             <pc:docMk/>
             <pc:sldMk cId="1654434957" sldId="704"/>
+            <ac:graphicFrameMk id="4" creationId="{00000000-0000-0000-0000-000000000000}"/>
+          </ac:graphicFrameMkLst>
+        </pc:graphicFrameChg>
+      </pc:sldChg>
+      <pc:sldChg chg="modSp mod">
+        <pc:chgData name="Gerth Stølting Brodal" userId="04ef4784-6591-4f86-a140-f5c3b108582a" providerId="ADAL" clId="{9F458CB3-E497-4EBE-93FC-6326415FF9FB}" dt="2025-03-12T07:34:46.944" v="146" actId="20577"/>
+        <pc:sldMkLst>
+          <pc:docMk/>
+          <pc:sldMk cId="928740216" sldId="729"/>
+        </pc:sldMkLst>
+        <pc:graphicFrameChg chg="mod modGraphic">
+          <ac:chgData name="Gerth Stølting Brodal" userId="04ef4784-6591-4f86-a140-f5c3b108582a" providerId="ADAL" clId="{9F458CB3-E497-4EBE-93FC-6326415FF9FB}" dt="2025-03-12T07:34:46.944" v="146" actId="20577"/>
+          <ac:graphicFrameMkLst>
+            <pc:docMk/>
+            <pc:sldMk cId="928740216" sldId="729"/>
             <ac:graphicFrameMk id="4" creationId="{00000000-0000-0000-0000-000000000000}"/>
           </ac:graphicFrameMkLst>
         </pc:graphicFrameChg>
@@ -665,7 +680,7 @@
           <a:p>
             <a:fld id="{FB1A172F-81D4-4DC4-9113-1DBD56EC3646}" type="datetimeFigureOut">
               <a:rPr lang="en-US" smtClean="0"/>
-              <a:t>3/10/2025</a:t>
+              <a:t>3/12/2025</a:t>
             </a:fld>
             <a:endParaRPr lang="en-US"/>
           </a:p>
@@ -3343,7 +3358,7 @@
           <a:p>
             <a:fld id="{0560A9CD-0304-4E0B-9E82-E7E0115DE05B}" type="datetimeFigureOut">
               <a:rPr lang="en-US" smtClean="0"/>
-              <a:t>3/10/2025</a:t>
+              <a:t>3/12/2025</a:t>
             </a:fld>
             <a:endParaRPr lang="en-US"/>
           </a:p>
@@ -3511,7 +3526,7 @@
           <a:p>
             <a:fld id="{0560A9CD-0304-4E0B-9E82-E7E0115DE05B}" type="datetimeFigureOut">
               <a:rPr lang="en-US" smtClean="0"/>
-              <a:t>3/10/2025</a:t>
+              <a:t>3/12/2025</a:t>
             </a:fld>
             <a:endParaRPr lang="en-US"/>
           </a:p>
@@ -3689,7 +3704,7 @@
           <a:p>
             <a:fld id="{0560A9CD-0304-4E0B-9E82-E7E0115DE05B}" type="datetimeFigureOut">
               <a:rPr lang="en-US" smtClean="0"/>
-              <a:t>3/10/2025</a:t>
+              <a:t>3/12/2025</a:t>
             </a:fld>
             <a:endParaRPr lang="en-US"/>
           </a:p>
@@ -3872,7 +3887,7 @@
           <a:p>
             <a:fld id="{0560A9CD-0304-4E0B-9E82-E7E0115DE05B}" type="datetimeFigureOut">
               <a:rPr lang="en-US" smtClean="0"/>
-              <a:t>3/10/2025</a:t>
+              <a:t>3/12/2025</a:t>
             </a:fld>
             <a:endParaRPr lang="en-US"/>
           </a:p>
@@ -4117,7 +4132,7 @@
           <a:p>
             <a:fld id="{0560A9CD-0304-4E0B-9E82-E7E0115DE05B}" type="datetimeFigureOut">
               <a:rPr lang="en-US" smtClean="0"/>
-              <a:t>3/10/2025</a:t>
+              <a:t>3/12/2025</a:t>
             </a:fld>
             <a:endParaRPr lang="en-US"/>
           </a:p>
@@ -4346,7 +4361,7 @@
           <a:p>
             <a:fld id="{0560A9CD-0304-4E0B-9E82-E7E0115DE05B}" type="datetimeFigureOut">
               <a:rPr lang="en-US" smtClean="0"/>
-              <a:t>3/10/2025</a:t>
+              <a:t>3/12/2025</a:t>
             </a:fld>
             <a:endParaRPr lang="en-US"/>
           </a:p>
@@ -4710,7 +4725,7 @@
           <a:p>
             <a:fld id="{0560A9CD-0304-4E0B-9E82-E7E0115DE05B}" type="datetimeFigureOut">
               <a:rPr lang="en-US" smtClean="0"/>
-              <a:t>3/10/2025</a:t>
+              <a:t>3/12/2025</a:t>
             </a:fld>
             <a:endParaRPr lang="en-US"/>
           </a:p>
@@ -4827,7 +4842,7 @@
           <a:p>
             <a:fld id="{0560A9CD-0304-4E0B-9E82-E7E0115DE05B}" type="datetimeFigureOut">
               <a:rPr lang="en-US" smtClean="0"/>
-              <a:t>3/10/2025</a:t>
+              <a:t>3/12/2025</a:t>
             </a:fld>
             <a:endParaRPr lang="en-US"/>
           </a:p>
@@ -4922,7 +4937,7 @@
           <a:p>
             <a:fld id="{0560A9CD-0304-4E0B-9E82-E7E0115DE05B}" type="datetimeFigureOut">
               <a:rPr lang="en-US" smtClean="0"/>
-              <a:t>3/10/2025</a:t>
+              <a:t>3/12/2025</a:t>
             </a:fld>
             <a:endParaRPr lang="en-US"/>
           </a:p>
@@ -5197,7 +5212,7 @@
           <a:p>
             <a:fld id="{0560A9CD-0304-4E0B-9E82-E7E0115DE05B}" type="datetimeFigureOut">
               <a:rPr lang="en-US" smtClean="0"/>
-              <a:t>3/10/2025</a:t>
+              <a:t>3/12/2025</a:t>
             </a:fld>
             <a:endParaRPr lang="en-US"/>
           </a:p>
@@ -5449,7 +5464,7 @@
           <a:p>
             <a:fld id="{0560A9CD-0304-4E0B-9E82-E7E0115DE05B}" type="datetimeFigureOut">
               <a:rPr lang="en-US" smtClean="0"/>
-              <a:t>3/10/2025</a:t>
+              <a:t>3/12/2025</a:t>
             </a:fld>
             <a:endParaRPr lang="en-US"/>
           </a:p>
@@ -5660,7 +5675,7 @@
           <a:p>
             <a:fld id="{0560A9CD-0304-4E0B-9E82-E7E0115DE05B}" type="datetimeFigureOut">
               <a:rPr lang="en-US" smtClean="0"/>
-              <a:t>3/10/2025</a:t>
+              <a:t>3/12/2025</a:t>
             </a:fld>
             <a:endParaRPr lang="en-US"/>
           </a:p>
@@ -31178,7 +31193,13 @@
           <p:cNvGraphicFramePr>
             <a:graphicFrameLocks noGrp="1"/>
           </p:cNvGraphicFramePr>
-          <p:nvPr/>
+          <p:nvPr>
+            <p:extLst>
+              <p:ext uri="{D42A27DB-BD31-4B8C-83A1-F6EECF244321}">
+                <p14:modId xmlns:p14="http://schemas.microsoft.com/office/powerpoint/2010/main" val="3604228525"/>
+              </p:ext>
+            </p:extLst>
+          </p:nvPr>
         </p:nvGraphicFramePr>
         <p:xfrm>
           <a:off x="4199064" y="30480"/>
@@ -31919,10 +31940,22 @@
                       </a:r>
                     </a:p>
                     <a:p>
-                      <a:pPr>
+                      <a:pPr marL="0" marR="0" lvl="0" indent="0" algn="l" defTabSz="914400" rtl="0" eaLnBrk="1" fontAlgn="auto" latinLnBrk="0" hangingPunct="1">
+                        <a:lnSpc>
+                          <a:spcPct val="100000"/>
+                        </a:lnSpc>
+                        <a:spcBef>
+                          <a:spcPts val="0"/>
+                        </a:spcBef>
                         <a:spcAft>
                           <a:spcPts val="0"/>
                         </a:spcAft>
+                        <a:buClrTx/>
+                        <a:buSzTx/>
+                        <a:buFontTx/>
+                        <a:buNone/>
+                        <a:tabLst/>
+                        <a:defRPr/>
                       </a:pPr>
                       <a:r>
                         <a:rPr lang="en-US" sz="1400" b="1" dirty="0">
@@ -32026,8 +32059,36 @@
                           <a:latin typeface="Courier New" panose="02070309020205020404" pitchFamily="49" charset="0"/>
                           <a:cs typeface="Courier New" panose="02070309020205020404" pitchFamily="49" charset="0"/>
                         </a:rPr>
-                        <a:t>:</a:t>
-                      </a:r>
+                        <a:t>:  </a:t>
+                      </a:r>
+                      <a:r>
+                        <a:rPr lang="en-US" sz="1400" b="1" dirty="0">
+                          <a:solidFill>
+                            <a:schemeClr val="bg1">
+                              <a:lumMod val="50000"/>
+                            </a:schemeClr>
+                          </a:solidFill>
+                          <a:latin typeface="Courier New" panose="02070309020205020404" pitchFamily="49" charset="0"/>
+                          <a:cs typeface="Courier New" panose="02070309020205020404" pitchFamily="49" charset="0"/>
+                        </a:rPr>
+                        <a:t># a dictionary containing at </a:t>
+                      </a:r>
+                      <a:r>
+                        <a:rPr lang="en-US" sz="1400" b="1">
+                          <a:solidFill>
+                            <a:schemeClr val="bg1">
+                              <a:lumMod val="50000"/>
+                            </a:schemeClr>
+                          </a:solidFill>
+                          <a:latin typeface="Courier New" panose="02070309020205020404" pitchFamily="49" charset="0"/>
+                          <a:cs typeface="Courier New" panose="02070309020205020404" pitchFamily="49" charset="0"/>
+                        </a:rPr>
+                        <a:t>least two keys</a:t>
+                      </a:r>
+                      <a:endParaRPr lang="en-US" sz="1400" b="1" dirty="0">
+                        <a:latin typeface="Courier New" panose="02070309020205020404" pitchFamily="49" charset="0"/>
+                        <a:cs typeface="Courier New" panose="02070309020205020404" pitchFamily="49" charset="0"/>
+                      </a:endParaRPr>
                     </a:p>
                     <a:p>
                       <a:pPr>
